--- a/534-Slides.pptx
+++ b/534-Slides.pptx
@@ -107,6 +107,11 @@
       </a:defRPr>
     </a:lvl9pPr>
   </p:defaultTextStyle>
+  <p:extLst>
+    <p:ext uri="{EFAFB233-063F-42B5-8137-9DF3F51BA10A}">
+      <p15:sldGuideLst xmlns:p15="http://schemas.microsoft.com/office/powerpoint/2012/main"/>
+    </p:ext>
+  </p:extLst>
 </p:presentation>
 </file>
 
@@ -7394,6 +7399,428 @@
           </a:fontRef>
         </p:style>
       </p:cxnSp>
+      <p:sp>
+        <p:nvSpPr>
+          <p:cNvPr id="3" name="TextBox 2">
+            <a:extLst>
+              <a:ext uri="{FF2B5EF4-FFF2-40B4-BE49-F238E27FC236}">
+                <a16:creationId xmlns:a16="http://schemas.microsoft.com/office/drawing/2014/main" id="{C7E3903D-75B9-570E-B708-C1FDB500E2E2}"/>
+              </a:ext>
+            </a:extLst>
+          </p:cNvPr>
+          <p:cNvSpPr txBox="1"/>
+          <p:nvPr/>
+        </p:nvSpPr>
+        <p:spPr>
+          <a:xfrm>
+            <a:off x="1736540" y="1026264"/>
+            <a:ext cx="8737297" cy="5078313"/>
+          </a:xfrm>
+          <a:prstGeom prst="rect">
+            <a:avLst/>
+          </a:prstGeom>
+          <a:noFill/>
+        </p:spPr>
+        <p:txBody>
+          <a:bodyPr wrap="square" rtlCol="0">
+            <a:spAutoFit/>
+          </a:bodyPr>
+          <a:lstStyle/>
+          <a:p>
+            <a:pPr marL="285750" indent="-285750">
+              <a:buFont typeface="Arial" panose="020B0604020202020204" pitchFamily="34" charset="0"/>
+              <a:buChar char="•"/>
+            </a:pPr>
+            <a:r>
+              <a:rPr lang="en-US" dirty="0"/>
+              <a:t>The program is split into 3 phases: Show/Seasons/Episodes</a:t>
+            </a:r>
+          </a:p>
+          <a:p>
+            <a:pPr marL="285750" indent="-285750">
+              <a:buFont typeface="Arial" panose="020B0604020202020204" pitchFamily="34" charset="0"/>
+              <a:buChar char="•"/>
+            </a:pPr>
+            <a:r>
+              <a:rPr lang="en-US" dirty="0"/>
+              <a:t>Each phase has its own get function and format function.</a:t>
+            </a:r>
+          </a:p>
+          <a:p>
+            <a:pPr marL="285750" indent="-285750">
+              <a:buFont typeface="Arial" panose="020B0604020202020204" pitchFamily="34" charset="0"/>
+              <a:buChar char="•"/>
+            </a:pPr>
+            <a:r>
+              <a:rPr lang="en-US" dirty="0"/>
+              <a:t>The get function sends a request to a TVMAZE API and the format function cleans the data of missing information</a:t>
+            </a:r>
+          </a:p>
+          <a:p>
+            <a:endParaRPr lang="en-US" dirty="0"/>
+          </a:p>
+          <a:p>
+            <a:pPr marL="285750" indent="-285750">
+              <a:buFont typeface="Arial" panose="020B0604020202020204" pitchFamily="34" charset="0"/>
+              <a:buChar char="•"/>
+            </a:pPr>
+            <a:r>
+              <a:rPr lang="en-CA" b="0" dirty="0" err="1">
+                <a:solidFill>
+                  <a:srgbClr val="DCDCAA"/>
+                </a:solidFill>
+                <a:effectLst/>
+                <a:latin typeface="Menlo" panose="020B0609030804020204" pitchFamily="49" charset="0"/>
+              </a:rPr>
+              <a:t>get_shows</a:t>
+            </a:r>
+            <a:r>
+              <a:rPr lang="en-CA" b="0" dirty="0">
+                <a:solidFill>
+                  <a:srgbClr val="CCCCCC"/>
+                </a:solidFill>
+                <a:effectLst/>
+                <a:latin typeface="Menlo" panose="020B0609030804020204" pitchFamily="49" charset="0"/>
+              </a:rPr>
+              <a:t>(</a:t>
+            </a:r>
+            <a:r>
+              <a:rPr lang="en-CA" b="0" dirty="0">
+                <a:solidFill>
+                  <a:srgbClr val="9CDCFE"/>
+                </a:solidFill>
+                <a:effectLst/>
+                <a:latin typeface="Menlo" panose="020B0609030804020204" pitchFamily="49" charset="0"/>
+              </a:rPr>
+              <a:t>query</a:t>
+            </a:r>
+            <a:r>
+              <a:rPr lang="en-CA" b="0" dirty="0">
+                <a:solidFill>
+                  <a:srgbClr val="CCCCCC"/>
+                </a:solidFill>
+                <a:effectLst/>
+                <a:latin typeface="Menlo" panose="020B0609030804020204" pitchFamily="49" charset="0"/>
+              </a:rPr>
+              <a:t>)</a:t>
+            </a:r>
+          </a:p>
+          <a:p>
+            <a:pPr marL="285750" indent="-285750">
+              <a:buFont typeface="Arial" panose="020B0604020202020204" pitchFamily="34" charset="0"/>
+              <a:buChar char="•"/>
+            </a:pPr>
+            <a:r>
+              <a:rPr lang="en-CA" b="0" dirty="0" err="1">
+                <a:solidFill>
+                  <a:srgbClr val="DCDCAA"/>
+                </a:solidFill>
+                <a:effectLst/>
+                <a:latin typeface="Menlo" panose="020B0609030804020204" pitchFamily="49" charset="0"/>
+              </a:rPr>
+              <a:t>format_show_name</a:t>
+            </a:r>
+            <a:r>
+              <a:rPr lang="en-CA" b="0" dirty="0">
+                <a:solidFill>
+                  <a:srgbClr val="CCCCCC"/>
+                </a:solidFill>
+                <a:effectLst/>
+                <a:latin typeface="Menlo" panose="020B0609030804020204" pitchFamily="49" charset="0"/>
+              </a:rPr>
+              <a:t>(</a:t>
+            </a:r>
+            <a:r>
+              <a:rPr lang="en-CA" b="0" dirty="0">
+                <a:solidFill>
+                  <a:srgbClr val="9CDCFE"/>
+                </a:solidFill>
+                <a:effectLst/>
+                <a:latin typeface="Menlo" panose="020B0609030804020204" pitchFamily="49" charset="0"/>
+              </a:rPr>
+              <a:t>show</a:t>
+            </a:r>
+            <a:r>
+              <a:rPr lang="en-CA" b="0" dirty="0">
+                <a:solidFill>
+                  <a:srgbClr val="CCCCCC"/>
+                </a:solidFill>
+                <a:effectLst/>
+                <a:latin typeface="Menlo" panose="020B0609030804020204" pitchFamily="49" charset="0"/>
+              </a:rPr>
+              <a:t>)</a:t>
+            </a:r>
+          </a:p>
+          <a:p>
+            <a:endParaRPr lang="en-CA" dirty="0">
+              <a:solidFill>
+                <a:srgbClr val="CCCCCC"/>
+              </a:solidFill>
+              <a:latin typeface="Menlo" panose="020B0609030804020204" pitchFamily="49" charset="0"/>
+            </a:endParaRPr>
+          </a:p>
+          <a:p>
+            <a:pPr marL="285750" indent="-285750">
+              <a:buFont typeface="Arial" panose="020B0604020202020204" pitchFamily="34" charset="0"/>
+              <a:buChar char="•"/>
+            </a:pPr>
+            <a:r>
+              <a:rPr lang="en-CA" b="0" dirty="0" err="1">
+                <a:solidFill>
+                  <a:srgbClr val="DCDCAA"/>
+                </a:solidFill>
+                <a:effectLst/>
+                <a:latin typeface="Menlo" panose="020B0609030804020204" pitchFamily="49" charset="0"/>
+              </a:rPr>
+              <a:t>get_seasons</a:t>
+            </a:r>
+            <a:r>
+              <a:rPr lang="en-CA" b="0" dirty="0">
+                <a:solidFill>
+                  <a:srgbClr val="CCCCCC"/>
+                </a:solidFill>
+                <a:effectLst/>
+                <a:latin typeface="Menlo" panose="020B0609030804020204" pitchFamily="49" charset="0"/>
+              </a:rPr>
+              <a:t>(</a:t>
+            </a:r>
+            <a:r>
+              <a:rPr lang="en-CA" b="0" dirty="0" err="1">
+                <a:solidFill>
+                  <a:srgbClr val="9CDCFE"/>
+                </a:solidFill>
+                <a:effectLst/>
+                <a:latin typeface="Menlo" panose="020B0609030804020204" pitchFamily="49" charset="0"/>
+              </a:rPr>
+              <a:t>show_id</a:t>
+            </a:r>
+            <a:r>
+              <a:rPr lang="en-CA" b="0" dirty="0">
+                <a:solidFill>
+                  <a:srgbClr val="CCCCCC"/>
+                </a:solidFill>
+                <a:effectLst/>
+                <a:latin typeface="Menlo" panose="020B0609030804020204" pitchFamily="49" charset="0"/>
+              </a:rPr>
+              <a:t>)</a:t>
+            </a:r>
+          </a:p>
+          <a:p>
+            <a:pPr marL="285750" indent="-285750">
+              <a:buFont typeface="Arial" panose="020B0604020202020204" pitchFamily="34" charset="0"/>
+              <a:buChar char="•"/>
+            </a:pPr>
+            <a:r>
+              <a:rPr lang="en-CA" b="0" dirty="0" err="1">
+                <a:solidFill>
+                  <a:srgbClr val="DCDCAA"/>
+                </a:solidFill>
+                <a:effectLst/>
+                <a:latin typeface="Menlo" panose="020B0609030804020204" pitchFamily="49" charset="0"/>
+              </a:rPr>
+              <a:t>format_season_name</a:t>
+            </a:r>
+            <a:r>
+              <a:rPr lang="en-CA" b="0" dirty="0">
+                <a:solidFill>
+                  <a:srgbClr val="CCCCCC"/>
+                </a:solidFill>
+                <a:effectLst/>
+                <a:latin typeface="Menlo" panose="020B0609030804020204" pitchFamily="49" charset="0"/>
+              </a:rPr>
+              <a:t>(</a:t>
+            </a:r>
+            <a:r>
+              <a:rPr lang="en-CA" b="0" dirty="0">
+                <a:solidFill>
+                  <a:srgbClr val="9CDCFE"/>
+                </a:solidFill>
+                <a:effectLst/>
+                <a:latin typeface="Menlo" panose="020B0609030804020204" pitchFamily="49" charset="0"/>
+              </a:rPr>
+              <a:t>season</a:t>
+            </a:r>
+            <a:r>
+              <a:rPr lang="en-CA" b="0" dirty="0">
+                <a:solidFill>
+                  <a:srgbClr val="CCCCCC"/>
+                </a:solidFill>
+                <a:effectLst/>
+                <a:latin typeface="Menlo" panose="020B0609030804020204" pitchFamily="49" charset="0"/>
+              </a:rPr>
+              <a:t>) </a:t>
+            </a:r>
+          </a:p>
+          <a:p>
+            <a:endParaRPr lang="en-CA" b="1" dirty="0">
+              <a:solidFill>
+                <a:srgbClr val="CCCCCC"/>
+              </a:solidFill>
+              <a:effectLst/>
+              <a:latin typeface="Menlo" panose="020B0609030804020204" pitchFamily="49" charset="0"/>
+            </a:endParaRPr>
+          </a:p>
+          <a:p>
+            <a:pPr marL="285750" indent="-285750">
+              <a:buFont typeface="Arial" panose="020B0604020202020204" pitchFamily="34" charset="0"/>
+              <a:buChar char="•"/>
+            </a:pPr>
+            <a:r>
+              <a:rPr lang="en-CA" b="0" dirty="0" err="1">
+                <a:solidFill>
+                  <a:srgbClr val="DCDCAA"/>
+                </a:solidFill>
+                <a:effectLst/>
+                <a:latin typeface="Menlo" panose="020B0609030804020204" pitchFamily="49" charset="0"/>
+              </a:rPr>
+              <a:t>get_episodes_of_season</a:t>
+            </a:r>
+            <a:r>
+              <a:rPr lang="en-CA" b="0" dirty="0">
+                <a:solidFill>
+                  <a:srgbClr val="CCCCCC"/>
+                </a:solidFill>
+                <a:effectLst/>
+                <a:latin typeface="Menlo" panose="020B0609030804020204" pitchFamily="49" charset="0"/>
+              </a:rPr>
+              <a:t>(</a:t>
+            </a:r>
+            <a:r>
+              <a:rPr lang="en-CA" b="0" dirty="0" err="1">
+                <a:solidFill>
+                  <a:srgbClr val="9CDCFE"/>
+                </a:solidFill>
+                <a:effectLst/>
+                <a:latin typeface="Menlo" panose="020B0609030804020204" pitchFamily="49" charset="0"/>
+              </a:rPr>
+              <a:t>season_id</a:t>
+            </a:r>
+            <a:r>
+              <a:rPr lang="en-CA" b="0" dirty="0">
+                <a:solidFill>
+                  <a:srgbClr val="CCCCCC"/>
+                </a:solidFill>
+                <a:effectLst/>
+                <a:latin typeface="Menlo" panose="020B0609030804020204" pitchFamily="49" charset="0"/>
+              </a:rPr>
+              <a:t>)</a:t>
+            </a:r>
+          </a:p>
+          <a:p>
+            <a:pPr marL="285750" indent="-285750">
+              <a:buFont typeface="Arial" panose="020B0604020202020204" pitchFamily="34" charset="0"/>
+              <a:buChar char="•"/>
+            </a:pPr>
+            <a:r>
+              <a:rPr lang="en-CA" b="0" dirty="0" err="1">
+                <a:solidFill>
+                  <a:srgbClr val="DCDCAA"/>
+                </a:solidFill>
+                <a:effectLst/>
+                <a:latin typeface="Menlo" panose="020B0609030804020204" pitchFamily="49" charset="0"/>
+              </a:rPr>
+              <a:t>format_episode_name</a:t>
+            </a:r>
+            <a:r>
+              <a:rPr lang="en-CA" b="0" dirty="0">
+                <a:solidFill>
+                  <a:srgbClr val="CCCCCC"/>
+                </a:solidFill>
+                <a:effectLst/>
+                <a:latin typeface="Menlo" panose="020B0609030804020204" pitchFamily="49" charset="0"/>
+              </a:rPr>
+              <a:t>(</a:t>
+            </a:r>
+            <a:r>
+              <a:rPr lang="en-CA" b="0" dirty="0">
+                <a:solidFill>
+                  <a:srgbClr val="9CDCFE"/>
+                </a:solidFill>
+                <a:effectLst/>
+                <a:latin typeface="Menlo" panose="020B0609030804020204" pitchFamily="49" charset="0"/>
+              </a:rPr>
+              <a:t>episode</a:t>
+            </a:r>
+            <a:r>
+              <a:rPr lang="en-CA" b="0" dirty="0">
+                <a:solidFill>
+                  <a:srgbClr val="CCCCCC"/>
+                </a:solidFill>
+                <a:effectLst/>
+                <a:latin typeface="Menlo" panose="020B0609030804020204" pitchFamily="49" charset="0"/>
+              </a:rPr>
+              <a:t>)</a:t>
+            </a:r>
+          </a:p>
+          <a:p>
+            <a:endParaRPr lang="en-CA" b="1" dirty="0">
+              <a:solidFill>
+                <a:srgbClr val="CCCCCC"/>
+              </a:solidFill>
+              <a:latin typeface="Menlo" panose="020B0609030804020204" pitchFamily="49" charset="0"/>
+            </a:endParaRPr>
+          </a:p>
+          <a:p>
+            <a:pPr marL="285750" indent="-285750">
+              <a:buFont typeface="Arial" panose="020B0604020202020204" pitchFamily="34" charset="0"/>
+              <a:buChar char="•"/>
+            </a:pPr>
+            <a:r>
+              <a:rPr lang="en-CA" b="1" dirty="0" err="1">
+                <a:solidFill>
+                  <a:srgbClr val="CCCCCC"/>
+                </a:solidFill>
+                <a:latin typeface="Menlo" panose="020B0609030804020204" pitchFamily="49" charset="0"/>
+              </a:rPr>
+              <a:t>plot_season_ratings</a:t>
+            </a:r>
+            <a:r>
+              <a:rPr lang="en-CA" b="1" dirty="0">
+                <a:solidFill>
+                  <a:srgbClr val="CCCCCC"/>
+                </a:solidFill>
+                <a:latin typeface="Menlo" panose="020B0609030804020204" pitchFamily="49" charset="0"/>
+              </a:rPr>
+              <a:t>(episodes):</a:t>
+            </a:r>
+          </a:p>
+          <a:p>
+            <a:pPr marL="285750" indent="-285750">
+              <a:buFont typeface="Arial" panose="020B0604020202020204" pitchFamily="34" charset="0"/>
+              <a:buChar char="•"/>
+            </a:pPr>
+            <a:r>
+              <a:rPr lang="en-CA" b="1" dirty="0">
+                <a:solidFill>
+                  <a:srgbClr val="CCCCCC"/>
+                </a:solidFill>
+                <a:effectLst/>
+                <a:latin typeface="Menlo" panose="020B0609030804020204" pitchFamily="49" charset="0"/>
+              </a:rPr>
+              <a:t>Plots the ratings of </a:t>
+            </a:r>
+            <a:r>
+              <a:rPr lang="en-CA" b="1" dirty="0">
+                <a:solidFill>
+                  <a:srgbClr val="CCCCCC"/>
+                </a:solidFill>
+                <a:latin typeface="Menlo" panose="020B0609030804020204" pitchFamily="49" charset="0"/>
+              </a:rPr>
+              <a:t>each episode of the season and calculates the average rating</a:t>
+            </a:r>
+            <a:endParaRPr lang="en-CA" b="1" dirty="0">
+              <a:solidFill>
+                <a:srgbClr val="CCCCCC"/>
+              </a:solidFill>
+              <a:effectLst/>
+              <a:latin typeface="Menlo" panose="020B0609030804020204" pitchFamily="49" charset="0"/>
+            </a:endParaRPr>
+          </a:p>
+          <a:p>
+            <a:endParaRPr lang="en-US" dirty="0"/>
+          </a:p>
+        </p:txBody>
+      </p:sp>
     </p:spTree>
     <p:extLst>
       <p:ext uri="{BB962C8B-B14F-4D97-AF65-F5344CB8AC3E}">

--- a/534-Slides.pptx
+++ b/534-Slides.pptx
@@ -262,7 +262,7 @@
           <a:p>
             <a:fld id="{6A4B53A7-3209-46A6-9454-F38EAC8F11E7}" type="datetimeFigureOut">
               <a:rPr lang="en-US" smtClean="0"/>
-              <a:t>1/24/24</a:t>
+              <a:t>1/25/24</a:t>
             </a:fld>
             <a:endParaRPr lang="en-US"/>
           </a:p>
@@ -513,7 +513,7 @@
           <a:p>
             <a:fld id="{6A4B53A7-3209-46A6-9454-F38EAC8F11E7}" type="datetimeFigureOut">
               <a:rPr lang="en-US" smtClean="0"/>
-              <a:t>1/24/24</a:t>
+              <a:t>1/25/24</a:t>
             </a:fld>
             <a:endParaRPr lang="en-US"/>
           </a:p>
@@ -774,7 +774,7 @@
           <a:p>
             <a:fld id="{6A4B53A7-3209-46A6-9454-F38EAC8F11E7}" type="datetimeFigureOut">
               <a:rPr lang="en-US" smtClean="0"/>
-              <a:t>1/24/24</a:t>
+              <a:t>1/25/24</a:t>
             </a:fld>
             <a:endParaRPr lang="en-US"/>
           </a:p>
@@ -1025,7 +1025,7 @@
           <a:p>
             <a:fld id="{6A4B53A7-3209-46A6-9454-F38EAC8F11E7}" type="datetimeFigureOut">
               <a:rPr lang="en-US" smtClean="0"/>
-              <a:t>1/24/24</a:t>
+              <a:t>1/25/24</a:t>
             </a:fld>
             <a:endParaRPr lang="en-US"/>
           </a:p>
@@ -1353,7 +1353,7 @@
           <a:p>
             <a:fld id="{6A4B53A7-3209-46A6-9454-F38EAC8F11E7}" type="datetimeFigureOut">
               <a:rPr lang="en-US" smtClean="0"/>
-              <a:t>1/24/24</a:t>
+              <a:t>1/25/24</a:t>
             </a:fld>
             <a:endParaRPr lang="en-US"/>
           </a:p>
@@ -1671,7 +1671,7 @@
           <a:p>
             <a:fld id="{6A4B53A7-3209-46A6-9454-F38EAC8F11E7}" type="datetimeFigureOut">
               <a:rPr lang="en-US" smtClean="0"/>
-              <a:t>1/24/24</a:t>
+              <a:t>1/25/24</a:t>
             </a:fld>
             <a:endParaRPr lang="en-US"/>
           </a:p>
@@ -2136,7 +2136,7 @@
           <a:p>
             <a:fld id="{6A4B53A7-3209-46A6-9454-F38EAC8F11E7}" type="datetimeFigureOut">
               <a:rPr lang="en-US" smtClean="0"/>
-              <a:t>1/24/24</a:t>
+              <a:t>1/25/24</a:t>
             </a:fld>
             <a:endParaRPr lang="en-US"/>
           </a:p>
@@ -2330,7 +2330,7 @@
           <a:p>
             <a:fld id="{6A4B53A7-3209-46A6-9454-F38EAC8F11E7}" type="datetimeFigureOut">
               <a:rPr lang="en-US" smtClean="0"/>
-              <a:t>1/24/24</a:t>
+              <a:t>1/25/24</a:t>
             </a:fld>
             <a:endParaRPr lang="en-US"/>
           </a:p>
@@ -2496,7 +2496,7 @@
           <a:p>
             <a:fld id="{6A4B53A7-3209-46A6-9454-F38EAC8F11E7}" type="datetimeFigureOut">
               <a:rPr lang="en-US" smtClean="0"/>
-              <a:t>1/24/24</a:t>
+              <a:t>1/25/24</a:t>
             </a:fld>
             <a:endParaRPr lang="en-US"/>
           </a:p>
@@ -2860,7 +2860,7 @@
           <a:p>
             <a:fld id="{6A4B53A7-3209-46A6-9454-F38EAC8F11E7}" type="datetimeFigureOut">
               <a:rPr lang="en-US" smtClean="0"/>
-              <a:t>1/24/24</a:t>
+              <a:t>1/25/24</a:t>
             </a:fld>
             <a:endParaRPr lang="en-US"/>
           </a:p>
@@ -3204,7 +3204,7 @@
           <a:p>
             <a:fld id="{6A4B53A7-3209-46A6-9454-F38EAC8F11E7}" type="datetimeFigureOut">
               <a:rPr lang="en-US" smtClean="0"/>
-              <a:t>1/24/24</a:t>
+              <a:t>1/25/24</a:t>
             </a:fld>
             <a:endParaRPr lang="en-US"/>
           </a:p>
@@ -3499,7 +3499,7 @@
             <a:fld id="{6A4B53A7-3209-46A6-9454-F38EAC8F11E7}" type="datetimeFigureOut">
               <a:rPr lang="en-US" smtClean="0"/>
               <a:pPr/>
-              <a:t>1/24/24</a:t>
+              <a:t>1/25/24</a:t>
             </a:fld>
             <a:endParaRPr lang="en-US" dirty="0"/>
           </a:p>
@@ -7859,21 +7859,21 @@
           <a:chExt cx="0" cy="0"/>
         </a:xfrm>
       </p:grpSpPr>
-      <p:cxnSp>
-        <p:nvCxnSpPr>
-          <p:cNvPr id="21" name="Straight Connector 7">
-            <a:extLst>
-              <a:ext uri="{FF2B5EF4-FFF2-40B4-BE49-F238E27FC236}">
-                <a16:creationId xmlns:a16="http://schemas.microsoft.com/office/drawing/2014/main" id="{D1B787A8-0D67-4B7E-9B48-86BD906AB6B5}"/>
+      <p:sp useBgFill="1">
+        <p:nvSpPr>
+          <p:cNvPr id="33" name="Rectangle 32">
+            <a:extLst>
+              <a:ext uri="{FF2B5EF4-FFF2-40B4-BE49-F238E27FC236}">
+                <a16:creationId xmlns:a16="http://schemas.microsoft.com/office/drawing/2014/main" id="{A2679492-7988-4050-9056-542444452411}"/>
               </a:ext>
               <a:ext uri="{C183D7F6-B498-43B3-948B-1728B52AA6E4}">
                 <adec:decorative xmlns:adec="http://schemas.microsoft.com/office/drawing/2017/decorative" val="1"/>
               </a:ext>
             </a:extLst>
           </p:cNvPr>
-          <p:cNvCxnSpPr>
-            <a:cxnSpLocks noGrp="1" noRot="1" noChangeAspect="1" noMove="1" noResize="1" noEditPoints="1" noAdjustHandles="1" noChangeArrowheads="1" noChangeShapeType="1"/>
-          </p:cNvCxnSpPr>
+          <p:cNvSpPr>
+            <a:spLocks noGrp="1" noRot="1" noChangeAspect="1" noMove="1" noResize="1" noEditPoints="1" noAdjustHandles="1" noChangeArrowheads="1" noChangeShapeType="1" noTextEdit="1"/>
+          </p:cNvSpPr>
           <p:nvPr>
             <p:extLst>
               <p:ext uri="{386F3935-93C4-4BCD-93E2-E3B085C9AB24}">
@@ -7881,52 +7881,92 @@
               </p:ext>
             </p:extLst>
           </p:nvPr>
-        </p:nvCxnSpPr>
+        </p:nvSpPr>
         <p:spPr>
           <a:xfrm>
-            <a:off x="715890" y="1114050"/>
-            <a:ext cx="0" cy="5735637"/>
+            <a:off x="0" y="0"/>
+            <a:ext cx="12192000" cy="6858000"/>
           </a:xfrm>
-          <a:prstGeom prst="line">
+          <a:prstGeom prst="rect">
             <a:avLst/>
           </a:prstGeom>
-          <a:ln w="25400" cap="sq">
-            <a:gradFill flip="none" rotWithShape="1">
-              <a:gsLst>
-                <a:gs pos="0">
-                  <a:schemeClr val="accent2"/>
-                </a:gs>
-                <a:gs pos="100000">
-                  <a:schemeClr val="accent4"/>
-                </a:gs>
-              </a:gsLst>
-              <a:lin ang="16200000" scaled="1"/>
-              <a:tileRect/>
-            </a:gradFill>
-            <a:bevel/>
+          <a:ln>
+            <a:noFill/>
           </a:ln>
         </p:spPr>
         <p:style>
-          <a:lnRef idx="1">
-            <a:schemeClr val="accent1"/>
+          <a:lnRef idx="2">
+            <a:schemeClr val="accent1">
+              <a:shade val="50000"/>
+            </a:schemeClr>
           </a:lnRef>
-          <a:fillRef idx="0">
+          <a:fillRef idx="1">
             <a:schemeClr val="accent1"/>
           </a:fillRef>
           <a:effectRef idx="0">
             <a:schemeClr val="accent1"/>
           </a:effectRef>
           <a:fontRef idx="minor">
-            <a:schemeClr val="tx1"/>
+            <a:schemeClr val="lt1"/>
           </a:fontRef>
         </p:style>
-      </p:cxnSp>
-      <p:sp>
-        <p:nvSpPr>
-          <p:cNvPr id="23" name="Rectangle 9">
-            <a:extLst>
-              <a:ext uri="{FF2B5EF4-FFF2-40B4-BE49-F238E27FC236}">
-                <a16:creationId xmlns:a16="http://schemas.microsoft.com/office/drawing/2014/main" id="{8F9CBE3F-79A8-4F8F-88D9-DAD03D0D281F}"/>
+        <p:txBody>
+          <a:bodyPr rtlCol="0" anchor="ctr"/>
+          <a:lstStyle/>
+          <a:p>
+            <a:pPr algn="ctr"/>
+            <a:endParaRPr lang="en-US"/>
+          </a:p>
+        </p:txBody>
+      </p:sp>
+      <p:sp>
+        <p:nvSpPr>
+          <p:cNvPr id="2" name="Title 1">
+            <a:extLst>
+              <a:ext uri="{FF2B5EF4-FFF2-40B4-BE49-F238E27FC236}">
+                <a16:creationId xmlns:a16="http://schemas.microsoft.com/office/drawing/2014/main" id="{B3D47821-778B-38AE-C530-4919AD696690}"/>
+              </a:ext>
+            </a:extLst>
+          </p:cNvPr>
+          <p:cNvSpPr>
+            <a:spLocks noGrp="1"/>
+          </p:cNvSpPr>
+          <p:nvPr>
+            <p:ph type="title"/>
+          </p:nvPr>
+        </p:nvSpPr>
+        <p:spPr>
+          <a:xfrm>
+            <a:off x="6412091" y="501651"/>
+            <a:ext cx="4395340" cy="1716255"/>
+          </a:xfrm>
+        </p:spPr>
+        <p:txBody>
+          <a:bodyPr vert="horz" lIns="91440" tIns="45720" rIns="91440" bIns="45720" rtlCol="0" anchor="b">
+            <a:normAutofit/>
+          </a:bodyPr>
+          <a:lstStyle/>
+          <a:p>
+            <a:r>
+              <a:rPr lang="en-US" sz="5400" b="1" i="0" kern="1200" cap="all" baseline="0">
+                <a:solidFill>
+                  <a:schemeClr val="tx1"/>
+                </a:solidFill>
+                <a:latin typeface="+mj-lt"/>
+                <a:ea typeface="+mj-ea"/>
+                <a:cs typeface="+mj-cs"/>
+              </a:rPr>
+              <a:t>Results</a:t>
+            </a:r>
+          </a:p>
+        </p:txBody>
+      </p:sp>
+      <p:sp>
+        <p:nvSpPr>
+          <p:cNvPr id="35" name="Rectangle 34">
+            <a:extLst>
+              <a:ext uri="{FF2B5EF4-FFF2-40B4-BE49-F238E27FC236}">
+                <a16:creationId xmlns:a16="http://schemas.microsoft.com/office/drawing/2014/main" id="{B091B163-7D61-4891-ABCF-5C13D9C418D0}"/>
               </a:ext>
               <a:ext uri="{C183D7F6-B498-43B3-948B-1728B52AA6E4}">
                 <adec:decorative xmlns:adec="http://schemas.microsoft.com/office/drawing/2017/decorative" val="1"/>
@@ -7947,7 +7987,7 @@
         <p:spPr>
           <a:xfrm>
             <a:off x="0" y="0"/>
-            <a:ext cx="12192000" cy="6858000"/>
+            <a:ext cx="5779911" cy="6858000"/>
           </a:xfrm>
           <a:prstGeom prst="rect">
             <a:avLst/>
@@ -7995,62 +8035,109 @@
       </p:sp>
       <p:sp>
         <p:nvSpPr>
-          <p:cNvPr id="2" name="Title 1">
-            <a:extLst>
-              <a:ext uri="{FF2B5EF4-FFF2-40B4-BE49-F238E27FC236}">
-                <a16:creationId xmlns:a16="http://schemas.microsoft.com/office/drawing/2014/main" id="{B3D47821-778B-38AE-C530-4919AD696690}"/>
-              </a:ext>
-            </a:extLst>
-          </p:cNvPr>
-          <p:cNvSpPr>
-            <a:spLocks noGrp="1"/>
-          </p:cNvSpPr>
-          <p:nvPr>
-            <p:ph type="title"/>
-          </p:nvPr>
+          <p:cNvPr id="3" name="TextBox 2">
+            <a:extLst>
+              <a:ext uri="{FF2B5EF4-FFF2-40B4-BE49-F238E27FC236}">
+                <a16:creationId xmlns:a16="http://schemas.microsoft.com/office/drawing/2014/main" id="{3CC661B7-822A-7159-BC45-736BCC87E55F}"/>
+              </a:ext>
+            </a:extLst>
+          </p:cNvPr>
+          <p:cNvSpPr txBox="1"/>
+          <p:nvPr/>
         </p:nvSpPr>
         <p:spPr>
           <a:xfrm>
-            <a:off x="1467717" y="40231"/>
-            <a:ext cx="9120771" cy="992438"/>
+            <a:off x="6392583" y="2645922"/>
+            <a:ext cx="4434721" cy="3710427"/>
           </a:xfrm>
+          <a:prstGeom prst="rect">
+            <a:avLst/>
+          </a:prstGeom>
         </p:spPr>
         <p:txBody>
-          <a:bodyPr vert="horz" lIns="91440" tIns="45720" rIns="91440" bIns="45720" rtlCol="0" anchor="b">
+          <a:bodyPr vert="horz" lIns="91440" tIns="45720" rIns="91440" bIns="45720" rtlCol="0" anchor="t">
             <a:normAutofit/>
           </a:bodyPr>
           <a:lstStyle/>
           <a:p>
-            <a:pPr algn="ctr"/>
-            <a:r>
-              <a:rPr lang="en-US" sz="6000" b="1" i="0" kern="1200" cap="all" baseline="0" dirty="0">
-                <a:solidFill>
-                  <a:schemeClr val="bg1"/>
-                </a:solidFill>
-                <a:latin typeface="+mj-lt"/>
-                <a:ea typeface="+mj-ea"/>
-                <a:cs typeface="+mj-cs"/>
-              </a:rPr>
-              <a:t>Results</a:t>
-            </a:r>
-          </a:p>
-        </p:txBody>
-      </p:sp>
-      <p:sp>
-        <p:nvSpPr>
-          <p:cNvPr id="25" name="Graphic 22">
-            <a:extLst>
-              <a:ext uri="{FF2B5EF4-FFF2-40B4-BE49-F238E27FC236}">
-                <a16:creationId xmlns:a16="http://schemas.microsoft.com/office/drawing/2014/main" id="{508BEF50-7B1E-49A4-BC19-5F4F1D755E64}"/>
+            <a:pPr defTabSz="914400">
+              <a:lnSpc>
+                <a:spcPct val="90000"/>
+              </a:lnSpc>
+              <a:spcAft>
+                <a:spcPts val="600"/>
+              </a:spcAft>
+            </a:pPr>
+            <a:r>
+              <a:rPr lang="en-US" dirty="0"/>
+              <a:t>The wrapper package will allow the user to:</a:t>
+            </a:r>
+          </a:p>
+          <a:p>
+            <a:pPr marL="342900" indent="-228600" defTabSz="914400">
+              <a:lnSpc>
+                <a:spcPct val="90000"/>
+              </a:lnSpc>
+              <a:spcAft>
+                <a:spcPts val="600"/>
+              </a:spcAft>
+              <a:buFont typeface="Arial" panose="020B0604020202020204" pitchFamily="34" charset="0"/>
+              <a:buChar char="•"/>
+            </a:pPr>
+            <a:r>
+              <a:rPr lang="en-US" dirty="0"/>
+              <a:t>View the show/season data retrieved from the API as a DataFrame.</a:t>
+            </a:r>
+          </a:p>
+          <a:p>
+            <a:pPr marL="342900" indent="-228600" defTabSz="914400">
+              <a:lnSpc>
+                <a:spcPct val="90000"/>
+              </a:lnSpc>
+              <a:spcAft>
+                <a:spcPts val="600"/>
+              </a:spcAft>
+              <a:buFont typeface="Arial" panose="020B0604020202020204" pitchFamily="34" charset="0"/>
+              <a:buChar char="•"/>
+            </a:pPr>
+            <a:r>
+              <a:rPr lang="en-US" dirty="0"/>
+              <a:t>View a plot between ‘Ratings’ and ‘Episode Number’ for any given season.</a:t>
+            </a:r>
+          </a:p>
+          <a:p>
+            <a:pPr marL="342900" indent="-228600" defTabSz="914400">
+              <a:lnSpc>
+                <a:spcPct val="90000"/>
+              </a:lnSpc>
+              <a:spcAft>
+                <a:spcPts val="600"/>
+              </a:spcAft>
+              <a:buFont typeface="Arial" panose="020B0604020202020204" pitchFamily="34" charset="0"/>
+              <a:buChar char="•"/>
+            </a:pPr>
+            <a:r>
+              <a:rPr lang="en-US" dirty="0"/>
+              <a:t>View the average rating for all the episodes from a given season</a:t>
+            </a:r>
+          </a:p>
+        </p:txBody>
+      </p:sp>
+      <p:cxnSp>
+        <p:nvCxnSpPr>
+          <p:cNvPr id="37" name="Straight Connector 36">
+            <a:extLst>
+              <a:ext uri="{FF2B5EF4-FFF2-40B4-BE49-F238E27FC236}">
+                <a16:creationId xmlns:a16="http://schemas.microsoft.com/office/drawing/2014/main" id="{C49DA8F6-BCC1-4447-B54C-57856834B94B}"/>
               </a:ext>
               <a:ext uri="{C183D7F6-B498-43B3-948B-1728B52AA6E4}">
                 <adec:decorative xmlns:adec="http://schemas.microsoft.com/office/drawing/2017/decorative" val="1"/>
               </a:ext>
             </a:extLst>
           </p:cNvPr>
-          <p:cNvSpPr>
-            <a:spLocks noGrp="1" noRot="1" noChangeAspect="1" noMove="1" noResize="1" noEditPoints="1" noAdjustHandles="1" noChangeArrowheads="1" noChangeShapeType="1" noTextEdit="1"/>
-          </p:cNvSpPr>
+          <p:cNvCxnSpPr>
+            <a:cxnSpLocks noGrp="1" noRot="1" noChangeAspect="1" noMove="1" noResize="1" noEditPoints="1" noAdjustHandles="1" noChangeArrowheads="1" noChangeShapeType="1"/>
+          </p:cNvCxnSpPr>
           <p:nvPr>
             <p:extLst>
               <p:ext uri="{386F3935-93C4-4BCD-93E2-E3B085C9AB24}">
@@ -8058,965 +8145,28 @@
               </p:ext>
             </p:extLst>
           </p:nvPr>
-        </p:nvSpPr>
-        <p:spPr>
-          <a:xfrm>
-            <a:off x="1261869" y="2383077"/>
-            <a:ext cx="151536" cy="151536"/>
-          </a:xfrm>
-          <a:custGeom>
-            <a:avLst/>
-            <a:gdLst>
-              <a:gd name="connsiteX0" fmla="*/ 141251 w 151536"/>
-              <a:gd name="connsiteY0" fmla="*/ 65483 h 151536"/>
-              <a:gd name="connsiteX1" fmla="*/ 86053 w 151536"/>
-              <a:gd name="connsiteY1" fmla="*/ 65483 h 151536"/>
-              <a:gd name="connsiteX2" fmla="*/ 86053 w 151536"/>
-              <a:gd name="connsiteY2" fmla="*/ 10285 h 151536"/>
-              <a:gd name="connsiteX3" fmla="*/ 75768 w 151536"/>
-              <a:gd name="connsiteY3" fmla="*/ 0 h 151536"/>
-              <a:gd name="connsiteX4" fmla="*/ 65483 w 151536"/>
-              <a:gd name="connsiteY4" fmla="*/ 10285 h 151536"/>
-              <a:gd name="connsiteX5" fmla="*/ 65483 w 151536"/>
-              <a:gd name="connsiteY5" fmla="*/ 65483 h 151536"/>
-              <a:gd name="connsiteX6" fmla="*/ 10285 w 151536"/>
-              <a:gd name="connsiteY6" fmla="*/ 65483 h 151536"/>
-              <a:gd name="connsiteX7" fmla="*/ 0 w 151536"/>
-              <a:gd name="connsiteY7" fmla="*/ 75768 h 151536"/>
-              <a:gd name="connsiteX8" fmla="*/ 10285 w 151536"/>
-              <a:gd name="connsiteY8" fmla="*/ 86053 h 151536"/>
-              <a:gd name="connsiteX9" fmla="*/ 65483 w 151536"/>
-              <a:gd name="connsiteY9" fmla="*/ 86053 h 151536"/>
-              <a:gd name="connsiteX10" fmla="*/ 65483 w 151536"/>
-              <a:gd name="connsiteY10" fmla="*/ 141251 h 151536"/>
-              <a:gd name="connsiteX11" fmla="*/ 75768 w 151536"/>
-              <a:gd name="connsiteY11" fmla="*/ 151536 h 151536"/>
-              <a:gd name="connsiteX12" fmla="*/ 86053 w 151536"/>
-              <a:gd name="connsiteY12" fmla="*/ 141251 h 151536"/>
-              <a:gd name="connsiteX13" fmla="*/ 86053 w 151536"/>
-              <a:gd name="connsiteY13" fmla="*/ 86053 h 151536"/>
-              <a:gd name="connsiteX14" fmla="*/ 141251 w 151536"/>
-              <a:gd name="connsiteY14" fmla="*/ 86053 h 151536"/>
-              <a:gd name="connsiteX15" fmla="*/ 151536 w 151536"/>
-              <a:gd name="connsiteY15" fmla="*/ 75768 h 151536"/>
-              <a:gd name="connsiteX16" fmla="*/ 141251 w 151536"/>
-              <a:gd name="connsiteY16" fmla="*/ 65483 h 151536"/>
-            </a:gdLst>
-            <a:ahLst/>
-            <a:cxnLst>
-              <a:cxn ang="0">
-                <a:pos x="connsiteX0" y="connsiteY0"/>
-              </a:cxn>
-              <a:cxn ang="0">
-                <a:pos x="connsiteX1" y="connsiteY1"/>
-              </a:cxn>
-              <a:cxn ang="0">
-                <a:pos x="connsiteX2" y="connsiteY2"/>
-              </a:cxn>
-              <a:cxn ang="0">
-                <a:pos x="connsiteX3" y="connsiteY3"/>
-              </a:cxn>
-              <a:cxn ang="0">
-                <a:pos x="connsiteX4" y="connsiteY4"/>
-              </a:cxn>
-              <a:cxn ang="0">
-                <a:pos x="connsiteX5" y="connsiteY5"/>
-              </a:cxn>
-              <a:cxn ang="0">
-                <a:pos x="connsiteX6" y="connsiteY6"/>
-              </a:cxn>
-              <a:cxn ang="0">
-                <a:pos x="connsiteX7" y="connsiteY7"/>
-              </a:cxn>
-              <a:cxn ang="0">
-                <a:pos x="connsiteX8" y="connsiteY8"/>
-              </a:cxn>
-              <a:cxn ang="0">
-                <a:pos x="connsiteX9" y="connsiteY9"/>
-              </a:cxn>
-              <a:cxn ang="0">
-                <a:pos x="connsiteX10" y="connsiteY10"/>
-              </a:cxn>
-              <a:cxn ang="0">
-                <a:pos x="connsiteX11" y="connsiteY11"/>
-              </a:cxn>
-              <a:cxn ang="0">
-                <a:pos x="connsiteX12" y="connsiteY12"/>
-              </a:cxn>
-              <a:cxn ang="0">
-                <a:pos x="connsiteX13" y="connsiteY13"/>
-              </a:cxn>
-              <a:cxn ang="0">
-                <a:pos x="connsiteX14" y="connsiteY14"/>
-              </a:cxn>
-              <a:cxn ang="0">
-                <a:pos x="connsiteX15" y="connsiteY15"/>
-              </a:cxn>
-              <a:cxn ang="0">
-                <a:pos x="connsiteX16" y="connsiteY16"/>
-              </a:cxn>
-            </a:cxnLst>
-            <a:rect l="l" t="t" r="r" b="b"/>
-            <a:pathLst>
-              <a:path w="151536" h="151536">
-                <a:moveTo>
-                  <a:pt x="141251" y="65483"/>
-                </a:moveTo>
-                <a:lnTo>
-                  <a:pt x="86053" y="65483"/>
-                </a:lnTo>
-                <a:lnTo>
-                  <a:pt x="86053" y="10285"/>
-                </a:lnTo>
-                <a:cubicBezTo>
-                  <a:pt x="86053" y="4605"/>
-                  <a:pt x="81448" y="0"/>
-                  <a:pt x="75768" y="0"/>
-                </a:cubicBezTo>
-                <a:cubicBezTo>
-                  <a:pt x="70088" y="0"/>
-                  <a:pt x="65483" y="4605"/>
-                  <a:pt x="65483" y="10285"/>
-                </a:cubicBezTo>
-                <a:lnTo>
-                  <a:pt x="65483" y="65483"/>
-                </a:lnTo>
-                <a:lnTo>
-                  <a:pt x="10285" y="65483"/>
-                </a:lnTo>
-                <a:cubicBezTo>
-                  <a:pt x="4605" y="65483"/>
-                  <a:pt x="0" y="70088"/>
-                  <a:pt x="0" y="75768"/>
-                </a:cubicBezTo>
-                <a:cubicBezTo>
-                  <a:pt x="0" y="81448"/>
-                  <a:pt x="4605" y="86053"/>
-                  <a:pt x="10285" y="86053"/>
-                </a:cubicBezTo>
-                <a:lnTo>
-                  <a:pt x="65483" y="86053"/>
-                </a:lnTo>
-                <a:lnTo>
-                  <a:pt x="65483" y="141251"/>
-                </a:lnTo>
-                <a:cubicBezTo>
-                  <a:pt x="65483" y="146931"/>
-                  <a:pt x="70088" y="151536"/>
-                  <a:pt x="75768" y="151536"/>
-                </a:cubicBezTo>
-                <a:cubicBezTo>
-                  <a:pt x="81448" y="151536"/>
-                  <a:pt x="86053" y="146931"/>
-                  <a:pt x="86053" y="141251"/>
-                </a:cubicBezTo>
-                <a:lnTo>
-                  <a:pt x="86053" y="86053"/>
-                </a:lnTo>
-                <a:lnTo>
-                  <a:pt x="141251" y="86053"/>
-                </a:lnTo>
-                <a:cubicBezTo>
-                  <a:pt x="146931" y="86053"/>
-                  <a:pt x="151536" y="81448"/>
-                  <a:pt x="151536" y="75768"/>
-                </a:cubicBezTo>
-                <a:cubicBezTo>
-                  <a:pt x="151536" y="70088"/>
-                  <a:pt x="146931" y="65483"/>
-                  <a:pt x="141251" y="65483"/>
-                </a:cubicBezTo>
-                <a:close/>
-              </a:path>
-            </a:pathLst>
-          </a:custGeom>
-          <a:solidFill>
-            <a:schemeClr val="bg1"/>
-          </a:solidFill>
-          <a:ln w="646" cap="flat">
-            <a:noFill/>
-            <a:prstDash val="solid"/>
-            <a:miter/>
-          </a:ln>
-        </p:spPr>
-        <p:txBody>
-          <a:bodyPr rtlCol="0" anchor="ctr"/>
-          <a:lstStyle/>
-          <a:p>
-            <a:endParaRPr lang="en-US"/>
-          </a:p>
-        </p:txBody>
-      </p:sp>
-      <p:sp>
-        <p:nvSpPr>
-          <p:cNvPr id="26" name="Graphic 13">
-            <a:extLst>
-              <a:ext uri="{FF2B5EF4-FFF2-40B4-BE49-F238E27FC236}">
-                <a16:creationId xmlns:a16="http://schemas.microsoft.com/office/drawing/2014/main" id="{C5CB530E-515E-412C-9DF1-5F8FFBD6F383}"/>
-              </a:ext>
-              <a:ext uri="{C183D7F6-B498-43B3-948B-1728B52AA6E4}">
-                <adec:decorative xmlns:adec="http://schemas.microsoft.com/office/drawing/2017/decorative" val="1"/>
-              </a:ext>
-            </a:extLst>
-          </p:cNvPr>
-          <p:cNvSpPr>
-            <a:spLocks noGrp="1" noRot="1" noChangeAspect="1" noMove="1" noResize="1" noEditPoints="1" noAdjustHandles="1" noChangeArrowheads="1" noChangeShapeType="1" noTextEdit="1"/>
-          </p:cNvSpPr>
-          <p:nvPr>
-            <p:extLst>
-              <p:ext uri="{386F3935-93C4-4BCD-93E2-E3B085C9AB24}">
-                <p16:designElem xmlns:p16="http://schemas.microsoft.com/office/powerpoint/2015/main" val="1"/>
-              </p:ext>
-            </p:extLst>
-          </p:nvPr>
-        </p:nvSpPr>
-        <p:spPr>
-          <a:xfrm>
-            <a:off x="10724364" y="2265467"/>
-            <a:ext cx="139039" cy="139039"/>
-          </a:xfrm>
-          <a:custGeom>
-            <a:avLst/>
-            <a:gdLst>
-              <a:gd name="connsiteX0" fmla="*/ 129602 w 139039"/>
-              <a:gd name="connsiteY0" fmla="*/ 60082 h 139039"/>
-              <a:gd name="connsiteX1" fmla="*/ 78957 w 139039"/>
-              <a:gd name="connsiteY1" fmla="*/ 60082 h 139039"/>
-              <a:gd name="connsiteX2" fmla="*/ 78957 w 139039"/>
-              <a:gd name="connsiteY2" fmla="*/ 9437 h 139039"/>
-              <a:gd name="connsiteX3" fmla="*/ 69520 w 139039"/>
-              <a:gd name="connsiteY3" fmla="*/ 0 h 139039"/>
-              <a:gd name="connsiteX4" fmla="*/ 60082 w 139039"/>
-              <a:gd name="connsiteY4" fmla="*/ 9437 h 139039"/>
-              <a:gd name="connsiteX5" fmla="*/ 60082 w 139039"/>
-              <a:gd name="connsiteY5" fmla="*/ 60082 h 139039"/>
-              <a:gd name="connsiteX6" fmla="*/ 9437 w 139039"/>
-              <a:gd name="connsiteY6" fmla="*/ 60082 h 139039"/>
-              <a:gd name="connsiteX7" fmla="*/ 0 w 139039"/>
-              <a:gd name="connsiteY7" fmla="*/ 69520 h 139039"/>
-              <a:gd name="connsiteX8" fmla="*/ 9437 w 139039"/>
-              <a:gd name="connsiteY8" fmla="*/ 78957 h 139039"/>
-              <a:gd name="connsiteX9" fmla="*/ 60082 w 139039"/>
-              <a:gd name="connsiteY9" fmla="*/ 78957 h 139039"/>
-              <a:gd name="connsiteX10" fmla="*/ 60082 w 139039"/>
-              <a:gd name="connsiteY10" fmla="*/ 129602 h 139039"/>
-              <a:gd name="connsiteX11" fmla="*/ 69520 w 139039"/>
-              <a:gd name="connsiteY11" fmla="*/ 139039 h 139039"/>
-              <a:gd name="connsiteX12" fmla="*/ 78957 w 139039"/>
-              <a:gd name="connsiteY12" fmla="*/ 129602 h 139039"/>
-              <a:gd name="connsiteX13" fmla="*/ 78957 w 139039"/>
-              <a:gd name="connsiteY13" fmla="*/ 78957 h 139039"/>
-              <a:gd name="connsiteX14" fmla="*/ 129602 w 139039"/>
-              <a:gd name="connsiteY14" fmla="*/ 78957 h 139039"/>
-              <a:gd name="connsiteX15" fmla="*/ 139039 w 139039"/>
-              <a:gd name="connsiteY15" fmla="*/ 69520 h 139039"/>
-              <a:gd name="connsiteX16" fmla="*/ 129602 w 139039"/>
-              <a:gd name="connsiteY16" fmla="*/ 60082 h 139039"/>
-            </a:gdLst>
-            <a:ahLst/>
-            <a:cxnLst>
-              <a:cxn ang="0">
-                <a:pos x="connsiteX0" y="connsiteY0"/>
-              </a:cxn>
-              <a:cxn ang="0">
-                <a:pos x="connsiteX1" y="connsiteY1"/>
-              </a:cxn>
-              <a:cxn ang="0">
-                <a:pos x="connsiteX2" y="connsiteY2"/>
-              </a:cxn>
-              <a:cxn ang="0">
-                <a:pos x="connsiteX3" y="connsiteY3"/>
-              </a:cxn>
-              <a:cxn ang="0">
-                <a:pos x="connsiteX4" y="connsiteY4"/>
-              </a:cxn>
-              <a:cxn ang="0">
-                <a:pos x="connsiteX5" y="connsiteY5"/>
-              </a:cxn>
-              <a:cxn ang="0">
-                <a:pos x="connsiteX6" y="connsiteY6"/>
-              </a:cxn>
-              <a:cxn ang="0">
-                <a:pos x="connsiteX7" y="connsiteY7"/>
-              </a:cxn>
-              <a:cxn ang="0">
-                <a:pos x="connsiteX8" y="connsiteY8"/>
-              </a:cxn>
-              <a:cxn ang="0">
-                <a:pos x="connsiteX9" y="connsiteY9"/>
-              </a:cxn>
-              <a:cxn ang="0">
-                <a:pos x="connsiteX10" y="connsiteY10"/>
-              </a:cxn>
-              <a:cxn ang="0">
-                <a:pos x="connsiteX11" y="connsiteY11"/>
-              </a:cxn>
-              <a:cxn ang="0">
-                <a:pos x="connsiteX12" y="connsiteY12"/>
-              </a:cxn>
-              <a:cxn ang="0">
-                <a:pos x="connsiteX13" y="connsiteY13"/>
-              </a:cxn>
-              <a:cxn ang="0">
-                <a:pos x="connsiteX14" y="connsiteY14"/>
-              </a:cxn>
-              <a:cxn ang="0">
-                <a:pos x="connsiteX15" y="connsiteY15"/>
-              </a:cxn>
-              <a:cxn ang="0">
-                <a:pos x="connsiteX16" y="connsiteY16"/>
-              </a:cxn>
-            </a:cxnLst>
-            <a:rect l="l" t="t" r="r" b="b"/>
-            <a:pathLst>
-              <a:path w="139039" h="139039">
-                <a:moveTo>
-                  <a:pt x="129602" y="60082"/>
-                </a:moveTo>
-                <a:lnTo>
-                  <a:pt x="78957" y="60082"/>
-                </a:lnTo>
-                <a:lnTo>
-                  <a:pt x="78957" y="9437"/>
-                </a:lnTo>
-                <a:cubicBezTo>
-                  <a:pt x="78957" y="4225"/>
-                  <a:pt x="74731" y="0"/>
-                  <a:pt x="69520" y="0"/>
-                </a:cubicBezTo>
-                <a:cubicBezTo>
-                  <a:pt x="64308" y="0"/>
-                  <a:pt x="60082" y="4225"/>
-                  <a:pt x="60082" y="9437"/>
-                </a:cubicBezTo>
-                <a:lnTo>
-                  <a:pt x="60082" y="60082"/>
-                </a:lnTo>
-                <a:lnTo>
-                  <a:pt x="9437" y="60082"/>
-                </a:lnTo>
-                <a:cubicBezTo>
-                  <a:pt x="4225" y="60082"/>
-                  <a:pt x="0" y="64308"/>
-                  <a:pt x="0" y="69520"/>
-                </a:cubicBezTo>
-                <a:cubicBezTo>
-                  <a:pt x="0" y="74731"/>
-                  <a:pt x="4225" y="78957"/>
-                  <a:pt x="9437" y="78957"/>
-                </a:cubicBezTo>
-                <a:lnTo>
-                  <a:pt x="60082" y="78957"/>
-                </a:lnTo>
-                <a:lnTo>
-                  <a:pt x="60082" y="129602"/>
-                </a:lnTo>
-                <a:cubicBezTo>
-                  <a:pt x="60082" y="134814"/>
-                  <a:pt x="64308" y="139039"/>
-                  <a:pt x="69520" y="139039"/>
-                </a:cubicBezTo>
-                <a:cubicBezTo>
-                  <a:pt x="74731" y="139039"/>
-                  <a:pt x="78957" y="134814"/>
-                  <a:pt x="78957" y="129602"/>
-                </a:cubicBezTo>
-                <a:lnTo>
-                  <a:pt x="78957" y="78957"/>
-                </a:lnTo>
-                <a:lnTo>
-                  <a:pt x="129602" y="78957"/>
-                </a:lnTo>
-                <a:cubicBezTo>
-                  <a:pt x="134814" y="78957"/>
-                  <a:pt x="139039" y="74731"/>
-                  <a:pt x="139039" y="69520"/>
-                </a:cubicBezTo>
-                <a:cubicBezTo>
-                  <a:pt x="139039" y="64308"/>
-                  <a:pt x="134814" y="60082"/>
-                  <a:pt x="129602" y="60082"/>
-                </a:cubicBezTo>
-                <a:close/>
-              </a:path>
-            </a:pathLst>
-          </a:custGeom>
-          <a:solidFill>
-            <a:schemeClr val="bg1"/>
-          </a:solidFill>
-          <a:ln w="603" cap="flat">
-            <a:noFill/>
-            <a:prstDash val="solid"/>
-            <a:miter/>
-          </a:ln>
-        </p:spPr>
-        <p:txBody>
-          <a:bodyPr rtlCol="0" anchor="ctr"/>
-          <a:lstStyle/>
-          <a:p>
-            <a:endParaRPr lang="en-US"/>
-          </a:p>
-        </p:txBody>
-      </p:sp>
-      <p:sp>
-        <p:nvSpPr>
-          <p:cNvPr id="27" name="Graphic 15">
-            <a:extLst>
-              <a:ext uri="{FF2B5EF4-FFF2-40B4-BE49-F238E27FC236}">
-                <a16:creationId xmlns:a16="http://schemas.microsoft.com/office/drawing/2014/main" id="{AEA7509D-F04F-40CB-A0B3-EEF16499CC9F}"/>
-              </a:ext>
-              <a:ext uri="{C183D7F6-B498-43B3-948B-1728B52AA6E4}">
-                <adec:decorative xmlns:adec="http://schemas.microsoft.com/office/drawing/2017/decorative" val="1"/>
-              </a:ext>
-            </a:extLst>
-          </p:cNvPr>
-          <p:cNvSpPr>
-            <a:spLocks noGrp="1" noRot="1" noChangeAspect="1" noMove="1" noResize="1" noEditPoints="1" noAdjustHandles="1" noChangeArrowheads="1" noChangeShapeType="1" noTextEdit="1"/>
-          </p:cNvSpPr>
-          <p:nvPr>
-            <p:extLst>
-              <p:ext uri="{386F3935-93C4-4BCD-93E2-E3B085C9AB24}">
-                <p16:designElem xmlns:p16="http://schemas.microsoft.com/office/powerpoint/2015/main" val="1"/>
-              </p:ext>
-            </p:extLst>
-          </p:nvPr>
-        </p:nvSpPr>
-        <p:spPr>
-          <a:xfrm>
-            <a:off x="11024834" y="2537201"/>
-            <a:ext cx="127714" cy="127714"/>
-          </a:xfrm>
-          <a:custGeom>
-            <a:avLst/>
-            <a:gdLst>
-              <a:gd name="connsiteX0" fmla="*/ 63857 w 127714"/>
-              <a:gd name="connsiteY0" fmla="*/ 18874 h 127714"/>
-              <a:gd name="connsiteX1" fmla="*/ 108840 w 127714"/>
-              <a:gd name="connsiteY1" fmla="*/ 63857 h 127714"/>
-              <a:gd name="connsiteX2" fmla="*/ 63857 w 127714"/>
-              <a:gd name="connsiteY2" fmla="*/ 108840 h 127714"/>
-              <a:gd name="connsiteX3" fmla="*/ 18874 w 127714"/>
-              <a:gd name="connsiteY3" fmla="*/ 63857 h 127714"/>
-              <a:gd name="connsiteX4" fmla="*/ 63857 w 127714"/>
-              <a:gd name="connsiteY4" fmla="*/ 18874 h 127714"/>
-              <a:gd name="connsiteX5" fmla="*/ 63857 w 127714"/>
-              <a:gd name="connsiteY5" fmla="*/ 0 h 127714"/>
-              <a:gd name="connsiteX6" fmla="*/ 0 w 127714"/>
-              <a:gd name="connsiteY6" fmla="*/ 63857 h 127714"/>
-              <a:gd name="connsiteX7" fmla="*/ 63857 w 127714"/>
-              <a:gd name="connsiteY7" fmla="*/ 127714 h 127714"/>
-              <a:gd name="connsiteX8" fmla="*/ 127714 w 127714"/>
-              <a:gd name="connsiteY8" fmla="*/ 63857 h 127714"/>
-              <a:gd name="connsiteX9" fmla="*/ 63857 w 127714"/>
-              <a:gd name="connsiteY9" fmla="*/ 0 h 127714"/>
-            </a:gdLst>
-            <a:ahLst/>
-            <a:cxnLst>
-              <a:cxn ang="0">
-                <a:pos x="connsiteX0" y="connsiteY0"/>
-              </a:cxn>
-              <a:cxn ang="0">
-                <a:pos x="connsiteX1" y="connsiteY1"/>
-              </a:cxn>
-              <a:cxn ang="0">
-                <a:pos x="connsiteX2" y="connsiteY2"/>
-              </a:cxn>
-              <a:cxn ang="0">
-                <a:pos x="connsiteX3" y="connsiteY3"/>
-              </a:cxn>
-              <a:cxn ang="0">
-                <a:pos x="connsiteX4" y="connsiteY4"/>
-              </a:cxn>
-              <a:cxn ang="0">
-                <a:pos x="connsiteX5" y="connsiteY5"/>
-              </a:cxn>
-              <a:cxn ang="0">
-                <a:pos x="connsiteX6" y="connsiteY6"/>
-              </a:cxn>
-              <a:cxn ang="0">
-                <a:pos x="connsiteX7" y="connsiteY7"/>
-              </a:cxn>
-              <a:cxn ang="0">
-                <a:pos x="connsiteX8" y="connsiteY8"/>
-              </a:cxn>
-              <a:cxn ang="0">
-                <a:pos x="connsiteX9" y="connsiteY9"/>
-              </a:cxn>
-            </a:cxnLst>
-            <a:rect l="l" t="t" r="r" b="b"/>
-            <a:pathLst>
-              <a:path w="127714" h="127714">
-                <a:moveTo>
-                  <a:pt x="63857" y="18874"/>
-                </a:moveTo>
-                <a:cubicBezTo>
-                  <a:pt x="88700" y="18874"/>
-                  <a:pt x="108840" y="39014"/>
-                  <a:pt x="108840" y="63857"/>
-                </a:cubicBezTo>
-                <a:cubicBezTo>
-                  <a:pt x="108840" y="88700"/>
-                  <a:pt x="88700" y="108840"/>
-                  <a:pt x="63857" y="108840"/>
-                </a:cubicBezTo>
-                <a:cubicBezTo>
-                  <a:pt x="39014" y="108840"/>
-                  <a:pt x="18874" y="88700"/>
-                  <a:pt x="18874" y="63857"/>
-                </a:cubicBezTo>
-                <a:cubicBezTo>
-                  <a:pt x="18898" y="39024"/>
-                  <a:pt x="39024" y="18898"/>
-                  <a:pt x="63857" y="18874"/>
-                </a:cubicBezTo>
-                <a:moveTo>
-                  <a:pt x="63857" y="0"/>
-                </a:moveTo>
-                <a:cubicBezTo>
-                  <a:pt x="28590" y="0"/>
-                  <a:pt x="0" y="28590"/>
-                  <a:pt x="0" y="63857"/>
-                </a:cubicBezTo>
-                <a:cubicBezTo>
-                  <a:pt x="0" y="99124"/>
-                  <a:pt x="28590" y="127714"/>
-                  <a:pt x="63857" y="127714"/>
-                </a:cubicBezTo>
-                <a:cubicBezTo>
-                  <a:pt x="99124" y="127714"/>
-                  <a:pt x="127714" y="99124"/>
-                  <a:pt x="127714" y="63857"/>
-                </a:cubicBezTo>
-                <a:cubicBezTo>
-                  <a:pt x="127714" y="28590"/>
-                  <a:pt x="99124" y="0"/>
-                  <a:pt x="63857" y="0"/>
-                </a:cubicBezTo>
-                <a:close/>
-              </a:path>
-            </a:pathLst>
-          </a:custGeom>
-          <a:solidFill>
-            <a:schemeClr val="bg1"/>
-          </a:solidFill>
-          <a:ln w="610" cap="flat">
-            <a:noFill/>
-            <a:prstDash val="solid"/>
-            <a:miter/>
-          </a:ln>
-        </p:spPr>
-        <p:txBody>
-          <a:bodyPr rtlCol="0" anchor="ctr"/>
-          <a:lstStyle/>
-          <a:p>
-            <a:endParaRPr lang="en-US"/>
-          </a:p>
-        </p:txBody>
-      </p:sp>
-      <p:sp>
-        <p:nvSpPr>
-          <p:cNvPr id="28" name="Graphic 21">
-            <a:extLst>
-              <a:ext uri="{FF2B5EF4-FFF2-40B4-BE49-F238E27FC236}">
-                <a16:creationId xmlns:a16="http://schemas.microsoft.com/office/drawing/2014/main" id="{C39ADB8F-D187-49D7-BDCF-C1B6DC727068}"/>
-              </a:ext>
-              <a:ext uri="{C183D7F6-B498-43B3-948B-1728B52AA6E4}">
-                <adec:decorative xmlns:adec="http://schemas.microsoft.com/office/drawing/2017/decorative" val="1"/>
-              </a:ext>
-            </a:extLst>
-          </p:cNvPr>
-          <p:cNvSpPr>
-            <a:spLocks noGrp="1" noRot="1" noChangeAspect="1" noMove="1" noResize="1" noEditPoints="1" noAdjustHandles="1" noChangeArrowheads="1" noChangeShapeType="1" noTextEdit="1"/>
-          </p:cNvSpPr>
-          <p:nvPr>
-            <p:extLst>
-              <p:ext uri="{386F3935-93C4-4BCD-93E2-E3B085C9AB24}">
-                <p16:designElem xmlns:p16="http://schemas.microsoft.com/office/powerpoint/2015/main" val="1"/>
-              </p:ext>
-            </p:extLst>
-          </p:nvPr>
-        </p:nvSpPr>
-        <p:spPr>
-          <a:xfrm>
-            <a:off x="1064053" y="2832967"/>
-            <a:ext cx="95759" cy="95759"/>
-          </a:xfrm>
-          <a:custGeom>
-            <a:avLst/>
-            <a:gdLst>
-              <a:gd name="connsiteX0" fmla="*/ 95759 w 95759"/>
-              <a:gd name="connsiteY0" fmla="*/ 47880 h 95759"/>
-              <a:gd name="connsiteX1" fmla="*/ 47880 w 95759"/>
-              <a:gd name="connsiteY1" fmla="*/ 95759 h 95759"/>
-              <a:gd name="connsiteX2" fmla="*/ 0 w 95759"/>
-              <a:gd name="connsiteY2" fmla="*/ 47880 h 95759"/>
-              <a:gd name="connsiteX3" fmla="*/ 47880 w 95759"/>
-              <a:gd name="connsiteY3" fmla="*/ 0 h 95759"/>
-              <a:gd name="connsiteX4" fmla="*/ 95759 w 95759"/>
-              <a:gd name="connsiteY4" fmla="*/ 47880 h 95759"/>
-            </a:gdLst>
-            <a:ahLst/>
-            <a:cxnLst>
-              <a:cxn ang="0">
-                <a:pos x="connsiteX0" y="connsiteY0"/>
-              </a:cxn>
-              <a:cxn ang="0">
-                <a:pos x="connsiteX1" y="connsiteY1"/>
-              </a:cxn>
-              <a:cxn ang="0">
-                <a:pos x="connsiteX2" y="connsiteY2"/>
-              </a:cxn>
-              <a:cxn ang="0">
-                <a:pos x="connsiteX3" y="connsiteY3"/>
-              </a:cxn>
-              <a:cxn ang="0">
-                <a:pos x="connsiteX4" y="connsiteY4"/>
-              </a:cxn>
-            </a:cxnLst>
-            <a:rect l="l" t="t" r="r" b="b"/>
-            <a:pathLst>
-              <a:path w="95759" h="95759">
-                <a:moveTo>
-                  <a:pt x="95759" y="47880"/>
-                </a:moveTo>
-                <a:cubicBezTo>
-                  <a:pt x="95759" y="74323"/>
-                  <a:pt x="74323" y="95759"/>
-                  <a:pt x="47880" y="95759"/>
-                </a:cubicBezTo>
-                <a:cubicBezTo>
-                  <a:pt x="21436" y="95759"/>
-                  <a:pt x="0" y="74323"/>
-                  <a:pt x="0" y="47880"/>
-                </a:cubicBezTo>
-                <a:cubicBezTo>
-                  <a:pt x="0" y="21436"/>
-                  <a:pt x="21436" y="0"/>
-                  <a:pt x="47880" y="0"/>
-                </a:cubicBezTo>
-                <a:cubicBezTo>
-                  <a:pt x="74323" y="0"/>
-                  <a:pt x="95759" y="21436"/>
-                  <a:pt x="95759" y="47880"/>
-                </a:cubicBezTo>
-                <a:close/>
-              </a:path>
-            </a:pathLst>
-          </a:custGeom>
-          <a:solidFill>
-            <a:schemeClr val="bg1"/>
-          </a:solidFill>
-          <a:ln w="469" cap="flat">
-            <a:noFill/>
-            <a:prstDash val="solid"/>
-            <a:miter/>
-          </a:ln>
-        </p:spPr>
-        <p:txBody>
-          <a:bodyPr rtlCol="0" anchor="ctr"/>
-          <a:lstStyle/>
-          <a:p>
-            <a:endParaRPr lang="en-US"/>
-          </a:p>
-        </p:txBody>
-      </p:sp>
-      <p:sp>
-        <p:nvSpPr>
-          <p:cNvPr id="20" name="Graphic 12">
-            <a:extLst>
-              <a:ext uri="{FF2B5EF4-FFF2-40B4-BE49-F238E27FC236}">
-                <a16:creationId xmlns:a16="http://schemas.microsoft.com/office/drawing/2014/main" id="{712D4376-A578-4FF1-94FC-245E7A6A489F}"/>
-              </a:ext>
-              <a:ext uri="{C183D7F6-B498-43B3-948B-1728B52AA6E4}">
-                <adec:decorative xmlns:adec="http://schemas.microsoft.com/office/drawing/2017/decorative" val="1"/>
-              </a:ext>
-            </a:extLst>
-          </p:cNvPr>
-          <p:cNvSpPr>
-            <a:spLocks noGrp="1" noRot="1" noChangeAspect="1" noMove="1" noResize="1" noEditPoints="1" noAdjustHandles="1" noChangeArrowheads="1" noChangeShapeType="1" noTextEdit="1"/>
-          </p:cNvSpPr>
-          <p:nvPr>
-            <p:extLst>
-              <p:ext uri="{386F3935-93C4-4BCD-93E2-E3B085C9AB24}">
-                <p16:designElem xmlns:p16="http://schemas.microsoft.com/office/powerpoint/2015/main" val="1"/>
-              </p:ext>
-            </p:extLst>
-          </p:nvPr>
-        </p:nvSpPr>
-        <p:spPr>
-          <a:xfrm>
-            <a:off x="10772266" y="2803988"/>
-            <a:ext cx="91138" cy="91138"/>
-          </a:xfrm>
-          <a:custGeom>
-            <a:avLst/>
-            <a:gdLst>
-              <a:gd name="connsiteX0" fmla="*/ 91138 w 91138"/>
-              <a:gd name="connsiteY0" fmla="*/ 45569 h 91138"/>
-              <a:gd name="connsiteX1" fmla="*/ 45569 w 91138"/>
-              <a:gd name="connsiteY1" fmla="*/ 91138 h 91138"/>
-              <a:gd name="connsiteX2" fmla="*/ 0 w 91138"/>
-              <a:gd name="connsiteY2" fmla="*/ 45569 h 91138"/>
-              <a:gd name="connsiteX3" fmla="*/ 45569 w 91138"/>
-              <a:gd name="connsiteY3" fmla="*/ 0 h 91138"/>
-              <a:gd name="connsiteX4" fmla="*/ 91138 w 91138"/>
-              <a:gd name="connsiteY4" fmla="*/ 45569 h 91138"/>
-            </a:gdLst>
-            <a:ahLst/>
-            <a:cxnLst>
-              <a:cxn ang="0">
-                <a:pos x="connsiteX0" y="connsiteY0"/>
-              </a:cxn>
-              <a:cxn ang="0">
-                <a:pos x="connsiteX1" y="connsiteY1"/>
-              </a:cxn>
-              <a:cxn ang="0">
-                <a:pos x="connsiteX2" y="connsiteY2"/>
-              </a:cxn>
-              <a:cxn ang="0">
-                <a:pos x="connsiteX3" y="connsiteY3"/>
-              </a:cxn>
-              <a:cxn ang="0">
-                <a:pos x="connsiteX4" y="connsiteY4"/>
-              </a:cxn>
-            </a:cxnLst>
-            <a:rect l="l" t="t" r="r" b="b"/>
-            <a:pathLst>
-              <a:path w="91138" h="91138">
-                <a:moveTo>
-                  <a:pt x="91138" y="45569"/>
-                </a:moveTo>
-                <a:cubicBezTo>
-                  <a:pt x="91138" y="70736"/>
-                  <a:pt x="70736" y="91138"/>
-                  <a:pt x="45569" y="91138"/>
-                </a:cubicBezTo>
-                <a:cubicBezTo>
-                  <a:pt x="20402" y="91138"/>
-                  <a:pt x="0" y="70736"/>
-                  <a:pt x="0" y="45569"/>
-                </a:cubicBezTo>
-                <a:cubicBezTo>
-                  <a:pt x="0" y="20402"/>
-                  <a:pt x="20402" y="0"/>
-                  <a:pt x="45569" y="0"/>
-                </a:cubicBezTo>
-                <a:cubicBezTo>
-                  <a:pt x="70736" y="0"/>
-                  <a:pt x="91138" y="20402"/>
-                  <a:pt x="91138" y="45569"/>
-                </a:cubicBezTo>
-                <a:close/>
-              </a:path>
-            </a:pathLst>
-          </a:custGeom>
-          <a:solidFill>
-            <a:schemeClr val="bg1"/>
-          </a:solidFill>
-          <a:ln w="422" cap="flat">
-            <a:noFill/>
-            <a:prstDash val="solid"/>
-            <a:miter/>
-          </a:ln>
-        </p:spPr>
-        <p:txBody>
-          <a:bodyPr rtlCol="0" anchor="ctr"/>
-          <a:lstStyle/>
-          <a:p>
-            <a:endParaRPr lang="en-US"/>
-          </a:p>
-        </p:txBody>
-      </p:sp>
-      <p:sp>
-        <p:nvSpPr>
-          <p:cNvPr id="22" name="Graphic 23">
-            <a:extLst>
-              <a:ext uri="{FF2B5EF4-FFF2-40B4-BE49-F238E27FC236}">
-                <a16:creationId xmlns:a16="http://schemas.microsoft.com/office/drawing/2014/main" id="{3FBAD350-5664-4811-A208-657FB882D350}"/>
-              </a:ext>
-              <a:ext uri="{C183D7F6-B498-43B3-948B-1728B52AA6E4}">
-                <adec:decorative xmlns:adec="http://schemas.microsoft.com/office/drawing/2017/decorative" val="1"/>
-              </a:ext>
-            </a:extLst>
-          </p:cNvPr>
-          <p:cNvSpPr>
-            <a:spLocks noGrp="1" noRot="1" noChangeAspect="1" noMove="1" noResize="1" noEditPoints="1" noAdjustHandles="1" noChangeArrowheads="1" noChangeShapeType="1" noTextEdit="1"/>
-          </p:cNvSpPr>
-          <p:nvPr>
-            <p:extLst>
-              <p:ext uri="{386F3935-93C4-4BCD-93E2-E3B085C9AB24}">
-                <p16:designElem xmlns:p16="http://schemas.microsoft.com/office/powerpoint/2015/main" val="1"/>
-              </p:ext>
-            </p:extLst>
-          </p:nvPr>
-        </p:nvSpPr>
-        <p:spPr>
-          <a:xfrm>
-            <a:off x="1413405" y="3242499"/>
-            <a:ext cx="108625" cy="108625"/>
-          </a:xfrm>
-          <a:custGeom>
-            <a:avLst/>
-            <a:gdLst>
-              <a:gd name="connsiteX0" fmla="*/ 54313 w 108625"/>
-              <a:gd name="connsiteY0" fmla="*/ 16053 h 108625"/>
-              <a:gd name="connsiteX1" fmla="*/ 92572 w 108625"/>
-              <a:gd name="connsiteY1" fmla="*/ 54313 h 108625"/>
-              <a:gd name="connsiteX2" fmla="*/ 54313 w 108625"/>
-              <a:gd name="connsiteY2" fmla="*/ 92572 h 108625"/>
-              <a:gd name="connsiteX3" fmla="*/ 16053 w 108625"/>
-              <a:gd name="connsiteY3" fmla="*/ 54313 h 108625"/>
-              <a:gd name="connsiteX4" fmla="*/ 54313 w 108625"/>
-              <a:gd name="connsiteY4" fmla="*/ 16053 h 108625"/>
-              <a:gd name="connsiteX5" fmla="*/ 54313 w 108625"/>
-              <a:gd name="connsiteY5" fmla="*/ 0 h 108625"/>
-              <a:gd name="connsiteX6" fmla="*/ 0 w 108625"/>
-              <a:gd name="connsiteY6" fmla="*/ 54313 h 108625"/>
-              <a:gd name="connsiteX7" fmla="*/ 54313 w 108625"/>
-              <a:gd name="connsiteY7" fmla="*/ 108625 h 108625"/>
-              <a:gd name="connsiteX8" fmla="*/ 108625 w 108625"/>
-              <a:gd name="connsiteY8" fmla="*/ 54313 h 108625"/>
-              <a:gd name="connsiteX9" fmla="*/ 54313 w 108625"/>
-              <a:gd name="connsiteY9" fmla="*/ 0 h 108625"/>
-            </a:gdLst>
-            <a:ahLst/>
-            <a:cxnLst>
-              <a:cxn ang="0">
-                <a:pos x="connsiteX0" y="connsiteY0"/>
-              </a:cxn>
-              <a:cxn ang="0">
-                <a:pos x="connsiteX1" y="connsiteY1"/>
-              </a:cxn>
-              <a:cxn ang="0">
-                <a:pos x="connsiteX2" y="connsiteY2"/>
-              </a:cxn>
-              <a:cxn ang="0">
-                <a:pos x="connsiteX3" y="connsiteY3"/>
-              </a:cxn>
-              <a:cxn ang="0">
-                <a:pos x="connsiteX4" y="connsiteY4"/>
-              </a:cxn>
-              <a:cxn ang="0">
-                <a:pos x="connsiteX5" y="connsiteY5"/>
-              </a:cxn>
-              <a:cxn ang="0">
-                <a:pos x="connsiteX6" y="connsiteY6"/>
-              </a:cxn>
-              <a:cxn ang="0">
-                <a:pos x="connsiteX7" y="connsiteY7"/>
-              </a:cxn>
-              <a:cxn ang="0">
-                <a:pos x="connsiteX8" y="connsiteY8"/>
-              </a:cxn>
-              <a:cxn ang="0">
-                <a:pos x="connsiteX9" y="connsiteY9"/>
-              </a:cxn>
-            </a:cxnLst>
-            <a:rect l="l" t="t" r="r" b="b"/>
-            <a:pathLst>
-              <a:path w="108625" h="108625">
-                <a:moveTo>
-                  <a:pt x="54313" y="16053"/>
-                </a:moveTo>
-                <a:cubicBezTo>
-                  <a:pt x="75442" y="16053"/>
-                  <a:pt x="92572" y="33182"/>
-                  <a:pt x="92572" y="54313"/>
-                </a:cubicBezTo>
-                <a:cubicBezTo>
-                  <a:pt x="92572" y="75442"/>
-                  <a:pt x="75442" y="92572"/>
-                  <a:pt x="54313" y="92572"/>
-                </a:cubicBezTo>
-                <a:cubicBezTo>
-                  <a:pt x="33182" y="92572"/>
-                  <a:pt x="16053" y="75442"/>
-                  <a:pt x="16053" y="54313"/>
-                </a:cubicBezTo>
-                <a:cubicBezTo>
-                  <a:pt x="16074" y="33191"/>
-                  <a:pt x="33191" y="16074"/>
-                  <a:pt x="54313" y="16053"/>
-                </a:cubicBezTo>
-                <a:moveTo>
-                  <a:pt x="54313" y="0"/>
-                </a:moveTo>
-                <a:cubicBezTo>
-                  <a:pt x="24317" y="0"/>
-                  <a:pt x="0" y="24317"/>
-                  <a:pt x="0" y="54313"/>
-                </a:cubicBezTo>
-                <a:cubicBezTo>
-                  <a:pt x="0" y="84309"/>
-                  <a:pt x="24317" y="108625"/>
-                  <a:pt x="54313" y="108625"/>
-                </a:cubicBezTo>
-                <a:cubicBezTo>
-                  <a:pt x="84309" y="108625"/>
-                  <a:pt x="108625" y="84309"/>
-                  <a:pt x="108625" y="54313"/>
-                </a:cubicBezTo>
-                <a:cubicBezTo>
-                  <a:pt x="108625" y="24317"/>
-                  <a:pt x="84309" y="0"/>
-                  <a:pt x="54313" y="0"/>
-                </a:cubicBezTo>
-                <a:close/>
-              </a:path>
-            </a:pathLst>
-          </a:custGeom>
-          <a:solidFill>
-            <a:schemeClr val="bg1"/>
-          </a:solidFill>
-          <a:ln w="516" cap="flat">
-            <a:noFill/>
-            <a:prstDash val="solid"/>
-            <a:miter/>
-          </a:ln>
-        </p:spPr>
-        <p:txBody>
-          <a:bodyPr rtlCol="0" anchor="ctr"/>
-          <a:lstStyle/>
-          <a:p>
-            <a:endParaRPr lang="en-US"/>
-          </a:p>
-        </p:txBody>
-      </p:sp>
-      <p:cxnSp>
-        <p:nvCxnSpPr>
-          <p:cNvPr id="24" name="Straight Connector 23">
-            <a:extLst>
-              <a:ext uri="{FF2B5EF4-FFF2-40B4-BE49-F238E27FC236}">
-                <a16:creationId xmlns:a16="http://schemas.microsoft.com/office/drawing/2014/main" id="{56020367-4FD5-4596-8E10-C5F095CD8DBF}"/>
-              </a:ext>
-              <a:ext uri="{C183D7F6-B498-43B3-948B-1728B52AA6E4}">
-                <adec:decorative xmlns:adec="http://schemas.microsoft.com/office/drawing/2017/decorative" val="1"/>
-              </a:ext>
-            </a:extLst>
-          </p:cNvPr>
-          <p:cNvCxnSpPr>
-            <a:cxnSpLocks noGrp="1" noRot="1" noChangeAspect="1" noMove="1" noResize="1" noEditPoints="1" noAdjustHandles="1" noChangeArrowheads="1" noChangeShapeType="1"/>
-          </p:cNvCxnSpPr>
-          <p:nvPr>
-            <p:extLst>
-              <p:ext uri="{386F3935-93C4-4BCD-93E2-E3B085C9AB24}">
-                <p16:designElem xmlns:p16="http://schemas.microsoft.com/office/powerpoint/2015/main" val="1"/>
-              </p:ext>
-            </p:extLst>
-          </p:nvPr>
         </p:nvCxnSpPr>
         <p:spPr>
           <a:xfrm>
-            <a:off x="0" y="5831729"/>
-            <a:ext cx="12188952" cy="0"/>
+            <a:off x="11586162" y="3610394"/>
+            <a:ext cx="0" cy="3238728"/>
           </a:xfrm>
           <a:prstGeom prst="line">
             <a:avLst/>
           </a:prstGeom>
           <a:ln w="25400" cap="sq">
-            <a:solidFill>
-              <a:schemeClr val="bg1"/>
-            </a:solidFill>
+            <a:gradFill flip="none" rotWithShape="1">
+              <a:gsLst>
+                <a:gs pos="0">
+                  <a:schemeClr val="accent2"/>
+                </a:gs>
+                <a:gs pos="100000">
+                  <a:schemeClr val="accent4"/>
+                </a:gs>
+              </a:gsLst>
+              <a:lin ang="16200000" scaled="1"/>
+              <a:tileRect/>
+            </a:gradFill>
             <a:bevel/>
           </a:ln>
         </p:spPr>
@@ -9035,6 +8185,71 @@
           </a:fontRef>
         </p:style>
       </p:cxnSp>
+      <p:sp>
+        <p:nvSpPr>
+          <p:cNvPr id="11" name="TextBox 10">
+            <a:extLst>
+              <a:ext uri="{FF2B5EF4-FFF2-40B4-BE49-F238E27FC236}">
+                <a16:creationId xmlns:a16="http://schemas.microsoft.com/office/drawing/2014/main" id="{34281160-0AC0-27E6-DAA1-F4BD92E3B401}"/>
+              </a:ext>
+            </a:extLst>
+          </p:cNvPr>
+          <p:cNvSpPr txBox="1"/>
+          <p:nvPr/>
+        </p:nvSpPr>
+        <p:spPr>
+          <a:xfrm>
+            <a:off x="0" y="132319"/>
+            <a:ext cx="2018370" cy="369332"/>
+          </a:xfrm>
+          <a:prstGeom prst="rect">
+            <a:avLst/>
+          </a:prstGeom>
+          <a:noFill/>
+        </p:spPr>
+        <p:txBody>
+          <a:bodyPr wrap="square" rtlCol="0">
+            <a:spAutoFit/>
+          </a:bodyPr>
+          <a:lstStyle/>
+          <a:p>
+            <a:r>
+              <a:rPr lang="en-US" dirty="0"/>
+              <a:t>Sample Output :</a:t>
+            </a:r>
+          </a:p>
+        </p:txBody>
+      </p:sp>
+      <p:pic>
+        <p:nvPicPr>
+          <p:cNvPr id="13" name="Picture 12" descr="A screenshot of a computer screen&#10;&#10;Description automatically generated">
+            <a:extLst>
+              <a:ext uri="{FF2B5EF4-FFF2-40B4-BE49-F238E27FC236}">
+                <a16:creationId xmlns:a16="http://schemas.microsoft.com/office/drawing/2014/main" id="{10C32CDE-12E0-4D7A-AB3B-3DF234AC09E0}"/>
+              </a:ext>
+            </a:extLst>
+          </p:cNvPr>
+          <p:cNvPicPr>
+            <a:picLocks noChangeAspect="1"/>
+          </p:cNvPicPr>
+          <p:nvPr/>
+        </p:nvPicPr>
+        <p:blipFill>
+          <a:blip r:embed="rId2"/>
+          <a:stretch>
+            <a:fillRect/>
+          </a:stretch>
+        </p:blipFill>
+        <p:spPr>
+          <a:xfrm>
+            <a:off x="111512" y="1003302"/>
+            <a:ext cx="5522213" cy="5073650"/>
+          </a:xfrm>
+          <a:prstGeom prst="rect">
+            <a:avLst/>
+          </a:prstGeom>
+        </p:spPr>
+      </p:pic>
     </p:spTree>
     <p:extLst>
       <p:ext uri="{BB962C8B-B14F-4D97-AF65-F5344CB8AC3E}">

--- a/534-Slides.pptx
+++ b/534-Slides.pptx
@@ -9,6 +9,7 @@
     <p:sldId id="257" r:id="rId3"/>
     <p:sldId id="258" r:id="rId4"/>
     <p:sldId id="259" r:id="rId5"/>
+    <p:sldId id="260" r:id="rId6"/>
   </p:sldIdLst>
   <p:sldSz cx="12192000" cy="6858000"/>
   <p:notesSz cx="6858000" cy="9144000"/>
@@ -8263,6 +8264,1220 @@
 </p:sld>
 </file>
 
+<file path=ppt/slides/slide5.xml><?xml version="1.0" encoding="utf-8"?>
+<p:sld xmlns:a="http://schemas.openxmlformats.org/drawingml/2006/main" xmlns:r="http://schemas.openxmlformats.org/officeDocument/2006/relationships" xmlns:p="http://schemas.openxmlformats.org/presentationml/2006/main">
+  <p:cSld>
+    <p:bg>
+      <p:bgPr>
+        <a:solidFill>
+          <a:schemeClr val="bg1"/>
+        </a:solidFill>
+        <a:effectLst/>
+      </p:bgPr>
+    </p:bg>
+    <p:spTree>
+      <p:nvGrpSpPr>
+        <p:cNvPr id="1" name=""/>
+        <p:cNvGrpSpPr/>
+        <p:nvPr/>
+      </p:nvGrpSpPr>
+      <p:grpSpPr>
+        <a:xfrm>
+          <a:off x="0" y="0"/>
+          <a:ext cx="0" cy="0"/>
+          <a:chOff x="0" y="0"/>
+          <a:chExt cx="0" cy="0"/>
+        </a:xfrm>
+      </p:grpSpPr>
+      <p:cxnSp>
+        <p:nvCxnSpPr>
+          <p:cNvPr id="8" name="Straight Connector 7">
+            <a:extLst>
+              <a:ext uri="{FF2B5EF4-FFF2-40B4-BE49-F238E27FC236}">
+                <a16:creationId xmlns:a16="http://schemas.microsoft.com/office/drawing/2014/main" id="{D1B787A8-0D67-4B7E-9B48-86BD906AB6B5}"/>
+              </a:ext>
+              <a:ext uri="{C183D7F6-B498-43B3-948B-1728B52AA6E4}">
+                <adec:decorative xmlns:adec="http://schemas.microsoft.com/office/drawing/2017/decorative" val="1"/>
+              </a:ext>
+            </a:extLst>
+          </p:cNvPr>
+          <p:cNvCxnSpPr>
+            <a:cxnSpLocks noGrp="1" noRot="1" noChangeAspect="1" noMove="1" noResize="1" noEditPoints="1" noAdjustHandles="1" noChangeArrowheads="1" noChangeShapeType="1"/>
+          </p:cNvCxnSpPr>
+          <p:nvPr>
+            <p:extLst>
+              <p:ext uri="{386F3935-93C4-4BCD-93E2-E3B085C9AB24}">
+                <p16:designElem xmlns:p16="http://schemas.microsoft.com/office/powerpoint/2015/main" val="1"/>
+              </p:ext>
+            </p:extLst>
+          </p:nvPr>
+        </p:nvCxnSpPr>
+        <p:spPr>
+          <a:xfrm>
+            <a:off x="715890" y="1114050"/>
+            <a:ext cx="0" cy="5735637"/>
+          </a:xfrm>
+          <a:prstGeom prst="line">
+            <a:avLst/>
+          </a:prstGeom>
+          <a:ln w="25400" cap="sq">
+            <a:gradFill flip="none" rotWithShape="1">
+              <a:gsLst>
+                <a:gs pos="0">
+                  <a:schemeClr val="accent2"/>
+                </a:gs>
+                <a:gs pos="100000">
+                  <a:schemeClr val="accent4"/>
+                </a:gs>
+              </a:gsLst>
+              <a:lin ang="16200000" scaled="1"/>
+              <a:tileRect/>
+            </a:gradFill>
+            <a:bevel/>
+          </a:ln>
+        </p:spPr>
+        <p:style>
+          <a:lnRef idx="1">
+            <a:schemeClr val="accent1"/>
+          </a:lnRef>
+          <a:fillRef idx="0">
+            <a:schemeClr val="accent1"/>
+          </a:fillRef>
+          <a:effectRef idx="0">
+            <a:schemeClr val="accent1"/>
+          </a:effectRef>
+          <a:fontRef idx="minor">
+            <a:schemeClr val="tx1"/>
+          </a:fontRef>
+        </p:style>
+      </p:cxnSp>
+      <p:sp>
+        <p:nvSpPr>
+          <p:cNvPr id="10" name="Rectangle 9">
+            <a:extLst>
+              <a:ext uri="{FF2B5EF4-FFF2-40B4-BE49-F238E27FC236}">
+                <a16:creationId xmlns:a16="http://schemas.microsoft.com/office/drawing/2014/main" id="{8F9CBE3F-79A8-4F8F-88D9-DAD03D0D281F}"/>
+              </a:ext>
+              <a:ext uri="{C183D7F6-B498-43B3-948B-1728B52AA6E4}">
+                <adec:decorative xmlns:adec="http://schemas.microsoft.com/office/drawing/2017/decorative" val="1"/>
+              </a:ext>
+            </a:extLst>
+          </p:cNvPr>
+          <p:cNvSpPr>
+            <a:spLocks noGrp="1" noRot="1" noChangeAspect="1" noMove="1" noResize="1" noEditPoints="1" noAdjustHandles="1" noChangeArrowheads="1" noChangeShapeType="1" noTextEdit="1"/>
+          </p:cNvSpPr>
+          <p:nvPr>
+            <p:extLst>
+              <p:ext uri="{386F3935-93C4-4BCD-93E2-E3B085C9AB24}">
+                <p16:designElem xmlns:p16="http://schemas.microsoft.com/office/powerpoint/2015/main" val="1"/>
+              </p:ext>
+            </p:extLst>
+          </p:nvPr>
+        </p:nvSpPr>
+        <p:spPr>
+          <a:xfrm>
+            <a:off x="0" y="0"/>
+            <a:ext cx="12192000" cy="6858000"/>
+          </a:xfrm>
+          <a:prstGeom prst="rect">
+            <a:avLst/>
+          </a:prstGeom>
+          <a:gradFill flip="none" rotWithShape="1">
+            <a:gsLst>
+              <a:gs pos="100000">
+                <a:schemeClr val="accent4"/>
+              </a:gs>
+              <a:gs pos="0">
+                <a:schemeClr val="accent2"/>
+              </a:gs>
+            </a:gsLst>
+            <a:lin ang="2700000" scaled="1"/>
+            <a:tileRect/>
+          </a:gradFill>
+          <a:ln>
+            <a:noFill/>
+          </a:ln>
+        </p:spPr>
+        <p:style>
+          <a:lnRef idx="2">
+            <a:schemeClr val="accent1">
+              <a:shade val="50000"/>
+            </a:schemeClr>
+          </a:lnRef>
+          <a:fillRef idx="1">
+            <a:schemeClr val="accent1"/>
+          </a:fillRef>
+          <a:effectRef idx="0">
+            <a:schemeClr val="accent1"/>
+          </a:effectRef>
+          <a:fontRef idx="minor">
+            <a:schemeClr val="lt1"/>
+          </a:fontRef>
+        </p:style>
+        <p:txBody>
+          <a:bodyPr rtlCol="0" anchor="ctr"/>
+          <a:lstStyle/>
+          <a:p>
+            <a:pPr algn="ctr"/>
+            <a:endParaRPr lang="en-US"/>
+          </a:p>
+        </p:txBody>
+      </p:sp>
+      <p:sp>
+        <p:nvSpPr>
+          <p:cNvPr id="2" name="Title 1">
+            <a:extLst>
+              <a:ext uri="{FF2B5EF4-FFF2-40B4-BE49-F238E27FC236}">
+                <a16:creationId xmlns:a16="http://schemas.microsoft.com/office/drawing/2014/main" id="{71F9ADFF-1F4B-1AAB-EFFE-1992141DF1B3}"/>
+              </a:ext>
+            </a:extLst>
+          </p:cNvPr>
+          <p:cNvSpPr>
+            <a:spLocks noGrp="1"/>
+          </p:cNvSpPr>
+          <p:nvPr>
+            <p:ph type="title"/>
+          </p:nvPr>
+        </p:nvSpPr>
+        <p:spPr>
+          <a:xfrm>
+            <a:off x="1522030" y="1209220"/>
+            <a:ext cx="9147940" cy="2337238"/>
+          </a:xfrm>
+        </p:spPr>
+        <p:txBody>
+          <a:bodyPr vert="horz" lIns="91440" tIns="45720" rIns="91440" bIns="45720" rtlCol="0" anchor="b">
+            <a:normAutofit/>
+          </a:bodyPr>
+          <a:lstStyle/>
+          <a:p>
+            <a:pPr algn="ctr"/>
+            <a:r>
+              <a:rPr lang="en-US" sz="6000" b="1" i="0" kern="1200" cap="all" baseline="0" dirty="0">
+                <a:solidFill>
+                  <a:schemeClr val="bg1"/>
+                </a:solidFill>
+                <a:latin typeface="+mj-lt"/>
+                <a:ea typeface="+mj-ea"/>
+                <a:cs typeface="+mj-cs"/>
+              </a:rPr>
+              <a:t>Thank you</a:t>
+            </a:r>
+          </a:p>
+        </p:txBody>
+      </p:sp>
+      <p:sp>
+        <p:nvSpPr>
+          <p:cNvPr id="12" name="Graphic 22">
+            <a:extLst>
+              <a:ext uri="{FF2B5EF4-FFF2-40B4-BE49-F238E27FC236}">
+                <a16:creationId xmlns:a16="http://schemas.microsoft.com/office/drawing/2014/main" id="{508BEF50-7B1E-49A4-BC19-5F4F1D755E64}"/>
+              </a:ext>
+              <a:ext uri="{C183D7F6-B498-43B3-948B-1728B52AA6E4}">
+                <adec:decorative xmlns:adec="http://schemas.microsoft.com/office/drawing/2017/decorative" val="1"/>
+              </a:ext>
+            </a:extLst>
+          </p:cNvPr>
+          <p:cNvSpPr>
+            <a:spLocks noGrp="1" noRot="1" noChangeAspect="1" noMove="1" noResize="1" noEditPoints="1" noAdjustHandles="1" noChangeArrowheads="1" noChangeShapeType="1" noTextEdit="1"/>
+          </p:cNvSpPr>
+          <p:nvPr>
+            <p:extLst>
+              <p:ext uri="{386F3935-93C4-4BCD-93E2-E3B085C9AB24}">
+                <p16:designElem xmlns:p16="http://schemas.microsoft.com/office/powerpoint/2015/main" val="1"/>
+              </p:ext>
+            </p:extLst>
+          </p:nvPr>
+        </p:nvSpPr>
+        <p:spPr>
+          <a:xfrm>
+            <a:off x="1261869" y="2383077"/>
+            <a:ext cx="151536" cy="151536"/>
+          </a:xfrm>
+          <a:custGeom>
+            <a:avLst/>
+            <a:gdLst>
+              <a:gd name="connsiteX0" fmla="*/ 141251 w 151536"/>
+              <a:gd name="connsiteY0" fmla="*/ 65483 h 151536"/>
+              <a:gd name="connsiteX1" fmla="*/ 86053 w 151536"/>
+              <a:gd name="connsiteY1" fmla="*/ 65483 h 151536"/>
+              <a:gd name="connsiteX2" fmla="*/ 86053 w 151536"/>
+              <a:gd name="connsiteY2" fmla="*/ 10285 h 151536"/>
+              <a:gd name="connsiteX3" fmla="*/ 75768 w 151536"/>
+              <a:gd name="connsiteY3" fmla="*/ 0 h 151536"/>
+              <a:gd name="connsiteX4" fmla="*/ 65483 w 151536"/>
+              <a:gd name="connsiteY4" fmla="*/ 10285 h 151536"/>
+              <a:gd name="connsiteX5" fmla="*/ 65483 w 151536"/>
+              <a:gd name="connsiteY5" fmla="*/ 65483 h 151536"/>
+              <a:gd name="connsiteX6" fmla="*/ 10285 w 151536"/>
+              <a:gd name="connsiteY6" fmla="*/ 65483 h 151536"/>
+              <a:gd name="connsiteX7" fmla="*/ 0 w 151536"/>
+              <a:gd name="connsiteY7" fmla="*/ 75768 h 151536"/>
+              <a:gd name="connsiteX8" fmla="*/ 10285 w 151536"/>
+              <a:gd name="connsiteY8" fmla="*/ 86053 h 151536"/>
+              <a:gd name="connsiteX9" fmla="*/ 65483 w 151536"/>
+              <a:gd name="connsiteY9" fmla="*/ 86053 h 151536"/>
+              <a:gd name="connsiteX10" fmla="*/ 65483 w 151536"/>
+              <a:gd name="connsiteY10" fmla="*/ 141251 h 151536"/>
+              <a:gd name="connsiteX11" fmla="*/ 75768 w 151536"/>
+              <a:gd name="connsiteY11" fmla="*/ 151536 h 151536"/>
+              <a:gd name="connsiteX12" fmla="*/ 86053 w 151536"/>
+              <a:gd name="connsiteY12" fmla="*/ 141251 h 151536"/>
+              <a:gd name="connsiteX13" fmla="*/ 86053 w 151536"/>
+              <a:gd name="connsiteY13" fmla="*/ 86053 h 151536"/>
+              <a:gd name="connsiteX14" fmla="*/ 141251 w 151536"/>
+              <a:gd name="connsiteY14" fmla="*/ 86053 h 151536"/>
+              <a:gd name="connsiteX15" fmla="*/ 151536 w 151536"/>
+              <a:gd name="connsiteY15" fmla="*/ 75768 h 151536"/>
+              <a:gd name="connsiteX16" fmla="*/ 141251 w 151536"/>
+              <a:gd name="connsiteY16" fmla="*/ 65483 h 151536"/>
+            </a:gdLst>
+            <a:ahLst/>
+            <a:cxnLst>
+              <a:cxn ang="0">
+                <a:pos x="connsiteX0" y="connsiteY0"/>
+              </a:cxn>
+              <a:cxn ang="0">
+                <a:pos x="connsiteX1" y="connsiteY1"/>
+              </a:cxn>
+              <a:cxn ang="0">
+                <a:pos x="connsiteX2" y="connsiteY2"/>
+              </a:cxn>
+              <a:cxn ang="0">
+                <a:pos x="connsiteX3" y="connsiteY3"/>
+              </a:cxn>
+              <a:cxn ang="0">
+                <a:pos x="connsiteX4" y="connsiteY4"/>
+              </a:cxn>
+              <a:cxn ang="0">
+                <a:pos x="connsiteX5" y="connsiteY5"/>
+              </a:cxn>
+              <a:cxn ang="0">
+                <a:pos x="connsiteX6" y="connsiteY6"/>
+              </a:cxn>
+              <a:cxn ang="0">
+                <a:pos x="connsiteX7" y="connsiteY7"/>
+              </a:cxn>
+              <a:cxn ang="0">
+                <a:pos x="connsiteX8" y="connsiteY8"/>
+              </a:cxn>
+              <a:cxn ang="0">
+                <a:pos x="connsiteX9" y="connsiteY9"/>
+              </a:cxn>
+              <a:cxn ang="0">
+                <a:pos x="connsiteX10" y="connsiteY10"/>
+              </a:cxn>
+              <a:cxn ang="0">
+                <a:pos x="connsiteX11" y="connsiteY11"/>
+              </a:cxn>
+              <a:cxn ang="0">
+                <a:pos x="connsiteX12" y="connsiteY12"/>
+              </a:cxn>
+              <a:cxn ang="0">
+                <a:pos x="connsiteX13" y="connsiteY13"/>
+              </a:cxn>
+              <a:cxn ang="0">
+                <a:pos x="connsiteX14" y="connsiteY14"/>
+              </a:cxn>
+              <a:cxn ang="0">
+                <a:pos x="connsiteX15" y="connsiteY15"/>
+              </a:cxn>
+              <a:cxn ang="0">
+                <a:pos x="connsiteX16" y="connsiteY16"/>
+              </a:cxn>
+            </a:cxnLst>
+            <a:rect l="l" t="t" r="r" b="b"/>
+            <a:pathLst>
+              <a:path w="151536" h="151536">
+                <a:moveTo>
+                  <a:pt x="141251" y="65483"/>
+                </a:moveTo>
+                <a:lnTo>
+                  <a:pt x="86053" y="65483"/>
+                </a:lnTo>
+                <a:lnTo>
+                  <a:pt x="86053" y="10285"/>
+                </a:lnTo>
+                <a:cubicBezTo>
+                  <a:pt x="86053" y="4605"/>
+                  <a:pt x="81448" y="0"/>
+                  <a:pt x="75768" y="0"/>
+                </a:cubicBezTo>
+                <a:cubicBezTo>
+                  <a:pt x="70088" y="0"/>
+                  <a:pt x="65483" y="4605"/>
+                  <a:pt x="65483" y="10285"/>
+                </a:cubicBezTo>
+                <a:lnTo>
+                  <a:pt x="65483" y="65483"/>
+                </a:lnTo>
+                <a:lnTo>
+                  <a:pt x="10285" y="65483"/>
+                </a:lnTo>
+                <a:cubicBezTo>
+                  <a:pt x="4605" y="65483"/>
+                  <a:pt x="0" y="70088"/>
+                  <a:pt x="0" y="75768"/>
+                </a:cubicBezTo>
+                <a:cubicBezTo>
+                  <a:pt x="0" y="81448"/>
+                  <a:pt x="4605" y="86053"/>
+                  <a:pt x="10285" y="86053"/>
+                </a:cubicBezTo>
+                <a:lnTo>
+                  <a:pt x="65483" y="86053"/>
+                </a:lnTo>
+                <a:lnTo>
+                  <a:pt x="65483" y="141251"/>
+                </a:lnTo>
+                <a:cubicBezTo>
+                  <a:pt x="65483" y="146931"/>
+                  <a:pt x="70088" y="151536"/>
+                  <a:pt x="75768" y="151536"/>
+                </a:cubicBezTo>
+                <a:cubicBezTo>
+                  <a:pt x="81448" y="151536"/>
+                  <a:pt x="86053" y="146931"/>
+                  <a:pt x="86053" y="141251"/>
+                </a:cubicBezTo>
+                <a:lnTo>
+                  <a:pt x="86053" y="86053"/>
+                </a:lnTo>
+                <a:lnTo>
+                  <a:pt x="141251" y="86053"/>
+                </a:lnTo>
+                <a:cubicBezTo>
+                  <a:pt x="146931" y="86053"/>
+                  <a:pt x="151536" y="81448"/>
+                  <a:pt x="151536" y="75768"/>
+                </a:cubicBezTo>
+                <a:cubicBezTo>
+                  <a:pt x="151536" y="70088"/>
+                  <a:pt x="146931" y="65483"/>
+                  <a:pt x="141251" y="65483"/>
+                </a:cubicBezTo>
+                <a:close/>
+              </a:path>
+            </a:pathLst>
+          </a:custGeom>
+          <a:solidFill>
+            <a:schemeClr val="bg1"/>
+          </a:solidFill>
+          <a:ln w="646" cap="flat">
+            <a:noFill/>
+            <a:prstDash val="solid"/>
+            <a:miter/>
+          </a:ln>
+        </p:spPr>
+        <p:txBody>
+          <a:bodyPr rtlCol="0" anchor="ctr"/>
+          <a:lstStyle/>
+          <a:p>
+            <a:endParaRPr lang="en-US"/>
+          </a:p>
+        </p:txBody>
+      </p:sp>
+      <p:sp>
+        <p:nvSpPr>
+          <p:cNvPr id="14" name="Graphic 13">
+            <a:extLst>
+              <a:ext uri="{FF2B5EF4-FFF2-40B4-BE49-F238E27FC236}">
+                <a16:creationId xmlns:a16="http://schemas.microsoft.com/office/drawing/2014/main" id="{C5CB530E-515E-412C-9DF1-5F8FFBD6F383}"/>
+              </a:ext>
+              <a:ext uri="{C183D7F6-B498-43B3-948B-1728B52AA6E4}">
+                <adec:decorative xmlns:adec="http://schemas.microsoft.com/office/drawing/2017/decorative" val="1"/>
+              </a:ext>
+            </a:extLst>
+          </p:cNvPr>
+          <p:cNvSpPr>
+            <a:spLocks noGrp="1" noRot="1" noChangeAspect="1" noMove="1" noResize="1" noEditPoints="1" noAdjustHandles="1" noChangeArrowheads="1" noChangeShapeType="1" noTextEdit="1"/>
+          </p:cNvSpPr>
+          <p:nvPr>
+            <p:extLst>
+              <p:ext uri="{386F3935-93C4-4BCD-93E2-E3B085C9AB24}">
+                <p16:designElem xmlns:p16="http://schemas.microsoft.com/office/powerpoint/2015/main" val="1"/>
+              </p:ext>
+            </p:extLst>
+          </p:nvPr>
+        </p:nvSpPr>
+        <p:spPr>
+          <a:xfrm>
+            <a:off x="10724364" y="2265467"/>
+            <a:ext cx="139039" cy="139039"/>
+          </a:xfrm>
+          <a:custGeom>
+            <a:avLst/>
+            <a:gdLst>
+              <a:gd name="connsiteX0" fmla="*/ 129602 w 139039"/>
+              <a:gd name="connsiteY0" fmla="*/ 60082 h 139039"/>
+              <a:gd name="connsiteX1" fmla="*/ 78957 w 139039"/>
+              <a:gd name="connsiteY1" fmla="*/ 60082 h 139039"/>
+              <a:gd name="connsiteX2" fmla="*/ 78957 w 139039"/>
+              <a:gd name="connsiteY2" fmla="*/ 9437 h 139039"/>
+              <a:gd name="connsiteX3" fmla="*/ 69520 w 139039"/>
+              <a:gd name="connsiteY3" fmla="*/ 0 h 139039"/>
+              <a:gd name="connsiteX4" fmla="*/ 60082 w 139039"/>
+              <a:gd name="connsiteY4" fmla="*/ 9437 h 139039"/>
+              <a:gd name="connsiteX5" fmla="*/ 60082 w 139039"/>
+              <a:gd name="connsiteY5" fmla="*/ 60082 h 139039"/>
+              <a:gd name="connsiteX6" fmla="*/ 9437 w 139039"/>
+              <a:gd name="connsiteY6" fmla="*/ 60082 h 139039"/>
+              <a:gd name="connsiteX7" fmla="*/ 0 w 139039"/>
+              <a:gd name="connsiteY7" fmla="*/ 69520 h 139039"/>
+              <a:gd name="connsiteX8" fmla="*/ 9437 w 139039"/>
+              <a:gd name="connsiteY8" fmla="*/ 78957 h 139039"/>
+              <a:gd name="connsiteX9" fmla="*/ 60082 w 139039"/>
+              <a:gd name="connsiteY9" fmla="*/ 78957 h 139039"/>
+              <a:gd name="connsiteX10" fmla="*/ 60082 w 139039"/>
+              <a:gd name="connsiteY10" fmla="*/ 129602 h 139039"/>
+              <a:gd name="connsiteX11" fmla="*/ 69520 w 139039"/>
+              <a:gd name="connsiteY11" fmla="*/ 139039 h 139039"/>
+              <a:gd name="connsiteX12" fmla="*/ 78957 w 139039"/>
+              <a:gd name="connsiteY12" fmla="*/ 129602 h 139039"/>
+              <a:gd name="connsiteX13" fmla="*/ 78957 w 139039"/>
+              <a:gd name="connsiteY13" fmla="*/ 78957 h 139039"/>
+              <a:gd name="connsiteX14" fmla="*/ 129602 w 139039"/>
+              <a:gd name="connsiteY14" fmla="*/ 78957 h 139039"/>
+              <a:gd name="connsiteX15" fmla="*/ 139039 w 139039"/>
+              <a:gd name="connsiteY15" fmla="*/ 69520 h 139039"/>
+              <a:gd name="connsiteX16" fmla="*/ 129602 w 139039"/>
+              <a:gd name="connsiteY16" fmla="*/ 60082 h 139039"/>
+            </a:gdLst>
+            <a:ahLst/>
+            <a:cxnLst>
+              <a:cxn ang="0">
+                <a:pos x="connsiteX0" y="connsiteY0"/>
+              </a:cxn>
+              <a:cxn ang="0">
+                <a:pos x="connsiteX1" y="connsiteY1"/>
+              </a:cxn>
+              <a:cxn ang="0">
+                <a:pos x="connsiteX2" y="connsiteY2"/>
+              </a:cxn>
+              <a:cxn ang="0">
+                <a:pos x="connsiteX3" y="connsiteY3"/>
+              </a:cxn>
+              <a:cxn ang="0">
+                <a:pos x="connsiteX4" y="connsiteY4"/>
+              </a:cxn>
+              <a:cxn ang="0">
+                <a:pos x="connsiteX5" y="connsiteY5"/>
+              </a:cxn>
+              <a:cxn ang="0">
+                <a:pos x="connsiteX6" y="connsiteY6"/>
+              </a:cxn>
+              <a:cxn ang="0">
+                <a:pos x="connsiteX7" y="connsiteY7"/>
+              </a:cxn>
+              <a:cxn ang="0">
+                <a:pos x="connsiteX8" y="connsiteY8"/>
+              </a:cxn>
+              <a:cxn ang="0">
+                <a:pos x="connsiteX9" y="connsiteY9"/>
+              </a:cxn>
+              <a:cxn ang="0">
+                <a:pos x="connsiteX10" y="connsiteY10"/>
+              </a:cxn>
+              <a:cxn ang="0">
+                <a:pos x="connsiteX11" y="connsiteY11"/>
+              </a:cxn>
+              <a:cxn ang="0">
+                <a:pos x="connsiteX12" y="connsiteY12"/>
+              </a:cxn>
+              <a:cxn ang="0">
+                <a:pos x="connsiteX13" y="connsiteY13"/>
+              </a:cxn>
+              <a:cxn ang="0">
+                <a:pos x="connsiteX14" y="connsiteY14"/>
+              </a:cxn>
+              <a:cxn ang="0">
+                <a:pos x="connsiteX15" y="connsiteY15"/>
+              </a:cxn>
+              <a:cxn ang="0">
+                <a:pos x="connsiteX16" y="connsiteY16"/>
+              </a:cxn>
+            </a:cxnLst>
+            <a:rect l="l" t="t" r="r" b="b"/>
+            <a:pathLst>
+              <a:path w="139039" h="139039">
+                <a:moveTo>
+                  <a:pt x="129602" y="60082"/>
+                </a:moveTo>
+                <a:lnTo>
+                  <a:pt x="78957" y="60082"/>
+                </a:lnTo>
+                <a:lnTo>
+                  <a:pt x="78957" y="9437"/>
+                </a:lnTo>
+                <a:cubicBezTo>
+                  <a:pt x="78957" y="4225"/>
+                  <a:pt x="74731" y="0"/>
+                  <a:pt x="69520" y="0"/>
+                </a:cubicBezTo>
+                <a:cubicBezTo>
+                  <a:pt x="64308" y="0"/>
+                  <a:pt x="60082" y="4225"/>
+                  <a:pt x="60082" y="9437"/>
+                </a:cubicBezTo>
+                <a:lnTo>
+                  <a:pt x="60082" y="60082"/>
+                </a:lnTo>
+                <a:lnTo>
+                  <a:pt x="9437" y="60082"/>
+                </a:lnTo>
+                <a:cubicBezTo>
+                  <a:pt x="4225" y="60082"/>
+                  <a:pt x="0" y="64308"/>
+                  <a:pt x="0" y="69520"/>
+                </a:cubicBezTo>
+                <a:cubicBezTo>
+                  <a:pt x="0" y="74731"/>
+                  <a:pt x="4225" y="78957"/>
+                  <a:pt x="9437" y="78957"/>
+                </a:cubicBezTo>
+                <a:lnTo>
+                  <a:pt x="60082" y="78957"/>
+                </a:lnTo>
+                <a:lnTo>
+                  <a:pt x="60082" y="129602"/>
+                </a:lnTo>
+                <a:cubicBezTo>
+                  <a:pt x="60082" y="134814"/>
+                  <a:pt x="64308" y="139039"/>
+                  <a:pt x="69520" y="139039"/>
+                </a:cubicBezTo>
+                <a:cubicBezTo>
+                  <a:pt x="74731" y="139039"/>
+                  <a:pt x="78957" y="134814"/>
+                  <a:pt x="78957" y="129602"/>
+                </a:cubicBezTo>
+                <a:lnTo>
+                  <a:pt x="78957" y="78957"/>
+                </a:lnTo>
+                <a:lnTo>
+                  <a:pt x="129602" y="78957"/>
+                </a:lnTo>
+                <a:cubicBezTo>
+                  <a:pt x="134814" y="78957"/>
+                  <a:pt x="139039" y="74731"/>
+                  <a:pt x="139039" y="69520"/>
+                </a:cubicBezTo>
+                <a:cubicBezTo>
+                  <a:pt x="139039" y="64308"/>
+                  <a:pt x="134814" y="60082"/>
+                  <a:pt x="129602" y="60082"/>
+                </a:cubicBezTo>
+                <a:close/>
+              </a:path>
+            </a:pathLst>
+          </a:custGeom>
+          <a:solidFill>
+            <a:schemeClr val="bg1"/>
+          </a:solidFill>
+          <a:ln w="603" cap="flat">
+            <a:noFill/>
+            <a:prstDash val="solid"/>
+            <a:miter/>
+          </a:ln>
+        </p:spPr>
+        <p:txBody>
+          <a:bodyPr rtlCol="0" anchor="ctr"/>
+          <a:lstStyle/>
+          <a:p>
+            <a:endParaRPr lang="en-US"/>
+          </a:p>
+        </p:txBody>
+      </p:sp>
+      <p:sp>
+        <p:nvSpPr>
+          <p:cNvPr id="16" name="Graphic 15">
+            <a:extLst>
+              <a:ext uri="{FF2B5EF4-FFF2-40B4-BE49-F238E27FC236}">
+                <a16:creationId xmlns:a16="http://schemas.microsoft.com/office/drawing/2014/main" id="{AEA7509D-F04F-40CB-A0B3-EEF16499CC9F}"/>
+              </a:ext>
+              <a:ext uri="{C183D7F6-B498-43B3-948B-1728B52AA6E4}">
+                <adec:decorative xmlns:adec="http://schemas.microsoft.com/office/drawing/2017/decorative" val="1"/>
+              </a:ext>
+            </a:extLst>
+          </p:cNvPr>
+          <p:cNvSpPr>
+            <a:spLocks noGrp="1" noRot="1" noChangeAspect="1" noMove="1" noResize="1" noEditPoints="1" noAdjustHandles="1" noChangeArrowheads="1" noChangeShapeType="1" noTextEdit="1"/>
+          </p:cNvSpPr>
+          <p:nvPr>
+            <p:extLst>
+              <p:ext uri="{386F3935-93C4-4BCD-93E2-E3B085C9AB24}">
+                <p16:designElem xmlns:p16="http://schemas.microsoft.com/office/powerpoint/2015/main" val="1"/>
+              </p:ext>
+            </p:extLst>
+          </p:nvPr>
+        </p:nvSpPr>
+        <p:spPr>
+          <a:xfrm>
+            <a:off x="11024834" y="2537201"/>
+            <a:ext cx="127714" cy="127714"/>
+          </a:xfrm>
+          <a:custGeom>
+            <a:avLst/>
+            <a:gdLst>
+              <a:gd name="connsiteX0" fmla="*/ 63857 w 127714"/>
+              <a:gd name="connsiteY0" fmla="*/ 18874 h 127714"/>
+              <a:gd name="connsiteX1" fmla="*/ 108840 w 127714"/>
+              <a:gd name="connsiteY1" fmla="*/ 63857 h 127714"/>
+              <a:gd name="connsiteX2" fmla="*/ 63857 w 127714"/>
+              <a:gd name="connsiteY2" fmla="*/ 108840 h 127714"/>
+              <a:gd name="connsiteX3" fmla="*/ 18874 w 127714"/>
+              <a:gd name="connsiteY3" fmla="*/ 63857 h 127714"/>
+              <a:gd name="connsiteX4" fmla="*/ 63857 w 127714"/>
+              <a:gd name="connsiteY4" fmla="*/ 18874 h 127714"/>
+              <a:gd name="connsiteX5" fmla="*/ 63857 w 127714"/>
+              <a:gd name="connsiteY5" fmla="*/ 0 h 127714"/>
+              <a:gd name="connsiteX6" fmla="*/ 0 w 127714"/>
+              <a:gd name="connsiteY6" fmla="*/ 63857 h 127714"/>
+              <a:gd name="connsiteX7" fmla="*/ 63857 w 127714"/>
+              <a:gd name="connsiteY7" fmla="*/ 127714 h 127714"/>
+              <a:gd name="connsiteX8" fmla="*/ 127714 w 127714"/>
+              <a:gd name="connsiteY8" fmla="*/ 63857 h 127714"/>
+              <a:gd name="connsiteX9" fmla="*/ 63857 w 127714"/>
+              <a:gd name="connsiteY9" fmla="*/ 0 h 127714"/>
+            </a:gdLst>
+            <a:ahLst/>
+            <a:cxnLst>
+              <a:cxn ang="0">
+                <a:pos x="connsiteX0" y="connsiteY0"/>
+              </a:cxn>
+              <a:cxn ang="0">
+                <a:pos x="connsiteX1" y="connsiteY1"/>
+              </a:cxn>
+              <a:cxn ang="0">
+                <a:pos x="connsiteX2" y="connsiteY2"/>
+              </a:cxn>
+              <a:cxn ang="0">
+                <a:pos x="connsiteX3" y="connsiteY3"/>
+              </a:cxn>
+              <a:cxn ang="0">
+                <a:pos x="connsiteX4" y="connsiteY4"/>
+              </a:cxn>
+              <a:cxn ang="0">
+                <a:pos x="connsiteX5" y="connsiteY5"/>
+              </a:cxn>
+              <a:cxn ang="0">
+                <a:pos x="connsiteX6" y="connsiteY6"/>
+              </a:cxn>
+              <a:cxn ang="0">
+                <a:pos x="connsiteX7" y="connsiteY7"/>
+              </a:cxn>
+              <a:cxn ang="0">
+                <a:pos x="connsiteX8" y="connsiteY8"/>
+              </a:cxn>
+              <a:cxn ang="0">
+                <a:pos x="connsiteX9" y="connsiteY9"/>
+              </a:cxn>
+            </a:cxnLst>
+            <a:rect l="l" t="t" r="r" b="b"/>
+            <a:pathLst>
+              <a:path w="127714" h="127714">
+                <a:moveTo>
+                  <a:pt x="63857" y="18874"/>
+                </a:moveTo>
+                <a:cubicBezTo>
+                  <a:pt x="88700" y="18874"/>
+                  <a:pt x="108840" y="39014"/>
+                  <a:pt x="108840" y="63857"/>
+                </a:cubicBezTo>
+                <a:cubicBezTo>
+                  <a:pt x="108840" y="88700"/>
+                  <a:pt x="88700" y="108840"/>
+                  <a:pt x="63857" y="108840"/>
+                </a:cubicBezTo>
+                <a:cubicBezTo>
+                  <a:pt x="39014" y="108840"/>
+                  <a:pt x="18874" y="88700"/>
+                  <a:pt x="18874" y="63857"/>
+                </a:cubicBezTo>
+                <a:cubicBezTo>
+                  <a:pt x="18898" y="39024"/>
+                  <a:pt x="39024" y="18898"/>
+                  <a:pt x="63857" y="18874"/>
+                </a:cubicBezTo>
+                <a:moveTo>
+                  <a:pt x="63857" y="0"/>
+                </a:moveTo>
+                <a:cubicBezTo>
+                  <a:pt x="28590" y="0"/>
+                  <a:pt x="0" y="28590"/>
+                  <a:pt x="0" y="63857"/>
+                </a:cubicBezTo>
+                <a:cubicBezTo>
+                  <a:pt x="0" y="99124"/>
+                  <a:pt x="28590" y="127714"/>
+                  <a:pt x="63857" y="127714"/>
+                </a:cubicBezTo>
+                <a:cubicBezTo>
+                  <a:pt x="99124" y="127714"/>
+                  <a:pt x="127714" y="99124"/>
+                  <a:pt x="127714" y="63857"/>
+                </a:cubicBezTo>
+                <a:cubicBezTo>
+                  <a:pt x="127714" y="28590"/>
+                  <a:pt x="99124" y="0"/>
+                  <a:pt x="63857" y="0"/>
+                </a:cubicBezTo>
+                <a:close/>
+              </a:path>
+            </a:pathLst>
+          </a:custGeom>
+          <a:solidFill>
+            <a:schemeClr val="bg1"/>
+          </a:solidFill>
+          <a:ln w="610" cap="flat">
+            <a:noFill/>
+            <a:prstDash val="solid"/>
+            <a:miter/>
+          </a:ln>
+        </p:spPr>
+        <p:txBody>
+          <a:bodyPr rtlCol="0" anchor="ctr"/>
+          <a:lstStyle/>
+          <a:p>
+            <a:endParaRPr lang="en-US"/>
+          </a:p>
+        </p:txBody>
+      </p:sp>
+      <p:sp>
+        <p:nvSpPr>
+          <p:cNvPr id="18" name="Graphic 21">
+            <a:extLst>
+              <a:ext uri="{FF2B5EF4-FFF2-40B4-BE49-F238E27FC236}">
+                <a16:creationId xmlns:a16="http://schemas.microsoft.com/office/drawing/2014/main" id="{C39ADB8F-D187-49D7-BDCF-C1B6DC727068}"/>
+              </a:ext>
+              <a:ext uri="{C183D7F6-B498-43B3-948B-1728B52AA6E4}">
+                <adec:decorative xmlns:adec="http://schemas.microsoft.com/office/drawing/2017/decorative" val="1"/>
+              </a:ext>
+            </a:extLst>
+          </p:cNvPr>
+          <p:cNvSpPr>
+            <a:spLocks noGrp="1" noRot="1" noChangeAspect="1" noMove="1" noResize="1" noEditPoints="1" noAdjustHandles="1" noChangeArrowheads="1" noChangeShapeType="1" noTextEdit="1"/>
+          </p:cNvSpPr>
+          <p:nvPr>
+            <p:extLst>
+              <p:ext uri="{386F3935-93C4-4BCD-93E2-E3B085C9AB24}">
+                <p16:designElem xmlns:p16="http://schemas.microsoft.com/office/powerpoint/2015/main" val="1"/>
+              </p:ext>
+            </p:extLst>
+          </p:nvPr>
+        </p:nvSpPr>
+        <p:spPr>
+          <a:xfrm>
+            <a:off x="1064053" y="2832967"/>
+            <a:ext cx="95759" cy="95759"/>
+          </a:xfrm>
+          <a:custGeom>
+            <a:avLst/>
+            <a:gdLst>
+              <a:gd name="connsiteX0" fmla="*/ 95759 w 95759"/>
+              <a:gd name="connsiteY0" fmla="*/ 47880 h 95759"/>
+              <a:gd name="connsiteX1" fmla="*/ 47880 w 95759"/>
+              <a:gd name="connsiteY1" fmla="*/ 95759 h 95759"/>
+              <a:gd name="connsiteX2" fmla="*/ 0 w 95759"/>
+              <a:gd name="connsiteY2" fmla="*/ 47880 h 95759"/>
+              <a:gd name="connsiteX3" fmla="*/ 47880 w 95759"/>
+              <a:gd name="connsiteY3" fmla="*/ 0 h 95759"/>
+              <a:gd name="connsiteX4" fmla="*/ 95759 w 95759"/>
+              <a:gd name="connsiteY4" fmla="*/ 47880 h 95759"/>
+            </a:gdLst>
+            <a:ahLst/>
+            <a:cxnLst>
+              <a:cxn ang="0">
+                <a:pos x="connsiteX0" y="connsiteY0"/>
+              </a:cxn>
+              <a:cxn ang="0">
+                <a:pos x="connsiteX1" y="connsiteY1"/>
+              </a:cxn>
+              <a:cxn ang="0">
+                <a:pos x="connsiteX2" y="connsiteY2"/>
+              </a:cxn>
+              <a:cxn ang="0">
+                <a:pos x="connsiteX3" y="connsiteY3"/>
+              </a:cxn>
+              <a:cxn ang="0">
+                <a:pos x="connsiteX4" y="connsiteY4"/>
+              </a:cxn>
+            </a:cxnLst>
+            <a:rect l="l" t="t" r="r" b="b"/>
+            <a:pathLst>
+              <a:path w="95759" h="95759">
+                <a:moveTo>
+                  <a:pt x="95759" y="47880"/>
+                </a:moveTo>
+                <a:cubicBezTo>
+                  <a:pt x="95759" y="74323"/>
+                  <a:pt x="74323" y="95759"/>
+                  <a:pt x="47880" y="95759"/>
+                </a:cubicBezTo>
+                <a:cubicBezTo>
+                  <a:pt x="21436" y="95759"/>
+                  <a:pt x="0" y="74323"/>
+                  <a:pt x="0" y="47880"/>
+                </a:cubicBezTo>
+                <a:cubicBezTo>
+                  <a:pt x="0" y="21436"/>
+                  <a:pt x="21436" y="0"/>
+                  <a:pt x="47880" y="0"/>
+                </a:cubicBezTo>
+                <a:cubicBezTo>
+                  <a:pt x="74323" y="0"/>
+                  <a:pt x="95759" y="21436"/>
+                  <a:pt x="95759" y="47880"/>
+                </a:cubicBezTo>
+                <a:close/>
+              </a:path>
+            </a:pathLst>
+          </a:custGeom>
+          <a:solidFill>
+            <a:schemeClr val="bg1"/>
+          </a:solidFill>
+          <a:ln w="469" cap="flat">
+            <a:noFill/>
+            <a:prstDash val="solid"/>
+            <a:miter/>
+          </a:ln>
+        </p:spPr>
+        <p:txBody>
+          <a:bodyPr rtlCol="0" anchor="ctr"/>
+          <a:lstStyle/>
+          <a:p>
+            <a:endParaRPr lang="en-US"/>
+          </a:p>
+        </p:txBody>
+      </p:sp>
+      <p:sp>
+        <p:nvSpPr>
+          <p:cNvPr id="20" name="Graphic 12">
+            <a:extLst>
+              <a:ext uri="{FF2B5EF4-FFF2-40B4-BE49-F238E27FC236}">
+                <a16:creationId xmlns:a16="http://schemas.microsoft.com/office/drawing/2014/main" id="{712D4376-A578-4FF1-94FC-245E7A6A489F}"/>
+              </a:ext>
+              <a:ext uri="{C183D7F6-B498-43B3-948B-1728B52AA6E4}">
+                <adec:decorative xmlns:adec="http://schemas.microsoft.com/office/drawing/2017/decorative" val="1"/>
+              </a:ext>
+            </a:extLst>
+          </p:cNvPr>
+          <p:cNvSpPr>
+            <a:spLocks noGrp="1" noRot="1" noChangeAspect="1" noMove="1" noResize="1" noEditPoints="1" noAdjustHandles="1" noChangeArrowheads="1" noChangeShapeType="1" noTextEdit="1"/>
+          </p:cNvSpPr>
+          <p:nvPr>
+            <p:extLst>
+              <p:ext uri="{386F3935-93C4-4BCD-93E2-E3B085C9AB24}">
+                <p16:designElem xmlns:p16="http://schemas.microsoft.com/office/powerpoint/2015/main" val="1"/>
+              </p:ext>
+            </p:extLst>
+          </p:nvPr>
+        </p:nvSpPr>
+        <p:spPr>
+          <a:xfrm>
+            <a:off x="10772266" y="2803988"/>
+            <a:ext cx="91138" cy="91138"/>
+          </a:xfrm>
+          <a:custGeom>
+            <a:avLst/>
+            <a:gdLst>
+              <a:gd name="connsiteX0" fmla="*/ 91138 w 91138"/>
+              <a:gd name="connsiteY0" fmla="*/ 45569 h 91138"/>
+              <a:gd name="connsiteX1" fmla="*/ 45569 w 91138"/>
+              <a:gd name="connsiteY1" fmla="*/ 91138 h 91138"/>
+              <a:gd name="connsiteX2" fmla="*/ 0 w 91138"/>
+              <a:gd name="connsiteY2" fmla="*/ 45569 h 91138"/>
+              <a:gd name="connsiteX3" fmla="*/ 45569 w 91138"/>
+              <a:gd name="connsiteY3" fmla="*/ 0 h 91138"/>
+              <a:gd name="connsiteX4" fmla="*/ 91138 w 91138"/>
+              <a:gd name="connsiteY4" fmla="*/ 45569 h 91138"/>
+            </a:gdLst>
+            <a:ahLst/>
+            <a:cxnLst>
+              <a:cxn ang="0">
+                <a:pos x="connsiteX0" y="connsiteY0"/>
+              </a:cxn>
+              <a:cxn ang="0">
+                <a:pos x="connsiteX1" y="connsiteY1"/>
+              </a:cxn>
+              <a:cxn ang="0">
+                <a:pos x="connsiteX2" y="connsiteY2"/>
+              </a:cxn>
+              <a:cxn ang="0">
+                <a:pos x="connsiteX3" y="connsiteY3"/>
+              </a:cxn>
+              <a:cxn ang="0">
+                <a:pos x="connsiteX4" y="connsiteY4"/>
+              </a:cxn>
+            </a:cxnLst>
+            <a:rect l="l" t="t" r="r" b="b"/>
+            <a:pathLst>
+              <a:path w="91138" h="91138">
+                <a:moveTo>
+                  <a:pt x="91138" y="45569"/>
+                </a:moveTo>
+                <a:cubicBezTo>
+                  <a:pt x="91138" y="70736"/>
+                  <a:pt x="70736" y="91138"/>
+                  <a:pt x="45569" y="91138"/>
+                </a:cubicBezTo>
+                <a:cubicBezTo>
+                  <a:pt x="20402" y="91138"/>
+                  <a:pt x="0" y="70736"/>
+                  <a:pt x="0" y="45569"/>
+                </a:cubicBezTo>
+                <a:cubicBezTo>
+                  <a:pt x="0" y="20402"/>
+                  <a:pt x="20402" y="0"/>
+                  <a:pt x="45569" y="0"/>
+                </a:cubicBezTo>
+                <a:cubicBezTo>
+                  <a:pt x="70736" y="0"/>
+                  <a:pt x="91138" y="20402"/>
+                  <a:pt x="91138" y="45569"/>
+                </a:cubicBezTo>
+                <a:close/>
+              </a:path>
+            </a:pathLst>
+          </a:custGeom>
+          <a:solidFill>
+            <a:schemeClr val="bg1"/>
+          </a:solidFill>
+          <a:ln w="422" cap="flat">
+            <a:noFill/>
+            <a:prstDash val="solid"/>
+            <a:miter/>
+          </a:ln>
+        </p:spPr>
+        <p:txBody>
+          <a:bodyPr rtlCol="0" anchor="ctr"/>
+          <a:lstStyle/>
+          <a:p>
+            <a:endParaRPr lang="en-US"/>
+          </a:p>
+        </p:txBody>
+      </p:sp>
+      <p:sp>
+        <p:nvSpPr>
+          <p:cNvPr id="22" name="Graphic 23">
+            <a:extLst>
+              <a:ext uri="{FF2B5EF4-FFF2-40B4-BE49-F238E27FC236}">
+                <a16:creationId xmlns:a16="http://schemas.microsoft.com/office/drawing/2014/main" id="{3FBAD350-5664-4811-A208-657FB882D350}"/>
+              </a:ext>
+              <a:ext uri="{C183D7F6-B498-43B3-948B-1728B52AA6E4}">
+                <adec:decorative xmlns:adec="http://schemas.microsoft.com/office/drawing/2017/decorative" val="1"/>
+              </a:ext>
+            </a:extLst>
+          </p:cNvPr>
+          <p:cNvSpPr>
+            <a:spLocks noGrp="1" noRot="1" noChangeAspect="1" noMove="1" noResize="1" noEditPoints="1" noAdjustHandles="1" noChangeArrowheads="1" noChangeShapeType="1" noTextEdit="1"/>
+          </p:cNvSpPr>
+          <p:nvPr>
+            <p:extLst>
+              <p:ext uri="{386F3935-93C4-4BCD-93E2-E3B085C9AB24}">
+                <p16:designElem xmlns:p16="http://schemas.microsoft.com/office/powerpoint/2015/main" val="1"/>
+              </p:ext>
+            </p:extLst>
+          </p:nvPr>
+        </p:nvSpPr>
+        <p:spPr>
+          <a:xfrm>
+            <a:off x="1413405" y="3242499"/>
+            <a:ext cx="108625" cy="108625"/>
+          </a:xfrm>
+          <a:custGeom>
+            <a:avLst/>
+            <a:gdLst>
+              <a:gd name="connsiteX0" fmla="*/ 54313 w 108625"/>
+              <a:gd name="connsiteY0" fmla="*/ 16053 h 108625"/>
+              <a:gd name="connsiteX1" fmla="*/ 92572 w 108625"/>
+              <a:gd name="connsiteY1" fmla="*/ 54313 h 108625"/>
+              <a:gd name="connsiteX2" fmla="*/ 54313 w 108625"/>
+              <a:gd name="connsiteY2" fmla="*/ 92572 h 108625"/>
+              <a:gd name="connsiteX3" fmla="*/ 16053 w 108625"/>
+              <a:gd name="connsiteY3" fmla="*/ 54313 h 108625"/>
+              <a:gd name="connsiteX4" fmla="*/ 54313 w 108625"/>
+              <a:gd name="connsiteY4" fmla="*/ 16053 h 108625"/>
+              <a:gd name="connsiteX5" fmla="*/ 54313 w 108625"/>
+              <a:gd name="connsiteY5" fmla="*/ 0 h 108625"/>
+              <a:gd name="connsiteX6" fmla="*/ 0 w 108625"/>
+              <a:gd name="connsiteY6" fmla="*/ 54313 h 108625"/>
+              <a:gd name="connsiteX7" fmla="*/ 54313 w 108625"/>
+              <a:gd name="connsiteY7" fmla="*/ 108625 h 108625"/>
+              <a:gd name="connsiteX8" fmla="*/ 108625 w 108625"/>
+              <a:gd name="connsiteY8" fmla="*/ 54313 h 108625"/>
+              <a:gd name="connsiteX9" fmla="*/ 54313 w 108625"/>
+              <a:gd name="connsiteY9" fmla="*/ 0 h 108625"/>
+            </a:gdLst>
+            <a:ahLst/>
+            <a:cxnLst>
+              <a:cxn ang="0">
+                <a:pos x="connsiteX0" y="connsiteY0"/>
+              </a:cxn>
+              <a:cxn ang="0">
+                <a:pos x="connsiteX1" y="connsiteY1"/>
+              </a:cxn>
+              <a:cxn ang="0">
+                <a:pos x="connsiteX2" y="connsiteY2"/>
+              </a:cxn>
+              <a:cxn ang="0">
+                <a:pos x="connsiteX3" y="connsiteY3"/>
+              </a:cxn>
+              <a:cxn ang="0">
+                <a:pos x="connsiteX4" y="connsiteY4"/>
+              </a:cxn>
+              <a:cxn ang="0">
+                <a:pos x="connsiteX5" y="connsiteY5"/>
+              </a:cxn>
+              <a:cxn ang="0">
+                <a:pos x="connsiteX6" y="connsiteY6"/>
+              </a:cxn>
+              <a:cxn ang="0">
+                <a:pos x="connsiteX7" y="connsiteY7"/>
+              </a:cxn>
+              <a:cxn ang="0">
+                <a:pos x="connsiteX8" y="connsiteY8"/>
+              </a:cxn>
+              <a:cxn ang="0">
+                <a:pos x="connsiteX9" y="connsiteY9"/>
+              </a:cxn>
+            </a:cxnLst>
+            <a:rect l="l" t="t" r="r" b="b"/>
+            <a:pathLst>
+              <a:path w="108625" h="108625">
+                <a:moveTo>
+                  <a:pt x="54313" y="16053"/>
+                </a:moveTo>
+                <a:cubicBezTo>
+                  <a:pt x="75442" y="16053"/>
+                  <a:pt x="92572" y="33182"/>
+                  <a:pt x="92572" y="54313"/>
+                </a:cubicBezTo>
+                <a:cubicBezTo>
+                  <a:pt x="92572" y="75442"/>
+                  <a:pt x="75442" y="92572"/>
+                  <a:pt x="54313" y="92572"/>
+                </a:cubicBezTo>
+                <a:cubicBezTo>
+                  <a:pt x="33182" y="92572"/>
+                  <a:pt x="16053" y="75442"/>
+                  <a:pt x="16053" y="54313"/>
+                </a:cubicBezTo>
+                <a:cubicBezTo>
+                  <a:pt x="16074" y="33191"/>
+                  <a:pt x="33191" y="16074"/>
+                  <a:pt x="54313" y="16053"/>
+                </a:cubicBezTo>
+                <a:moveTo>
+                  <a:pt x="54313" y="0"/>
+                </a:moveTo>
+                <a:cubicBezTo>
+                  <a:pt x="24317" y="0"/>
+                  <a:pt x="0" y="24317"/>
+                  <a:pt x="0" y="54313"/>
+                </a:cubicBezTo>
+                <a:cubicBezTo>
+                  <a:pt x="0" y="84309"/>
+                  <a:pt x="24317" y="108625"/>
+                  <a:pt x="54313" y="108625"/>
+                </a:cubicBezTo>
+                <a:cubicBezTo>
+                  <a:pt x="84309" y="108625"/>
+                  <a:pt x="108625" y="84309"/>
+                  <a:pt x="108625" y="54313"/>
+                </a:cubicBezTo>
+                <a:cubicBezTo>
+                  <a:pt x="108625" y="24317"/>
+                  <a:pt x="84309" y="0"/>
+                  <a:pt x="54313" y="0"/>
+                </a:cubicBezTo>
+                <a:close/>
+              </a:path>
+            </a:pathLst>
+          </a:custGeom>
+          <a:solidFill>
+            <a:schemeClr val="bg1"/>
+          </a:solidFill>
+          <a:ln w="516" cap="flat">
+            <a:noFill/>
+            <a:prstDash val="solid"/>
+            <a:miter/>
+          </a:ln>
+        </p:spPr>
+        <p:txBody>
+          <a:bodyPr rtlCol="0" anchor="ctr"/>
+          <a:lstStyle/>
+          <a:p>
+            <a:endParaRPr lang="en-US"/>
+          </a:p>
+        </p:txBody>
+      </p:sp>
+      <p:cxnSp>
+        <p:nvCxnSpPr>
+          <p:cNvPr id="24" name="Straight Connector 23">
+            <a:extLst>
+              <a:ext uri="{FF2B5EF4-FFF2-40B4-BE49-F238E27FC236}">
+                <a16:creationId xmlns:a16="http://schemas.microsoft.com/office/drawing/2014/main" id="{56020367-4FD5-4596-8E10-C5F095CD8DBF}"/>
+              </a:ext>
+              <a:ext uri="{C183D7F6-B498-43B3-948B-1728B52AA6E4}">
+                <adec:decorative xmlns:adec="http://schemas.microsoft.com/office/drawing/2017/decorative" val="1"/>
+              </a:ext>
+            </a:extLst>
+          </p:cNvPr>
+          <p:cNvCxnSpPr>
+            <a:cxnSpLocks noGrp="1" noRot="1" noChangeAspect="1" noMove="1" noResize="1" noEditPoints="1" noAdjustHandles="1" noChangeArrowheads="1" noChangeShapeType="1"/>
+          </p:cNvCxnSpPr>
+          <p:nvPr>
+            <p:extLst>
+              <p:ext uri="{386F3935-93C4-4BCD-93E2-E3B085C9AB24}">
+                <p16:designElem xmlns:p16="http://schemas.microsoft.com/office/powerpoint/2015/main" val="1"/>
+              </p:ext>
+            </p:extLst>
+          </p:nvPr>
+        </p:nvCxnSpPr>
+        <p:spPr>
+          <a:xfrm>
+            <a:off x="0" y="5831729"/>
+            <a:ext cx="12188952" cy="0"/>
+          </a:xfrm>
+          <a:prstGeom prst="line">
+            <a:avLst/>
+          </a:prstGeom>
+          <a:ln w="25400" cap="sq">
+            <a:solidFill>
+              <a:schemeClr val="bg1"/>
+            </a:solidFill>
+            <a:bevel/>
+          </a:ln>
+        </p:spPr>
+        <p:style>
+          <a:lnRef idx="1">
+            <a:schemeClr val="accent1"/>
+          </a:lnRef>
+          <a:fillRef idx="0">
+            <a:schemeClr val="accent1"/>
+          </a:fillRef>
+          <a:effectRef idx="0">
+            <a:schemeClr val="accent1"/>
+          </a:effectRef>
+          <a:fontRef idx="minor">
+            <a:schemeClr val="tx1"/>
+          </a:fontRef>
+        </p:style>
+      </p:cxnSp>
+    </p:spTree>
+    <p:extLst>
+      <p:ext uri="{BB962C8B-B14F-4D97-AF65-F5344CB8AC3E}">
+        <p14:creationId xmlns:p14="http://schemas.microsoft.com/office/powerpoint/2010/main" val="1889300682"/>
+      </p:ext>
+    </p:extLst>
+  </p:cSld>
+  <p:clrMapOvr>
+    <a:masterClrMapping/>
+  </p:clrMapOvr>
+</p:sld>
+</file>
+
 <file path=ppt/theme/theme1.xml><?xml version="1.0" encoding="utf-8"?>
 <a:theme xmlns:a="http://schemas.openxmlformats.org/drawingml/2006/main" name="GradientVTI">
   <a:themeElements>

--- a/534-Slides.pptx
+++ b/534-Slides.pptx
@@ -1,24 +1,119 @@
 
 <file path=ppt/presentation.xml><?xml version="1.0" encoding="utf-8"?>
-<p:presentation xmlns:a="http://schemas.openxmlformats.org/drawingml/2006/main" xmlns:p="http://schemas.openxmlformats.org/presentationml/2006/main" xmlns:r="http://schemas.openxmlformats.org/officeDocument/2006/relationships" xmlns:p14="http://schemas.microsoft.com/office/powerpoint/2010/main" xmlns:p15="http://schemas.microsoft.com/office/powerpoint/2012/main" xmlns:mc="http://schemas.openxmlformats.org/markup-compatibility/2006">
+<p:presentation xmlns:a="http://schemas.openxmlformats.org/drawingml/2006/main" xmlns:r="http://schemas.openxmlformats.org/officeDocument/2006/relationships" xmlns:p="http://schemas.openxmlformats.org/presentationml/2006/main">
   <p:sldMasterIdLst>
-    <p:sldMasterId id="2147483648" r:id="rId2"/>
-    <p:sldMasterId id="2147483661" r:id="rId3"/>
+    <p:sldMasterId id="2147483648" r:id="rId1"/>
+    <p:sldMasterId id="2147483661" r:id="rId2"/>
   </p:sldMasterIdLst>
   <p:sldIdLst>
-    <p:sldId id="256" r:id="rId4"/>
-    <p:sldId id="257" r:id="rId5"/>
-    <p:sldId id="258" r:id="rId6"/>
-    <p:sldId id="259" r:id="rId7"/>
-    <p:sldId id="260" r:id="rId8"/>
+    <p:sldId id="256" r:id="rId3"/>
+    <p:sldId id="257" r:id="rId4"/>
+    <p:sldId id="258" r:id="rId5"/>
+    <p:sldId id="259" r:id="rId6"/>
+    <p:sldId id="260" r:id="rId7"/>
   </p:sldIdLst>
   <p:sldSz cx="12192000" cy="6858000"/>
   <p:notesSz cx="7772400" cy="10058400"/>
+  <p:defaultTextStyle>
+    <a:defPPr>
+      <a:defRPr lang="en-US"/>
+    </a:defPPr>
+    <a:lvl1pPr marL="0" algn="l" defTabSz="914400" rtl="0" eaLnBrk="1" latinLnBrk="0" hangingPunct="1">
+      <a:defRPr sz="1800" kern="1200">
+        <a:solidFill>
+          <a:schemeClr val="tx1"/>
+        </a:solidFill>
+        <a:latin typeface="+mn-lt"/>
+        <a:ea typeface="+mn-ea"/>
+        <a:cs typeface="+mn-cs"/>
+      </a:defRPr>
+    </a:lvl1pPr>
+    <a:lvl2pPr marL="457200" algn="l" defTabSz="914400" rtl="0" eaLnBrk="1" latinLnBrk="0" hangingPunct="1">
+      <a:defRPr sz="1800" kern="1200">
+        <a:solidFill>
+          <a:schemeClr val="tx1"/>
+        </a:solidFill>
+        <a:latin typeface="+mn-lt"/>
+        <a:ea typeface="+mn-ea"/>
+        <a:cs typeface="+mn-cs"/>
+      </a:defRPr>
+    </a:lvl2pPr>
+    <a:lvl3pPr marL="914400" algn="l" defTabSz="914400" rtl="0" eaLnBrk="1" latinLnBrk="0" hangingPunct="1">
+      <a:defRPr sz="1800" kern="1200">
+        <a:solidFill>
+          <a:schemeClr val="tx1"/>
+        </a:solidFill>
+        <a:latin typeface="+mn-lt"/>
+        <a:ea typeface="+mn-ea"/>
+        <a:cs typeface="+mn-cs"/>
+      </a:defRPr>
+    </a:lvl3pPr>
+    <a:lvl4pPr marL="1371600" algn="l" defTabSz="914400" rtl="0" eaLnBrk="1" latinLnBrk="0" hangingPunct="1">
+      <a:defRPr sz="1800" kern="1200">
+        <a:solidFill>
+          <a:schemeClr val="tx1"/>
+        </a:solidFill>
+        <a:latin typeface="+mn-lt"/>
+        <a:ea typeface="+mn-ea"/>
+        <a:cs typeface="+mn-cs"/>
+      </a:defRPr>
+    </a:lvl4pPr>
+    <a:lvl5pPr marL="1828800" algn="l" defTabSz="914400" rtl="0" eaLnBrk="1" latinLnBrk="0" hangingPunct="1">
+      <a:defRPr sz="1800" kern="1200">
+        <a:solidFill>
+          <a:schemeClr val="tx1"/>
+        </a:solidFill>
+        <a:latin typeface="+mn-lt"/>
+        <a:ea typeface="+mn-ea"/>
+        <a:cs typeface="+mn-cs"/>
+      </a:defRPr>
+    </a:lvl5pPr>
+    <a:lvl6pPr marL="2286000" algn="l" defTabSz="914400" rtl="0" eaLnBrk="1" latinLnBrk="0" hangingPunct="1">
+      <a:defRPr sz="1800" kern="1200">
+        <a:solidFill>
+          <a:schemeClr val="tx1"/>
+        </a:solidFill>
+        <a:latin typeface="+mn-lt"/>
+        <a:ea typeface="+mn-ea"/>
+        <a:cs typeface="+mn-cs"/>
+      </a:defRPr>
+    </a:lvl6pPr>
+    <a:lvl7pPr marL="2743200" algn="l" defTabSz="914400" rtl="0" eaLnBrk="1" latinLnBrk="0" hangingPunct="1">
+      <a:defRPr sz="1800" kern="1200">
+        <a:solidFill>
+          <a:schemeClr val="tx1"/>
+        </a:solidFill>
+        <a:latin typeface="+mn-lt"/>
+        <a:ea typeface="+mn-ea"/>
+        <a:cs typeface="+mn-cs"/>
+      </a:defRPr>
+    </a:lvl7pPr>
+    <a:lvl8pPr marL="3200400" algn="l" defTabSz="914400" rtl="0" eaLnBrk="1" latinLnBrk="0" hangingPunct="1">
+      <a:defRPr sz="1800" kern="1200">
+        <a:solidFill>
+          <a:schemeClr val="tx1"/>
+        </a:solidFill>
+        <a:latin typeface="+mn-lt"/>
+        <a:ea typeface="+mn-ea"/>
+        <a:cs typeface="+mn-cs"/>
+      </a:defRPr>
+    </a:lvl8pPr>
+    <a:lvl9pPr marL="3657600" algn="l" defTabSz="914400" rtl="0" eaLnBrk="1" latinLnBrk="0" hangingPunct="1">
+      <a:defRPr sz="1800" kern="1200">
+        <a:solidFill>
+          <a:schemeClr val="tx1"/>
+        </a:solidFill>
+        <a:latin typeface="+mn-lt"/>
+        <a:ea typeface="+mn-ea"/>
+        <a:cs typeface="+mn-cs"/>
+      </a:defRPr>
+    </a:lvl9pPr>
+  </p:defaultTextStyle>
 </p:presentation>
 </file>
 
 <file path=ppt/slideLayouts/slideLayout1.xml><?xml version="1.0" encoding="utf-8"?>
-<p:sldLayout xmlns:a="http://schemas.openxmlformats.org/drawingml/2006/main" xmlns:p="http://schemas.openxmlformats.org/presentationml/2006/main" xmlns:r="http://schemas.openxmlformats.org/officeDocument/2006/relationships" xmlns:p14="http://schemas.microsoft.com/office/powerpoint/2010/main" xmlns:p15="http://schemas.microsoft.com/office/powerpoint/2012/main" xmlns:mc="http://schemas.openxmlformats.org/markup-compatibility/2006" type="blank" preserve="1">
+<p:sldLayout xmlns:a="http://schemas.openxmlformats.org/drawingml/2006/main" xmlns:r="http://schemas.openxmlformats.org/officeDocument/2006/relationships" xmlns:p="http://schemas.openxmlformats.org/presentationml/2006/main" type="blank" preserve="1">
   <p:cSld name="Blank Slide">
     <p:spTree>
       <p:nvGrpSpPr>
@@ -47,6 +142,7 @@
         <p:spPr/>
         <p:txBody>
           <a:bodyPr/>
+          <a:lstStyle/>
           <a:p>
             <a:r>
               <a:t>Footer</a:t>
@@ -67,10 +163,12 @@
         <p:spPr/>
         <p:txBody>
           <a:bodyPr/>
+          <a:lstStyle/>
           <a:p>
             <a:fld id="{D32A61DA-3190-40FE-90EA-19D1A84D6975}" type="slidenum">
-              <a:t>&lt;#&gt;</a:t>
+              <a:t>‹#›</a:t>
             </a:fld>
+            <a:endParaRPr/>
           </a:p>
         </p:txBody>
       </p:sp>
@@ -87,21 +185,22 @@
         <p:spPr/>
         <p:txBody>
           <a:bodyPr/>
-          <a:p>
-            <a:r>
-              <a:rPr lang="en-CA"/>
-              <a:t/>
-            </a:r>
+          <a:lstStyle/>
+          <a:p>
+            <a:endParaRPr/>
           </a:p>
         </p:txBody>
       </p:sp>
     </p:spTree>
   </p:cSld>
+  <p:clrMapOvr>
+    <a:masterClrMapping/>
+  </p:clrMapOvr>
 </p:sldLayout>
 </file>
 
 <file path=ppt/slideLayouts/slideLayout10.xml><?xml version="1.0" encoding="utf-8"?>
-<p:sldLayout xmlns:a="http://schemas.openxmlformats.org/drawingml/2006/main" xmlns:p="http://schemas.openxmlformats.org/presentationml/2006/main" xmlns:r="http://schemas.openxmlformats.org/officeDocument/2006/relationships" xmlns:p14="http://schemas.microsoft.com/office/powerpoint/2010/main" xmlns:p15="http://schemas.microsoft.com/office/powerpoint/2012/main" xmlns:mc="http://schemas.openxmlformats.org/markup-compatibility/2006" type="objOverTx" preserve="1">
+<p:sldLayout xmlns:a="http://schemas.openxmlformats.org/drawingml/2006/main" xmlns:r="http://schemas.openxmlformats.org/officeDocument/2006/relationships" xmlns:p="http://schemas.openxmlformats.org/presentationml/2006/main" type="objOverTx" preserve="1">
   <p:cSld name="Title, Content over Content">
     <p:spTree>
       <p:nvGrpSpPr>
@@ -141,11 +240,12 @@
           </a:ln>
         </p:spPr>
         <p:txBody>
-          <a:bodyPr lIns="0" rIns="0" tIns="0" bIns="0" anchor="ctr">
+          <a:bodyPr lIns="0" tIns="0" rIns="0" bIns="0" anchor="ctr">
             <a:noAutofit/>
           </a:bodyPr>
-          <a:p>
-            <a:endParaRPr b="0" lang="en-US" sz="1800" spc="-1" strike="noStrike">
+          <a:lstStyle/>
+          <a:p>
+            <a:endParaRPr lang="en-US" sz="1800" b="0" strike="noStrike" spc="-1">
               <a:solidFill>
                 <a:srgbClr val="000000"/>
               </a:solidFill>
@@ -178,9 +278,10 @@
           </a:ln>
         </p:spPr>
         <p:txBody>
-          <a:bodyPr lIns="0" rIns="0" tIns="0" bIns="0" anchor="t">
+          <a:bodyPr lIns="0" tIns="0" rIns="0" bIns="0" anchor="t">
             <a:normAutofit/>
           </a:bodyPr>
+          <a:lstStyle/>
           <a:p>
             <a:pPr>
               <a:lnSpc>
@@ -191,7 +292,7 @@
               </a:spcBef>
               <a:buNone/>
             </a:pPr>
-            <a:endParaRPr b="0" lang="en-US" sz="2800" spc="-1" strike="noStrike">
+            <a:endParaRPr lang="en-US" sz="2800" b="0" strike="noStrike" spc="-1">
               <a:solidFill>
                 <a:srgbClr val="000000"/>
               </a:solidFill>
@@ -224,9 +325,10 @@
           </a:ln>
         </p:spPr>
         <p:txBody>
-          <a:bodyPr lIns="0" rIns="0" tIns="0" bIns="0" anchor="t">
+          <a:bodyPr lIns="0" tIns="0" rIns="0" bIns="0" anchor="t">
             <a:normAutofit/>
           </a:bodyPr>
+          <a:lstStyle/>
           <a:p>
             <a:pPr>
               <a:lnSpc>
@@ -237,7 +339,7 @@
               </a:spcBef>
               <a:buNone/>
             </a:pPr>
-            <a:endParaRPr b="0" lang="en-US" sz="2800" spc="-1" strike="noStrike">
+            <a:endParaRPr lang="en-US" sz="2800" b="0" strike="noStrike" spc="-1">
               <a:solidFill>
                 <a:srgbClr val="000000"/>
               </a:solidFill>
@@ -259,6 +361,7 @@
         <p:spPr/>
         <p:txBody>
           <a:bodyPr/>
+          <a:lstStyle/>
           <a:p>
             <a:r>
               <a:t>Footer</a:t>
@@ -279,10 +382,12 @@
         <p:spPr/>
         <p:txBody>
           <a:bodyPr/>
+          <a:lstStyle/>
           <a:p>
             <a:fld id="{C15BBF85-2FB7-46CD-91B2-90C16E709BB4}" type="slidenum">
-              <a:t>&lt;#&gt;</a:t>
+              <a:t>‹#›</a:t>
             </a:fld>
+            <a:endParaRPr/>
           </a:p>
         </p:txBody>
       </p:sp>
@@ -299,21 +404,22 @@
         <p:spPr/>
         <p:txBody>
           <a:bodyPr/>
-          <a:p>
-            <a:r>
-              <a:rPr lang="en-CA"/>
-              <a:t/>
-            </a:r>
+          <a:lstStyle/>
+          <a:p>
+            <a:endParaRPr/>
           </a:p>
         </p:txBody>
       </p:sp>
     </p:spTree>
   </p:cSld>
+  <p:clrMapOvr>
+    <a:masterClrMapping/>
+  </p:clrMapOvr>
 </p:sldLayout>
 </file>
 
 <file path=ppt/slideLayouts/slideLayout11.xml><?xml version="1.0" encoding="utf-8"?>
-<p:sldLayout xmlns:a="http://schemas.openxmlformats.org/drawingml/2006/main" xmlns:p="http://schemas.openxmlformats.org/presentationml/2006/main" xmlns:r="http://schemas.openxmlformats.org/officeDocument/2006/relationships" xmlns:p14="http://schemas.microsoft.com/office/powerpoint/2010/main" xmlns:p15="http://schemas.microsoft.com/office/powerpoint/2012/main" xmlns:mc="http://schemas.openxmlformats.org/markup-compatibility/2006" type="fourObj" preserve="1">
+<p:sldLayout xmlns:a="http://schemas.openxmlformats.org/drawingml/2006/main" xmlns:r="http://schemas.openxmlformats.org/officeDocument/2006/relationships" xmlns:p="http://schemas.openxmlformats.org/presentationml/2006/main" type="fourObj" preserve="1">
   <p:cSld name="Title, 4 Content">
     <p:spTree>
       <p:nvGrpSpPr>
@@ -353,11 +459,12 @@
           </a:ln>
         </p:spPr>
         <p:txBody>
-          <a:bodyPr lIns="0" rIns="0" tIns="0" bIns="0" anchor="ctr">
+          <a:bodyPr lIns="0" tIns="0" rIns="0" bIns="0" anchor="ctr">
             <a:noAutofit/>
           </a:bodyPr>
-          <a:p>
-            <a:endParaRPr b="0" lang="en-US" sz="1800" spc="-1" strike="noStrike">
+          <a:lstStyle/>
+          <a:p>
+            <a:endParaRPr lang="en-US" sz="1800" b="0" strike="noStrike" spc="-1">
               <a:solidFill>
                 <a:srgbClr val="000000"/>
               </a:solidFill>
@@ -390,9 +497,10 @@
           </a:ln>
         </p:spPr>
         <p:txBody>
-          <a:bodyPr lIns="0" rIns="0" tIns="0" bIns="0" anchor="t">
+          <a:bodyPr lIns="0" tIns="0" rIns="0" bIns="0" anchor="t">
             <a:normAutofit/>
           </a:bodyPr>
+          <a:lstStyle/>
           <a:p>
             <a:pPr>
               <a:lnSpc>
@@ -403,7 +511,7 @@
               </a:spcBef>
               <a:buNone/>
             </a:pPr>
-            <a:endParaRPr b="0" lang="en-US" sz="2800" spc="-1" strike="noStrike">
+            <a:endParaRPr lang="en-US" sz="2800" b="0" strike="noStrike" spc="-1">
               <a:solidFill>
                 <a:srgbClr val="000000"/>
               </a:solidFill>
@@ -436,9 +544,10 @@
           </a:ln>
         </p:spPr>
         <p:txBody>
-          <a:bodyPr lIns="0" rIns="0" tIns="0" bIns="0" anchor="t">
+          <a:bodyPr lIns="0" tIns="0" rIns="0" bIns="0" anchor="t">
             <a:normAutofit/>
           </a:bodyPr>
+          <a:lstStyle/>
           <a:p>
             <a:pPr>
               <a:lnSpc>
@@ -449,7 +558,7 @@
               </a:spcBef>
               <a:buNone/>
             </a:pPr>
-            <a:endParaRPr b="0" lang="en-US" sz="2800" spc="-1" strike="noStrike">
+            <a:endParaRPr lang="en-US" sz="2800" b="0" strike="noStrike" spc="-1">
               <a:solidFill>
                 <a:srgbClr val="000000"/>
               </a:solidFill>
@@ -482,9 +591,10 @@
           </a:ln>
         </p:spPr>
         <p:txBody>
-          <a:bodyPr lIns="0" rIns="0" tIns="0" bIns="0" anchor="t">
+          <a:bodyPr lIns="0" tIns="0" rIns="0" bIns="0" anchor="t">
             <a:normAutofit/>
           </a:bodyPr>
+          <a:lstStyle/>
           <a:p>
             <a:pPr>
               <a:lnSpc>
@@ -495,7 +605,7 @@
               </a:spcBef>
               <a:buNone/>
             </a:pPr>
-            <a:endParaRPr b="0" lang="en-US" sz="2800" spc="-1" strike="noStrike">
+            <a:endParaRPr lang="en-US" sz="2800" b="0" strike="noStrike" spc="-1">
               <a:solidFill>
                 <a:srgbClr val="000000"/>
               </a:solidFill>
@@ -528,9 +638,10 @@
           </a:ln>
         </p:spPr>
         <p:txBody>
-          <a:bodyPr lIns="0" rIns="0" tIns="0" bIns="0" anchor="t">
+          <a:bodyPr lIns="0" tIns="0" rIns="0" bIns="0" anchor="t">
             <a:normAutofit/>
           </a:bodyPr>
+          <a:lstStyle/>
           <a:p>
             <a:pPr>
               <a:lnSpc>
@@ -541,7 +652,7 @@
               </a:spcBef>
               <a:buNone/>
             </a:pPr>
-            <a:endParaRPr b="0" lang="en-US" sz="2800" spc="-1" strike="noStrike">
+            <a:endParaRPr lang="en-US" sz="2800" b="0" strike="noStrike" spc="-1">
               <a:solidFill>
                 <a:srgbClr val="000000"/>
               </a:solidFill>
@@ -563,6 +674,7 @@
         <p:spPr/>
         <p:txBody>
           <a:bodyPr/>
+          <a:lstStyle/>
           <a:p>
             <a:r>
               <a:t>Footer</a:t>
@@ -583,10 +695,12 @@
         <p:spPr/>
         <p:txBody>
           <a:bodyPr/>
+          <a:lstStyle/>
           <a:p>
             <a:fld id="{8282E0BC-0956-4185-BCAB-72D15130CFAD}" type="slidenum">
-              <a:t>&lt;#&gt;</a:t>
+              <a:t>‹#›</a:t>
             </a:fld>
+            <a:endParaRPr/>
           </a:p>
         </p:txBody>
       </p:sp>
@@ -603,21 +717,22 @@
         <p:spPr/>
         <p:txBody>
           <a:bodyPr/>
-          <a:p>
-            <a:r>
-              <a:rPr lang="en-CA"/>
-              <a:t/>
-            </a:r>
+          <a:lstStyle/>
+          <a:p>
+            <a:endParaRPr/>
           </a:p>
         </p:txBody>
       </p:sp>
     </p:spTree>
   </p:cSld>
+  <p:clrMapOvr>
+    <a:masterClrMapping/>
+  </p:clrMapOvr>
 </p:sldLayout>
 </file>
 
 <file path=ppt/slideLayouts/slideLayout12.xml><?xml version="1.0" encoding="utf-8"?>
-<p:sldLayout xmlns:a="http://schemas.openxmlformats.org/drawingml/2006/main" xmlns:p="http://schemas.openxmlformats.org/presentationml/2006/main" xmlns:r="http://schemas.openxmlformats.org/officeDocument/2006/relationships" xmlns:p14="http://schemas.microsoft.com/office/powerpoint/2010/main" xmlns:p15="http://schemas.microsoft.com/office/powerpoint/2012/main" xmlns:mc="http://schemas.openxmlformats.org/markup-compatibility/2006" type="blank" preserve="1">
+<p:sldLayout xmlns:a="http://schemas.openxmlformats.org/drawingml/2006/main" xmlns:r="http://schemas.openxmlformats.org/officeDocument/2006/relationships" xmlns:p="http://schemas.openxmlformats.org/presentationml/2006/main" type="blank" preserve="1">
   <p:cSld name="Title, 6 Content">
     <p:spTree>
       <p:nvGrpSpPr>
@@ -657,11 +772,12 @@
           </a:ln>
         </p:spPr>
         <p:txBody>
-          <a:bodyPr lIns="0" rIns="0" tIns="0" bIns="0" anchor="ctr">
+          <a:bodyPr lIns="0" tIns="0" rIns="0" bIns="0" anchor="ctr">
             <a:noAutofit/>
           </a:bodyPr>
-          <a:p>
-            <a:endParaRPr b="0" lang="en-US" sz="1800" spc="-1" strike="noStrike">
+          <a:lstStyle/>
+          <a:p>
+            <a:endParaRPr lang="en-US" sz="1800" b="0" strike="noStrike" spc="-1">
               <a:solidFill>
                 <a:srgbClr val="000000"/>
               </a:solidFill>
@@ -694,9 +810,10 @@
           </a:ln>
         </p:spPr>
         <p:txBody>
-          <a:bodyPr lIns="0" rIns="0" tIns="0" bIns="0" anchor="t">
+          <a:bodyPr lIns="0" tIns="0" rIns="0" bIns="0" anchor="t">
             <a:normAutofit/>
           </a:bodyPr>
+          <a:lstStyle/>
           <a:p>
             <a:pPr>
               <a:lnSpc>
@@ -707,7 +824,7 @@
               </a:spcBef>
               <a:buNone/>
             </a:pPr>
-            <a:endParaRPr b="0" lang="en-US" sz="2800" spc="-1" strike="noStrike">
+            <a:endParaRPr lang="en-US" sz="2800" b="0" strike="noStrike" spc="-1">
               <a:solidFill>
                 <a:srgbClr val="000000"/>
               </a:solidFill>
@@ -740,9 +857,10 @@
           </a:ln>
         </p:spPr>
         <p:txBody>
-          <a:bodyPr lIns="0" rIns="0" tIns="0" bIns="0" anchor="t">
+          <a:bodyPr lIns="0" tIns="0" rIns="0" bIns="0" anchor="t">
             <a:normAutofit/>
           </a:bodyPr>
+          <a:lstStyle/>
           <a:p>
             <a:pPr>
               <a:lnSpc>
@@ -753,7 +871,7 @@
               </a:spcBef>
               <a:buNone/>
             </a:pPr>
-            <a:endParaRPr b="0" lang="en-US" sz="2800" spc="-1" strike="noStrike">
+            <a:endParaRPr lang="en-US" sz="2800" b="0" strike="noStrike" spc="-1">
               <a:solidFill>
                 <a:srgbClr val="000000"/>
               </a:solidFill>
@@ -786,9 +904,10 @@
           </a:ln>
         </p:spPr>
         <p:txBody>
-          <a:bodyPr lIns="0" rIns="0" tIns="0" bIns="0" anchor="t">
+          <a:bodyPr lIns="0" tIns="0" rIns="0" bIns="0" anchor="t">
             <a:normAutofit/>
           </a:bodyPr>
+          <a:lstStyle/>
           <a:p>
             <a:pPr>
               <a:lnSpc>
@@ -799,7 +918,7 @@
               </a:spcBef>
               <a:buNone/>
             </a:pPr>
-            <a:endParaRPr b="0" lang="en-US" sz="2800" spc="-1" strike="noStrike">
+            <a:endParaRPr lang="en-US" sz="2800" b="0" strike="noStrike" spc="-1">
               <a:solidFill>
                 <a:srgbClr val="000000"/>
               </a:solidFill>
@@ -832,9 +951,10 @@
           </a:ln>
         </p:spPr>
         <p:txBody>
-          <a:bodyPr lIns="0" rIns="0" tIns="0" bIns="0" anchor="t">
+          <a:bodyPr lIns="0" tIns="0" rIns="0" bIns="0" anchor="t">
             <a:normAutofit/>
           </a:bodyPr>
+          <a:lstStyle/>
           <a:p>
             <a:pPr>
               <a:lnSpc>
@@ -845,7 +965,7 @@
               </a:spcBef>
               <a:buNone/>
             </a:pPr>
-            <a:endParaRPr b="0" lang="en-US" sz="2800" spc="-1" strike="noStrike">
+            <a:endParaRPr lang="en-US" sz="2800" b="0" strike="noStrike" spc="-1">
               <a:solidFill>
                 <a:srgbClr val="000000"/>
               </a:solidFill>
@@ -878,9 +998,10 @@
           </a:ln>
         </p:spPr>
         <p:txBody>
-          <a:bodyPr lIns="0" rIns="0" tIns="0" bIns="0" anchor="t">
+          <a:bodyPr lIns="0" tIns="0" rIns="0" bIns="0" anchor="t">
             <a:normAutofit/>
           </a:bodyPr>
+          <a:lstStyle/>
           <a:p>
             <a:pPr>
               <a:lnSpc>
@@ -891,7 +1012,7 @@
               </a:spcBef>
               <a:buNone/>
             </a:pPr>
-            <a:endParaRPr b="0" lang="en-US" sz="2800" spc="-1" strike="noStrike">
+            <a:endParaRPr lang="en-US" sz="2800" b="0" strike="noStrike" spc="-1">
               <a:solidFill>
                 <a:srgbClr val="000000"/>
               </a:solidFill>
@@ -924,9 +1045,10 @@
           </a:ln>
         </p:spPr>
         <p:txBody>
-          <a:bodyPr lIns="0" rIns="0" tIns="0" bIns="0" anchor="t">
+          <a:bodyPr lIns="0" tIns="0" rIns="0" bIns="0" anchor="t">
             <a:normAutofit/>
           </a:bodyPr>
+          <a:lstStyle/>
           <a:p>
             <a:pPr>
               <a:lnSpc>
@@ -937,7 +1059,7 @@
               </a:spcBef>
               <a:buNone/>
             </a:pPr>
-            <a:endParaRPr b="0" lang="en-US" sz="2800" spc="-1" strike="noStrike">
+            <a:endParaRPr lang="en-US" sz="2800" b="0" strike="noStrike" spc="-1">
               <a:solidFill>
                 <a:srgbClr val="000000"/>
               </a:solidFill>
@@ -959,6 +1081,7 @@
         <p:spPr/>
         <p:txBody>
           <a:bodyPr/>
+          <a:lstStyle/>
           <a:p>
             <a:r>
               <a:t>Footer</a:t>
@@ -979,10 +1102,12 @@
         <p:spPr/>
         <p:txBody>
           <a:bodyPr/>
+          <a:lstStyle/>
           <a:p>
             <a:fld id="{73BB8E82-619E-49DF-9CAA-9DED1DEFD05D}" type="slidenum">
-              <a:t>&lt;#&gt;</a:t>
+              <a:t>‹#›</a:t>
             </a:fld>
+            <a:endParaRPr/>
           </a:p>
         </p:txBody>
       </p:sp>
@@ -999,21 +1124,22 @@
         <p:spPr/>
         <p:txBody>
           <a:bodyPr/>
-          <a:p>
-            <a:r>
-              <a:rPr lang="en-CA"/>
-              <a:t/>
-            </a:r>
+          <a:lstStyle/>
+          <a:p>
+            <a:endParaRPr/>
           </a:p>
         </p:txBody>
       </p:sp>
     </p:spTree>
   </p:cSld>
+  <p:clrMapOvr>
+    <a:masterClrMapping/>
+  </p:clrMapOvr>
 </p:sldLayout>
 </file>
 
 <file path=ppt/slideLayouts/slideLayout13.xml><?xml version="1.0" encoding="utf-8"?>
-<p:sldLayout xmlns:a="http://schemas.openxmlformats.org/drawingml/2006/main" xmlns:p="http://schemas.openxmlformats.org/presentationml/2006/main" xmlns:r="http://schemas.openxmlformats.org/officeDocument/2006/relationships" xmlns:p14="http://schemas.microsoft.com/office/powerpoint/2010/main" xmlns:p15="http://schemas.microsoft.com/office/powerpoint/2012/main" xmlns:mc="http://schemas.openxmlformats.org/markup-compatibility/2006" type="blank" preserve="1">
+<p:sldLayout xmlns:a="http://schemas.openxmlformats.org/drawingml/2006/main" xmlns:r="http://schemas.openxmlformats.org/officeDocument/2006/relationships" xmlns:p="http://schemas.openxmlformats.org/presentationml/2006/main" type="blank" preserve="1">
   <p:cSld name="Blank Slide">
     <p:spTree>
       <p:nvGrpSpPr>
@@ -1042,6 +1168,7 @@
         <p:spPr/>
         <p:txBody>
           <a:bodyPr/>
+          <a:lstStyle/>
           <a:p>
             <a:r>
               <a:t>Footer</a:t>
@@ -1062,10 +1189,12 @@
         <p:spPr/>
         <p:txBody>
           <a:bodyPr/>
+          <a:lstStyle/>
           <a:p>
             <a:fld id="{A87DCD3B-1369-4D2E-8B3D-D375D4913620}" type="slidenum">
-              <a:t>&lt;#&gt;</a:t>
+              <a:t>‹#›</a:t>
             </a:fld>
+            <a:endParaRPr/>
           </a:p>
         </p:txBody>
       </p:sp>
@@ -1082,21 +1211,22 @@
         <p:spPr/>
         <p:txBody>
           <a:bodyPr/>
-          <a:p>
-            <a:r>
-              <a:rPr lang="en-CA"/>
-              <a:t/>
-            </a:r>
+          <a:lstStyle/>
+          <a:p>
+            <a:endParaRPr/>
           </a:p>
         </p:txBody>
       </p:sp>
     </p:spTree>
   </p:cSld>
+  <p:clrMapOvr>
+    <a:masterClrMapping/>
+  </p:clrMapOvr>
 </p:sldLayout>
 </file>
 
 <file path=ppt/slideLayouts/slideLayout14.xml><?xml version="1.0" encoding="utf-8"?>
-<p:sldLayout xmlns:a="http://schemas.openxmlformats.org/drawingml/2006/main" xmlns:p="http://schemas.openxmlformats.org/presentationml/2006/main" xmlns:r="http://schemas.openxmlformats.org/officeDocument/2006/relationships" xmlns:p14="http://schemas.microsoft.com/office/powerpoint/2010/main" xmlns:p15="http://schemas.microsoft.com/office/powerpoint/2012/main" xmlns:mc="http://schemas.openxmlformats.org/markup-compatibility/2006" type="tx" preserve="1">
+<p:sldLayout xmlns:a="http://schemas.openxmlformats.org/drawingml/2006/main" xmlns:r="http://schemas.openxmlformats.org/officeDocument/2006/relationships" xmlns:p="http://schemas.openxmlformats.org/presentationml/2006/main" type="tx" preserve="1">
   <p:cSld name="Title Slide">
     <p:spTree>
       <p:nvGrpSpPr>
@@ -1136,11 +1266,12 @@
           </a:ln>
         </p:spPr>
         <p:txBody>
-          <a:bodyPr lIns="0" rIns="0" tIns="0" bIns="0" anchor="ctr">
+          <a:bodyPr lIns="0" tIns="0" rIns="0" bIns="0" anchor="ctr">
             <a:noAutofit/>
           </a:bodyPr>
-          <a:p>
-            <a:endParaRPr b="0" lang="en-US" sz="1800" spc="-1" strike="noStrike">
+          <a:lstStyle/>
+          <a:p>
+            <a:endParaRPr lang="en-US" sz="1800" b="0" strike="noStrike" spc="-1">
               <a:solidFill>
                 <a:srgbClr val="000000"/>
               </a:solidFill>
@@ -1173,14 +1304,15 @@
           </a:ln>
         </p:spPr>
         <p:txBody>
-          <a:bodyPr lIns="0" rIns="0" tIns="0" bIns="0" anchor="ctr">
+          <a:bodyPr lIns="0" tIns="0" rIns="0" bIns="0" anchor="ctr">
             <a:noAutofit/>
           </a:bodyPr>
+          <a:lstStyle/>
           <a:p>
             <a:pPr algn="ctr">
               <a:buNone/>
             </a:pPr>
-            <a:endParaRPr b="0" lang="en-CA" sz="3200" spc="-1" strike="noStrike">
+            <a:endParaRPr lang="en-CA" sz="3200" b="0" strike="noStrike" spc="-1">
               <a:latin typeface="Arial"/>
             </a:endParaRPr>
           </a:p>
@@ -1199,6 +1331,7 @@
         <p:spPr/>
         <p:txBody>
           <a:bodyPr/>
+          <a:lstStyle/>
           <a:p>
             <a:r>
               <a:t>Footer</a:t>
@@ -1219,10 +1352,12 @@
         <p:spPr/>
         <p:txBody>
           <a:bodyPr/>
+          <a:lstStyle/>
           <a:p>
             <a:fld id="{C112620D-6395-4D73-BFE2-9CFE8D19F16B}" type="slidenum">
-              <a:t>&lt;#&gt;</a:t>
+              <a:t>‹#›</a:t>
             </a:fld>
+            <a:endParaRPr/>
           </a:p>
         </p:txBody>
       </p:sp>
@@ -1239,21 +1374,22 @@
         <p:spPr/>
         <p:txBody>
           <a:bodyPr/>
-          <a:p>
-            <a:r>
-              <a:rPr lang="en-CA"/>
-              <a:t/>
-            </a:r>
+          <a:lstStyle/>
+          <a:p>
+            <a:endParaRPr/>
           </a:p>
         </p:txBody>
       </p:sp>
     </p:spTree>
   </p:cSld>
+  <p:clrMapOvr>
+    <a:masterClrMapping/>
+  </p:clrMapOvr>
 </p:sldLayout>
 </file>
 
 <file path=ppt/slideLayouts/slideLayout15.xml><?xml version="1.0" encoding="utf-8"?>
-<p:sldLayout xmlns:a="http://schemas.openxmlformats.org/drawingml/2006/main" xmlns:p="http://schemas.openxmlformats.org/presentationml/2006/main" xmlns:r="http://schemas.openxmlformats.org/officeDocument/2006/relationships" xmlns:p14="http://schemas.microsoft.com/office/powerpoint/2010/main" xmlns:p15="http://schemas.microsoft.com/office/powerpoint/2012/main" xmlns:mc="http://schemas.openxmlformats.org/markup-compatibility/2006" type="obj" preserve="1">
+<p:sldLayout xmlns:a="http://schemas.openxmlformats.org/drawingml/2006/main" xmlns:r="http://schemas.openxmlformats.org/officeDocument/2006/relationships" xmlns:p="http://schemas.openxmlformats.org/presentationml/2006/main" type="obj" preserve="1">
   <p:cSld name="Title, Content">
     <p:spTree>
       <p:nvGrpSpPr>
@@ -1293,11 +1429,12 @@
           </a:ln>
         </p:spPr>
         <p:txBody>
-          <a:bodyPr lIns="0" rIns="0" tIns="0" bIns="0" anchor="ctr">
+          <a:bodyPr lIns="0" tIns="0" rIns="0" bIns="0" anchor="ctr">
             <a:noAutofit/>
           </a:bodyPr>
-          <a:p>
-            <a:endParaRPr b="0" lang="en-US" sz="1800" spc="-1" strike="noStrike">
+          <a:lstStyle/>
+          <a:p>
+            <a:endParaRPr lang="en-US" sz="1800" b="0" strike="noStrike" spc="-1">
               <a:solidFill>
                 <a:srgbClr val="000000"/>
               </a:solidFill>
@@ -1330,9 +1467,10 @@
           </a:ln>
         </p:spPr>
         <p:txBody>
-          <a:bodyPr lIns="0" rIns="0" tIns="0" bIns="0" anchor="t">
+          <a:bodyPr lIns="0" tIns="0" rIns="0" bIns="0" anchor="t">
             <a:normAutofit/>
           </a:bodyPr>
+          <a:lstStyle/>
           <a:p>
             <a:pPr>
               <a:lnSpc>
@@ -1343,7 +1481,7 @@
               </a:spcBef>
               <a:buNone/>
             </a:pPr>
-            <a:endParaRPr b="0" lang="en-US" sz="2800" spc="-1" strike="noStrike">
+            <a:endParaRPr lang="en-US" sz="2800" b="0" strike="noStrike" spc="-1">
               <a:solidFill>
                 <a:srgbClr val="000000"/>
               </a:solidFill>
@@ -1365,6 +1503,7 @@
         <p:spPr/>
         <p:txBody>
           <a:bodyPr/>
+          <a:lstStyle/>
           <a:p>
             <a:r>
               <a:t>Footer</a:t>
@@ -1385,10 +1524,12 @@
         <p:spPr/>
         <p:txBody>
           <a:bodyPr/>
+          <a:lstStyle/>
           <a:p>
             <a:fld id="{5DD7651C-062A-4081-8153-F1D20EAB6269}" type="slidenum">
-              <a:t>&lt;#&gt;</a:t>
+              <a:t>‹#›</a:t>
             </a:fld>
+            <a:endParaRPr/>
           </a:p>
         </p:txBody>
       </p:sp>
@@ -1405,21 +1546,22 @@
         <p:spPr/>
         <p:txBody>
           <a:bodyPr/>
-          <a:p>
-            <a:r>
-              <a:rPr lang="en-CA"/>
-              <a:t/>
-            </a:r>
+          <a:lstStyle/>
+          <a:p>
+            <a:endParaRPr/>
           </a:p>
         </p:txBody>
       </p:sp>
     </p:spTree>
   </p:cSld>
+  <p:clrMapOvr>
+    <a:masterClrMapping/>
+  </p:clrMapOvr>
 </p:sldLayout>
 </file>
 
 <file path=ppt/slideLayouts/slideLayout16.xml><?xml version="1.0" encoding="utf-8"?>
-<p:sldLayout xmlns:a="http://schemas.openxmlformats.org/drawingml/2006/main" xmlns:p="http://schemas.openxmlformats.org/presentationml/2006/main" xmlns:r="http://schemas.openxmlformats.org/officeDocument/2006/relationships" xmlns:p14="http://schemas.microsoft.com/office/powerpoint/2010/main" xmlns:p15="http://schemas.microsoft.com/office/powerpoint/2012/main" xmlns:mc="http://schemas.openxmlformats.org/markup-compatibility/2006" type="twoObj" preserve="1">
+<p:sldLayout xmlns:a="http://schemas.openxmlformats.org/drawingml/2006/main" xmlns:r="http://schemas.openxmlformats.org/officeDocument/2006/relationships" xmlns:p="http://schemas.openxmlformats.org/presentationml/2006/main" type="twoObj" preserve="1">
   <p:cSld name="Title, 2 Content">
     <p:spTree>
       <p:nvGrpSpPr>
@@ -1459,11 +1601,12 @@
           </a:ln>
         </p:spPr>
         <p:txBody>
-          <a:bodyPr lIns="0" rIns="0" tIns="0" bIns="0" anchor="ctr">
+          <a:bodyPr lIns="0" tIns="0" rIns="0" bIns="0" anchor="ctr">
             <a:noAutofit/>
           </a:bodyPr>
-          <a:p>
-            <a:endParaRPr b="0" lang="en-US" sz="1800" spc="-1" strike="noStrike">
+          <a:lstStyle/>
+          <a:p>
+            <a:endParaRPr lang="en-US" sz="1800" b="0" strike="noStrike" spc="-1">
               <a:solidFill>
                 <a:srgbClr val="000000"/>
               </a:solidFill>
@@ -1496,9 +1639,10 @@
           </a:ln>
         </p:spPr>
         <p:txBody>
-          <a:bodyPr lIns="0" rIns="0" tIns="0" bIns="0" anchor="t">
+          <a:bodyPr lIns="0" tIns="0" rIns="0" bIns="0" anchor="t">
             <a:normAutofit/>
           </a:bodyPr>
+          <a:lstStyle/>
           <a:p>
             <a:pPr>
               <a:lnSpc>
@@ -1509,7 +1653,7 @@
               </a:spcBef>
               <a:buNone/>
             </a:pPr>
-            <a:endParaRPr b="0" lang="en-US" sz="2800" spc="-1" strike="noStrike">
+            <a:endParaRPr lang="en-US" sz="2800" b="0" strike="noStrike" spc="-1">
               <a:solidFill>
                 <a:srgbClr val="000000"/>
               </a:solidFill>
@@ -1542,9 +1686,10 @@
           </a:ln>
         </p:spPr>
         <p:txBody>
-          <a:bodyPr lIns="0" rIns="0" tIns="0" bIns="0" anchor="t">
+          <a:bodyPr lIns="0" tIns="0" rIns="0" bIns="0" anchor="t">
             <a:normAutofit/>
           </a:bodyPr>
+          <a:lstStyle/>
           <a:p>
             <a:pPr>
               <a:lnSpc>
@@ -1555,7 +1700,7 @@
               </a:spcBef>
               <a:buNone/>
             </a:pPr>
-            <a:endParaRPr b="0" lang="en-US" sz="2800" spc="-1" strike="noStrike">
+            <a:endParaRPr lang="en-US" sz="2800" b="0" strike="noStrike" spc="-1">
               <a:solidFill>
                 <a:srgbClr val="000000"/>
               </a:solidFill>
@@ -1577,6 +1722,7 @@
         <p:spPr/>
         <p:txBody>
           <a:bodyPr/>
+          <a:lstStyle/>
           <a:p>
             <a:r>
               <a:t>Footer</a:t>
@@ -1597,10 +1743,12 @@
         <p:spPr/>
         <p:txBody>
           <a:bodyPr/>
+          <a:lstStyle/>
           <a:p>
             <a:fld id="{E15993C1-3699-449B-998F-AFC3D84BE194}" type="slidenum">
-              <a:t>&lt;#&gt;</a:t>
+              <a:t>‹#›</a:t>
             </a:fld>
+            <a:endParaRPr/>
           </a:p>
         </p:txBody>
       </p:sp>
@@ -1617,21 +1765,22 @@
         <p:spPr/>
         <p:txBody>
           <a:bodyPr/>
-          <a:p>
-            <a:r>
-              <a:rPr lang="en-CA"/>
-              <a:t/>
-            </a:r>
+          <a:lstStyle/>
+          <a:p>
+            <a:endParaRPr/>
           </a:p>
         </p:txBody>
       </p:sp>
     </p:spTree>
   </p:cSld>
+  <p:clrMapOvr>
+    <a:masterClrMapping/>
+  </p:clrMapOvr>
 </p:sldLayout>
 </file>
 
 <file path=ppt/slideLayouts/slideLayout17.xml><?xml version="1.0" encoding="utf-8"?>
-<p:sldLayout xmlns:a="http://schemas.openxmlformats.org/drawingml/2006/main" xmlns:p="http://schemas.openxmlformats.org/presentationml/2006/main" xmlns:r="http://schemas.openxmlformats.org/officeDocument/2006/relationships" xmlns:p14="http://schemas.microsoft.com/office/powerpoint/2010/main" xmlns:p15="http://schemas.microsoft.com/office/powerpoint/2012/main" xmlns:mc="http://schemas.openxmlformats.org/markup-compatibility/2006" type="titleOnly" preserve="1">
+<p:sldLayout xmlns:a="http://schemas.openxmlformats.org/drawingml/2006/main" xmlns:r="http://schemas.openxmlformats.org/officeDocument/2006/relationships" xmlns:p="http://schemas.openxmlformats.org/presentationml/2006/main" type="titleOnly" preserve="1">
   <p:cSld name="Title Only">
     <p:spTree>
       <p:nvGrpSpPr>
@@ -1671,11 +1820,12 @@
           </a:ln>
         </p:spPr>
         <p:txBody>
-          <a:bodyPr lIns="0" rIns="0" tIns="0" bIns="0" anchor="ctr">
+          <a:bodyPr lIns="0" tIns="0" rIns="0" bIns="0" anchor="ctr">
             <a:noAutofit/>
           </a:bodyPr>
-          <a:p>
-            <a:endParaRPr b="0" lang="en-US" sz="1800" spc="-1" strike="noStrike">
+          <a:lstStyle/>
+          <a:p>
+            <a:endParaRPr lang="en-US" sz="1800" b="0" strike="noStrike" spc="-1">
               <a:solidFill>
                 <a:srgbClr val="000000"/>
               </a:solidFill>
@@ -1697,6 +1847,7 @@
         <p:spPr/>
         <p:txBody>
           <a:bodyPr/>
+          <a:lstStyle/>
           <a:p>
             <a:r>
               <a:t>Footer</a:t>
@@ -1717,10 +1868,12 @@
         <p:spPr/>
         <p:txBody>
           <a:bodyPr/>
+          <a:lstStyle/>
           <a:p>
             <a:fld id="{6806ACD1-D85E-45C0-8176-7DD516ADB4BC}" type="slidenum">
-              <a:t>&lt;#&gt;</a:t>
+              <a:t>‹#›</a:t>
             </a:fld>
+            <a:endParaRPr/>
           </a:p>
         </p:txBody>
       </p:sp>
@@ -1737,21 +1890,22 @@
         <p:spPr/>
         <p:txBody>
           <a:bodyPr/>
-          <a:p>
-            <a:r>
-              <a:rPr lang="en-CA"/>
-              <a:t/>
-            </a:r>
+          <a:lstStyle/>
+          <a:p>
+            <a:endParaRPr/>
           </a:p>
         </p:txBody>
       </p:sp>
     </p:spTree>
   </p:cSld>
+  <p:clrMapOvr>
+    <a:masterClrMapping/>
+  </p:clrMapOvr>
 </p:sldLayout>
 </file>
 
 <file path=ppt/slideLayouts/slideLayout18.xml><?xml version="1.0" encoding="utf-8"?>
-<p:sldLayout xmlns:a="http://schemas.openxmlformats.org/drawingml/2006/main" xmlns:p="http://schemas.openxmlformats.org/presentationml/2006/main" xmlns:r="http://schemas.openxmlformats.org/officeDocument/2006/relationships" xmlns:p14="http://schemas.microsoft.com/office/powerpoint/2010/main" xmlns:p15="http://schemas.microsoft.com/office/powerpoint/2012/main" xmlns:mc="http://schemas.openxmlformats.org/markup-compatibility/2006" type="objOnly" preserve="1">
+<p:sldLayout xmlns:a="http://schemas.openxmlformats.org/drawingml/2006/main" xmlns:r="http://schemas.openxmlformats.org/officeDocument/2006/relationships" xmlns:p="http://schemas.openxmlformats.org/presentationml/2006/main" type="objOnly" preserve="1">
   <p:cSld name="Centered Text">
     <p:spTree>
       <p:nvGrpSpPr>
@@ -1791,14 +1945,15 @@
           </a:ln>
         </p:spPr>
         <p:txBody>
-          <a:bodyPr lIns="0" rIns="0" tIns="0" bIns="0" anchor="ctr">
+          <a:bodyPr lIns="0" tIns="0" rIns="0" bIns="0" anchor="ctr">
             <a:noAutofit/>
           </a:bodyPr>
+          <a:lstStyle/>
           <a:p>
             <a:pPr algn="ctr">
               <a:buNone/>
             </a:pPr>
-            <a:endParaRPr b="0" lang="en-CA" sz="3200" spc="-1" strike="noStrike">
+            <a:endParaRPr lang="en-CA" sz="3200" b="0" strike="noStrike" spc="-1">
               <a:latin typeface="Arial"/>
             </a:endParaRPr>
           </a:p>
@@ -1817,6 +1972,7 @@
         <p:spPr/>
         <p:txBody>
           <a:bodyPr/>
+          <a:lstStyle/>
           <a:p>
             <a:r>
               <a:t>Footer</a:t>
@@ -1837,10 +1993,12 @@
         <p:spPr/>
         <p:txBody>
           <a:bodyPr/>
+          <a:lstStyle/>
           <a:p>
             <a:fld id="{A130C6C2-C9D1-46FF-8305-CCC1BE285059}" type="slidenum">
-              <a:t>&lt;#&gt;</a:t>
+              <a:t>‹#›</a:t>
             </a:fld>
+            <a:endParaRPr/>
           </a:p>
         </p:txBody>
       </p:sp>
@@ -1857,21 +2015,22 @@
         <p:spPr/>
         <p:txBody>
           <a:bodyPr/>
-          <a:p>
-            <a:r>
-              <a:rPr lang="en-CA"/>
-              <a:t/>
-            </a:r>
+          <a:lstStyle/>
+          <a:p>
+            <a:endParaRPr/>
           </a:p>
         </p:txBody>
       </p:sp>
     </p:spTree>
   </p:cSld>
+  <p:clrMapOvr>
+    <a:masterClrMapping/>
+  </p:clrMapOvr>
 </p:sldLayout>
 </file>
 
 <file path=ppt/slideLayouts/slideLayout19.xml><?xml version="1.0" encoding="utf-8"?>
-<p:sldLayout xmlns:a="http://schemas.openxmlformats.org/drawingml/2006/main" xmlns:p="http://schemas.openxmlformats.org/presentationml/2006/main" xmlns:r="http://schemas.openxmlformats.org/officeDocument/2006/relationships" xmlns:p14="http://schemas.microsoft.com/office/powerpoint/2010/main" xmlns:p15="http://schemas.microsoft.com/office/powerpoint/2012/main" xmlns:mc="http://schemas.openxmlformats.org/markup-compatibility/2006" type="twoObjAndObj" preserve="1">
+<p:sldLayout xmlns:a="http://schemas.openxmlformats.org/drawingml/2006/main" xmlns:r="http://schemas.openxmlformats.org/officeDocument/2006/relationships" xmlns:p="http://schemas.openxmlformats.org/presentationml/2006/main" type="twoObjAndObj" preserve="1">
   <p:cSld name="Title, 2 Content and Content">
     <p:spTree>
       <p:nvGrpSpPr>
@@ -1911,11 +2070,12 @@
           </a:ln>
         </p:spPr>
         <p:txBody>
-          <a:bodyPr lIns="0" rIns="0" tIns="0" bIns="0" anchor="ctr">
+          <a:bodyPr lIns="0" tIns="0" rIns="0" bIns="0" anchor="ctr">
             <a:noAutofit/>
           </a:bodyPr>
-          <a:p>
-            <a:endParaRPr b="0" lang="en-US" sz="1800" spc="-1" strike="noStrike">
+          <a:lstStyle/>
+          <a:p>
+            <a:endParaRPr lang="en-US" sz="1800" b="0" strike="noStrike" spc="-1">
               <a:solidFill>
                 <a:srgbClr val="000000"/>
               </a:solidFill>
@@ -1948,9 +2108,10 @@
           </a:ln>
         </p:spPr>
         <p:txBody>
-          <a:bodyPr lIns="0" rIns="0" tIns="0" bIns="0" anchor="t">
+          <a:bodyPr lIns="0" tIns="0" rIns="0" bIns="0" anchor="t">
             <a:normAutofit/>
           </a:bodyPr>
+          <a:lstStyle/>
           <a:p>
             <a:pPr>
               <a:lnSpc>
@@ -1961,7 +2122,7 @@
               </a:spcBef>
               <a:buNone/>
             </a:pPr>
-            <a:endParaRPr b="0" lang="en-US" sz="2800" spc="-1" strike="noStrike">
+            <a:endParaRPr lang="en-US" sz="2800" b="0" strike="noStrike" spc="-1">
               <a:solidFill>
                 <a:srgbClr val="000000"/>
               </a:solidFill>
@@ -1994,9 +2155,10 @@
           </a:ln>
         </p:spPr>
         <p:txBody>
-          <a:bodyPr lIns="0" rIns="0" tIns="0" bIns="0" anchor="t">
+          <a:bodyPr lIns="0" tIns="0" rIns="0" bIns="0" anchor="t">
             <a:normAutofit/>
           </a:bodyPr>
+          <a:lstStyle/>
           <a:p>
             <a:pPr>
               <a:lnSpc>
@@ -2007,7 +2169,7 @@
               </a:spcBef>
               <a:buNone/>
             </a:pPr>
-            <a:endParaRPr b="0" lang="en-US" sz="2800" spc="-1" strike="noStrike">
+            <a:endParaRPr lang="en-US" sz="2800" b="0" strike="noStrike" spc="-1">
               <a:solidFill>
                 <a:srgbClr val="000000"/>
               </a:solidFill>
@@ -2040,9 +2202,10 @@
           </a:ln>
         </p:spPr>
         <p:txBody>
-          <a:bodyPr lIns="0" rIns="0" tIns="0" bIns="0" anchor="t">
+          <a:bodyPr lIns="0" tIns="0" rIns="0" bIns="0" anchor="t">
             <a:normAutofit/>
           </a:bodyPr>
+          <a:lstStyle/>
           <a:p>
             <a:pPr>
               <a:lnSpc>
@@ -2053,7 +2216,7 @@
               </a:spcBef>
               <a:buNone/>
             </a:pPr>
-            <a:endParaRPr b="0" lang="en-US" sz="2800" spc="-1" strike="noStrike">
+            <a:endParaRPr lang="en-US" sz="2800" b="0" strike="noStrike" spc="-1">
               <a:solidFill>
                 <a:srgbClr val="000000"/>
               </a:solidFill>
@@ -2075,6 +2238,7 @@
         <p:spPr/>
         <p:txBody>
           <a:bodyPr/>
+          <a:lstStyle/>
           <a:p>
             <a:r>
               <a:t>Footer</a:t>
@@ -2095,10 +2259,12 @@
         <p:spPr/>
         <p:txBody>
           <a:bodyPr/>
+          <a:lstStyle/>
           <a:p>
             <a:fld id="{E44D85BF-517E-41F4-B26F-4689DD0FEFBD}" type="slidenum">
-              <a:t>&lt;#&gt;</a:t>
+              <a:t>‹#›</a:t>
             </a:fld>
+            <a:endParaRPr/>
           </a:p>
         </p:txBody>
       </p:sp>
@@ -2115,21 +2281,22 @@
         <p:spPr/>
         <p:txBody>
           <a:bodyPr/>
-          <a:p>
-            <a:r>
-              <a:rPr lang="en-CA"/>
-              <a:t/>
-            </a:r>
+          <a:lstStyle/>
+          <a:p>
+            <a:endParaRPr/>
           </a:p>
         </p:txBody>
       </p:sp>
     </p:spTree>
   </p:cSld>
+  <p:clrMapOvr>
+    <a:masterClrMapping/>
+  </p:clrMapOvr>
 </p:sldLayout>
 </file>
 
 <file path=ppt/slideLayouts/slideLayout2.xml><?xml version="1.0" encoding="utf-8"?>
-<p:sldLayout xmlns:a="http://schemas.openxmlformats.org/drawingml/2006/main" xmlns:p="http://schemas.openxmlformats.org/presentationml/2006/main" xmlns:r="http://schemas.openxmlformats.org/officeDocument/2006/relationships" xmlns:p14="http://schemas.microsoft.com/office/powerpoint/2010/main" xmlns:p15="http://schemas.microsoft.com/office/powerpoint/2012/main" xmlns:mc="http://schemas.openxmlformats.org/markup-compatibility/2006" type="tx" preserve="1">
+<p:sldLayout xmlns:a="http://schemas.openxmlformats.org/drawingml/2006/main" xmlns:r="http://schemas.openxmlformats.org/officeDocument/2006/relationships" xmlns:p="http://schemas.openxmlformats.org/presentationml/2006/main" type="tx" preserve="1">
   <p:cSld name="Title Slide">
     <p:spTree>
       <p:nvGrpSpPr>
@@ -2169,11 +2336,12 @@
           </a:ln>
         </p:spPr>
         <p:txBody>
-          <a:bodyPr lIns="0" rIns="0" tIns="0" bIns="0" anchor="ctr">
+          <a:bodyPr lIns="0" tIns="0" rIns="0" bIns="0" anchor="ctr">
             <a:noAutofit/>
           </a:bodyPr>
-          <a:p>
-            <a:endParaRPr b="0" lang="en-US" sz="1800" spc="-1" strike="noStrike">
+          <a:lstStyle/>
+          <a:p>
+            <a:endParaRPr lang="en-US" sz="1800" b="0" strike="noStrike" spc="-1">
               <a:solidFill>
                 <a:srgbClr val="000000"/>
               </a:solidFill>
@@ -2206,14 +2374,15 @@
           </a:ln>
         </p:spPr>
         <p:txBody>
-          <a:bodyPr lIns="0" rIns="0" tIns="0" bIns="0" anchor="ctr">
+          <a:bodyPr lIns="0" tIns="0" rIns="0" bIns="0" anchor="ctr">
             <a:noAutofit/>
           </a:bodyPr>
+          <a:lstStyle/>
           <a:p>
             <a:pPr algn="ctr">
               <a:buNone/>
             </a:pPr>
-            <a:endParaRPr b="0" lang="en-CA" sz="3200" spc="-1" strike="noStrike">
+            <a:endParaRPr lang="en-CA" sz="3200" b="0" strike="noStrike" spc="-1">
               <a:latin typeface="Arial"/>
             </a:endParaRPr>
           </a:p>
@@ -2232,6 +2401,7 @@
         <p:spPr/>
         <p:txBody>
           <a:bodyPr/>
+          <a:lstStyle/>
           <a:p>
             <a:r>
               <a:t>Footer</a:t>
@@ -2252,16 +2422,18 @@
         <p:spPr/>
         <p:txBody>
           <a:bodyPr/>
+          <a:lstStyle/>
           <a:p>
             <a:fld id="{AA33D18C-5141-43FB-B621-AE787088F114}" type="slidenum">
-              <a:t>&lt;#&gt;</a:t>
+              <a:t>‹#›</a:t>
             </a:fld>
-          </a:p>
-        </p:txBody>
-      </p:sp>
-      <p:sp>
-        <p:nvSpPr>
-          <p:cNvPr id="6" name="PlaceHolder 5"/>
+            <a:endParaRPr/>
+          </a:p>
+        </p:txBody>
+      </p:sp>
+      <p:sp>
+        <p:nvSpPr>
+          <p:cNvPr id="2" name="PlaceHolder 5"/>
           <p:cNvSpPr>
             <a:spLocks noGrp="1"/>
           </p:cNvSpPr>
@@ -2272,21 +2444,22 @@
         <p:spPr/>
         <p:txBody>
           <a:bodyPr/>
-          <a:p>
-            <a:r>
-              <a:rPr lang="en-CA"/>
-              <a:t/>
-            </a:r>
+          <a:lstStyle/>
+          <a:p>
+            <a:endParaRPr/>
           </a:p>
         </p:txBody>
       </p:sp>
     </p:spTree>
   </p:cSld>
+  <p:clrMapOvr>
+    <a:masterClrMapping/>
+  </p:clrMapOvr>
 </p:sldLayout>
 </file>
 
 <file path=ppt/slideLayouts/slideLayout20.xml><?xml version="1.0" encoding="utf-8"?>
-<p:sldLayout xmlns:a="http://schemas.openxmlformats.org/drawingml/2006/main" xmlns:p="http://schemas.openxmlformats.org/presentationml/2006/main" xmlns:r="http://schemas.openxmlformats.org/officeDocument/2006/relationships" xmlns:p14="http://schemas.microsoft.com/office/powerpoint/2010/main" xmlns:p15="http://schemas.microsoft.com/office/powerpoint/2012/main" xmlns:mc="http://schemas.openxmlformats.org/markup-compatibility/2006" type="objAndTwoObj" preserve="1">
+<p:sldLayout xmlns:a="http://schemas.openxmlformats.org/drawingml/2006/main" xmlns:r="http://schemas.openxmlformats.org/officeDocument/2006/relationships" xmlns:p="http://schemas.openxmlformats.org/presentationml/2006/main" type="objAndTwoObj" preserve="1">
   <p:cSld name="Title Content and 2 Content">
     <p:spTree>
       <p:nvGrpSpPr>
@@ -2326,11 +2499,12 @@
           </a:ln>
         </p:spPr>
         <p:txBody>
-          <a:bodyPr lIns="0" rIns="0" tIns="0" bIns="0" anchor="ctr">
+          <a:bodyPr lIns="0" tIns="0" rIns="0" bIns="0" anchor="ctr">
             <a:noAutofit/>
           </a:bodyPr>
-          <a:p>
-            <a:endParaRPr b="0" lang="en-US" sz="1800" spc="-1" strike="noStrike">
+          <a:lstStyle/>
+          <a:p>
+            <a:endParaRPr lang="en-US" sz="1800" b="0" strike="noStrike" spc="-1">
               <a:solidFill>
                 <a:srgbClr val="000000"/>
               </a:solidFill>
@@ -2363,9 +2537,10 @@
           </a:ln>
         </p:spPr>
         <p:txBody>
-          <a:bodyPr lIns="0" rIns="0" tIns="0" bIns="0" anchor="t">
+          <a:bodyPr lIns="0" tIns="0" rIns="0" bIns="0" anchor="t">
             <a:normAutofit/>
           </a:bodyPr>
+          <a:lstStyle/>
           <a:p>
             <a:pPr>
               <a:lnSpc>
@@ -2376,7 +2551,7 @@
               </a:spcBef>
               <a:buNone/>
             </a:pPr>
-            <a:endParaRPr b="0" lang="en-US" sz="2800" spc="-1" strike="noStrike">
+            <a:endParaRPr lang="en-US" sz="2800" b="0" strike="noStrike" spc="-1">
               <a:solidFill>
                 <a:srgbClr val="000000"/>
               </a:solidFill>
@@ -2409,9 +2584,10 @@
           </a:ln>
         </p:spPr>
         <p:txBody>
-          <a:bodyPr lIns="0" rIns="0" tIns="0" bIns="0" anchor="t">
+          <a:bodyPr lIns="0" tIns="0" rIns="0" bIns="0" anchor="t">
             <a:normAutofit/>
           </a:bodyPr>
+          <a:lstStyle/>
           <a:p>
             <a:pPr>
               <a:lnSpc>
@@ -2422,7 +2598,7 @@
               </a:spcBef>
               <a:buNone/>
             </a:pPr>
-            <a:endParaRPr b="0" lang="en-US" sz="2800" spc="-1" strike="noStrike">
+            <a:endParaRPr lang="en-US" sz="2800" b="0" strike="noStrike" spc="-1">
               <a:solidFill>
                 <a:srgbClr val="000000"/>
               </a:solidFill>
@@ -2455,9 +2631,10 @@
           </a:ln>
         </p:spPr>
         <p:txBody>
-          <a:bodyPr lIns="0" rIns="0" tIns="0" bIns="0" anchor="t">
+          <a:bodyPr lIns="0" tIns="0" rIns="0" bIns="0" anchor="t">
             <a:normAutofit/>
           </a:bodyPr>
+          <a:lstStyle/>
           <a:p>
             <a:pPr>
               <a:lnSpc>
@@ -2468,7 +2645,7 @@
               </a:spcBef>
               <a:buNone/>
             </a:pPr>
-            <a:endParaRPr b="0" lang="en-US" sz="2800" spc="-1" strike="noStrike">
+            <a:endParaRPr lang="en-US" sz="2800" b="0" strike="noStrike" spc="-1">
               <a:solidFill>
                 <a:srgbClr val="000000"/>
               </a:solidFill>
@@ -2490,6 +2667,7 @@
         <p:spPr/>
         <p:txBody>
           <a:bodyPr/>
+          <a:lstStyle/>
           <a:p>
             <a:r>
               <a:t>Footer</a:t>
@@ -2510,10 +2688,12 @@
         <p:spPr/>
         <p:txBody>
           <a:bodyPr/>
+          <a:lstStyle/>
           <a:p>
             <a:fld id="{05950C1C-A6D7-4861-9BE4-6E468777092A}" type="slidenum">
-              <a:t>&lt;#&gt;</a:t>
+              <a:t>‹#›</a:t>
             </a:fld>
+            <a:endParaRPr/>
           </a:p>
         </p:txBody>
       </p:sp>
@@ -2530,21 +2710,22 @@
         <p:spPr/>
         <p:txBody>
           <a:bodyPr/>
-          <a:p>
-            <a:r>
-              <a:rPr lang="en-CA"/>
-              <a:t/>
-            </a:r>
+          <a:lstStyle/>
+          <a:p>
+            <a:endParaRPr/>
           </a:p>
         </p:txBody>
       </p:sp>
     </p:spTree>
   </p:cSld>
+  <p:clrMapOvr>
+    <a:masterClrMapping/>
+  </p:clrMapOvr>
 </p:sldLayout>
 </file>
 
 <file path=ppt/slideLayouts/slideLayout21.xml><?xml version="1.0" encoding="utf-8"?>
-<p:sldLayout xmlns:a="http://schemas.openxmlformats.org/drawingml/2006/main" xmlns:p="http://schemas.openxmlformats.org/presentationml/2006/main" xmlns:r="http://schemas.openxmlformats.org/officeDocument/2006/relationships" xmlns:p14="http://schemas.microsoft.com/office/powerpoint/2010/main" xmlns:p15="http://schemas.microsoft.com/office/powerpoint/2012/main" xmlns:mc="http://schemas.openxmlformats.org/markup-compatibility/2006" type="twoObjOverTx" preserve="1">
+<p:sldLayout xmlns:a="http://schemas.openxmlformats.org/drawingml/2006/main" xmlns:r="http://schemas.openxmlformats.org/officeDocument/2006/relationships" xmlns:p="http://schemas.openxmlformats.org/presentationml/2006/main" type="twoObjOverTx" preserve="1">
   <p:cSld name="Title, 2 Content over Content">
     <p:spTree>
       <p:nvGrpSpPr>
@@ -2584,11 +2765,12 @@
           </a:ln>
         </p:spPr>
         <p:txBody>
-          <a:bodyPr lIns="0" rIns="0" tIns="0" bIns="0" anchor="ctr">
+          <a:bodyPr lIns="0" tIns="0" rIns="0" bIns="0" anchor="ctr">
             <a:noAutofit/>
           </a:bodyPr>
-          <a:p>
-            <a:endParaRPr b="0" lang="en-US" sz="1800" spc="-1" strike="noStrike">
+          <a:lstStyle/>
+          <a:p>
+            <a:endParaRPr lang="en-US" sz="1800" b="0" strike="noStrike" spc="-1">
               <a:solidFill>
                 <a:srgbClr val="000000"/>
               </a:solidFill>
@@ -2621,9 +2803,10 @@
           </a:ln>
         </p:spPr>
         <p:txBody>
-          <a:bodyPr lIns="0" rIns="0" tIns="0" bIns="0" anchor="t">
+          <a:bodyPr lIns="0" tIns="0" rIns="0" bIns="0" anchor="t">
             <a:normAutofit/>
           </a:bodyPr>
+          <a:lstStyle/>
           <a:p>
             <a:pPr>
               <a:lnSpc>
@@ -2634,7 +2817,7 @@
               </a:spcBef>
               <a:buNone/>
             </a:pPr>
-            <a:endParaRPr b="0" lang="en-US" sz="2800" spc="-1" strike="noStrike">
+            <a:endParaRPr lang="en-US" sz="2800" b="0" strike="noStrike" spc="-1">
               <a:solidFill>
                 <a:srgbClr val="000000"/>
               </a:solidFill>
@@ -2667,9 +2850,10 @@
           </a:ln>
         </p:spPr>
         <p:txBody>
-          <a:bodyPr lIns="0" rIns="0" tIns="0" bIns="0" anchor="t">
+          <a:bodyPr lIns="0" tIns="0" rIns="0" bIns="0" anchor="t">
             <a:normAutofit/>
           </a:bodyPr>
+          <a:lstStyle/>
           <a:p>
             <a:pPr>
               <a:lnSpc>
@@ -2680,7 +2864,7 @@
               </a:spcBef>
               <a:buNone/>
             </a:pPr>
-            <a:endParaRPr b="0" lang="en-US" sz="2800" spc="-1" strike="noStrike">
+            <a:endParaRPr lang="en-US" sz="2800" b="0" strike="noStrike" spc="-1">
               <a:solidFill>
                 <a:srgbClr val="000000"/>
               </a:solidFill>
@@ -2713,9 +2897,10 @@
           </a:ln>
         </p:spPr>
         <p:txBody>
-          <a:bodyPr lIns="0" rIns="0" tIns="0" bIns="0" anchor="t">
+          <a:bodyPr lIns="0" tIns="0" rIns="0" bIns="0" anchor="t">
             <a:normAutofit/>
           </a:bodyPr>
+          <a:lstStyle/>
           <a:p>
             <a:pPr>
               <a:lnSpc>
@@ -2726,7 +2911,7 @@
               </a:spcBef>
               <a:buNone/>
             </a:pPr>
-            <a:endParaRPr b="0" lang="en-US" sz="2800" spc="-1" strike="noStrike">
+            <a:endParaRPr lang="en-US" sz="2800" b="0" strike="noStrike" spc="-1">
               <a:solidFill>
                 <a:srgbClr val="000000"/>
               </a:solidFill>
@@ -2748,6 +2933,7 @@
         <p:spPr/>
         <p:txBody>
           <a:bodyPr/>
+          <a:lstStyle/>
           <a:p>
             <a:r>
               <a:t>Footer</a:t>
@@ -2768,10 +2954,12 @@
         <p:spPr/>
         <p:txBody>
           <a:bodyPr/>
+          <a:lstStyle/>
           <a:p>
             <a:fld id="{E6A759E0-467D-422A-AD0A-F99ADAE03CE2}" type="slidenum">
-              <a:t>&lt;#&gt;</a:t>
+              <a:t>‹#›</a:t>
             </a:fld>
+            <a:endParaRPr/>
           </a:p>
         </p:txBody>
       </p:sp>
@@ -2788,21 +2976,22 @@
         <p:spPr/>
         <p:txBody>
           <a:bodyPr/>
-          <a:p>
-            <a:r>
-              <a:rPr lang="en-CA"/>
-              <a:t/>
-            </a:r>
+          <a:lstStyle/>
+          <a:p>
+            <a:endParaRPr/>
           </a:p>
         </p:txBody>
       </p:sp>
     </p:spTree>
   </p:cSld>
+  <p:clrMapOvr>
+    <a:masterClrMapping/>
+  </p:clrMapOvr>
 </p:sldLayout>
 </file>
 
 <file path=ppt/slideLayouts/slideLayout22.xml><?xml version="1.0" encoding="utf-8"?>
-<p:sldLayout xmlns:a="http://schemas.openxmlformats.org/drawingml/2006/main" xmlns:p="http://schemas.openxmlformats.org/presentationml/2006/main" xmlns:r="http://schemas.openxmlformats.org/officeDocument/2006/relationships" xmlns:p14="http://schemas.microsoft.com/office/powerpoint/2010/main" xmlns:p15="http://schemas.microsoft.com/office/powerpoint/2012/main" xmlns:mc="http://schemas.openxmlformats.org/markup-compatibility/2006" type="objOverTx" preserve="1">
+<p:sldLayout xmlns:a="http://schemas.openxmlformats.org/drawingml/2006/main" xmlns:r="http://schemas.openxmlformats.org/officeDocument/2006/relationships" xmlns:p="http://schemas.openxmlformats.org/presentationml/2006/main" type="objOverTx" preserve="1">
   <p:cSld name="Title, Content over Content">
     <p:spTree>
       <p:nvGrpSpPr>
@@ -2842,11 +3031,12 @@
           </a:ln>
         </p:spPr>
         <p:txBody>
-          <a:bodyPr lIns="0" rIns="0" tIns="0" bIns="0" anchor="ctr">
+          <a:bodyPr lIns="0" tIns="0" rIns="0" bIns="0" anchor="ctr">
             <a:noAutofit/>
           </a:bodyPr>
-          <a:p>
-            <a:endParaRPr b="0" lang="en-US" sz="1800" spc="-1" strike="noStrike">
+          <a:lstStyle/>
+          <a:p>
+            <a:endParaRPr lang="en-US" sz="1800" b="0" strike="noStrike" spc="-1">
               <a:solidFill>
                 <a:srgbClr val="000000"/>
               </a:solidFill>
@@ -2879,9 +3069,10 @@
           </a:ln>
         </p:spPr>
         <p:txBody>
-          <a:bodyPr lIns="0" rIns="0" tIns="0" bIns="0" anchor="t">
+          <a:bodyPr lIns="0" tIns="0" rIns="0" bIns="0" anchor="t">
             <a:normAutofit/>
           </a:bodyPr>
+          <a:lstStyle/>
           <a:p>
             <a:pPr>
               <a:lnSpc>
@@ -2892,7 +3083,7 @@
               </a:spcBef>
               <a:buNone/>
             </a:pPr>
-            <a:endParaRPr b="0" lang="en-US" sz="2800" spc="-1" strike="noStrike">
+            <a:endParaRPr lang="en-US" sz="2800" b="0" strike="noStrike" spc="-1">
               <a:solidFill>
                 <a:srgbClr val="000000"/>
               </a:solidFill>
@@ -2925,9 +3116,10 @@
           </a:ln>
         </p:spPr>
         <p:txBody>
-          <a:bodyPr lIns="0" rIns="0" tIns="0" bIns="0" anchor="t">
+          <a:bodyPr lIns="0" tIns="0" rIns="0" bIns="0" anchor="t">
             <a:normAutofit/>
           </a:bodyPr>
+          <a:lstStyle/>
           <a:p>
             <a:pPr>
               <a:lnSpc>
@@ -2938,7 +3130,7 @@
               </a:spcBef>
               <a:buNone/>
             </a:pPr>
-            <a:endParaRPr b="0" lang="en-US" sz="2800" spc="-1" strike="noStrike">
+            <a:endParaRPr lang="en-US" sz="2800" b="0" strike="noStrike" spc="-1">
               <a:solidFill>
                 <a:srgbClr val="000000"/>
               </a:solidFill>
@@ -2960,6 +3152,7 @@
         <p:spPr/>
         <p:txBody>
           <a:bodyPr/>
+          <a:lstStyle/>
           <a:p>
             <a:r>
               <a:t>Footer</a:t>
@@ -2980,10 +3173,12 @@
         <p:spPr/>
         <p:txBody>
           <a:bodyPr/>
+          <a:lstStyle/>
           <a:p>
             <a:fld id="{82BDF660-92B5-4690-B6FA-56CF7A828B36}" type="slidenum">
-              <a:t>&lt;#&gt;</a:t>
+              <a:t>‹#›</a:t>
             </a:fld>
+            <a:endParaRPr/>
           </a:p>
         </p:txBody>
       </p:sp>
@@ -3000,21 +3195,22 @@
         <p:spPr/>
         <p:txBody>
           <a:bodyPr/>
-          <a:p>
-            <a:r>
-              <a:rPr lang="en-CA"/>
-              <a:t/>
-            </a:r>
+          <a:lstStyle/>
+          <a:p>
+            <a:endParaRPr/>
           </a:p>
         </p:txBody>
       </p:sp>
     </p:spTree>
   </p:cSld>
+  <p:clrMapOvr>
+    <a:masterClrMapping/>
+  </p:clrMapOvr>
 </p:sldLayout>
 </file>
 
 <file path=ppt/slideLayouts/slideLayout23.xml><?xml version="1.0" encoding="utf-8"?>
-<p:sldLayout xmlns:a="http://schemas.openxmlformats.org/drawingml/2006/main" xmlns:p="http://schemas.openxmlformats.org/presentationml/2006/main" xmlns:r="http://schemas.openxmlformats.org/officeDocument/2006/relationships" xmlns:p14="http://schemas.microsoft.com/office/powerpoint/2010/main" xmlns:p15="http://schemas.microsoft.com/office/powerpoint/2012/main" xmlns:mc="http://schemas.openxmlformats.org/markup-compatibility/2006" type="fourObj" preserve="1">
+<p:sldLayout xmlns:a="http://schemas.openxmlformats.org/drawingml/2006/main" xmlns:r="http://schemas.openxmlformats.org/officeDocument/2006/relationships" xmlns:p="http://schemas.openxmlformats.org/presentationml/2006/main" type="fourObj" preserve="1">
   <p:cSld name="Title, 4 Content">
     <p:spTree>
       <p:nvGrpSpPr>
@@ -3054,11 +3250,12 @@
           </a:ln>
         </p:spPr>
         <p:txBody>
-          <a:bodyPr lIns="0" rIns="0" tIns="0" bIns="0" anchor="ctr">
+          <a:bodyPr lIns="0" tIns="0" rIns="0" bIns="0" anchor="ctr">
             <a:noAutofit/>
           </a:bodyPr>
-          <a:p>
-            <a:endParaRPr b="0" lang="en-US" sz="1800" spc="-1" strike="noStrike">
+          <a:lstStyle/>
+          <a:p>
+            <a:endParaRPr lang="en-US" sz="1800" b="0" strike="noStrike" spc="-1">
               <a:solidFill>
                 <a:srgbClr val="000000"/>
               </a:solidFill>
@@ -3091,9 +3288,10 @@
           </a:ln>
         </p:spPr>
         <p:txBody>
-          <a:bodyPr lIns="0" rIns="0" tIns="0" bIns="0" anchor="t">
+          <a:bodyPr lIns="0" tIns="0" rIns="0" bIns="0" anchor="t">
             <a:normAutofit/>
           </a:bodyPr>
+          <a:lstStyle/>
           <a:p>
             <a:pPr>
               <a:lnSpc>
@@ -3104,7 +3302,7 @@
               </a:spcBef>
               <a:buNone/>
             </a:pPr>
-            <a:endParaRPr b="0" lang="en-US" sz="2800" spc="-1" strike="noStrike">
+            <a:endParaRPr lang="en-US" sz="2800" b="0" strike="noStrike" spc="-1">
               <a:solidFill>
                 <a:srgbClr val="000000"/>
               </a:solidFill>
@@ -3137,9 +3335,10 @@
           </a:ln>
         </p:spPr>
         <p:txBody>
-          <a:bodyPr lIns="0" rIns="0" tIns="0" bIns="0" anchor="t">
+          <a:bodyPr lIns="0" tIns="0" rIns="0" bIns="0" anchor="t">
             <a:normAutofit/>
           </a:bodyPr>
+          <a:lstStyle/>
           <a:p>
             <a:pPr>
               <a:lnSpc>
@@ -3150,7 +3349,7 @@
               </a:spcBef>
               <a:buNone/>
             </a:pPr>
-            <a:endParaRPr b="0" lang="en-US" sz="2800" spc="-1" strike="noStrike">
+            <a:endParaRPr lang="en-US" sz="2800" b="0" strike="noStrike" spc="-1">
               <a:solidFill>
                 <a:srgbClr val="000000"/>
               </a:solidFill>
@@ -3183,9 +3382,10 @@
           </a:ln>
         </p:spPr>
         <p:txBody>
-          <a:bodyPr lIns="0" rIns="0" tIns="0" bIns="0" anchor="t">
+          <a:bodyPr lIns="0" tIns="0" rIns="0" bIns="0" anchor="t">
             <a:normAutofit/>
           </a:bodyPr>
+          <a:lstStyle/>
           <a:p>
             <a:pPr>
               <a:lnSpc>
@@ -3196,7 +3396,7 @@
               </a:spcBef>
               <a:buNone/>
             </a:pPr>
-            <a:endParaRPr b="0" lang="en-US" sz="2800" spc="-1" strike="noStrike">
+            <a:endParaRPr lang="en-US" sz="2800" b="0" strike="noStrike" spc="-1">
               <a:solidFill>
                 <a:srgbClr val="000000"/>
               </a:solidFill>
@@ -3229,9 +3429,10 @@
           </a:ln>
         </p:spPr>
         <p:txBody>
-          <a:bodyPr lIns="0" rIns="0" tIns="0" bIns="0" anchor="t">
+          <a:bodyPr lIns="0" tIns="0" rIns="0" bIns="0" anchor="t">
             <a:normAutofit/>
           </a:bodyPr>
+          <a:lstStyle/>
           <a:p>
             <a:pPr>
               <a:lnSpc>
@@ -3242,7 +3443,7 @@
               </a:spcBef>
               <a:buNone/>
             </a:pPr>
-            <a:endParaRPr b="0" lang="en-US" sz="2800" spc="-1" strike="noStrike">
+            <a:endParaRPr lang="en-US" sz="2800" b="0" strike="noStrike" spc="-1">
               <a:solidFill>
                 <a:srgbClr val="000000"/>
               </a:solidFill>
@@ -3264,6 +3465,7 @@
         <p:spPr/>
         <p:txBody>
           <a:bodyPr/>
+          <a:lstStyle/>
           <a:p>
             <a:r>
               <a:t>Footer</a:t>
@@ -3284,10 +3486,12 @@
         <p:spPr/>
         <p:txBody>
           <a:bodyPr/>
+          <a:lstStyle/>
           <a:p>
             <a:fld id="{693E280F-6BEB-43E6-AFE8-14EF3B1565CE}" type="slidenum">
-              <a:t>&lt;#&gt;</a:t>
+              <a:t>‹#›</a:t>
             </a:fld>
+            <a:endParaRPr/>
           </a:p>
         </p:txBody>
       </p:sp>
@@ -3304,21 +3508,22 @@
         <p:spPr/>
         <p:txBody>
           <a:bodyPr/>
-          <a:p>
-            <a:r>
-              <a:rPr lang="en-CA"/>
-              <a:t/>
-            </a:r>
+          <a:lstStyle/>
+          <a:p>
+            <a:endParaRPr/>
           </a:p>
         </p:txBody>
       </p:sp>
     </p:spTree>
   </p:cSld>
+  <p:clrMapOvr>
+    <a:masterClrMapping/>
+  </p:clrMapOvr>
 </p:sldLayout>
 </file>
 
 <file path=ppt/slideLayouts/slideLayout24.xml><?xml version="1.0" encoding="utf-8"?>
-<p:sldLayout xmlns:a="http://schemas.openxmlformats.org/drawingml/2006/main" xmlns:p="http://schemas.openxmlformats.org/presentationml/2006/main" xmlns:r="http://schemas.openxmlformats.org/officeDocument/2006/relationships" xmlns:p14="http://schemas.microsoft.com/office/powerpoint/2010/main" xmlns:p15="http://schemas.microsoft.com/office/powerpoint/2012/main" xmlns:mc="http://schemas.openxmlformats.org/markup-compatibility/2006" type="blank" preserve="1">
+<p:sldLayout xmlns:a="http://schemas.openxmlformats.org/drawingml/2006/main" xmlns:r="http://schemas.openxmlformats.org/officeDocument/2006/relationships" xmlns:p="http://schemas.openxmlformats.org/presentationml/2006/main" type="blank" preserve="1">
   <p:cSld name="Title, 6 Content">
     <p:spTree>
       <p:nvGrpSpPr>
@@ -3358,11 +3563,12 @@
           </a:ln>
         </p:spPr>
         <p:txBody>
-          <a:bodyPr lIns="0" rIns="0" tIns="0" bIns="0" anchor="ctr">
+          <a:bodyPr lIns="0" tIns="0" rIns="0" bIns="0" anchor="ctr">
             <a:noAutofit/>
           </a:bodyPr>
-          <a:p>
-            <a:endParaRPr b="0" lang="en-US" sz="1800" spc="-1" strike="noStrike">
+          <a:lstStyle/>
+          <a:p>
+            <a:endParaRPr lang="en-US" sz="1800" b="0" strike="noStrike" spc="-1">
               <a:solidFill>
                 <a:srgbClr val="000000"/>
               </a:solidFill>
@@ -3395,9 +3601,10 @@
           </a:ln>
         </p:spPr>
         <p:txBody>
-          <a:bodyPr lIns="0" rIns="0" tIns="0" bIns="0" anchor="t">
+          <a:bodyPr lIns="0" tIns="0" rIns="0" bIns="0" anchor="t">
             <a:normAutofit/>
           </a:bodyPr>
+          <a:lstStyle/>
           <a:p>
             <a:pPr>
               <a:lnSpc>
@@ -3408,7 +3615,7 @@
               </a:spcBef>
               <a:buNone/>
             </a:pPr>
-            <a:endParaRPr b="0" lang="en-US" sz="2800" spc="-1" strike="noStrike">
+            <a:endParaRPr lang="en-US" sz="2800" b="0" strike="noStrike" spc="-1">
               <a:solidFill>
                 <a:srgbClr val="000000"/>
               </a:solidFill>
@@ -3441,9 +3648,10 @@
           </a:ln>
         </p:spPr>
         <p:txBody>
-          <a:bodyPr lIns="0" rIns="0" tIns="0" bIns="0" anchor="t">
+          <a:bodyPr lIns="0" tIns="0" rIns="0" bIns="0" anchor="t">
             <a:normAutofit/>
           </a:bodyPr>
+          <a:lstStyle/>
           <a:p>
             <a:pPr>
               <a:lnSpc>
@@ -3454,7 +3662,7 @@
               </a:spcBef>
               <a:buNone/>
             </a:pPr>
-            <a:endParaRPr b="0" lang="en-US" sz="2800" spc="-1" strike="noStrike">
+            <a:endParaRPr lang="en-US" sz="2800" b="0" strike="noStrike" spc="-1">
               <a:solidFill>
                 <a:srgbClr val="000000"/>
               </a:solidFill>
@@ -3487,9 +3695,10 @@
           </a:ln>
         </p:spPr>
         <p:txBody>
-          <a:bodyPr lIns="0" rIns="0" tIns="0" bIns="0" anchor="t">
+          <a:bodyPr lIns="0" tIns="0" rIns="0" bIns="0" anchor="t">
             <a:normAutofit/>
           </a:bodyPr>
+          <a:lstStyle/>
           <a:p>
             <a:pPr>
               <a:lnSpc>
@@ -3500,7 +3709,7 @@
               </a:spcBef>
               <a:buNone/>
             </a:pPr>
-            <a:endParaRPr b="0" lang="en-US" sz="2800" spc="-1" strike="noStrike">
+            <a:endParaRPr lang="en-US" sz="2800" b="0" strike="noStrike" spc="-1">
               <a:solidFill>
                 <a:srgbClr val="000000"/>
               </a:solidFill>
@@ -3533,9 +3742,10 @@
           </a:ln>
         </p:spPr>
         <p:txBody>
-          <a:bodyPr lIns="0" rIns="0" tIns="0" bIns="0" anchor="t">
+          <a:bodyPr lIns="0" tIns="0" rIns="0" bIns="0" anchor="t">
             <a:normAutofit/>
           </a:bodyPr>
+          <a:lstStyle/>
           <a:p>
             <a:pPr>
               <a:lnSpc>
@@ -3546,7 +3756,7 @@
               </a:spcBef>
               <a:buNone/>
             </a:pPr>
-            <a:endParaRPr b="0" lang="en-US" sz="2800" spc="-1" strike="noStrike">
+            <a:endParaRPr lang="en-US" sz="2800" b="0" strike="noStrike" spc="-1">
               <a:solidFill>
                 <a:srgbClr val="000000"/>
               </a:solidFill>
@@ -3579,9 +3789,10 @@
           </a:ln>
         </p:spPr>
         <p:txBody>
-          <a:bodyPr lIns="0" rIns="0" tIns="0" bIns="0" anchor="t">
+          <a:bodyPr lIns="0" tIns="0" rIns="0" bIns="0" anchor="t">
             <a:normAutofit/>
           </a:bodyPr>
+          <a:lstStyle/>
           <a:p>
             <a:pPr>
               <a:lnSpc>
@@ -3592,7 +3803,7 @@
               </a:spcBef>
               <a:buNone/>
             </a:pPr>
-            <a:endParaRPr b="0" lang="en-US" sz="2800" spc="-1" strike="noStrike">
+            <a:endParaRPr lang="en-US" sz="2800" b="0" strike="noStrike" spc="-1">
               <a:solidFill>
                 <a:srgbClr val="000000"/>
               </a:solidFill>
@@ -3625,9 +3836,10 @@
           </a:ln>
         </p:spPr>
         <p:txBody>
-          <a:bodyPr lIns="0" rIns="0" tIns="0" bIns="0" anchor="t">
+          <a:bodyPr lIns="0" tIns="0" rIns="0" bIns="0" anchor="t">
             <a:normAutofit/>
           </a:bodyPr>
+          <a:lstStyle/>
           <a:p>
             <a:pPr>
               <a:lnSpc>
@@ -3638,7 +3850,7 @@
               </a:spcBef>
               <a:buNone/>
             </a:pPr>
-            <a:endParaRPr b="0" lang="en-US" sz="2800" spc="-1" strike="noStrike">
+            <a:endParaRPr lang="en-US" sz="2800" b="0" strike="noStrike" spc="-1">
               <a:solidFill>
                 <a:srgbClr val="000000"/>
               </a:solidFill>
@@ -3660,6 +3872,7 @@
         <p:spPr/>
         <p:txBody>
           <a:bodyPr/>
+          <a:lstStyle/>
           <a:p>
             <a:r>
               <a:t>Footer</a:t>
@@ -3680,10 +3893,12 @@
         <p:spPr/>
         <p:txBody>
           <a:bodyPr/>
+          <a:lstStyle/>
           <a:p>
             <a:fld id="{E066A8A9-BACF-4A80-9A63-94B27C0F78C0}" type="slidenum">
-              <a:t>&lt;#&gt;</a:t>
+              <a:t>‹#›</a:t>
             </a:fld>
+            <a:endParaRPr/>
           </a:p>
         </p:txBody>
       </p:sp>
@@ -3700,21 +3915,22 @@
         <p:spPr/>
         <p:txBody>
           <a:bodyPr/>
-          <a:p>
-            <a:r>
-              <a:rPr lang="en-CA"/>
-              <a:t/>
-            </a:r>
+          <a:lstStyle/>
+          <a:p>
+            <a:endParaRPr/>
           </a:p>
         </p:txBody>
       </p:sp>
     </p:spTree>
   </p:cSld>
+  <p:clrMapOvr>
+    <a:masterClrMapping/>
+  </p:clrMapOvr>
 </p:sldLayout>
 </file>
 
 <file path=ppt/slideLayouts/slideLayout3.xml><?xml version="1.0" encoding="utf-8"?>
-<p:sldLayout xmlns:a="http://schemas.openxmlformats.org/drawingml/2006/main" xmlns:p="http://schemas.openxmlformats.org/presentationml/2006/main" xmlns:r="http://schemas.openxmlformats.org/officeDocument/2006/relationships" xmlns:p14="http://schemas.microsoft.com/office/powerpoint/2010/main" xmlns:p15="http://schemas.microsoft.com/office/powerpoint/2012/main" xmlns:mc="http://schemas.openxmlformats.org/markup-compatibility/2006" type="obj" preserve="1">
+<p:sldLayout xmlns:a="http://schemas.openxmlformats.org/drawingml/2006/main" xmlns:r="http://schemas.openxmlformats.org/officeDocument/2006/relationships" xmlns:p="http://schemas.openxmlformats.org/presentationml/2006/main" type="obj" preserve="1">
   <p:cSld name="Title, Content">
     <p:spTree>
       <p:nvGrpSpPr>
@@ -3754,11 +3970,12 @@
           </a:ln>
         </p:spPr>
         <p:txBody>
-          <a:bodyPr lIns="0" rIns="0" tIns="0" bIns="0" anchor="ctr">
+          <a:bodyPr lIns="0" tIns="0" rIns="0" bIns="0" anchor="ctr">
             <a:noAutofit/>
           </a:bodyPr>
-          <a:p>
-            <a:endParaRPr b="0" lang="en-US" sz="1800" spc="-1" strike="noStrike">
+          <a:lstStyle/>
+          <a:p>
+            <a:endParaRPr lang="en-US" sz="1800" b="0" strike="noStrike" spc="-1">
               <a:solidFill>
                 <a:srgbClr val="000000"/>
               </a:solidFill>
@@ -3791,9 +4008,10 @@
           </a:ln>
         </p:spPr>
         <p:txBody>
-          <a:bodyPr lIns="0" rIns="0" tIns="0" bIns="0" anchor="t">
+          <a:bodyPr lIns="0" tIns="0" rIns="0" bIns="0" anchor="t">
             <a:normAutofit/>
           </a:bodyPr>
+          <a:lstStyle/>
           <a:p>
             <a:pPr>
               <a:lnSpc>
@@ -3804,7 +4022,7 @@
               </a:spcBef>
               <a:buNone/>
             </a:pPr>
-            <a:endParaRPr b="0" lang="en-US" sz="2800" spc="-1" strike="noStrike">
+            <a:endParaRPr lang="en-US" sz="2800" b="0" strike="noStrike" spc="-1">
               <a:solidFill>
                 <a:srgbClr val="000000"/>
               </a:solidFill>
@@ -3826,6 +4044,7 @@
         <p:spPr/>
         <p:txBody>
           <a:bodyPr/>
+          <a:lstStyle/>
           <a:p>
             <a:r>
               <a:t>Footer</a:t>
@@ -3846,10 +4065,12 @@
         <p:spPr/>
         <p:txBody>
           <a:bodyPr/>
+          <a:lstStyle/>
           <a:p>
             <a:fld id="{D51826AC-8F01-4410-8E96-98259478AD23}" type="slidenum">
-              <a:t>&lt;#&gt;</a:t>
+              <a:t>‹#›</a:t>
             </a:fld>
+            <a:endParaRPr/>
           </a:p>
         </p:txBody>
       </p:sp>
@@ -3866,21 +4087,22 @@
         <p:spPr/>
         <p:txBody>
           <a:bodyPr/>
-          <a:p>
-            <a:r>
-              <a:rPr lang="en-CA"/>
-              <a:t/>
-            </a:r>
+          <a:lstStyle/>
+          <a:p>
+            <a:endParaRPr/>
           </a:p>
         </p:txBody>
       </p:sp>
     </p:spTree>
   </p:cSld>
+  <p:clrMapOvr>
+    <a:masterClrMapping/>
+  </p:clrMapOvr>
 </p:sldLayout>
 </file>
 
 <file path=ppt/slideLayouts/slideLayout4.xml><?xml version="1.0" encoding="utf-8"?>
-<p:sldLayout xmlns:a="http://schemas.openxmlformats.org/drawingml/2006/main" xmlns:p="http://schemas.openxmlformats.org/presentationml/2006/main" xmlns:r="http://schemas.openxmlformats.org/officeDocument/2006/relationships" xmlns:p14="http://schemas.microsoft.com/office/powerpoint/2010/main" xmlns:p15="http://schemas.microsoft.com/office/powerpoint/2012/main" xmlns:mc="http://schemas.openxmlformats.org/markup-compatibility/2006" type="twoObj" preserve="1">
+<p:sldLayout xmlns:a="http://schemas.openxmlformats.org/drawingml/2006/main" xmlns:r="http://schemas.openxmlformats.org/officeDocument/2006/relationships" xmlns:p="http://schemas.openxmlformats.org/presentationml/2006/main" type="twoObj" preserve="1">
   <p:cSld name="Title, 2 Content">
     <p:spTree>
       <p:nvGrpSpPr>
@@ -3920,11 +4142,12 @@
           </a:ln>
         </p:spPr>
         <p:txBody>
-          <a:bodyPr lIns="0" rIns="0" tIns="0" bIns="0" anchor="ctr">
+          <a:bodyPr lIns="0" tIns="0" rIns="0" bIns="0" anchor="ctr">
             <a:noAutofit/>
           </a:bodyPr>
-          <a:p>
-            <a:endParaRPr b="0" lang="en-US" sz="1800" spc="-1" strike="noStrike">
+          <a:lstStyle/>
+          <a:p>
+            <a:endParaRPr lang="en-US" sz="1800" b="0" strike="noStrike" spc="-1">
               <a:solidFill>
                 <a:srgbClr val="000000"/>
               </a:solidFill>
@@ -3957,9 +4180,10 @@
           </a:ln>
         </p:spPr>
         <p:txBody>
-          <a:bodyPr lIns="0" rIns="0" tIns="0" bIns="0" anchor="t">
+          <a:bodyPr lIns="0" tIns="0" rIns="0" bIns="0" anchor="t">
             <a:normAutofit/>
           </a:bodyPr>
+          <a:lstStyle/>
           <a:p>
             <a:pPr>
               <a:lnSpc>
@@ -3970,7 +4194,7 @@
               </a:spcBef>
               <a:buNone/>
             </a:pPr>
-            <a:endParaRPr b="0" lang="en-US" sz="2800" spc="-1" strike="noStrike">
+            <a:endParaRPr lang="en-US" sz="2800" b="0" strike="noStrike" spc="-1">
               <a:solidFill>
                 <a:srgbClr val="000000"/>
               </a:solidFill>
@@ -4003,9 +4227,10 @@
           </a:ln>
         </p:spPr>
         <p:txBody>
-          <a:bodyPr lIns="0" rIns="0" tIns="0" bIns="0" anchor="t">
+          <a:bodyPr lIns="0" tIns="0" rIns="0" bIns="0" anchor="t">
             <a:normAutofit/>
           </a:bodyPr>
+          <a:lstStyle/>
           <a:p>
             <a:pPr>
               <a:lnSpc>
@@ -4016,7 +4241,7 @@
               </a:spcBef>
               <a:buNone/>
             </a:pPr>
-            <a:endParaRPr b="0" lang="en-US" sz="2800" spc="-1" strike="noStrike">
+            <a:endParaRPr lang="en-US" sz="2800" b="0" strike="noStrike" spc="-1">
               <a:solidFill>
                 <a:srgbClr val="000000"/>
               </a:solidFill>
@@ -4038,6 +4263,7 @@
         <p:spPr/>
         <p:txBody>
           <a:bodyPr/>
+          <a:lstStyle/>
           <a:p>
             <a:r>
               <a:t>Footer</a:t>
@@ -4058,10 +4284,12 @@
         <p:spPr/>
         <p:txBody>
           <a:bodyPr/>
+          <a:lstStyle/>
           <a:p>
             <a:fld id="{1D164ED9-1AA8-4B95-A02E-68C5C5AC672A}" type="slidenum">
-              <a:t>&lt;#&gt;</a:t>
+              <a:t>‹#›</a:t>
             </a:fld>
+            <a:endParaRPr/>
           </a:p>
         </p:txBody>
       </p:sp>
@@ -4078,21 +4306,22 @@
         <p:spPr/>
         <p:txBody>
           <a:bodyPr/>
-          <a:p>
-            <a:r>
-              <a:rPr lang="en-CA"/>
-              <a:t/>
-            </a:r>
+          <a:lstStyle/>
+          <a:p>
+            <a:endParaRPr/>
           </a:p>
         </p:txBody>
       </p:sp>
     </p:spTree>
   </p:cSld>
+  <p:clrMapOvr>
+    <a:masterClrMapping/>
+  </p:clrMapOvr>
 </p:sldLayout>
 </file>
 
 <file path=ppt/slideLayouts/slideLayout5.xml><?xml version="1.0" encoding="utf-8"?>
-<p:sldLayout xmlns:a="http://schemas.openxmlformats.org/drawingml/2006/main" xmlns:p="http://schemas.openxmlformats.org/presentationml/2006/main" xmlns:r="http://schemas.openxmlformats.org/officeDocument/2006/relationships" xmlns:p14="http://schemas.microsoft.com/office/powerpoint/2010/main" xmlns:p15="http://schemas.microsoft.com/office/powerpoint/2012/main" xmlns:mc="http://schemas.openxmlformats.org/markup-compatibility/2006" type="titleOnly" preserve="1">
+<p:sldLayout xmlns:a="http://schemas.openxmlformats.org/drawingml/2006/main" xmlns:r="http://schemas.openxmlformats.org/officeDocument/2006/relationships" xmlns:p="http://schemas.openxmlformats.org/presentationml/2006/main" type="titleOnly" preserve="1">
   <p:cSld name="Title Only">
     <p:spTree>
       <p:nvGrpSpPr>
@@ -4132,11 +4361,12 @@
           </a:ln>
         </p:spPr>
         <p:txBody>
-          <a:bodyPr lIns="0" rIns="0" tIns="0" bIns="0" anchor="ctr">
+          <a:bodyPr lIns="0" tIns="0" rIns="0" bIns="0" anchor="ctr">
             <a:noAutofit/>
           </a:bodyPr>
-          <a:p>
-            <a:endParaRPr b="0" lang="en-US" sz="1800" spc="-1" strike="noStrike">
+          <a:lstStyle/>
+          <a:p>
+            <a:endParaRPr lang="en-US" sz="1800" b="0" strike="noStrike" spc="-1">
               <a:solidFill>
                 <a:srgbClr val="000000"/>
               </a:solidFill>
@@ -4158,6 +4388,7 @@
         <p:spPr/>
         <p:txBody>
           <a:bodyPr/>
+          <a:lstStyle/>
           <a:p>
             <a:r>
               <a:t>Footer</a:t>
@@ -4178,10 +4409,12 @@
         <p:spPr/>
         <p:txBody>
           <a:bodyPr/>
+          <a:lstStyle/>
           <a:p>
             <a:fld id="{32ECD9A6-B194-4158-8BE5-7C7CFC8A042B}" type="slidenum">
-              <a:t>&lt;#&gt;</a:t>
+              <a:t>‹#›</a:t>
             </a:fld>
+            <a:endParaRPr/>
           </a:p>
         </p:txBody>
       </p:sp>
@@ -4198,21 +4431,22 @@
         <p:spPr/>
         <p:txBody>
           <a:bodyPr/>
-          <a:p>
-            <a:r>
-              <a:rPr lang="en-CA"/>
-              <a:t/>
-            </a:r>
+          <a:lstStyle/>
+          <a:p>
+            <a:endParaRPr/>
           </a:p>
         </p:txBody>
       </p:sp>
     </p:spTree>
   </p:cSld>
+  <p:clrMapOvr>
+    <a:masterClrMapping/>
+  </p:clrMapOvr>
 </p:sldLayout>
 </file>
 
 <file path=ppt/slideLayouts/slideLayout6.xml><?xml version="1.0" encoding="utf-8"?>
-<p:sldLayout xmlns:a="http://schemas.openxmlformats.org/drawingml/2006/main" xmlns:p="http://schemas.openxmlformats.org/presentationml/2006/main" xmlns:r="http://schemas.openxmlformats.org/officeDocument/2006/relationships" xmlns:p14="http://schemas.microsoft.com/office/powerpoint/2010/main" xmlns:p15="http://schemas.microsoft.com/office/powerpoint/2012/main" xmlns:mc="http://schemas.openxmlformats.org/markup-compatibility/2006" type="objOnly" preserve="1">
+<p:sldLayout xmlns:a="http://schemas.openxmlformats.org/drawingml/2006/main" xmlns:r="http://schemas.openxmlformats.org/officeDocument/2006/relationships" xmlns:p="http://schemas.openxmlformats.org/presentationml/2006/main" type="objOnly" preserve="1">
   <p:cSld name="Centered Text">
     <p:spTree>
       <p:nvGrpSpPr>
@@ -4252,14 +4486,15 @@
           </a:ln>
         </p:spPr>
         <p:txBody>
-          <a:bodyPr lIns="0" rIns="0" tIns="0" bIns="0" anchor="ctr">
+          <a:bodyPr lIns="0" tIns="0" rIns="0" bIns="0" anchor="ctr">
             <a:noAutofit/>
           </a:bodyPr>
+          <a:lstStyle/>
           <a:p>
             <a:pPr algn="ctr">
               <a:buNone/>
             </a:pPr>
-            <a:endParaRPr b="0" lang="en-CA" sz="3200" spc="-1" strike="noStrike">
+            <a:endParaRPr lang="en-CA" sz="3200" b="0" strike="noStrike" spc="-1">
               <a:latin typeface="Arial"/>
             </a:endParaRPr>
           </a:p>
@@ -4278,6 +4513,7 @@
         <p:spPr/>
         <p:txBody>
           <a:bodyPr/>
+          <a:lstStyle/>
           <a:p>
             <a:r>
               <a:t>Footer</a:t>
@@ -4298,10 +4534,12 @@
         <p:spPr/>
         <p:txBody>
           <a:bodyPr/>
+          <a:lstStyle/>
           <a:p>
             <a:fld id="{DBD3D804-CD8A-4468-9089-20B0E1F67177}" type="slidenum">
-              <a:t>&lt;#&gt;</a:t>
+              <a:t>‹#›</a:t>
             </a:fld>
+            <a:endParaRPr/>
           </a:p>
         </p:txBody>
       </p:sp>
@@ -4318,21 +4556,22 @@
         <p:spPr/>
         <p:txBody>
           <a:bodyPr/>
-          <a:p>
-            <a:r>
-              <a:rPr lang="en-CA"/>
-              <a:t/>
-            </a:r>
+          <a:lstStyle/>
+          <a:p>
+            <a:endParaRPr/>
           </a:p>
         </p:txBody>
       </p:sp>
     </p:spTree>
   </p:cSld>
+  <p:clrMapOvr>
+    <a:masterClrMapping/>
+  </p:clrMapOvr>
 </p:sldLayout>
 </file>
 
 <file path=ppt/slideLayouts/slideLayout7.xml><?xml version="1.0" encoding="utf-8"?>
-<p:sldLayout xmlns:a="http://schemas.openxmlformats.org/drawingml/2006/main" xmlns:p="http://schemas.openxmlformats.org/presentationml/2006/main" xmlns:r="http://schemas.openxmlformats.org/officeDocument/2006/relationships" xmlns:p14="http://schemas.microsoft.com/office/powerpoint/2010/main" xmlns:p15="http://schemas.microsoft.com/office/powerpoint/2012/main" xmlns:mc="http://schemas.openxmlformats.org/markup-compatibility/2006" type="twoObjAndObj" preserve="1">
+<p:sldLayout xmlns:a="http://schemas.openxmlformats.org/drawingml/2006/main" xmlns:r="http://schemas.openxmlformats.org/officeDocument/2006/relationships" xmlns:p="http://schemas.openxmlformats.org/presentationml/2006/main" type="twoObjAndObj" preserve="1">
   <p:cSld name="Title, 2 Content and Content">
     <p:spTree>
       <p:nvGrpSpPr>
@@ -4372,11 +4611,12 @@
           </a:ln>
         </p:spPr>
         <p:txBody>
-          <a:bodyPr lIns="0" rIns="0" tIns="0" bIns="0" anchor="ctr">
+          <a:bodyPr lIns="0" tIns="0" rIns="0" bIns="0" anchor="ctr">
             <a:noAutofit/>
           </a:bodyPr>
-          <a:p>
-            <a:endParaRPr b="0" lang="en-US" sz="1800" spc="-1" strike="noStrike">
+          <a:lstStyle/>
+          <a:p>
+            <a:endParaRPr lang="en-US" sz="1800" b="0" strike="noStrike" spc="-1">
               <a:solidFill>
                 <a:srgbClr val="000000"/>
               </a:solidFill>
@@ -4409,9 +4649,10 @@
           </a:ln>
         </p:spPr>
         <p:txBody>
-          <a:bodyPr lIns="0" rIns="0" tIns="0" bIns="0" anchor="t">
+          <a:bodyPr lIns="0" tIns="0" rIns="0" bIns="0" anchor="t">
             <a:normAutofit/>
           </a:bodyPr>
+          <a:lstStyle/>
           <a:p>
             <a:pPr>
               <a:lnSpc>
@@ -4422,7 +4663,7 @@
               </a:spcBef>
               <a:buNone/>
             </a:pPr>
-            <a:endParaRPr b="0" lang="en-US" sz="2800" spc="-1" strike="noStrike">
+            <a:endParaRPr lang="en-US" sz="2800" b="0" strike="noStrike" spc="-1">
               <a:solidFill>
                 <a:srgbClr val="000000"/>
               </a:solidFill>
@@ -4455,9 +4696,10 @@
           </a:ln>
         </p:spPr>
         <p:txBody>
-          <a:bodyPr lIns="0" rIns="0" tIns="0" bIns="0" anchor="t">
+          <a:bodyPr lIns="0" tIns="0" rIns="0" bIns="0" anchor="t">
             <a:normAutofit/>
           </a:bodyPr>
+          <a:lstStyle/>
           <a:p>
             <a:pPr>
               <a:lnSpc>
@@ -4468,7 +4710,7 @@
               </a:spcBef>
               <a:buNone/>
             </a:pPr>
-            <a:endParaRPr b="0" lang="en-US" sz="2800" spc="-1" strike="noStrike">
+            <a:endParaRPr lang="en-US" sz="2800" b="0" strike="noStrike" spc="-1">
               <a:solidFill>
                 <a:srgbClr val="000000"/>
               </a:solidFill>
@@ -4501,9 +4743,10 @@
           </a:ln>
         </p:spPr>
         <p:txBody>
-          <a:bodyPr lIns="0" rIns="0" tIns="0" bIns="0" anchor="t">
+          <a:bodyPr lIns="0" tIns="0" rIns="0" bIns="0" anchor="t">
             <a:normAutofit/>
           </a:bodyPr>
+          <a:lstStyle/>
           <a:p>
             <a:pPr>
               <a:lnSpc>
@@ -4514,7 +4757,7 @@
               </a:spcBef>
               <a:buNone/>
             </a:pPr>
-            <a:endParaRPr b="0" lang="en-US" sz="2800" spc="-1" strike="noStrike">
+            <a:endParaRPr lang="en-US" sz="2800" b="0" strike="noStrike" spc="-1">
               <a:solidFill>
                 <a:srgbClr val="000000"/>
               </a:solidFill>
@@ -4536,6 +4779,7 @@
         <p:spPr/>
         <p:txBody>
           <a:bodyPr/>
+          <a:lstStyle/>
           <a:p>
             <a:r>
               <a:t>Footer</a:t>
@@ -4556,10 +4800,12 @@
         <p:spPr/>
         <p:txBody>
           <a:bodyPr/>
+          <a:lstStyle/>
           <a:p>
             <a:fld id="{64760F5F-9D18-415C-BCD2-7BE2E78F26E0}" type="slidenum">
-              <a:t>&lt;#&gt;</a:t>
+              <a:t>‹#›</a:t>
             </a:fld>
+            <a:endParaRPr/>
           </a:p>
         </p:txBody>
       </p:sp>
@@ -4576,21 +4822,22 @@
         <p:spPr/>
         <p:txBody>
           <a:bodyPr/>
-          <a:p>
-            <a:r>
-              <a:rPr lang="en-CA"/>
-              <a:t/>
-            </a:r>
+          <a:lstStyle/>
+          <a:p>
+            <a:endParaRPr/>
           </a:p>
         </p:txBody>
       </p:sp>
     </p:spTree>
   </p:cSld>
+  <p:clrMapOvr>
+    <a:masterClrMapping/>
+  </p:clrMapOvr>
 </p:sldLayout>
 </file>
 
 <file path=ppt/slideLayouts/slideLayout8.xml><?xml version="1.0" encoding="utf-8"?>
-<p:sldLayout xmlns:a="http://schemas.openxmlformats.org/drawingml/2006/main" xmlns:p="http://schemas.openxmlformats.org/presentationml/2006/main" xmlns:r="http://schemas.openxmlformats.org/officeDocument/2006/relationships" xmlns:p14="http://schemas.microsoft.com/office/powerpoint/2010/main" xmlns:p15="http://schemas.microsoft.com/office/powerpoint/2012/main" xmlns:mc="http://schemas.openxmlformats.org/markup-compatibility/2006" type="objAndTwoObj" preserve="1">
+<p:sldLayout xmlns:a="http://schemas.openxmlformats.org/drawingml/2006/main" xmlns:r="http://schemas.openxmlformats.org/officeDocument/2006/relationships" xmlns:p="http://schemas.openxmlformats.org/presentationml/2006/main" type="objAndTwoObj" preserve="1">
   <p:cSld name="Title Content and 2 Content">
     <p:spTree>
       <p:nvGrpSpPr>
@@ -4630,11 +4877,12 @@
           </a:ln>
         </p:spPr>
         <p:txBody>
-          <a:bodyPr lIns="0" rIns="0" tIns="0" bIns="0" anchor="ctr">
+          <a:bodyPr lIns="0" tIns="0" rIns="0" bIns="0" anchor="ctr">
             <a:noAutofit/>
           </a:bodyPr>
-          <a:p>
-            <a:endParaRPr b="0" lang="en-US" sz="1800" spc="-1" strike="noStrike">
+          <a:lstStyle/>
+          <a:p>
+            <a:endParaRPr lang="en-US" sz="1800" b="0" strike="noStrike" spc="-1">
               <a:solidFill>
                 <a:srgbClr val="000000"/>
               </a:solidFill>
@@ -4667,9 +4915,10 @@
           </a:ln>
         </p:spPr>
         <p:txBody>
-          <a:bodyPr lIns="0" rIns="0" tIns="0" bIns="0" anchor="t">
+          <a:bodyPr lIns="0" tIns="0" rIns="0" bIns="0" anchor="t">
             <a:normAutofit/>
           </a:bodyPr>
+          <a:lstStyle/>
           <a:p>
             <a:pPr>
               <a:lnSpc>
@@ -4680,7 +4929,7 @@
               </a:spcBef>
               <a:buNone/>
             </a:pPr>
-            <a:endParaRPr b="0" lang="en-US" sz="2800" spc="-1" strike="noStrike">
+            <a:endParaRPr lang="en-US" sz="2800" b="0" strike="noStrike" spc="-1">
               <a:solidFill>
                 <a:srgbClr val="000000"/>
               </a:solidFill>
@@ -4713,9 +4962,10 @@
           </a:ln>
         </p:spPr>
         <p:txBody>
-          <a:bodyPr lIns="0" rIns="0" tIns="0" bIns="0" anchor="t">
+          <a:bodyPr lIns="0" tIns="0" rIns="0" bIns="0" anchor="t">
             <a:normAutofit/>
           </a:bodyPr>
+          <a:lstStyle/>
           <a:p>
             <a:pPr>
               <a:lnSpc>
@@ -4726,7 +4976,7 @@
               </a:spcBef>
               <a:buNone/>
             </a:pPr>
-            <a:endParaRPr b="0" lang="en-US" sz="2800" spc="-1" strike="noStrike">
+            <a:endParaRPr lang="en-US" sz="2800" b="0" strike="noStrike" spc="-1">
               <a:solidFill>
                 <a:srgbClr val="000000"/>
               </a:solidFill>
@@ -4759,9 +5009,10 @@
           </a:ln>
         </p:spPr>
         <p:txBody>
-          <a:bodyPr lIns="0" rIns="0" tIns="0" bIns="0" anchor="t">
+          <a:bodyPr lIns="0" tIns="0" rIns="0" bIns="0" anchor="t">
             <a:normAutofit/>
           </a:bodyPr>
+          <a:lstStyle/>
           <a:p>
             <a:pPr>
               <a:lnSpc>
@@ -4772,7 +5023,7 @@
               </a:spcBef>
               <a:buNone/>
             </a:pPr>
-            <a:endParaRPr b="0" lang="en-US" sz="2800" spc="-1" strike="noStrike">
+            <a:endParaRPr lang="en-US" sz="2800" b="0" strike="noStrike" spc="-1">
               <a:solidFill>
                 <a:srgbClr val="000000"/>
               </a:solidFill>
@@ -4794,6 +5045,7 @@
         <p:spPr/>
         <p:txBody>
           <a:bodyPr/>
+          <a:lstStyle/>
           <a:p>
             <a:r>
               <a:t>Footer</a:t>
@@ -4814,10 +5066,12 @@
         <p:spPr/>
         <p:txBody>
           <a:bodyPr/>
+          <a:lstStyle/>
           <a:p>
             <a:fld id="{4FE66A51-8C2B-4921-A9CB-60870BA4B668}" type="slidenum">
-              <a:t>&lt;#&gt;</a:t>
+              <a:t>‹#›</a:t>
             </a:fld>
+            <a:endParaRPr/>
           </a:p>
         </p:txBody>
       </p:sp>
@@ -4834,21 +5088,22 @@
         <p:spPr/>
         <p:txBody>
           <a:bodyPr/>
-          <a:p>
-            <a:r>
-              <a:rPr lang="en-CA"/>
-              <a:t/>
-            </a:r>
+          <a:lstStyle/>
+          <a:p>
+            <a:endParaRPr/>
           </a:p>
         </p:txBody>
       </p:sp>
     </p:spTree>
   </p:cSld>
+  <p:clrMapOvr>
+    <a:masterClrMapping/>
+  </p:clrMapOvr>
 </p:sldLayout>
 </file>
 
 <file path=ppt/slideLayouts/slideLayout9.xml><?xml version="1.0" encoding="utf-8"?>
-<p:sldLayout xmlns:a="http://schemas.openxmlformats.org/drawingml/2006/main" xmlns:p="http://schemas.openxmlformats.org/presentationml/2006/main" xmlns:r="http://schemas.openxmlformats.org/officeDocument/2006/relationships" xmlns:p14="http://schemas.microsoft.com/office/powerpoint/2010/main" xmlns:p15="http://schemas.microsoft.com/office/powerpoint/2012/main" xmlns:mc="http://schemas.openxmlformats.org/markup-compatibility/2006" type="twoObjOverTx" preserve="1">
+<p:sldLayout xmlns:a="http://schemas.openxmlformats.org/drawingml/2006/main" xmlns:r="http://schemas.openxmlformats.org/officeDocument/2006/relationships" xmlns:p="http://schemas.openxmlformats.org/presentationml/2006/main" type="twoObjOverTx" preserve="1">
   <p:cSld name="Title, 2 Content over Content">
     <p:spTree>
       <p:nvGrpSpPr>
@@ -4888,11 +5143,12 @@
           </a:ln>
         </p:spPr>
         <p:txBody>
-          <a:bodyPr lIns="0" rIns="0" tIns="0" bIns="0" anchor="ctr">
+          <a:bodyPr lIns="0" tIns="0" rIns="0" bIns="0" anchor="ctr">
             <a:noAutofit/>
           </a:bodyPr>
-          <a:p>
-            <a:endParaRPr b="0" lang="en-US" sz="1800" spc="-1" strike="noStrike">
+          <a:lstStyle/>
+          <a:p>
+            <a:endParaRPr lang="en-US" sz="1800" b="0" strike="noStrike" spc="-1">
               <a:solidFill>
                 <a:srgbClr val="000000"/>
               </a:solidFill>
@@ -4925,9 +5181,10 @@
           </a:ln>
         </p:spPr>
         <p:txBody>
-          <a:bodyPr lIns="0" rIns="0" tIns="0" bIns="0" anchor="t">
+          <a:bodyPr lIns="0" tIns="0" rIns="0" bIns="0" anchor="t">
             <a:normAutofit/>
           </a:bodyPr>
+          <a:lstStyle/>
           <a:p>
             <a:pPr>
               <a:lnSpc>
@@ -4938,7 +5195,7 @@
               </a:spcBef>
               <a:buNone/>
             </a:pPr>
-            <a:endParaRPr b="0" lang="en-US" sz="2800" spc="-1" strike="noStrike">
+            <a:endParaRPr lang="en-US" sz="2800" b="0" strike="noStrike" spc="-1">
               <a:solidFill>
                 <a:srgbClr val="000000"/>
               </a:solidFill>
@@ -4971,9 +5228,10 @@
           </a:ln>
         </p:spPr>
         <p:txBody>
-          <a:bodyPr lIns="0" rIns="0" tIns="0" bIns="0" anchor="t">
+          <a:bodyPr lIns="0" tIns="0" rIns="0" bIns="0" anchor="t">
             <a:normAutofit/>
           </a:bodyPr>
+          <a:lstStyle/>
           <a:p>
             <a:pPr>
               <a:lnSpc>
@@ -4984,7 +5242,7 @@
               </a:spcBef>
               <a:buNone/>
             </a:pPr>
-            <a:endParaRPr b="0" lang="en-US" sz="2800" spc="-1" strike="noStrike">
+            <a:endParaRPr lang="en-US" sz="2800" b="0" strike="noStrike" spc="-1">
               <a:solidFill>
                 <a:srgbClr val="000000"/>
               </a:solidFill>
@@ -5017,9 +5275,10 @@
           </a:ln>
         </p:spPr>
         <p:txBody>
-          <a:bodyPr lIns="0" rIns="0" tIns="0" bIns="0" anchor="t">
+          <a:bodyPr lIns="0" tIns="0" rIns="0" bIns="0" anchor="t">
             <a:normAutofit/>
           </a:bodyPr>
+          <a:lstStyle/>
           <a:p>
             <a:pPr>
               <a:lnSpc>
@@ -5030,7 +5289,7 @@
               </a:spcBef>
               <a:buNone/>
             </a:pPr>
-            <a:endParaRPr b="0" lang="en-US" sz="2800" spc="-1" strike="noStrike">
+            <a:endParaRPr lang="en-US" sz="2800" b="0" strike="noStrike" spc="-1">
               <a:solidFill>
                 <a:srgbClr val="000000"/>
               </a:solidFill>
@@ -5052,6 +5311,7 @@
         <p:spPr/>
         <p:txBody>
           <a:bodyPr/>
+          <a:lstStyle/>
           <a:p>
             <a:r>
               <a:t>Footer</a:t>
@@ -5072,10 +5332,12 @@
         <p:spPr/>
         <p:txBody>
           <a:bodyPr/>
+          <a:lstStyle/>
           <a:p>
             <a:fld id="{9D694F87-148A-48B9-928A-9735A50F1E44}" type="slidenum">
-              <a:t>&lt;#&gt;</a:t>
+              <a:t>‹#›</a:t>
             </a:fld>
+            <a:endParaRPr/>
           </a:p>
         </p:txBody>
       </p:sp>
@@ -5092,27 +5354,29 @@
         <p:spPr/>
         <p:txBody>
           <a:bodyPr/>
-          <a:p>
-            <a:r>
-              <a:rPr lang="en-CA"/>
-              <a:t/>
-            </a:r>
+          <a:lstStyle/>
+          <a:p>
+            <a:endParaRPr/>
           </a:p>
         </p:txBody>
       </p:sp>
     </p:spTree>
   </p:cSld>
+  <p:clrMapOvr>
+    <a:masterClrMapping/>
+  </p:clrMapOvr>
 </p:sldLayout>
 </file>
 
 <file path=ppt/slideMasters/slideMaster1.xml><?xml version="1.0" encoding="utf-8"?>
-<p:sldMaster xmlns:a="http://schemas.openxmlformats.org/drawingml/2006/main" xmlns:p="http://schemas.openxmlformats.org/presentationml/2006/main" xmlns:r="http://schemas.openxmlformats.org/officeDocument/2006/relationships" xmlns:p14="http://schemas.microsoft.com/office/powerpoint/2010/main" xmlns:p15="http://schemas.microsoft.com/office/powerpoint/2012/main" xmlns:mc="http://schemas.openxmlformats.org/markup-compatibility/2006">
+<p:sldMaster xmlns:a="http://schemas.openxmlformats.org/drawingml/2006/main" xmlns:r="http://schemas.openxmlformats.org/officeDocument/2006/relationships" xmlns:p="http://schemas.openxmlformats.org/presentationml/2006/main">
   <p:cSld>
     <p:bg>
       <p:bgPr>
         <a:solidFill>
-          <a:srgbClr val="ffffff"/>
+          <a:srgbClr val="FFFFFF"/>
         </a:solidFill>
+        <a:effectLst/>
       </p:bgPr>
     </p:bg>
     <p:spTree>
@@ -5131,7 +5395,7 @@
       </p:grpSpPr>
       <p:sp>
         <p:nvSpPr>
-          <p:cNvPr id="0" name="PlaceHolder 1"/>
+          <p:cNvPr id="6" name="PlaceHolder 1"/>
           <p:cNvSpPr>
             <a:spLocks noGrp="1"/>
           </p:cNvSpPr>
@@ -5156,6 +5420,7 @@
           <a:bodyPr anchor="b">
             <a:noAutofit/>
           </a:bodyPr>
+          <a:lstStyle/>
           <a:p>
             <a:pPr>
               <a:lnSpc>
@@ -5164,7 +5429,7 @@
               <a:buNone/>
             </a:pPr>
             <a:r>
-              <a:rPr b="1" lang="en-US" sz="6000" spc="-1" strike="noStrike" cap="all">
+              <a:rPr lang="en-US" sz="6000" b="1" strike="noStrike" cap="all" spc="-1">
                 <a:solidFill>
                   <a:srgbClr val="000000"/>
                 </a:solidFill>
@@ -5172,7 +5437,7 @@
               </a:rPr>
               <a:t>Click to edit Master title style</a:t>
             </a:r>
-            <a:endParaRPr b="0" lang="en-US" sz="6000" spc="-1" strike="noStrike">
+            <a:endParaRPr lang="en-US" sz="6000" b="0" strike="noStrike" spc="-1">
               <a:solidFill>
                 <a:srgbClr val="000000"/>
               </a:solidFill>
@@ -5183,7 +5448,7 @@
       </p:sp>
       <p:sp>
         <p:nvSpPr>
-          <p:cNvPr id="1" name="PlaceHolder 2"/>
+          <p:cNvPr id="7" name="PlaceHolder 2"/>
           <p:cNvSpPr>
             <a:spLocks noGrp="1"/>
           </p:cNvSpPr>
@@ -5214,9 +5479,9 @@
                 <a:spcPct val="100000"/>
               </a:lnSpc>
               <a:buNone/>
-              <a:defRPr b="1" lang="en-US" sz="1200" spc="97" strike="noStrike" cap="all">
+              <a:defRPr lang="en-US" sz="1200" b="1" strike="noStrike" cap="all" spc="97">
                 <a:solidFill>
-                  <a:srgbClr val="8b8b8b"/>
+                  <a:srgbClr val="8B8B8B"/>
                 </a:solidFill>
                 <a:latin typeface="Univers"/>
               </a:defRPr>
@@ -5230,15 +5495,15 @@
               <a:buNone/>
             </a:pPr>
             <a:r>
-              <a:rPr b="1" lang="en-US" sz="1200" spc="97" strike="noStrike" cap="all">
+              <a:rPr lang="en-US" sz="1200" b="1" strike="noStrike" cap="all" spc="97">
                 <a:solidFill>
-                  <a:srgbClr val="8b8b8b"/>
+                  <a:srgbClr val="8B8B8B"/>
                 </a:solidFill>
                 <a:latin typeface="Univers"/>
               </a:rPr>
               <a:t>&lt;date/time&gt;</a:t>
             </a:r>
-            <a:endParaRPr b="0" lang="en-CA" sz="1200" spc="-1" strike="noStrike">
+            <a:endParaRPr lang="en-CA" sz="1200" b="0" strike="noStrike" spc="-1">
               <a:latin typeface="Times New Roman"/>
             </a:endParaRPr>
           </a:p>
@@ -5274,7 +5539,7 @@
           <a:lstStyle>
             <a:lvl1pPr algn="ctr">
               <a:buNone/>
-              <a:defRPr b="0" lang="en-CA" sz="1400" spc="-1" strike="noStrike">
+              <a:defRPr lang="en-CA" sz="1400" b="0" strike="noStrike" spc="-1">
                 <a:latin typeface="Times New Roman"/>
               </a:defRPr>
             </a:lvl1pPr>
@@ -5284,14 +5549,11 @@
               <a:buNone/>
             </a:pPr>
             <a:r>
-              <a:rPr b="0" lang="en-CA" sz="1400" spc="-1" strike="noStrike">
+              <a:rPr lang="en-CA" sz="1400" b="0" strike="noStrike" spc="-1">
                 <a:latin typeface="Times New Roman"/>
               </a:rPr>
               <a:t>&lt;footer&gt;</a:t>
             </a:r>
-            <a:endParaRPr b="0" lang="en-CA" sz="1400" spc="-1" strike="noStrike">
-              <a:latin typeface="Times New Roman"/>
-            </a:endParaRPr>
           </a:p>
         </p:txBody>
       </p:sp>
@@ -5328,9 +5590,9 @@
                 <a:spcPct val="100000"/>
               </a:lnSpc>
               <a:buNone/>
-              <a:defRPr b="1" lang="en-US" sz="1200" spc="97" strike="noStrike" cap="all">
+              <a:defRPr lang="en-US" sz="1200" b="1" strike="noStrike" cap="all" spc="97">
                 <a:solidFill>
-                  <a:srgbClr val="8b8b8b"/>
+                  <a:srgbClr val="8B8B8B"/>
                 </a:solidFill>
                 <a:latin typeface="Univers"/>
               </a:defRPr>
@@ -5344,15 +5606,15 @@
               <a:buNone/>
             </a:pPr>
             <a:fld id="{A4D921D5-0EF9-445B-A151-9CBB0D02A8B1}" type="slidenum">
-              <a:rPr b="1" lang="en-US" sz="1200" spc="97" strike="noStrike" cap="all">
+              <a:rPr lang="en-US" sz="1200" b="1" strike="noStrike" cap="all" spc="97">
                 <a:solidFill>
-                  <a:srgbClr val="8b8b8b"/>
+                  <a:srgbClr val="8B8B8B"/>
                 </a:solidFill>
                 <a:latin typeface="Univers"/>
               </a:rPr>
-              <a:t>&lt;number&gt;</a:t>
+              <a:t>‹#›</a:t>
             </a:fld>
-            <a:endParaRPr b="0" lang="en-CA" sz="1200" spc="-1" strike="noStrike">
+            <a:endParaRPr lang="en-CA" sz="1200" b="0" strike="noStrike" spc="-1">
               <a:latin typeface="Times New Roman"/>
             </a:endParaRPr>
           </a:p>
@@ -5372,9 +5634,9 @@
           <a:prstGeom prst="line">
             <a:avLst/>
           </a:prstGeom>
-          <a:ln cap="sq" w="25400">
+          <a:ln w="25400" cap="sq">
             <a:solidFill>
-              <a:srgbClr val="2683c6"/>
+              <a:srgbClr val="2683C6"/>
             </a:solidFill>
             <a:bevel/>
           </a:ln>
@@ -5416,9 +5678,10 @@
           </a:ln>
         </p:spPr>
         <p:txBody>
-          <a:bodyPr lIns="0" rIns="0" tIns="0" bIns="0" anchor="t">
+          <a:bodyPr lIns="0" tIns="0" rIns="0" bIns="0" anchor="t">
             <a:normAutofit/>
           </a:bodyPr>
+          <a:lstStyle/>
           <a:p>
             <a:pPr marL="432000" indent="-324000">
               <a:lnSpc>
@@ -5435,7 +5698,7 @@
               <a:buChar char=""/>
             </a:pPr>
             <a:r>
-              <a:rPr b="0" lang="en-US" sz="2800" spc="-1" strike="noStrike">
+              <a:rPr lang="en-US" sz="2800" b="0" strike="noStrike" spc="-1">
                 <a:solidFill>
                   <a:srgbClr val="000000"/>
                 </a:solidFill>
@@ -5443,15 +5706,9 @@
               </a:rPr>
               <a:t>Click to edit the outline text format</a:t>
             </a:r>
-            <a:endParaRPr b="0" lang="en-US" sz="2800" spc="-1" strike="noStrike">
-              <a:solidFill>
-                <a:srgbClr val="000000"/>
-              </a:solidFill>
-              <a:latin typeface="Univers"/>
-            </a:endParaRPr>
-          </a:p>
-          <a:p>
-            <a:pPr lvl="1" marL="864000" indent="-324000">
+          </a:p>
+          <a:p>
+            <a:pPr marL="864000" lvl="1" indent="-324000">
               <a:lnSpc>
                 <a:spcPct val="90000"/>
               </a:lnSpc>
@@ -5466,7 +5723,7 @@
               <a:buChar char=""/>
             </a:pPr>
             <a:r>
-              <a:rPr b="0" lang="en-US" sz="2000" spc="-1" strike="noStrike">
+              <a:rPr lang="en-US" sz="2000" b="0" strike="noStrike" spc="-1">
                 <a:solidFill>
                   <a:srgbClr val="000000"/>
                 </a:solidFill>
@@ -5474,15 +5731,9 @@
               </a:rPr>
               <a:t>Second Outline Level</a:t>
             </a:r>
-            <a:endParaRPr b="0" lang="en-US" sz="2000" spc="-1" strike="noStrike">
-              <a:solidFill>
-                <a:srgbClr val="000000"/>
-              </a:solidFill>
-              <a:latin typeface="Univers"/>
-            </a:endParaRPr>
-          </a:p>
-          <a:p>
-            <a:pPr lvl="2" marL="1296000" indent="-288000">
+          </a:p>
+          <a:p>
+            <a:pPr marL="1296000" lvl="2" indent="-288000">
               <a:lnSpc>
                 <a:spcPct val="90000"/>
               </a:lnSpc>
@@ -5497,7 +5748,7 @@
               <a:buChar char=""/>
             </a:pPr>
             <a:r>
-              <a:rPr b="0" lang="en-US" sz="1800" spc="-1" strike="noStrike">
+              <a:rPr lang="en-US" sz="1800" b="0" strike="noStrike" spc="-1">
                 <a:solidFill>
                   <a:srgbClr val="000000"/>
                 </a:solidFill>
@@ -5505,15 +5756,9 @@
               </a:rPr>
               <a:t>Third Outline Level</a:t>
             </a:r>
-            <a:endParaRPr b="0" lang="en-US" sz="1800" spc="-1" strike="noStrike">
-              <a:solidFill>
-                <a:srgbClr val="000000"/>
-              </a:solidFill>
-              <a:latin typeface="Univers"/>
-            </a:endParaRPr>
-          </a:p>
-          <a:p>
-            <a:pPr lvl="3" marL="1728000" indent="-216000">
+          </a:p>
+          <a:p>
+            <a:pPr marL="1728000" lvl="3" indent="-216000">
               <a:lnSpc>
                 <a:spcPct val="90000"/>
               </a:lnSpc>
@@ -5528,7 +5773,7 @@
               <a:buChar char=""/>
             </a:pPr>
             <a:r>
-              <a:rPr b="0" lang="en-US" sz="1800" spc="-1" strike="noStrike">
+              <a:rPr lang="en-US" sz="1800" b="0" strike="noStrike" spc="-1">
                 <a:solidFill>
                   <a:srgbClr val="000000"/>
                 </a:solidFill>
@@ -5536,15 +5781,9 @@
               </a:rPr>
               <a:t>Fourth Outline Level</a:t>
             </a:r>
-            <a:endParaRPr b="0" lang="en-US" sz="1800" spc="-1" strike="noStrike">
-              <a:solidFill>
-                <a:srgbClr val="000000"/>
-              </a:solidFill>
-              <a:latin typeface="Univers"/>
-            </a:endParaRPr>
-          </a:p>
-          <a:p>
-            <a:pPr lvl="4" marL="2160000" indent="-216000">
+          </a:p>
+          <a:p>
+            <a:pPr marL="2160000" lvl="4" indent="-216000">
               <a:lnSpc>
                 <a:spcPct val="90000"/>
               </a:lnSpc>
@@ -5559,7 +5798,7 @@
               <a:buChar char=""/>
             </a:pPr>
             <a:r>
-              <a:rPr b="0" lang="en-US" sz="2000" spc="-1" strike="noStrike">
+              <a:rPr lang="en-US" sz="2000" b="0" strike="noStrike" spc="-1">
                 <a:solidFill>
                   <a:srgbClr val="000000"/>
                 </a:solidFill>
@@ -5567,15 +5806,9 @@
               </a:rPr>
               <a:t>Fifth Outline Level</a:t>
             </a:r>
-            <a:endParaRPr b="0" lang="en-US" sz="2000" spc="-1" strike="noStrike">
-              <a:solidFill>
-                <a:srgbClr val="000000"/>
-              </a:solidFill>
-              <a:latin typeface="Univers"/>
-            </a:endParaRPr>
-          </a:p>
-          <a:p>
-            <a:pPr lvl="5" marL="2592000" indent="-216000">
+          </a:p>
+          <a:p>
+            <a:pPr marL="2592000" lvl="5" indent="-216000">
               <a:lnSpc>
                 <a:spcPct val="90000"/>
               </a:lnSpc>
@@ -5590,7 +5823,7 @@
               <a:buChar char=""/>
             </a:pPr>
             <a:r>
-              <a:rPr b="0" lang="en-US" sz="2000" spc="-1" strike="noStrike">
+              <a:rPr lang="en-US" sz="2000" b="0" strike="noStrike" spc="-1">
                 <a:solidFill>
                   <a:srgbClr val="000000"/>
                 </a:solidFill>
@@ -5598,15 +5831,9 @@
               </a:rPr>
               <a:t>Sixth Outline Level</a:t>
             </a:r>
-            <a:endParaRPr b="0" lang="en-US" sz="2000" spc="-1" strike="noStrike">
-              <a:solidFill>
-                <a:srgbClr val="000000"/>
-              </a:solidFill>
-              <a:latin typeface="Univers"/>
-            </a:endParaRPr>
-          </a:p>
-          <a:p>
-            <a:pPr lvl="6" marL="3024000" indent="-216000">
+          </a:p>
+          <a:p>
+            <a:pPr marL="3024000" lvl="6" indent="-216000">
               <a:lnSpc>
                 <a:spcPct val="90000"/>
               </a:lnSpc>
@@ -5621,7 +5848,7 @@
               <a:buChar char=""/>
             </a:pPr>
             <a:r>
-              <a:rPr b="0" lang="en-US" sz="2000" spc="-1" strike="noStrike">
+              <a:rPr lang="en-US" sz="2000" b="0" strike="noStrike" spc="-1">
                 <a:solidFill>
                   <a:srgbClr val="000000"/>
                 </a:solidFill>
@@ -5629,43 +5856,318 @@
               </a:rPr>
               <a:t>Seventh Outline Level</a:t>
             </a:r>
-            <a:endParaRPr b="0" lang="en-US" sz="2000" spc="-1" strike="noStrike">
-              <a:solidFill>
-                <a:srgbClr val="000000"/>
-              </a:solidFill>
-              <a:latin typeface="Univers"/>
-            </a:endParaRPr>
           </a:p>
         </p:txBody>
       </p:sp>
     </p:spTree>
   </p:cSld>
-  <p:clrMap bg1="lt1" bg2="lt2" tx1="dk1" tx2="dk2" accent1="accent1" accent2="accent2" accent3="accent3" accent4="accent4" accent5="accent5" accent6="accent6" hlink="hlink" folHlink="folHlink"/>
+  <p:clrMap bg1="lt1" tx1="dk1" bg2="lt2" tx2="dk2" accent1="accent1" accent2="accent2" accent3="accent3" accent4="accent4" accent5="accent5" accent6="accent6" hlink="hlink" folHlink="folHlink"/>
   <p:sldLayoutIdLst>
-    <p:sldLayoutId id="2147483649" r:id="rId2"/>
-    <p:sldLayoutId id="2147483650" r:id="rId3"/>
-    <p:sldLayoutId id="2147483651" r:id="rId4"/>
-    <p:sldLayoutId id="2147483652" r:id="rId5"/>
-    <p:sldLayoutId id="2147483653" r:id="rId6"/>
-    <p:sldLayoutId id="2147483654" r:id="rId7"/>
-    <p:sldLayoutId id="2147483655" r:id="rId8"/>
-    <p:sldLayoutId id="2147483656" r:id="rId9"/>
-    <p:sldLayoutId id="2147483657" r:id="rId10"/>
-    <p:sldLayoutId id="2147483658" r:id="rId11"/>
-    <p:sldLayoutId id="2147483659" r:id="rId12"/>
-    <p:sldLayoutId id="2147483660" r:id="rId13"/>
+    <p:sldLayoutId id="2147483649" r:id="rId1"/>
+    <p:sldLayoutId id="2147483650" r:id="rId2"/>
+    <p:sldLayoutId id="2147483651" r:id="rId3"/>
+    <p:sldLayoutId id="2147483652" r:id="rId4"/>
+    <p:sldLayoutId id="2147483653" r:id="rId5"/>
+    <p:sldLayoutId id="2147483654" r:id="rId6"/>
+    <p:sldLayoutId id="2147483655" r:id="rId7"/>
+    <p:sldLayoutId id="2147483656" r:id="rId8"/>
+    <p:sldLayoutId id="2147483657" r:id="rId9"/>
+    <p:sldLayoutId id="2147483658" r:id="rId10"/>
+    <p:sldLayoutId id="2147483659" r:id="rId11"/>
+    <p:sldLayoutId id="2147483660" r:id="rId12"/>
   </p:sldLayoutIdLst>
+  <p:txStyles>
+    <p:titleStyle>
+      <a:lvl1pPr algn="l" defTabSz="914400" rtl="0" eaLnBrk="1" latinLnBrk="0" hangingPunct="1">
+        <a:lnSpc>
+          <a:spcPct val="90000"/>
+        </a:lnSpc>
+        <a:spcBef>
+          <a:spcPct val="0"/>
+        </a:spcBef>
+        <a:buNone/>
+        <a:defRPr sz="4400" kern="1200">
+          <a:solidFill>
+            <a:schemeClr val="tx1"/>
+          </a:solidFill>
+          <a:latin typeface="+mj-lt"/>
+          <a:ea typeface="+mj-ea"/>
+          <a:cs typeface="+mj-cs"/>
+        </a:defRPr>
+      </a:lvl1pPr>
+    </p:titleStyle>
+    <p:bodyStyle>
+      <a:lvl1pPr marL="228600" indent="-228600" algn="l" defTabSz="914400" rtl="0" eaLnBrk="1" latinLnBrk="0" hangingPunct="1">
+        <a:lnSpc>
+          <a:spcPct val="90000"/>
+        </a:lnSpc>
+        <a:spcBef>
+          <a:spcPts val="1000"/>
+        </a:spcBef>
+        <a:buFont typeface="Arial" panose="020B0604020202020204" pitchFamily="34" charset="0"/>
+        <a:buChar char="•"/>
+        <a:defRPr sz="2800" kern="1200">
+          <a:solidFill>
+            <a:schemeClr val="tx1"/>
+          </a:solidFill>
+          <a:latin typeface="+mn-lt"/>
+          <a:ea typeface="+mn-ea"/>
+          <a:cs typeface="+mn-cs"/>
+        </a:defRPr>
+      </a:lvl1pPr>
+      <a:lvl2pPr marL="685800" indent="-228600" algn="l" defTabSz="914400" rtl="0" eaLnBrk="1" latinLnBrk="0" hangingPunct="1">
+        <a:lnSpc>
+          <a:spcPct val="90000"/>
+        </a:lnSpc>
+        <a:spcBef>
+          <a:spcPts val="500"/>
+        </a:spcBef>
+        <a:buFont typeface="Arial" panose="020B0604020202020204" pitchFamily="34" charset="0"/>
+        <a:buChar char="•"/>
+        <a:defRPr sz="2400" kern="1200">
+          <a:solidFill>
+            <a:schemeClr val="tx1"/>
+          </a:solidFill>
+          <a:latin typeface="+mn-lt"/>
+          <a:ea typeface="+mn-ea"/>
+          <a:cs typeface="+mn-cs"/>
+        </a:defRPr>
+      </a:lvl2pPr>
+      <a:lvl3pPr marL="1143000" indent="-228600" algn="l" defTabSz="914400" rtl="0" eaLnBrk="1" latinLnBrk="0" hangingPunct="1">
+        <a:lnSpc>
+          <a:spcPct val="90000"/>
+        </a:lnSpc>
+        <a:spcBef>
+          <a:spcPts val="500"/>
+        </a:spcBef>
+        <a:buFont typeface="Arial" panose="020B0604020202020204" pitchFamily="34" charset="0"/>
+        <a:buChar char="•"/>
+        <a:defRPr sz="2000" kern="1200">
+          <a:solidFill>
+            <a:schemeClr val="tx1"/>
+          </a:solidFill>
+          <a:latin typeface="+mn-lt"/>
+          <a:ea typeface="+mn-ea"/>
+          <a:cs typeface="+mn-cs"/>
+        </a:defRPr>
+      </a:lvl3pPr>
+      <a:lvl4pPr marL="1600200" indent="-228600" algn="l" defTabSz="914400" rtl="0" eaLnBrk="1" latinLnBrk="0" hangingPunct="1">
+        <a:lnSpc>
+          <a:spcPct val="90000"/>
+        </a:lnSpc>
+        <a:spcBef>
+          <a:spcPts val="500"/>
+        </a:spcBef>
+        <a:buFont typeface="Arial" panose="020B0604020202020204" pitchFamily="34" charset="0"/>
+        <a:buChar char="•"/>
+        <a:defRPr sz="1800" kern="1200">
+          <a:solidFill>
+            <a:schemeClr val="tx1"/>
+          </a:solidFill>
+          <a:latin typeface="+mn-lt"/>
+          <a:ea typeface="+mn-ea"/>
+          <a:cs typeface="+mn-cs"/>
+        </a:defRPr>
+      </a:lvl4pPr>
+      <a:lvl5pPr marL="2057400" indent="-228600" algn="l" defTabSz="914400" rtl="0" eaLnBrk="1" latinLnBrk="0" hangingPunct="1">
+        <a:lnSpc>
+          <a:spcPct val="90000"/>
+        </a:lnSpc>
+        <a:spcBef>
+          <a:spcPts val="500"/>
+        </a:spcBef>
+        <a:buFont typeface="Arial" panose="020B0604020202020204" pitchFamily="34" charset="0"/>
+        <a:buChar char="•"/>
+        <a:defRPr sz="1800" kern="1200">
+          <a:solidFill>
+            <a:schemeClr val="tx1"/>
+          </a:solidFill>
+          <a:latin typeface="+mn-lt"/>
+          <a:ea typeface="+mn-ea"/>
+          <a:cs typeface="+mn-cs"/>
+        </a:defRPr>
+      </a:lvl5pPr>
+      <a:lvl6pPr marL="2514600" indent="-228600" algn="l" defTabSz="914400" rtl="0" eaLnBrk="1" latinLnBrk="0" hangingPunct="1">
+        <a:lnSpc>
+          <a:spcPct val="90000"/>
+        </a:lnSpc>
+        <a:spcBef>
+          <a:spcPts val="500"/>
+        </a:spcBef>
+        <a:buFont typeface="Arial" panose="020B0604020202020204" pitchFamily="34" charset="0"/>
+        <a:buChar char="•"/>
+        <a:defRPr sz="1800" kern="1200">
+          <a:solidFill>
+            <a:schemeClr val="tx1"/>
+          </a:solidFill>
+          <a:latin typeface="+mn-lt"/>
+          <a:ea typeface="+mn-ea"/>
+          <a:cs typeface="+mn-cs"/>
+        </a:defRPr>
+      </a:lvl6pPr>
+      <a:lvl7pPr marL="2971800" indent="-228600" algn="l" defTabSz="914400" rtl="0" eaLnBrk="1" latinLnBrk="0" hangingPunct="1">
+        <a:lnSpc>
+          <a:spcPct val="90000"/>
+        </a:lnSpc>
+        <a:spcBef>
+          <a:spcPts val="500"/>
+        </a:spcBef>
+        <a:buFont typeface="Arial" panose="020B0604020202020204" pitchFamily="34" charset="0"/>
+        <a:buChar char="•"/>
+        <a:defRPr sz="1800" kern="1200">
+          <a:solidFill>
+            <a:schemeClr val="tx1"/>
+          </a:solidFill>
+          <a:latin typeface="+mn-lt"/>
+          <a:ea typeface="+mn-ea"/>
+          <a:cs typeface="+mn-cs"/>
+        </a:defRPr>
+      </a:lvl7pPr>
+      <a:lvl8pPr marL="3429000" indent="-228600" algn="l" defTabSz="914400" rtl="0" eaLnBrk="1" latinLnBrk="0" hangingPunct="1">
+        <a:lnSpc>
+          <a:spcPct val="90000"/>
+        </a:lnSpc>
+        <a:spcBef>
+          <a:spcPts val="500"/>
+        </a:spcBef>
+        <a:buFont typeface="Arial" panose="020B0604020202020204" pitchFamily="34" charset="0"/>
+        <a:buChar char="•"/>
+        <a:defRPr sz="1800" kern="1200">
+          <a:solidFill>
+            <a:schemeClr val="tx1"/>
+          </a:solidFill>
+          <a:latin typeface="+mn-lt"/>
+          <a:ea typeface="+mn-ea"/>
+          <a:cs typeface="+mn-cs"/>
+        </a:defRPr>
+      </a:lvl8pPr>
+      <a:lvl9pPr marL="3886200" indent="-228600" algn="l" defTabSz="914400" rtl="0" eaLnBrk="1" latinLnBrk="0" hangingPunct="1">
+        <a:lnSpc>
+          <a:spcPct val="90000"/>
+        </a:lnSpc>
+        <a:spcBef>
+          <a:spcPts val="500"/>
+        </a:spcBef>
+        <a:buFont typeface="Arial" panose="020B0604020202020204" pitchFamily="34" charset="0"/>
+        <a:buChar char="•"/>
+        <a:defRPr sz="1800" kern="1200">
+          <a:solidFill>
+            <a:schemeClr val="tx1"/>
+          </a:solidFill>
+          <a:latin typeface="+mn-lt"/>
+          <a:ea typeface="+mn-ea"/>
+          <a:cs typeface="+mn-cs"/>
+        </a:defRPr>
+      </a:lvl9pPr>
+    </p:bodyStyle>
+    <p:otherStyle>
+      <a:defPPr>
+        <a:defRPr lang="en-US"/>
+      </a:defPPr>
+      <a:lvl1pPr marL="0" algn="l" defTabSz="914400" rtl="0" eaLnBrk="1" latinLnBrk="0" hangingPunct="1">
+        <a:defRPr sz="1800" kern="1200">
+          <a:solidFill>
+            <a:schemeClr val="tx1"/>
+          </a:solidFill>
+          <a:latin typeface="+mn-lt"/>
+          <a:ea typeface="+mn-ea"/>
+          <a:cs typeface="+mn-cs"/>
+        </a:defRPr>
+      </a:lvl1pPr>
+      <a:lvl2pPr marL="457200" algn="l" defTabSz="914400" rtl="0" eaLnBrk="1" latinLnBrk="0" hangingPunct="1">
+        <a:defRPr sz="1800" kern="1200">
+          <a:solidFill>
+            <a:schemeClr val="tx1"/>
+          </a:solidFill>
+          <a:latin typeface="+mn-lt"/>
+          <a:ea typeface="+mn-ea"/>
+          <a:cs typeface="+mn-cs"/>
+        </a:defRPr>
+      </a:lvl2pPr>
+      <a:lvl3pPr marL="914400" algn="l" defTabSz="914400" rtl="0" eaLnBrk="1" latinLnBrk="0" hangingPunct="1">
+        <a:defRPr sz="1800" kern="1200">
+          <a:solidFill>
+            <a:schemeClr val="tx1"/>
+          </a:solidFill>
+          <a:latin typeface="+mn-lt"/>
+          <a:ea typeface="+mn-ea"/>
+          <a:cs typeface="+mn-cs"/>
+        </a:defRPr>
+      </a:lvl3pPr>
+      <a:lvl4pPr marL="1371600" algn="l" defTabSz="914400" rtl="0" eaLnBrk="1" latinLnBrk="0" hangingPunct="1">
+        <a:defRPr sz="1800" kern="1200">
+          <a:solidFill>
+            <a:schemeClr val="tx1"/>
+          </a:solidFill>
+          <a:latin typeface="+mn-lt"/>
+          <a:ea typeface="+mn-ea"/>
+          <a:cs typeface="+mn-cs"/>
+        </a:defRPr>
+      </a:lvl4pPr>
+      <a:lvl5pPr marL="1828800" algn="l" defTabSz="914400" rtl="0" eaLnBrk="1" latinLnBrk="0" hangingPunct="1">
+        <a:defRPr sz="1800" kern="1200">
+          <a:solidFill>
+            <a:schemeClr val="tx1"/>
+          </a:solidFill>
+          <a:latin typeface="+mn-lt"/>
+          <a:ea typeface="+mn-ea"/>
+          <a:cs typeface="+mn-cs"/>
+        </a:defRPr>
+      </a:lvl5pPr>
+      <a:lvl6pPr marL="2286000" algn="l" defTabSz="914400" rtl="0" eaLnBrk="1" latinLnBrk="0" hangingPunct="1">
+        <a:defRPr sz="1800" kern="1200">
+          <a:solidFill>
+            <a:schemeClr val="tx1"/>
+          </a:solidFill>
+          <a:latin typeface="+mn-lt"/>
+          <a:ea typeface="+mn-ea"/>
+          <a:cs typeface="+mn-cs"/>
+        </a:defRPr>
+      </a:lvl6pPr>
+      <a:lvl7pPr marL="2743200" algn="l" defTabSz="914400" rtl="0" eaLnBrk="1" latinLnBrk="0" hangingPunct="1">
+        <a:defRPr sz="1800" kern="1200">
+          <a:solidFill>
+            <a:schemeClr val="tx1"/>
+          </a:solidFill>
+          <a:latin typeface="+mn-lt"/>
+          <a:ea typeface="+mn-ea"/>
+          <a:cs typeface="+mn-cs"/>
+        </a:defRPr>
+      </a:lvl7pPr>
+      <a:lvl8pPr marL="3200400" algn="l" defTabSz="914400" rtl="0" eaLnBrk="1" latinLnBrk="0" hangingPunct="1">
+        <a:defRPr sz="1800" kern="1200">
+          <a:solidFill>
+            <a:schemeClr val="tx1"/>
+          </a:solidFill>
+          <a:latin typeface="+mn-lt"/>
+          <a:ea typeface="+mn-ea"/>
+          <a:cs typeface="+mn-cs"/>
+        </a:defRPr>
+      </a:lvl8pPr>
+      <a:lvl9pPr marL="3657600" algn="l" defTabSz="914400" rtl="0" eaLnBrk="1" latinLnBrk="0" hangingPunct="1">
+        <a:defRPr sz="1800" kern="1200">
+          <a:solidFill>
+            <a:schemeClr val="tx1"/>
+          </a:solidFill>
+          <a:latin typeface="+mn-lt"/>
+          <a:ea typeface="+mn-ea"/>
+          <a:cs typeface="+mn-cs"/>
+        </a:defRPr>
+      </a:lvl9pPr>
+    </p:otherStyle>
+  </p:txStyles>
 </p:sldMaster>
 </file>
 
 <file path=ppt/slideMasters/slideMaster2.xml><?xml version="1.0" encoding="utf-8"?>
-<p:sldMaster xmlns:a="http://schemas.openxmlformats.org/drawingml/2006/main" xmlns:p="http://schemas.openxmlformats.org/presentationml/2006/main" xmlns:r="http://schemas.openxmlformats.org/officeDocument/2006/relationships" xmlns:p14="http://schemas.microsoft.com/office/powerpoint/2010/main" xmlns:p15="http://schemas.microsoft.com/office/powerpoint/2012/main" xmlns:mc="http://schemas.openxmlformats.org/markup-compatibility/2006">
+<p:sldMaster xmlns:a="http://schemas.openxmlformats.org/drawingml/2006/main" xmlns:r="http://schemas.openxmlformats.org/officeDocument/2006/relationships" xmlns:p="http://schemas.openxmlformats.org/presentationml/2006/main">
   <p:cSld>
     <p:bg>
       <p:bgPr>
         <a:solidFill>
-          <a:srgbClr val="ffffff"/>
+          <a:srgbClr val="FFFFFF"/>
         </a:solidFill>
+        <a:effectLst/>
       </p:bgPr>
     </p:bg>
     <p:spTree>
@@ -5709,6 +6211,7 @@
           <a:bodyPr anchor="ctr">
             <a:noAutofit/>
           </a:bodyPr>
+          <a:lstStyle/>
           <a:p>
             <a:pPr>
               <a:lnSpc>
@@ -5717,7 +6220,7 @@
               <a:buNone/>
             </a:pPr>
             <a:r>
-              <a:rPr b="0" lang="en-US" sz="4400" spc="-1" strike="noStrike">
+              <a:rPr lang="en-US" sz="4400" b="0" strike="noStrike" spc="-1">
                 <a:solidFill>
                   <a:srgbClr val="000000"/>
                 </a:solidFill>
@@ -5725,12 +6228,6 @@
               </a:rPr>
               <a:t>Click to edit Master title style</a:t>
             </a:r>
-            <a:endParaRPr b="0" lang="en-US" sz="4400" spc="-1" strike="noStrike">
-              <a:solidFill>
-                <a:srgbClr val="000000"/>
-              </a:solidFill>
-              <a:latin typeface="Univers"/>
-            </a:endParaRPr>
           </a:p>
         </p:txBody>
       </p:sp>
@@ -5761,6 +6258,7 @@
           <a:bodyPr anchor="t">
             <a:noAutofit/>
           </a:bodyPr>
+          <a:lstStyle/>
           <a:p>
             <a:pPr marL="228600" indent="-228600">
               <a:lnSpc>
@@ -5776,7 +6274,7 @@
               <a:buChar char="•"/>
             </a:pPr>
             <a:r>
-              <a:rPr b="0" lang="en-US" sz="2800" spc="-1" strike="noStrike">
+              <a:rPr lang="en-US" sz="2800" b="0" strike="noStrike" spc="-1">
                 <a:solidFill>
                   <a:srgbClr val="000000"/>
                 </a:solidFill>
@@ -5784,15 +6282,9 @@
               </a:rPr>
               <a:t>Click to edit Master text styles</a:t>
             </a:r>
-            <a:endParaRPr b="0" lang="en-US" sz="2800" spc="-1" strike="noStrike">
-              <a:solidFill>
-                <a:srgbClr val="000000"/>
-              </a:solidFill>
-              <a:latin typeface="Univers"/>
-            </a:endParaRPr>
-          </a:p>
-          <a:p>
-            <a:pPr lvl="1" marL="685800" indent="-228600">
+          </a:p>
+          <a:p>
+            <a:pPr marL="685800" lvl="1" indent="-228600">
               <a:lnSpc>
                 <a:spcPct val="90000"/>
               </a:lnSpc>
@@ -5806,7 +6298,7 @@
               <a:buChar char="•"/>
             </a:pPr>
             <a:r>
-              <a:rPr b="0" lang="en-US" sz="2400" spc="-1" strike="noStrike">
+              <a:rPr lang="en-US" sz="2400" b="0" strike="noStrike" spc="-1">
                 <a:solidFill>
                   <a:srgbClr val="000000"/>
                 </a:solidFill>
@@ -5814,15 +6306,9 @@
               </a:rPr>
               <a:t>Second level</a:t>
             </a:r>
-            <a:endParaRPr b="0" lang="en-US" sz="2400" spc="-1" strike="noStrike">
-              <a:solidFill>
-                <a:srgbClr val="000000"/>
-              </a:solidFill>
-              <a:latin typeface="Univers"/>
-            </a:endParaRPr>
-          </a:p>
-          <a:p>
-            <a:pPr lvl="2" marL="1143000" indent="-228600">
+          </a:p>
+          <a:p>
+            <a:pPr marL="1143000" lvl="2" indent="-228600">
               <a:lnSpc>
                 <a:spcPct val="90000"/>
               </a:lnSpc>
@@ -5836,7 +6322,7 @@
               <a:buChar char="•"/>
             </a:pPr>
             <a:r>
-              <a:rPr b="0" lang="en-US" sz="2000" spc="-1" strike="noStrike">
+              <a:rPr lang="en-US" sz="2000" b="0" strike="noStrike" spc="-1">
                 <a:solidFill>
                   <a:srgbClr val="000000"/>
                 </a:solidFill>
@@ -5844,15 +6330,9 @@
               </a:rPr>
               <a:t>Third level</a:t>
             </a:r>
-            <a:endParaRPr b="0" lang="en-US" sz="2000" spc="-1" strike="noStrike">
-              <a:solidFill>
-                <a:srgbClr val="000000"/>
-              </a:solidFill>
-              <a:latin typeface="Univers"/>
-            </a:endParaRPr>
-          </a:p>
-          <a:p>
-            <a:pPr lvl="3" marL="1600200" indent="-228600">
+          </a:p>
+          <a:p>
+            <a:pPr marL="1600200" lvl="3" indent="-228600">
               <a:lnSpc>
                 <a:spcPct val="90000"/>
               </a:lnSpc>
@@ -5866,7 +6346,7 @@
               <a:buChar char="•"/>
             </a:pPr>
             <a:r>
-              <a:rPr b="0" lang="en-US" sz="1800" spc="-1" strike="noStrike">
+              <a:rPr lang="en-US" sz="1800" b="0" strike="noStrike" spc="-1">
                 <a:solidFill>
                   <a:srgbClr val="000000"/>
                 </a:solidFill>
@@ -5874,15 +6354,9 @@
               </a:rPr>
               <a:t>Fourth level</a:t>
             </a:r>
-            <a:endParaRPr b="0" lang="en-US" sz="1800" spc="-1" strike="noStrike">
-              <a:solidFill>
-                <a:srgbClr val="000000"/>
-              </a:solidFill>
-              <a:latin typeface="Univers"/>
-            </a:endParaRPr>
-          </a:p>
-          <a:p>
-            <a:pPr lvl="4" marL="2057400" indent="-228600">
+          </a:p>
+          <a:p>
+            <a:pPr marL="2057400" lvl="4" indent="-228600">
               <a:lnSpc>
                 <a:spcPct val="90000"/>
               </a:lnSpc>
@@ -5896,7 +6370,7 @@
               <a:buChar char="•"/>
             </a:pPr>
             <a:r>
-              <a:rPr b="0" lang="en-US" sz="1800" spc="-1" strike="noStrike">
+              <a:rPr lang="en-US" sz="1800" b="0" strike="noStrike" spc="-1">
                 <a:solidFill>
                   <a:srgbClr val="000000"/>
                 </a:solidFill>
@@ -5904,12 +6378,6 @@
               </a:rPr>
               <a:t>Fifth level</a:t>
             </a:r>
-            <a:endParaRPr b="0" lang="en-US" sz="1800" spc="-1" strike="noStrike">
-              <a:solidFill>
-                <a:srgbClr val="000000"/>
-              </a:solidFill>
-              <a:latin typeface="Univers"/>
-            </a:endParaRPr>
           </a:p>
         </p:txBody>
       </p:sp>
@@ -5946,9 +6414,9 @@
                 <a:spcPct val="100000"/>
               </a:lnSpc>
               <a:buNone/>
-              <a:defRPr b="1" lang="en-US" sz="1200" spc="97" strike="noStrike" cap="all">
+              <a:defRPr lang="en-US" sz="1200" b="1" strike="noStrike" cap="all" spc="97">
                 <a:solidFill>
-                  <a:srgbClr val="8b8b8b"/>
+                  <a:srgbClr val="8B8B8B"/>
                 </a:solidFill>
                 <a:latin typeface="Univers"/>
               </a:defRPr>
@@ -5962,15 +6430,15 @@
               <a:buNone/>
             </a:pPr>
             <a:r>
-              <a:rPr b="1" lang="en-US" sz="1200" spc="97" strike="noStrike" cap="all">
+              <a:rPr lang="en-US" sz="1200" b="1" strike="noStrike" cap="all" spc="97">
                 <a:solidFill>
-                  <a:srgbClr val="8b8b8b"/>
+                  <a:srgbClr val="8B8B8B"/>
                 </a:solidFill>
                 <a:latin typeface="Univers"/>
               </a:rPr>
               <a:t>&lt;date/time&gt;</a:t>
             </a:r>
-            <a:endParaRPr b="0" lang="en-CA" sz="1200" spc="-1" strike="noStrike">
+            <a:endParaRPr lang="en-CA" sz="1200" b="0" strike="noStrike" spc="-1">
               <a:latin typeface="Times New Roman"/>
             </a:endParaRPr>
           </a:p>
@@ -6006,7 +6474,7 @@
           <a:lstStyle>
             <a:lvl1pPr algn="ctr">
               <a:buNone/>
-              <a:defRPr b="0" lang="en-CA" sz="1400" spc="-1" strike="noStrike">
+              <a:defRPr lang="en-CA" sz="1400" b="0" strike="noStrike" spc="-1">
                 <a:latin typeface="Times New Roman"/>
               </a:defRPr>
             </a:lvl1pPr>
@@ -6016,14 +6484,11 @@
               <a:buNone/>
             </a:pPr>
             <a:r>
-              <a:rPr b="0" lang="en-CA" sz="1400" spc="-1" strike="noStrike">
+              <a:rPr lang="en-CA" sz="1400" b="0" strike="noStrike" spc="-1">
                 <a:latin typeface="Times New Roman"/>
               </a:rPr>
               <a:t>&lt;footer&gt;</a:t>
             </a:r>
-            <a:endParaRPr b="0" lang="en-CA" sz="1400" spc="-1" strike="noStrike">
-              <a:latin typeface="Times New Roman"/>
-            </a:endParaRPr>
           </a:p>
         </p:txBody>
       </p:sp>
@@ -6060,9 +6525,9 @@
                 <a:spcPct val="100000"/>
               </a:lnSpc>
               <a:buNone/>
-              <a:defRPr b="1" lang="en-US" sz="1200" spc="97" strike="noStrike" cap="all">
+              <a:defRPr lang="en-US" sz="1200" b="1" strike="noStrike" cap="all" spc="97">
                 <a:solidFill>
-                  <a:srgbClr val="8b8b8b"/>
+                  <a:srgbClr val="8B8B8B"/>
                 </a:solidFill>
                 <a:latin typeface="Univers"/>
               </a:defRPr>
@@ -6076,15 +6541,15 @@
               <a:buNone/>
             </a:pPr>
             <a:fld id="{D3A3436B-F51B-4584-B270-EEDB8A951E67}" type="slidenum">
-              <a:rPr b="1" lang="en-US" sz="1200" spc="97" strike="noStrike" cap="all">
+              <a:rPr lang="en-US" sz="1200" b="1" strike="noStrike" cap="all" spc="97">
                 <a:solidFill>
-                  <a:srgbClr val="8b8b8b"/>
+                  <a:srgbClr val="8B8B8B"/>
                 </a:solidFill>
                 <a:latin typeface="Univers"/>
               </a:rPr>
-              <a:t>&lt;number&gt;</a:t>
+              <a:t>‹#›</a:t>
             </a:fld>
-            <a:endParaRPr b="0" lang="en-CA" sz="1200" spc="-1" strike="noStrike">
+            <a:endParaRPr lang="en-CA" sz="1200" b="0" strike="noStrike" spc="-1">
               <a:latin typeface="Times New Roman"/>
             </a:endParaRPr>
           </a:p>
@@ -6104,9 +6569,9 @@
           <a:prstGeom prst="line">
             <a:avLst/>
           </a:prstGeom>
-          <a:ln cap="sq" w="25400">
+          <a:ln w="25400" cap="sq">
             <a:solidFill>
-              <a:srgbClr val="2683c6"/>
+              <a:srgbClr val="2683C6"/>
             </a:solidFill>
             <a:bevel/>
           </a:ln>
@@ -6126,32 +6591,313 @@
       </p:sp>
     </p:spTree>
   </p:cSld>
-  <p:clrMap bg1="lt1" bg2="lt2" tx1="dk1" tx2="dk2" accent1="accent1" accent2="accent2" accent3="accent3" accent4="accent4" accent5="accent5" accent6="accent6" hlink="hlink" folHlink="folHlink"/>
+  <p:clrMap bg1="lt1" tx1="dk1" bg2="lt2" tx2="dk2" accent1="accent1" accent2="accent2" accent3="accent3" accent4="accent4" accent5="accent5" accent6="accent6" hlink="hlink" folHlink="folHlink"/>
   <p:sldLayoutIdLst>
-    <p:sldLayoutId id="2147483662" r:id="rId2"/>
-    <p:sldLayoutId id="2147483663" r:id="rId3"/>
-    <p:sldLayoutId id="2147483664" r:id="rId4"/>
-    <p:sldLayoutId id="2147483665" r:id="rId5"/>
-    <p:sldLayoutId id="2147483666" r:id="rId6"/>
-    <p:sldLayoutId id="2147483667" r:id="rId7"/>
-    <p:sldLayoutId id="2147483668" r:id="rId8"/>
-    <p:sldLayoutId id="2147483669" r:id="rId9"/>
-    <p:sldLayoutId id="2147483670" r:id="rId10"/>
-    <p:sldLayoutId id="2147483671" r:id="rId11"/>
-    <p:sldLayoutId id="2147483672" r:id="rId12"/>
-    <p:sldLayoutId id="2147483673" r:id="rId13"/>
+    <p:sldLayoutId id="2147483662" r:id="rId1"/>
+    <p:sldLayoutId id="2147483663" r:id="rId2"/>
+    <p:sldLayoutId id="2147483664" r:id="rId3"/>
+    <p:sldLayoutId id="2147483665" r:id="rId4"/>
+    <p:sldLayoutId id="2147483666" r:id="rId5"/>
+    <p:sldLayoutId id="2147483667" r:id="rId6"/>
+    <p:sldLayoutId id="2147483668" r:id="rId7"/>
+    <p:sldLayoutId id="2147483669" r:id="rId8"/>
+    <p:sldLayoutId id="2147483670" r:id="rId9"/>
+    <p:sldLayoutId id="2147483671" r:id="rId10"/>
+    <p:sldLayoutId id="2147483672" r:id="rId11"/>
+    <p:sldLayoutId id="2147483673" r:id="rId12"/>
   </p:sldLayoutIdLst>
+  <p:txStyles>
+    <p:titleStyle>
+      <a:lvl1pPr algn="l" defTabSz="914400" rtl="0" eaLnBrk="1" latinLnBrk="0" hangingPunct="1">
+        <a:lnSpc>
+          <a:spcPct val="90000"/>
+        </a:lnSpc>
+        <a:spcBef>
+          <a:spcPct val="0"/>
+        </a:spcBef>
+        <a:buNone/>
+        <a:defRPr sz="4400" kern="1200">
+          <a:solidFill>
+            <a:schemeClr val="tx1"/>
+          </a:solidFill>
+          <a:latin typeface="+mj-lt"/>
+          <a:ea typeface="+mj-ea"/>
+          <a:cs typeface="+mj-cs"/>
+        </a:defRPr>
+      </a:lvl1pPr>
+    </p:titleStyle>
+    <p:bodyStyle>
+      <a:lvl1pPr marL="228600" indent="-228600" algn="l" defTabSz="914400" rtl="0" eaLnBrk="1" latinLnBrk="0" hangingPunct="1">
+        <a:lnSpc>
+          <a:spcPct val="90000"/>
+        </a:lnSpc>
+        <a:spcBef>
+          <a:spcPts val="1000"/>
+        </a:spcBef>
+        <a:buFont typeface="Arial" panose="020B0604020202020204" pitchFamily="34" charset="0"/>
+        <a:buChar char="•"/>
+        <a:defRPr sz="2800" kern="1200">
+          <a:solidFill>
+            <a:schemeClr val="tx1"/>
+          </a:solidFill>
+          <a:latin typeface="+mn-lt"/>
+          <a:ea typeface="+mn-ea"/>
+          <a:cs typeface="+mn-cs"/>
+        </a:defRPr>
+      </a:lvl1pPr>
+      <a:lvl2pPr marL="685800" indent="-228600" algn="l" defTabSz="914400" rtl="0" eaLnBrk="1" latinLnBrk="0" hangingPunct="1">
+        <a:lnSpc>
+          <a:spcPct val="90000"/>
+        </a:lnSpc>
+        <a:spcBef>
+          <a:spcPts val="500"/>
+        </a:spcBef>
+        <a:buFont typeface="Arial" panose="020B0604020202020204" pitchFamily="34" charset="0"/>
+        <a:buChar char="•"/>
+        <a:defRPr sz="2400" kern="1200">
+          <a:solidFill>
+            <a:schemeClr val="tx1"/>
+          </a:solidFill>
+          <a:latin typeface="+mn-lt"/>
+          <a:ea typeface="+mn-ea"/>
+          <a:cs typeface="+mn-cs"/>
+        </a:defRPr>
+      </a:lvl2pPr>
+      <a:lvl3pPr marL="1143000" indent="-228600" algn="l" defTabSz="914400" rtl="0" eaLnBrk="1" latinLnBrk="0" hangingPunct="1">
+        <a:lnSpc>
+          <a:spcPct val="90000"/>
+        </a:lnSpc>
+        <a:spcBef>
+          <a:spcPts val="500"/>
+        </a:spcBef>
+        <a:buFont typeface="Arial" panose="020B0604020202020204" pitchFamily="34" charset="0"/>
+        <a:buChar char="•"/>
+        <a:defRPr sz="2000" kern="1200">
+          <a:solidFill>
+            <a:schemeClr val="tx1"/>
+          </a:solidFill>
+          <a:latin typeface="+mn-lt"/>
+          <a:ea typeface="+mn-ea"/>
+          <a:cs typeface="+mn-cs"/>
+        </a:defRPr>
+      </a:lvl3pPr>
+      <a:lvl4pPr marL="1600200" indent="-228600" algn="l" defTabSz="914400" rtl="0" eaLnBrk="1" latinLnBrk="0" hangingPunct="1">
+        <a:lnSpc>
+          <a:spcPct val="90000"/>
+        </a:lnSpc>
+        <a:spcBef>
+          <a:spcPts val="500"/>
+        </a:spcBef>
+        <a:buFont typeface="Arial" panose="020B0604020202020204" pitchFamily="34" charset="0"/>
+        <a:buChar char="•"/>
+        <a:defRPr sz="1800" kern="1200">
+          <a:solidFill>
+            <a:schemeClr val="tx1"/>
+          </a:solidFill>
+          <a:latin typeface="+mn-lt"/>
+          <a:ea typeface="+mn-ea"/>
+          <a:cs typeface="+mn-cs"/>
+        </a:defRPr>
+      </a:lvl4pPr>
+      <a:lvl5pPr marL="2057400" indent="-228600" algn="l" defTabSz="914400" rtl="0" eaLnBrk="1" latinLnBrk="0" hangingPunct="1">
+        <a:lnSpc>
+          <a:spcPct val="90000"/>
+        </a:lnSpc>
+        <a:spcBef>
+          <a:spcPts val="500"/>
+        </a:spcBef>
+        <a:buFont typeface="Arial" panose="020B0604020202020204" pitchFamily="34" charset="0"/>
+        <a:buChar char="•"/>
+        <a:defRPr sz="1800" kern="1200">
+          <a:solidFill>
+            <a:schemeClr val="tx1"/>
+          </a:solidFill>
+          <a:latin typeface="+mn-lt"/>
+          <a:ea typeface="+mn-ea"/>
+          <a:cs typeface="+mn-cs"/>
+        </a:defRPr>
+      </a:lvl5pPr>
+      <a:lvl6pPr marL="2514600" indent="-228600" algn="l" defTabSz="914400" rtl="0" eaLnBrk="1" latinLnBrk="0" hangingPunct="1">
+        <a:lnSpc>
+          <a:spcPct val="90000"/>
+        </a:lnSpc>
+        <a:spcBef>
+          <a:spcPts val="500"/>
+        </a:spcBef>
+        <a:buFont typeface="Arial" panose="020B0604020202020204" pitchFamily="34" charset="0"/>
+        <a:buChar char="•"/>
+        <a:defRPr sz="1800" kern="1200">
+          <a:solidFill>
+            <a:schemeClr val="tx1"/>
+          </a:solidFill>
+          <a:latin typeface="+mn-lt"/>
+          <a:ea typeface="+mn-ea"/>
+          <a:cs typeface="+mn-cs"/>
+        </a:defRPr>
+      </a:lvl6pPr>
+      <a:lvl7pPr marL="2971800" indent="-228600" algn="l" defTabSz="914400" rtl="0" eaLnBrk="1" latinLnBrk="0" hangingPunct="1">
+        <a:lnSpc>
+          <a:spcPct val="90000"/>
+        </a:lnSpc>
+        <a:spcBef>
+          <a:spcPts val="500"/>
+        </a:spcBef>
+        <a:buFont typeface="Arial" panose="020B0604020202020204" pitchFamily="34" charset="0"/>
+        <a:buChar char="•"/>
+        <a:defRPr sz="1800" kern="1200">
+          <a:solidFill>
+            <a:schemeClr val="tx1"/>
+          </a:solidFill>
+          <a:latin typeface="+mn-lt"/>
+          <a:ea typeface="+mn-ea"/>
+          <a:cs typeface="+mn-cs"/>
+        </a:defRPr>
+      </a:lvl7pPr>
+      <a:lvl8pPr marL="3429000" indent="-228600" algn="l" defTabSz="914400" rtl="0" eaLnBrk="1" latinLnBrk="0" hangingPunct="1">
+        <a:lnSpc>
+          <a:spcPct val="90000"/>
+        </a:lnSpc>
+        <a:spcBef>
+          <a:spcPts val="500"/>
+        </a:spcBef>
+        <a:buFont typeface="Arial" panose="020B0604020202020204" pitchFamily="34" charset="0"/>
+        <a:buChar char="•"/>
+        <a:defRPr sz="1800" kern="1200">
+          <a:solidFill>
+            <a:schemeClr val="tx1"/>
+          </a:solidFill>
+          <a:latin typeface="+mn-lt"/>
+          <a:ea typeface="+mn-ea"/>
+          <a:cs typeface="+mn-cs"/>
+        </a:defRPr>
+      </a:lvl8pPr>
+      <a:lvl9pPr marL="3886200" indent="-228600" algn="l" defTabSz="914400" rtl="0" eaLnBrk="1" latinLnBrk="0" hangingPunct="1">
+        <a:lnSpc>
+          <a:spcPct val="90000"/>
+        </a:lnSpc>
+        <a:spcBef>
+          <a:spcPts val="500"/>
+        </a:spcBef>
+        <a:buFont typeface="Arial" panose="020B0604020202020204" pitchFamily="34" charset="0"/>
+        <a:buChar char="•"/>
+        <a:defRPr sz="1800" kern="1200">
+          <a:solidFill>
+            <a:schemeClr val="tx1"/>
+          </a:solidFill>
+          <a:latin typeface="+mn-lt"/>
+          <a:ea typeface="+mn-ea"/>
+          <a:cs typeface="+mn-cs"/>
+        </a:defRPr>
+      </a:lvl9pPr>
+    </p:bodyStyle>
+    <p:otherStyle>
+      <a:defPPr>
+        <a:defRPr lang="en-US"/>
+      </a:defPPr>
+      <a:lvl1pPr marL="0" algn="l" defTabSz="914400" rtl="0" eaLnBrk="1" latinLnBrk="0" hangingPunct="1">
+        <a:defRPr sz="1800" kern="1200">
+          <a:solidFill>
+            <a:schemeClr val="tx1"/>
+          </a:solidFill>
+          <a:latin typeface="+mn-lt"/>
+          <a:ea typeface="+mn-ea"/>
+          <a:cs typeface="+mn-cs"/>
+        </a:defRPr>
+      </a:lvl1pPr>
+      <a:lvl2pPr marL="457200" algn="l" defTabSz="914400" rtl="0" eaLnBrk="1" latinLnBrk="0" hangingPunct="1">
+        <a:defRPr sz="1800" kern="1200">
+          <a:solidFill>
+            <a:schemeClr val="tx1"/>
+          </a:solidFill>
+          <a:latin typeface="+mn-lt"/>
+          <a:ea typeface="+mn-ea"/>
+          <a:cs typeface="+mn-cs"/>
+        </a:defRPr>
+      </a:lvl2pPr>
+      <a:lvl3pPr marL="914400" algn="l" defTabSz="914400" rtl="0" eaLnBrk="1" latinLnBrk="0" hangingPunct="1">
+        <a:defRPr sz="1800" kern="1200">
+          <a:solidFill>
+            <a:schemeClr val="tx1"/>
+          </a:solidFill>
+          <a:latin typeface="+mn-lt"/>
+          <a:ea typeface="+mn-ea"/>
+          <a:cs typeface="+mn-cs"/>
+        </a:defRPr>
+      </a:lvl3pPr>
+      <a:lvl4pPr marL="1371600" algn="l" defTabSz="914400" rtl="0" eaLnBrk="1" latinLnBrk="0" hangingPunct="1">
+        <a:defRPr sz="1800" kern="1200">
+          <a:solidFill>
+            <a:schemeClr val="tx1"/>
+          </a:solidFill>
+          <a:latin typeface="+mn-lt"/>
+          <a:ea typeface="+mn-ea"/>
+          <a:cs typeface="+mn-cs"/>
+        </a:defRPr>
+      </a:lvl4pPr>
+      <a:lvl5pPr marL="1828800" algn="l" defTabSz="914400" rtl="0" eaLnBrk="1" latinLnBrk="0" hangingPunct="1">
+        <a:defRPr sz="1800" kern="1200">
+          <a:solidFill>
+            <a:schemeClr val="tx1"/>
+          </a:solidFill>
+          <a:latin typeface="+mn-lt"/>
+          <a:ea typeface="+mn-ea"/>
+          <a:cs typeface="+mn-cs"/>
+        </a:defRPr>
+      </a:lvl5pPr>
+      <a:lvl6pPr marL="2286000" algn="l" defTabSz="914400" rtl="0" eaLnBrk="1" latinLnBrk="0" hangingPunct="1">
+        <a:defRPr sz="1800" kern="1200">
+          <a:solidFill>
+            <a:schemeClr val="tx1"/>
+          </a:solidFill>
+          <a:latin typeface="+mn-lt"/>
+          <a:ea typeface="+mn-ea"/>
+          <a:cs typeface="+mn-cs"/>
+        </a:defRPr>
+      </a:lvl6pPr>
+      <a:lvl7pPr marL="2743200" algn="l" defTabSz="914400" rtl="0" eaLnBrk="1" latinLnBrk="0" hangingPunct="1">
+        <a:defRPr sz="1800" kern="1200">
+          <a:solidFill>
+            <a:schemeClr val="tx1"/>
+          </a:solidFill>
+          <a:latin typeface="+mn-lt"/>
+          <a:ea typeface="+mn-ea"/>
+          <a:cs typeface="+mn-cs"/>
+        </a:defRPr>
+      </a:lvl7pPr>
+      <a:lvl8pPr marL="3200400" algn="l" defTabSz="914400" rtl="0" eaLnBrk="1" latinLnBrk="0" hangingPunct="1">
+        <a:defRPr sz="1800" kern="1200">
+          <a:solidFill>
+            <a:schemeClr val="tx1"/>
+          </a:solidFill>
+          <a:latin typeface="+mn-lt"/>
+          <a:ea typeface="+mn-ea"/>
+          <a:cs typeface="+mn-cs"/>
+        </a:defRPr>
+      </a:lvl8pPr>
+      <a:lvl9pPr marL="3657600" algn="l" defTabSz="914400" rtl="0" eaLnBrk="1" latinLnBrk="0" hangingPunct="1">
+        <a:defRPr sz="1800" kern="1200">
+          <a:solidFill>
+            <a:schemeClr val="tx1"/>
+          </a:solidFill>
+          <a:latin typeface="+mn-lt"/>
+          <a:ea typeface="+mn-ea"/>
+          <a:cs typeface="+mn-cs"/>
+        </a:defRPr>
+      </a:lvl9pPr>
+    </p:otherStyle>
+  </p:txStyles>
 </p:sldMaster>
 </file>
 
 <file path=ppt/slides/slide1.xml><?xml version="1.0" encoding="utf-8"?>
-<p:sld xmlns:a="http://schemas.openxmlformats.org/drawingml/2006/main" xmlns:p="http://schemas.openxmlformats.org/presentationml/2006/main" xmlns:r="http://schemas.openxmlformats.org/officeDocument/2006/relationships" xmlns:p14="http://schemas.microsoft.com/office/powerpoint/2010/main" xmlns:p15="http://schemas.microsoft.com/office/powerpoint/2012/main" xmlns:mc="http://schemas.openxmlformats.org/markup-compatibility/2006">
+<p:sld xmlns:a="http://schemas.openxmlformats.org/drawingml/2006/main" xmlns:r="http://schemas.openxmlformats.org/officeDocument/2006/relationships" xmlns:p="http://schemas.openxmlformats.org/presentationml/2006/main">
   <p:cSld>
     <p:bg>
       <p:bgPr>
         <a:solidFill>
-          <a:srgbClr val="ffffff"/>
+          <a:srgbClr val="FFFFFF"/>
         </a:solidFill>
+        <a:effectLst/>
       </p:bgPr>
     </p:bg>
     <p:spTree>
@@ -6203,6 +6949,13 @@
           </a:effectRef>
           <a:fontRef idx="minor"/>
         </p:style>
+        <p:txBody>
+          <a:bodyPr/>
+          <a:lstStyle/>
+          <a:p>
+            <a:endParaRPr lang="en-US"/>
+          </a:p>
+        </p:txBody>
       </p:sp>
       <p:sp>
         <p:nvSpPr>
@@ -6221,10 +6974,10 @@
           <a:gradFill rotWithShape="0">
             <a:gsLst>
               <a:gs pos="0">
-                <a:srgbClr val="2683c6"/>
+                <a:srgbClr val="2683C6"/>
               </a:gs>
               <a:gs pos="100000">
-                <a:srgbClr val="42ba97"/>
+                <a:srgbClr val="42BA97"/>
               </a:gs>
             </a:gsLst>
             <a:lin ang="18900000"/>
@@ -6247,18 +7000,25 @@
           </a:effectRef>
           <a:fontRef idx="minor"/>
         </p:style>
+        <p:txBody>
+          <a:bodyPr/>
+          <a:lstStyle/>
+          <a:p>
+            <a:endParaRPr lang="en-US"/>
+          </a:p>
+        </p:txBody>
       </p:sp>
       <p:pic>
         <p:nvPicPr>
-          <p:cNvPr id="86" name="Picture 3" descr=""/>
+          <p:cNvPr id="86" name="Picture 3"/>
           <p:cNvPicPr/>
           <p:nvPr/>
         </p:nvPicPr>
         <p:blipFill>
-          <a:blip r:embed="rId1">
+          <a:blip r:embed="rId2">
             <a:alphaModFix amt="35000"/>
           </a:blip>
-          <a:srcRect l="0" t="0" r="0" b="15729"/>
+          <a:srcRect b="15729"/>
           <a:stretch/>
         </p:blipFill>
         <p:spPr>
@@ -6301,6 +7061,7 @@
           <a:bodyPr anchor="b">
             <a:normAutofit/>
           </a:bodyPr>
+          <a:lstStyle/>
           <a:p>
             <a:pPr>
               <a:lnSpc>
@@ -6309,15 +7070,15 @@
               <a:buNone/>
             </a:pPr>
             <a:r>
-              <a:rPr b="1" lang="en-US" sz="7200" spc="-1" strike="noStrike" cap="all">
+              <a:rPr lang="en-US" sz="7200" b="1" strike="noStrike" cap="all" spc="-1">
                 <a:solidFill>
-                  <a:srgbClr val="ffffff"/>
+                  <a:srgbClr val="FFFFFF"/>
                 </a:solidFill>
                 <a:latin typeface="Univers"/>
               </a:rPr>
               <a:t>ShowSage</a:t>
             </a:r>
-            <a:endParaRPr b="0" lang="en-US" sz="7200" spc="-1" strike="noStrike">
+            <a:endParaRPr lang="en-US" sz="7200" b="0" strike="noStrike" spc="-1">
               <a:solidFill>
                 <a:srgbClr val="000000"/>
               </a:solidFill>
@@ -6353,6 +7114,7 @@
           <a:bodyPr anchor="ctr">
             <a:normAutofit/>
           </a:bodyPr>
+          <a:lstStyle/>
           <a:p>
             <a:pPr>
               <a:lnSpc>
@@ -6363,19 +7125,19 @@
               </a:spcBef>
               <a:buNone/>
               <a:tabLst>
-                <a:tab algn="l" pos="0"/>
+                <a:tab pos="0" algn="l"/>
               </a:tabLst>
             </a:pPr>
             <a:r>
-              <a:rPr b="0" lang="en-US" sz="2000" spc="-1" strike="noStrike">
+              <a:rPr lang="en-US" sz="2000" b="0" strike="noStrike" spc="-1">
                 <a:solidFill>
-                  <a:srgbClr val="ffffff"/>
+                  <a:srgbClr val="FFFFFF"/>
                 </a:solidFill>
                 <a:latin typeface="Univers"/>
               </a:rPr>
               <a:t>Baldeep Dhada | Dylan Longert | Somya Nagar</a:t>
             </a:r>
-            <a:endParaRPr b="0" lang="en-CA" sz="2000" spc="-1" strike="noStrike">
+            <a:endParaRPr lang="en-CA" sz="2000" b="0" strike="noStrike" spc="-1">
               <a:latin typeface="Arial"/>
             </a:endParaRPr>
           </a:p>
@@ -6395,9 +7157,9 @@
           <a:prstGeom prst="line">
             <a:avLst/>
           </a:prstGeom>
-          <a:ln cap="sq" w="25400">
+          <a:ln w="25400" cap="sq">
             <a:solidFill>
-              <a:srgbClr val="ffffff"/>
+              <a:srgbClr val="FFFFFF"/>
             </a:solidFill>
             <a:bevel/>
           </a:ln>
@@ -6414,6 +7176,13 @@
           </a:effectRef>
           <a:fontRef idx="minor"/>
         </p:style>
+        <p:txBody>
+          <a:bodyPr/>
+          <a:lstStyle/>
+          <a:p>
+            <a:endParaRPr lang="en-US"/>
+          </a:p>
+        </p:txBody>
       </p:sp>
       <p:sp>
         <p:nvSpPr>
@@ -6430,6 +7199,7 @@
             <a:avLst/>
             <a:gdLst/>
             <a:ahLst/>
+            <a:cxnLst/>
             <a:rect l="l" t="t" r="r" b="b"/>
             <a:pathLst>
               <a:path w="139039" h="139039">
@@ -6505,18 +7275,31 @@
             </a:pathLst>
           </a:custGeom>
           <a:solidFill>
-            <a:srgbClr val="ffffff"/>
+            <a:srgbClr val="FFFFFF"/>
           </a:solidFill>
           <a:ln w="603">
             <a:noFill/>
           </a:ln>
         </p:spPr>
         <p:style>
-          <a:lnRef idx="0"/>
-          <a:fillRef idx="0"/>
-          <a:effectRef idx="0"/>
+          <a:lnRef idx="0">
+            <a:scrgbClr r="0" g="0" b="0"/>
+          </a:lnRef>
+          <a:fillRef idx="0">
+            <a:scrgbClr r="0" g="0" b="0"/>
+          </a:fillRef>
+          <a:effectRef idx="0">
+            <a:scrgbClr r="0" g="0" b="0"/>
+          </a:effectRef>
           <a:fontRef idx="minor"/>
         </p:style>
+        <p:txBody>
+          <a:bodyPr/>
+          <a:lstStyle/>
+          <a:p>
+            <a:endParaRPr lang="en-US"/>
+          </a:p>
+        </p:txBody>
       </p:sp>
       <p:sp>
         <p:nvSpPr>
@@ -6533,6 +7316,7 @@
             <a:avLst/>
             <a:gdLst/>
             <a:ahLst/>
+            <a:cxnLst/>
             <a:rect l="l" t="t" r="r" b="b"/>
             <a:pathLst>
               <a:path w="91138" h="91138">
@@ -6564,18 +7348,31 @@
             </a:pathLst>
           </a:custGeom>
           <a:solidFill>
-            <a:srgbClr val="ffffff"/>
+            <a:srgbClr val="FFFFFF"/>
           </a:solidFill>
           <a:ln>
             <a:noFill/>
           </a:ln>
         </p:spPr>
         <p:style>
-          <a:lnRef idx="0"/>
-          <a:fillRef idx="0"/>
-          <a:effectRef idx="0"/>
+          <a:lnRef idx="0">
+            <a:scrgbClr r="0" g="0" b="0"/>
+          </a:lnRef>
+          <a:fillRef idx="0">
+            <a:scrgbClr r="0" g="0" b="0"/>
+          </a:fillRef>
+          <a:effectRef idx="0">
+            <a:scrgbClr r="0" g="0" b="0"/>
+          </a:effectRef>
           <a:fontRef idx="minor"/>
         </p:style>
+        <p:txBody>
+          <a:bodyPr/>
+          <a:lstStyle/>
+          <a:p>
+            <a:endParaRPr lang="en-US"/>
+          </a:p>
+        </p:txBody>
       </p:sp>
       <p:sp>
         <p:nvSpPr>
@@ -6592,6 +7389,7 @@
             <a:avLst/>
             <a:gdLst/>
             <a:ahLst/>
+            <a:cxnLst/>
             <a:rect l="l" t="t" r="r" b="b"/>
             <a:pathLst>
               <a:path w="127714" h="127714">
@@ -6646,29 +7444,37 @@
             </a:pathLst>
           </a:custGeom>
           <a:solidFill>
-            <a:srgbClr val="ffffff"/>
+            <a:srgbClr val="FFFFFF"/>
           </a:solidFill>
           <a:ln w="610">
             <a:noFill/>
           </a:ln>
         </p:spPr>
         <p:style>
-          <a:lnRef idx="0"/>
-          <a:fillRef idx="0"/>
-          <a:effectRef idx="0"/>
+          <a:lnRef idx="0">
+            <a:scrgbClr r="0" g="0" b="0"/>
+          </a:lnRef>
+          <a:fillRef idx="0">
+            <a:scrgbClr r="0" g="0" b="0"/>
+          </a:fillRef>
+          <a:effectRef idx="0">
+            <a:scrgbClr r="0" g="0" b="0"/>
+          </a:effectRef>
           <a:fontRef idx="minor"/>
         </p:style>
+        <p:txBody>
+          <a:bodyPr/>
+          <a:lstStyle/>
+          <a:p>
+            <a:endParaRPr lang="en-US"/>
+          </a:p>
+        </p:txBody>
       </p:sp>
     </p:spTree>
   </p:cSld>
-  <mc:AlternateContent>
-    <mc:Choice Requires="p14">
-      <p:transition spd="slow" p14:dur="2000"/>
-    </mc:Choice>
-    <mc:Fallback>
-      <p:transition spd="slow"/>
-    </mc:Fallback>
-  </mc:AlternateContent>
+  <p:clrMapOvr>
+    <a:masterClrMapping/>
+  </p:clrMapOvr>
   <p:timing>
     <p:tnLst>
       <p:par>
@@ -6690,11 +7496,11 @@
                             </p:stCondLst>
                             <p:childTnLst>
                               <p:par>
-                                <p:cTn id="5" nodeType="withEffect" fill="hold" presetClass="entr" presetID="10">
+                                <p:cTn id="5" presetID="10" presetClass="entr" fill="hold" nodeType="withEffect">
                                   <p:stCondLst>
                                     <p:cond delay="1000"/>
                                   </p:stCondLst>
-                                  <p:iterate type="el">
+                                  <p:iterate>
                                     <p:tmAbs val="100"/>
                                   </p:iterate>
                                   <p:childTnLst>
@@ -6716,7 +7522,7 @@
                                         <p:strVal val="visible"/>
                                       </p:to>
                                     </p:set>
-                                    <p:animEffect filter="fade" transition="in">
+                                    <p:animEffect transition="in" filter="fade">
                                       <p:cBhvr additive="repl">
                                         <p:cTn id="7" dur="700"/>
                                         <p:tgtEl>
@@ -6736,14 +7542,14 @@
                 </p:childTnLst>
               </p:cTn>
               <p:prevCondLst>
-                <p:cond evt="onPrev">
+                <p:cond evt="onPrev" delay="0">
                   <p:tgtEl>
                     <p:sldTgt/>
                   </p:tgtEl>
                 </p:cond>
               </p:prevCondLst>
               <p:nextCondLst>
-                <p:cond evt="onNext">
+                <p:cond evt="onNext" delay="0">
                   <p:tgtEl>
                     <p:sldTgt/>
                   </p:tgtEl>
@@ -6759,13 +7565,14 @@
 </file>
 
 <file path=ppt/slides/slide2.xml><?xml version="1.0" encoding="utf-8"?>
-<p:sld xmlns:a="http://schemas.openxmlformats.org/drawingml/2006/main" xmlns:p="http://schemas.openxmlformats.org/presentationml/2006/main" xmlns:r="http://schemas.openxmlformats.org/officeDocument/2006/relationships" xmlns:p14="http://schemas.microsoft.com/office/powerpoint/2010/main" xmlns:p15="http://schemas.microsoft.com/office/powerpoint/2012/main" xmlns:mc="http://schemas.openxmlformats.org/markup-compatibility/2006">
+<p:sld xmlns:a="http://schemas.openxmlformats.org/drawingml/2006/main" xmlns:r="http://schemas.openxmlformats.org/officeDocument/2006/relationships" xmlns:p="http://schemas.openxmlformats.org/presentationml/2006/main">
   <p:cSld>
     <p:bg>
       <p:bgPr>
         <a:solidFill>
-          <a:srgbClr val="ffffff"/>
+          <a:srgbClr val="FFFFFF"/>
         </a:solidFill>
+        <a:effectLst/>
       </p:bgPr>
     </p:bg>
     <p:spTree>
@@ -6796,9 +7603,9 @@
           <a:prstGeom prst="line">
             <a:avLst/>
           </a:prstGeom>
-          <a:ln cap="sq" w="25400">
+          <a:ln w="25400" cap="sq">
             <a:solidFill>
-              <a:srgbClr val="2683c6"/>
+              <a:srgbClr val="2683C6"/>
             </a:solidFill>
             <a:bevel/>
           </a:ln>
@@ -6815,6 +7622,13 @@
           </a:effectRef>
           <a:fontRef idx="minor"/>
         </p:style>
+        <p:txBody>
+          <a:bodyPr/>
+          <a:lstStyle/>
+          <a:p>
+            <a:endParaRPr lang="en-US"/>
+          </a:p>
+        </p:txBody>
       </p:sp>
       <p:sp>
         <p:nvSpPr>
@@ -6833,10 +7647,10 @@
           <a:gradFill rotWithShape="0">
             <a:gsLst>
               <a:gs pos="0">
-                <a:srgbClr val="2683c6"/>
+                <a:srgbClr val="2683C6"/>
               </a:gs>
               <a:gs pos="100000">
-                <a:srgbClr val="42ba97"/>
+                <a:srgbClr val="42BA97"/>
               </a:gs>
             </a:gsLst>
             <a:lin ang="2700000"/>
@@ -6859,6 +7673,13 @@
           </a:effectRef>
           <a:fontRef idx="minor"/>
         </p:style>
+        <p:txBody>
+          <a:bodyPr/>
+          <a:lstStyle/>
+          <a:p>
+            <a:endParaRPr lang="en-US"/>
+          </a:p>
+        </p:txBody>
       </p:sp>
       <p:sp>
         <p:nvSpPr>
@@ -6887,6 +7708,7 @@
           <a:bodyPr anchor="b">
             <a:normAutofit/>
           </a:bodyPr>
+          <a:lstStyle/>
           <a:p>
             <a:pPr algn="ctr">
               <a:lnSpc>
@@ -6895,15 +7717,15 @@
               <a:buNone/>
             </a:pPr>
             <a:r>
-              <a:rPr b="1" lang="en-US" sz="6000" spc="-1" strike="noStrike" cap="all">
+              <a:rPr lang="en-US" sz="6000" b="1" strike="noStrike" cap="all" spc="-1">
                 <a:solidFill>
-                  <a:srgbClr val="ffffff"/>
+                  <a:srgbClr val="FFFFFF"/>
                 </a:solidFill>
                 <a:latin typeface="Univers"/>
               </a:rPr>
               <a:t>Description</a:t>
             </a:r>
-            <a:endParaRPr b="0" lang="en-US" sz="6000" spc="-1" strike="noStrike">
+            <a:endParaRPr lang="en-US" sz="6000" b="0" strike="noStrike" spc="-1">
               <a:solidFill>
                 <a:srgbClr val="000000"/>
               </a:solidFill>
@@ -6927,6 +7749,7 @@
             <a:avLst/>
             <a:gdLst/>
             <a:ahLst/>
+            <a:cxnLst/>
             <a:rect l="l" t="t" r="r" b="b"/>
             <a:pathLst>
               <a:path w="151536" h="151536">
@@ -7009,11 +7832,24 @@
           </a:ln>
         </p:spPr>
         <p:style>
-          <a:lnRef idx="0"/>
-          <a:fillRef idx="0"/>
-          <a:effectRef idx="0"/>
+          <a:lnRef idx="0">
+            <a:scrgbClr r="0" g="0" b="0"/>
+          </a:lnRef>
+          <a:fillRef idx="0">
+            <a:scrgbClr r="0" g="0" b="0"/>
+          </a:fillRef>
+          <a:effectRef idx="0">
+            <a:scrgbClr r="0" g="0" b="0"/>
+          </a:effectRef>
           <a:fontRef idx="minor"/>
         </p:style>
+        <p:txBody>
+          <a:bodyPr/>
+          <a:lstStyle/>
+          <a:p>
+            <a:endParaRPr lang="en-US"/>
+          </a:p>
+        </p:txBody>
       </p:sp>
       <p:sp>
         <p:nvSpPr>
@@ -7030,6 +7866,7 @@
             <a:avLst/>
             <a:gdLst/>
             <a:ahLst/>
+            <a:cxnLst/>
             <a:rect l="l" t="t" r="r" b="b"/>
             <a:pathLst>
               <a:path w="139039" h="139039">
@@ -7112,11 +7949,24 @@
           </a:ln>
         </p:spPr>
         <p:style>
-          <a:lnRef idx="0"/>
-          <a:fillRef idx="0"/>
-          <a:effectRef idx="0"/>
+          <a:lnRef idx="0">
+            <a:scrgbClr r="0" g="0" b="0"/>
+          </a:lnRef>
+          <a:fillRef idx="0">
+            <a:scrgbClr r="0" g="0" b="0"/>
+          </a:fillRef>
+          <a:effectRef idx="0">
+            <a:scrgbClr r="0" g="0" b="0"/>
+          </a:effectRef>
           <a:fontRef idx="minor"/>
         </p:style>
+        <p:txBody>
+          <a:bodyPr/>
+          <a:lstStyle/>
+          <a:p>
+            <a:endParaRPr lang="en-US"/>
+          </a:p>
+        </p:txBody>
       </p:sp>
       <p:sp>
         <p:nvSpPr>
@@ -7133,6 +7983,7 @@
             <a:avLst/>
             <a:gdLst/>
             <a:ahLst/>
+            <a:cxnLst/>
             <a:rect l="l" t="t" r="r" b="b"/>
             <a:pathLst>
               <a:path w="127714" h="127714">
@@ -7194,11 +8045,24 @@
           </a:ln>
         </p:spPr>
         <p:style>
-          <a:lnRef idx="0"/>
-          <a:fillRef idx="0"/>
-          <a:effectRef idx="0"/>
+          <a:lnRef idx="0">
+            <a:scrgbClr r="0" g="0" b="0"/>
+          </a:lnRef>
+          <a:fillRef idx="0">
+            <a:scrgbClr r="0" g="0" b="0"/>
+          </a:fillRef>
+          <a:effectRef idx="0">
+            <a:scrgbClr r="0" g="0" b="0"/>
+          </a:effectRef>
           <a:fontRef idx="minor"/>
         </p:style>
+        <p:txBody>
+          <a:bodyPr/>
+          <a:lstStyle/>
+          <a:p>
+            <a:endParaRPr lang="en-US"/>
+          </a:p>
+        </p:txBody>
       </p:sp>
       <p:sp>
         <p:nvSpPr>
@@ -7215,6 +8079,7 @@
             <a:avLst/>
             <a:gdLst/>
             <a:ahLst/>
+            <a:cxnLst/>
             <a:rect l="l" t="t" r="r" b="b"/>
             <a:pathLst>
               <a:path w="95759" h="95759">
@@ -7253,11 +8118,24 @@
           </a:ln>
         </p:spPr>
         <p:style>
-          <a:lnRef idx="0"/>
-          <a:fillRef idx="0"/>
-          <a:effectRef idx="0"/>
+          <a:lnRef idx="0">
+            <a:scrgbClr r="0" g="0" b="0"/>
+          </a:lnRef>
+          <a:fillRef idx="0">
+            <a:scrgbClr r="0" g="0" b="0"/>
+          </a:fillRef>
+          <a:effectRef idx="0">
+            <a:scrgbClr r="0" g="0" b="0"/>
+          </a:effectRef>
           <a:fontRef idx="minor"/>
         </p:style>
+        <p:txBody>
+          <a:bodyPr/>
+          <a:lstStyle/>
+          <a:p>
+            <a:endParaRPr lang="en-US"/>
+          </a:p>
+        </p:txBody>
       </p:sp>
       <p:sp>
         <p:nvSpPr>
@@ -7274,6 +8152,7 @@
             <a:avLst/>
             <a:gdLst/>
             <a:ahLst/>
+            <a:cxnLst/>
             <a:rect l="l" t="t" r="r" b="b"/>
             <a:pathLst>
               <a:path w="91138" h="91138">
@@ -7312,11 +8191,24 @@
           </a:ln>
         </p:spPr>
         <p:style>
-          <a:lnRef idx="0"/>
-          <a:fillRef idx="0"/>
-          <a:effectRef idx="0"/>
+          <a:lnRef idx="0">
+            <a:scrgbClr r="0" g="0" b="0"/>
+          </a:lnRef>
+          <a:fillRef idx="0">
+            <a:scrgbClr r="0" g="0" b="0"/>
+          </a:fillRef>
+          <a:effectRef idx="0">
+            <a:scrgbClr r="0" g="0" b="0"/>
+          </a:effectRef>
           <a:fontRef idx="minor"/>
         </p:style>
+        <p:txBody>
+          <a:bodyPr/>
+          <a:lstStyle/>
+          <a:p>
+            <a:endParaRPr lang="en-US"/>
+          </a:p>
+        </p:txBody>
       </p:sp>
       <p:sp>
         <p:nvSpPr>
@@ -7333,6 +8225,7 @@
             <a:avLst/>
             <a:gdLst/>
             <a:ahLst/>
+            <a:cxnLst/>
             <a:rect l="l" t="t" r="r" b="b"/>
             <a:pathLst>
               <a:path w="108625" h="108625">
@@ -7394,11 +8287,24 @@
           </a:ln>
         </p:spPr>
         <p:style>
-          <a:lnRef idx="0"/>
-          <a:fillRef idx="0"/>
-          <a:effectRef idx="0"/>
+          <a:lnRef idx="0">
+            <a:scrgbClr r="0" g="0" b="0"/>
+          </a:lnRef>
+          <a:fillRef idx="0">
+            <a:scrgbClr r="0" g="0" b="0"/>
+          </a:fillRef>
+          <a:effectRef idx="0">
+            <a:scrgbClr r="0" g="0" b="0"/>
+          </a:effectRef>
           <a:fontRef idx="minor"/>
         </p:style>
+        <p:txBody>
+          <a:bodyPr/>
+          <a:lstStyle/>
+          <a:p>
+            <a:endParaRPr lang="en-US"/>
+          </a:p>
+        </p:txBody>
       </p:sp>
       <p:sp>
         <p:nvSpPr>
@@ -7414,9 +8320,9 @@
           <a:prstGeom prst="line">
             <a:avLst/>
           </a:prstGeom>
-          <a:ln cap="sq" w="25400">
+          <a:ln w="25400" cap="sq">
             <a:solidFill>
-              <a:srgbClr val="ffffff"/>
+              <a:srgbClr val="FFFFFF"/>
             </a:solidFill>
             <a:bevel/>
           </a:ln>
@@ -7433,6 +8339,13 @@
           </a:effectRef>
           <a:fontRef idx="minor"/>
         </p:style>
+        <p:txBody>
+          <a:bodyPr/>
+          <a:lstStyle/>
+          <a:p>
+            <a:endParaRPr lang="en-US"/>
+          </a:p>
+        </p:txBody>
       </p:sp>
       <p:sp>
         <p:nvSpPr>
@@ -7446,7 +8359,7 @@
         </p:nvSpPr>
         <p:spPr>
           <a:xfrm>
-            <a:off x="824760" y="1145160"/>
+            <a:off x="824760" y="1623625"/>
             <a:ext cx="10515240" cy="4350960"/>
           </a:xfrm>
           <a:prstGeom prst="rect">
@@ -7458,9 +8371,10 @@
           </a:ln>
         </p:spPr>
         <p:txBody>
-          <a:bodyPr lIns="0" rIns="0" tIns="0" bIns="0" anchor="t">
+          <a:bodyPr lIns="0" tIns="0" rIns="0" bIns="0" anchor="t">
             <a:normAutofit fontScale="99000"/>
           </a:bodyPr>
+          <a:lstStyle/>
           <a:p>
             <a:pPr marL="432000" indent="-324000">
               <a:lnSpc>
@@ -7477,32 +8391,35 @@
               <a:buChar char=""/>
             </a:pPr>
             <a:r>
-              <a:rPr b="0" lang="en-US" sz="2800" spc="-1" strike="noStrike">
+              <a:rPr lang="en-US" sz="2800" b="0" strike="noStrike" spc="-1" dirty="0">
                 <a:solidFill>
                   <a:srgbClr val="000000"/>
                 </a:solidFill>
                 <a:latin typeface="Univers"/>
               </a:rPr>
-              <a:t>We will be using the TVMaze API to collect 3 types of </a:t>
+              <a:t>We will be using the </a:t>
             </a:r>
             <a:r>
-              <a:rPr b="0" lang="en-US" sz="2800" spc="-1" strike="noStrike">
+              <a:rPr lang="en-US" sz="2800" b="0" strike="noStrike" spc="-1" dirty="0" err="1">
                 <a:solidFill>
                   <a:srgbClr val="000000"/>
                 </a:solidFill>
                 <a:latin typeface="Univers"/>
               </a:rPr>
-              <a:t>data:</a:t>
+              <a:t>TVMaze</a:t>
             </a:r>
-            <a:endParaRPr b="0" lang="en-US" sz="2800" spc="-1" strike="noStrike">
-              <a:solidFill>
-                <a:srgbClr val="000000"/>
-              </a:solidFill>
-              <a:latin typeface="Univers"/>
-            </a:endParaRPr>
-          </a:p>
-          <a:p>
-            <a:pPr lvl="1" marL="864000" indent="-324000">
+            <a:r>
+              <a:rPr lang="en-US" sz="2800" b="0" strike="noStrike" spc="-1" dirty="0">
+                <a:solidFill>
+                  <a:srgbClr val="000000"/>
+                </a:solidFill>
+                <a:latin typeface="Univers"/>
+              </a:rPr>
+              <a:t> API to collect 3 types of data:</a:t>
+            </a:r>
+          </a:p>
+          <a:p>
+            <a:pPr marL="864000" lvl="1" indent="-324000">
               <a:lnSpc>
                 <a:spcPct val="90000"/>
               </a:lnSpc>
@@ -7517,7 +8434,7 @@
               <a:buChar char=""/>
             </a:pPr>
             <a:r>
-              <a:rPr b="0" lang="en-US" sz="2000" spc="-1" strike="noStrike">
+              <a:rPr lang="en-US" sz="2000" b="0" strike="noStrike" spc="-1" dirty="0">
                 <a:solidFill>
                   <a:srgbClr val="000000"/>
                 </a:solidFill>
@@ -7526,7 +8443,7 @@
               <a:t>Data on specific </a:t>
             </a:r>
             <a:r>
-              <a:rPr b="1" lang="en-US" sz="2000" spc="-1" strike="noStrike">
+              <a:rPr lang="en-US" sz="2000" b="1" strike="noStrike" spc="-1" dirty="0">
                 <a:solidFill>
                   <a:srgbClr val="000000"/>
                 </a:solidFill>
@@ -7534,7 +8451,7 @@
               </a:rPr>
               <a:t>television shows</a:t>
             </a:r>
-            <a:endParaRPr b="0" lang="en-US" sz="2000" spc="-1" strike="noStrike">
+            <a:endParaRPr lang="en-US" sz="2000" b="0" strike="noStrike" spc="-1" dirty="0">
               <a:solidFill>
                 <a:srgbClr val="000000"/>
               </a:solidFill>
@@ -7542,7 +8459,7 @@
             </a:endParaRPr>
           </a:p>
           <a:p>
-            <a:pPr lvl="1" marL="864000" indent="-324000">
+            <a:pPr marL="864000" lvl="1" indent="-324000">
               <a:lnSpc>
                 <a:spcPct val="90000"/>
               </a:lnSpc>
@@ -7557,7 +8474,7 @@
               <a:buChar char=""/>
             </a:pPr>
             <a:r>
-              <a:rPr b="0" lang="en-US" sz="2000" spc="-1" strike="noStrike">
+              <a:rPr lang="en-US" sz="2000" b="0" strike="noStrike" spc="-1" dirty="0">
                 <a:solidFill>
                   <a:srgbClr val="000000"/>
                 </a:solidFill>
@@ -7566,7 +8483,7 @@
               <a:t>Data on specific television show </a:t>
             </a:r>
             <a:r>
-              <a:rPr b="1" lang="en-US" sz="2000" spc="-1" strike="noStrike">
+              <a:rPr lang="en-US" sz="2000" b="1" strike="noStrike" spc="-1" dirty="0">
                 <a:solidFill>
                   <a:srgbClr val="000000"/>
                 </a:solidFill>
@@ -7574,7 +8491,7 @@
               </a:rPr>
               <a:t>seasons</a:t>
             </a:r>
-            <a:endParaRPr b="0" lang="en-US" sz="2000" spc="-1" strike="noStrike">
+            <a:endParaRPr lang="en-US" sz="2000" b="0" strike="noStrike" spc="-1" dirty="0">
               <a:solidFill>
                 <a:srgbClr val="000000"/>
               </a:solidFill>
@@ -7582,7 +8499,7 @@
             </a:endParaRPr>
           </a:p>
           <a:p>
-            <a:pPr lvl="1" marL="864000" indent="-324000">
+            <a:pPr marL="864000" lvl="1" indent="-324000">
               <a:lnSpc>
                 <a:spcPct val="90000"/>
               </a:lnSpc>
@@ -7597,7 +8514,7 @@
               <a:buChar char=""/>
             </a:pPr>
             <a:r>
-              <a:rPr b="0" lang="en-US" sz="2000" spc="-1" strike="noStrike">
+              <a:rPr lang="en-US" sz="2000" b="0" strike="noStrike" spc="-1" dirty="0">
                 <a:solidFill>
                   <a:srgbClr val="000000"/>
                 </a:solidFill>
@@ -7606,7 +8523,7 @@
               <a:t>Data on specific television show </a:t>
             </a:r>
             <a:r>
-              <a:rPr b="1" lang="en-US" sz="2000" spc="-1" strike="noStrike">
+              <a:rPr lang="en-US" sz="2000" b="1" strike="noStrike" spc="-1" dirty="0">
                 <a:solidFill>
                   <a:srgbClr val="000000"/>
                 </a:solidFill>
@@ -7614,7 +8531,7 @@
               </a:rPr>
               <a:t>episodes</a:t>
             </a:r>
-            <a:endParaRPr b="0" lang="en-US" sz="2000" spc="-1" strike="noStrike">
+            <a:endParaRPr lang="en-US" sz="2000" b="0" strike="noStrike" spc="-1" dirty="0">
               <a:solidFill>
                 <a:srgbClr val="000000"/>
               </a:solidFill>
@@ -7637,32 +8554,17 @@
               <a:buChar char=""/>
             </a:pPr>
             <a:r>
-              <a:rPr b="0" lang="en-US" sz="2800" spc="-1" strike="noStrike">
+              <a:rPr lang="en-US" sz="2800" b="0" strike="noStrike" spc="-1" dirty="0">
                 <a:solidFill>
                   <a:srgbClr val="000000"/>
                 </a:solidFill>
                 <a:latin typeface="Univers"/>
               </a:rPr>
-              <a:t>We will modify the URL being fed to the API based on the </a:t>
+              <a:t>We will modify the URL being fed to the API based on the data we are collecting:</a:t>
             </a:r>
-            <a:r>
-              <a:rPr b="0" lang="en-US" sz="2800" spc="-1" strike="noStrike">
-                <a:solidFill>
-                  <a:srgbClr val="000000"/>
-                </a:solidFill>
-                <a:latin typeface="Univers"/>
-              </a:rPr>
-              <a:t>data we are collecting:</a:t>
-            </a:r>
-            <a:endParaRPr b="0" lang="en-US" sz="2800" spc="-1" strike="noStrike">
-              <a:solidFill>
-                <a:srgbClr val="000000"/>
-              </a:solidFill>
-              <a:latin typeface="Univers"/>
-            </a:endParaRPr>
-          </a:p>
-          <a:p>
-            <a:pPr lvl="1" marL="864000" indent="-324000">
+          </a:p>
+          <a:p>
+            <a:pPr marL="864000" lvl="1" indent="-324000">
               <a:lnSpc>
                 <a:spcPct val="90000"/>
               </a:lnSpc>
@@ -7677,32 +8579,53 @@
               <a:buChar char=""/>
             </a:pPr>
             <a:r>
-              <a:rPr b="0" lang="en-US" sz="2000" spc="-1" strike="noStrike">
+              <a:rPr lang="en-US" sz="2000" b="0" strike="noStrike" spc="-1" dirty="0">
                 <a:solidFill>
                   <a:srgbClr val="000000"/>
                 </a:solidFill>
                 <a:latin typeface="Univers"/>
               </a:rPr>
-              <a:t>Television shows: (e.g. "https://api.tvmaze.com/search/shows?q=One</a:t>
+              <a:t>Television shows: (e.g. "https://</a:t>
             </a:r>
             <a:r>
-              <a:rPr b="0" lang="en-US" sz="2000" spc="-1" strike="noStrike">
+              <a:rPr lang="en-US" sz="2000" b="0" strike="noStrike" spc="-1" dirty="0" err="1">
                 <a:solidFill>
                   <a:srgbClr val="000000"/>
                 </a:solidFill>
                 <a:latin typeface="Univers"/>
               </a:rPr>
-              <a:t>%20Piece")</a:t>
+              <a:t>api.tvmaze.com</a:t>
             </a:r>
-            <a:endParaRPr b="0" lang="en-US" sz="2000" spc="-1" strike="noStrike">
-              <a:solidFill>
-                <a:srgbClr val="000000"/>
-              </a:solidFill>
-              <a:latin typeface="Univers"/>
-            </a:endParaRPr>
-          </a:p>
-          <a:p>
-            <a:pPr lvl="1" marL="864000" indent="-324000">
+            <a:r>
+              <a:rPr lang="en-US" sz="2000" b="0" strike="noStrike" spc="-1" dirty="0">
+                <a:solidFill>
+                  <a:srgbClr val="000000"/>
+                </a:solidFill>
+                <a:latin typeface="Univers"/>
+              </a:rPr>
+              <a:t>/search/</a:t>
+            </a:r>
+            <a:r>
+              <a:rPr lang="en-US" sz="2000" b="0" strike="noStrike" spc="-1" dirty="0" err="1">
+                <a:solidFill>
+                  <a:srgbClr val="000000"/>
+                </a:solidFill>
+                <a:latin typeface="Univers"/>
+              </a:rPr>
+              <a:t>shows?q</a:t>
+            </a:r>
+            <a:r>
+              <a:rPr lang="en-US" sz="2000" b="0" strike="noStrike" spc="-1" dirty="0">
+                <a:solidFill>
+                  <a:srgbClr val="000000"/>
+                </a:solidFill>
+                <a:latin typeface="Univers"/>
+              </a:rPr>
+              <a:t>=One%20Piece")</a:t>
+            </a:r>
+          </a:p>
+          <a:p>
+            <a:pPr marL="864000" lvl="1" indent="-324000">
               <a:lnSpc>
                 <a:spcPct val="90000"/>
               </a:lnSpc>
@@ -7717,23 +8640,35 @@
               <a:buChar char=""/>
             </a:pPr>
             <a:r>
-              <a:rPr b="0" lang="en-US" sz="2000" spc="-1" strike="noStrike">
+              <a:rPr lang="en-US" sz="2000" b="0" strike="noStrike" spc="-1" dirty="0">
                 <a:solidFill>
                   <a:srgbClr val="000000"/>
                 </a:solidFill>
                 <a:latin typeface="Univers"/>
               </a:rPr>
-              <a:t>Seasons: (e.g. "https://api.tvmaze.com/shows/1505/seasons")</a:t>
+              <a:t>Seasons: (e.g. "https://</a:t>
             </a:r>
-            <a:endParaRPr b="0" lang="en-US" sz="2000" spc="-1" strike="noStrike">
-              <a:solidFill>
-                <a:srgbClr val="000000"/>
-              </a:solidFill>
-              <a:latin typeface="Univers"/>
-            </a:endParaRPr>
-          </a:p>
-          <a:p>
-            <a:pPr lvl="1" marL="864000" indent="-324000">
+            <a:r>
+              <a:rPr lang="en-US" sz="2000" b="0" strike="noStrike" spc="-1" dirty="0" err="1">
+                <a:solidFill>
+                  <a:srgbClr val="000000"/>
+                </a:solidFill>
+                <a:latin typeface="Univers"/>
+              </a:rPr>
+              <a:t>api.tvmaze.com</a:t>
+            </a:r>
+            <a:r>
+              <a:rPr lang="en-US" sz="2000" b="0" strike="noStrike" spc="-1" dirty="0">
+                <a:solidFill>
+                  <a:srgbClr val="000000"/>
+                </a:solidFill>
+                <a:latin typeface="Univers"/>
+              </a:rPr>
+              <a:t>/shows/1505/seasons")</a:t>
+            </a:r>
+          </a:p>
+          <a:p>
+            <a:pPr marL="864000" lvl="1" indent="-324000">
               <a:lnSpc>
                 <a:spcPct val="90000"/>
               </a:lnSpc>
@@ -7748,17 +8683,37 @@
               <a:buChar char=""/>
             </a:pPr>
             <a:r>
-              <a:rPr b="0" lang="en-US" sz="2000" spc="-1" strike="noStrike">
+              <a:rPr lang="en-US" sz="2000" b="0" strike="noStrike" spc="-1" dirty="0">
                 <a:solidFill>
                   <a:srgbClr val="000000"/>
                 </a:solidFill>
                 <a:latin typeface="Univers"/>
                 <a:ea typeface="Noto Sans CJK SC"/>
               </a:rPr>
-              <a:t>Episodes: (e.g. "https://api.tvmaze.com/seasons/12403/episodes</a:t>
+              <a:t>Episodes: (e.g. "https://</a:t>
             </a:r>
             <a:r>
-              <a:rPr b="0" lang="en-US" sz="2000" spc="-1" strike="noStrike">
+              <a:rPr lang="en-US" sz="2000" b="0" strike="noStrike" spc="-1" dirty="0" err="1">
+                <a:solidFill>
+                  <a:srgbClr val="000000"/>
+                </a:solidFill>
+                <a:latin typeface="Univers"/>
+                <a:ea typeface="Noto Sans CJK SC"/>
+              </a:rPr>
+              <a:t>api.tvmaze.com</a:t>
+            </a:r>
+            <a:r>
+              <a:rPr lang="en-US" sz="2000" b="0" strike="noStrike" spc="-1" dirty="0">
+                <a:solidFill>
+                  <a:srgbClr val="000000"/>
+                </a:solidFill>
+                <a:latin typeface="Univers"/>
+                <a:ea typeface="Noto Sans CJK SC"/>
+              </a:rPr>
+              <a:t>/seasons/12403/episodes</a:t>
+            </a:r>
+            <a:r>
+              <a:rPr lang="en-US" sz="2000" b="0" strike="noStrike" spc="-1" dirty="0">
                 <a:solidFill>
                   <a:srgbClr val="000000"/>
                 </a:solidFill>
@@ -7766,36 +8721,26 @@
               </a:rPr>
               <a:t>")</a:t>
             </a:r>
-            <a:endParaRPr b="0" lang="en-US" sz="2000" spc="-1" strike="noStrike">
-              <a:solidFill>
-                <a:srgbClr val="000000"/>
-              </a:solidFill>
-              <a:latin typeface="Univers"/>
-            </a:endParaRPr>
           </a:p>
         </p:txBody>
       </p:sp>
     </p:spTree>
   </p:cSld>
-  <mc:AlternateContent>
-    <mc:Choice Requires="p14">
-      <p:transition spd="slow" p14:dur="2000"/>
-    </mc:Choice>
-    <mc:Fallback>
-      <p:transition spd="slow"/>
-    </mc:Fallback>
-  </mc:AlternateContent>
+  <p:clrMapOvr>
+    <a:masterClrMapping/>
+  </p:clrMapOvr>
 </p:sld>
 </file>
 
 <file path=ppt/slides/slide3.xml><?xml version="1.0" encoding="utf-8"?>
-<p:sld xmlns:a="http://schemas.openxmlformats.org/drawingml/2006/main" xmlns:p="http://schemas.openxmlformats.org/presentationml/2006/main" xmlns:r="http://schemas.openxmlformats.org/officeDocument/2006/relationships" xmlns:p14="http://schemas.microsoft.com/office/powerpoint/2010/main" xmlns:p15="http://schemas.microsoft.com/office/powerpoint/2012/main" xmlns:mc="http://schemas.openxmlformats.org/markup-compatibility/2006">
+<p:sld xmlns:a="http://schemas.openxmlformats.org/drawingml/2006/main" xmlns:r="http://schemas.openxmlformats.org/officeDocument/2006/relationships" xmlns:p="http://schemas.openxmlformats.org/presentationml/2006/main">
   <p:cSld>
     <p:bg>
       <p:bgPr>
         <a:solidFill>
-          <a:srgbClr val="ffffff"/>
+          <a:srgbClr val="FFFFFF"/>
         </a:solidFill>
+        <a:effectLst/>
       </p:bgPr>
     </p:bg>
     <p:spTree>
@@ -7826,9 +8771,9 @@
           <a:prstGeom prst="line">
             <a:avLst/>
           </a:prstGeom>
-          <a:ln cap="sq" w="25400">
+          <a:ln w="25400" cap="sq">
             <a:solidFill>
-              <a:srgbClr val="2683c6"/>
+              <a:srgbClr val="2683C6"/>
             </a:solidFill>
             <a:bevel/>
           </a:ln>
@@ -7845,6 +8790,13 @@
           </a:effectRef>
           <a:fontRef idx="minor"/>
         </p:style>
+        <p:txBody>
+          <a:bodyPr/>
+          <a:lstStyle/>
+          <a:p>
+            <a:endParaRPr lang="en-US"/>
+          </a:p>
+        </p:txBody>
       </p:sp>
       <p:sp>
         <p:nvSpPr>
@@ -7863,10 +8815,10 @@
           <a:gradFill rotWithShape="0">
             <a:gsLst>
               <a:gs pos="0">
-                <a:srgbClr val="2683c6"/>
+                <a:srgbClr val="2683C6"/>
               </a:gs>
               <a:gs pos="100000">
-                <a:srgbClr val="42ba97"/>
+                <a:srgbClr val="42BA97"/>
               </a:gs>
             </a:gsLst>
             <a:lin ang="2700000"/>
@@ -7889,6 +8841,13 @@
           </a:effectRef>
           <a:fontRef idx="minor"/>
         </p:style>
+        <p:txBody>
+          <a:bodyPr/>
+          <a:lstStyle/>
+          <a:p>
+            <a:endParaRPr lang="en-US"/>
+          </a:p>
+        </p:txBody>
       </p:sp>
       <p:sp>
         <p:nvSpPr>
@@ -7917,6 +8876,7 @@
           <a:bodyPr anchor="b">
             <a:normAutofit fontScale="98000"/>
           </a:bodyPr>
+          <a:lstStyle/>
           <a:p>
             <a:pPr algn="ctr">
               <a:lnSpc>
@@ -7925,15 +8885,15 @@
               <a:buNone/>
             </a:pPr>
             <a:r>
-              <a:rPr b="1" lang="en-US" sz="6000" spc="-1" strike="noStrike" cap="all">
+              <a:rPr lang="en-US" sz="6000" b="1" strike="noStrike" cap="all" spc="-1">
                 <a:solidFill>
-                  <a:srgbClr val="ffffff"/>
+                  <a:srgbClr val="FFFFFF"/>
                 </a:solidFill>
                 <a:latin typeface="Univers"/>
               </a:rPr>
               <a:t>Functionality</a:t>
             </a:r>
-            <a:endParaRPr b="0" lang="en-US" sz="6000" spc="-1" strike="noStrike">
+            <a:endParaRPr lang="en-US" sz="6000" b="0" strike="noStrike" spc="-1">
               <a:solidFill>
                 <a:srgbClr val="000000"/>
               </a:solidFill>
@@ -7957,6 +8917,7 @@
             <a:avLst/>
             <a:gdLst/>
             <a:ahLst/>
+            <a:cxnLst/>
             <a:rect l="l" t="t" r="r" b="b"/>
             <a:pathLst>
               <a:path w="151536" h="151536">
@@ -8039,11 +9000,24 @@
           </a:ln>
         </p:spPr>
         <p:style>
-          <a:lnRef idx="0"/>
-          <a:fillRef idx="0"/>
-          <a:effectRef idx="0"/>
+          <a:lnRef idx="0">
+            <a:scrgbClr r="0" g="0" b="0"/>
+          </a:lnRef>
+          <a:fillRef idx="0">
+            <a:scrgbClr r="0" g="0" b="0"/>
+          </a:fillRef>
+          <a:effectRef idx="0">
+            <a:scrgbClr r="0" g="0" b="0"/>
+          </a:effectRef>
           <a:fontRef idx="minor"/>
         </p:style>
+        <p:txBody>
+          <a:bodyPr/>
+          <a:lstStyle/>
+          <a:p>
+            <a:endParaRPr lang="en-US"/>
+          </a:p>
+        </p:txBody>
       </p:sp>
       <p:sp>
         <p:nvSpPr>
@@ -8060,6 +9034,7 @@
             <a:avLst/>
             <a:gdLst/>
             <a:ahLst/>
+            <a:cxnLst/>
             <a:rect l="l" t="t" r="r" b="b"/>
             <a:pathLst>
               <a:path w="139039" h="139039">
@@ -8142,11 +9117,24 @@
           </a:ln>
         </p:spPr>
         <p:style>
-          <a:lnRef idx="0"/>
-          <a:fillRef idx="0"/>
-          <a:effectRef idx="0"/>
+          <a:lnRef idx="0">
+            <a:scrgbClr r="0" g="0" b="0"/>
+          </a:lnRef>
+          <a:fillRef idx="0">
+            <a:scrgbClr r="0" g="0" b="0"/>
+          </a:fillRef>
+          <a:effectRef idx="0">
+            <a:scrgbClr r="0" g="0" b="0"/>
+          </a:effectRef>
           <a:fontRef idx="minor"/>
         </p:style>
+        <p:txBody>
+          <a:bodyPr/>
+          <a:lstStyle/>
+          <a:p>
+            <a:endParaRPr lang="en-US"/>
+          </a:p>
+        </p:txBody>
       </p:sp>
       <p:sp>
         <p:nvSpPr>
@@ -8163,6 +9151,7 @@
             <a:avLst/>
             <a:gdLst/>
             <a:ahLst/>
+            <a:cxnLst/>
             <a:rect l="l" t="t" r="r" b="b"/>
             <a:pathLst>
               <a:path w="127714" h="127714">
@@ -8224,11 +9213,24 @@
           </a:ln>
         </p:spPr>
         <p:style>
-          <a:lnRef idx="0"/>
-          <a:fillRef idx="0"/>
-          <a:effectRef idx="0"/>
+          <a:lnRef idx="0">
+            <a:scrgbClr r="0" g="0" b="0"/>
+          </a:lnRef>
+          <a:fillRef idx="0">
+            <a:scrgbClr r="0" g="0" b="0"/>
+          </a:fillRef>
+          <a:effectRef idx="0">
+            <a:scrgbClr r="0" g="0" b="0"/>
+          </a:effectRef>
           <a:fontRef idx="minor"/>
         </p:style>
+        <p:txBody>
+          <a:bodyPr/>
+          <a:lstStyle/>
+          <a:p>
+            <a:endParaRPr lang="en-US"/>
+          </a:p>
+        </p:txBody>
       </p:sp>
       <p:sp>
         <p:nvSpPr>
@@ -8245,6 +9247,7 @@
             <a:avLst/>
             <a:gdLst/>
             <a:ahLst/>
+            <a:cxnLst/>
             <a:rect l="l" t="t" r="r" b="b"/>
             <a:pathLst>
               <a:path w="95759" h="95759">
@@ -8283,11 +9286,24 @@
           </a:ln>
         </p:spPr>
         <p:style>
-          <a:lnRef idx="0"/>
-          <a:fillRef idx="0"/>
-          <a:effectRef idx="0"/>
+          <a:lnRef idx="0">
+            <a:scrgbClr r="0" g="0" b="0"/>
+          </a:lnRef>
+          <a:fillRef idx="0">
+            <a:scrgbClr r="0" g="0" b="0"/>
+          </a:fillRef>
+          <a:effectRef idx="0">
+            <a:scrgbClr r="0" g="0" b="0"/>
+          </a:effectRef>
           <a:fontRef idx="minor"/>
         </p:style>
+        <p:txBody>
+          <a:bodyPr/>
+          <a:lstStyle/>
+          <a:p>
+            <a:endParaRPr lang="en-US"/>
+          </a:p>
+        </p:txBody>
       </p:sp>
       <p:sp>
         <p:nvSpPr>
@@ -8304,6 +9320,7 @@
             <a:avLst/>
             <a:gdLst/>
             <a:ahLst/>
+            <a:cxnLst/>
             <a:rect l="l" t="t" r="r" b="b"/>
             <a:pathLst>
               <a:path w="91138" h="91138">
@@ -8342,11 +9359,24 @@
           </a:ln>
         </p:spPr>
         <p:style>
-          <a:lnRef idx="0"/>
-          <a:fillRef idx="0"/>
-          <a:effectRef idx="0"/>
+          <a:lnRef idx="0">
+            <a:scrgbClr r="0" g="0" b="0"/>
+          </a:lnRef>
+          <a:fillRef idx="0">
+            <a:scrgbClr r="0" g="0" b="0"/>
+          </a:fillRef>
+          <a:effectRef idx="0">
+            <a:scrgbClr r="0" g="0" b="0"/>
+          </a:effectRef>
           <a:fontRef idx="minor"/>
         </p:style>
+        <p:txBody>
+          <a:bodyPr/>
+          <a:lstStyle/>
+          <a:p>
+            <a:endParaRPr lang="en-US"/>
+          </a:p>
+        </p:txBody>
       </p:sp>
       <p:sp>
         <p:nvSpPr>
@@ -8363,6 +9393,7 @@
             <a:avLst/>
             <a:gdLst/>
             <a:ahLst/>
+            <a:cxnLst/>
             <a:rect l="l" t="t" r="r" b="b"/>
             <a:pathLst>
               <a:path w="108625" h="108625">
@@ -8424,11 +9455,24 @@
           </a:ln>
         </p:spPr>
         <p:style>
-          <a:lnRef idx="0"/>
-          <a:fillRef idx="0"/>
-          <a:effectRef idx="0"/>
+          <a:lnRef idx="0">
+            <a:scrgbClr r="0" g="0" b="0"/>
+          </a:lnRef>
+          <a:fillRef idx="0">
+            <a:scrgbClr r="0" g="0" b="0"/>
+          </a:fillRef>
+          <a:effectRef idx="0">
+            <a:scrgbClr r="0" g="0" b="0"/>
+          </a:effectRef>
           <a:fontRef idx="minor"/>
         </p:style>
+        <p:txBody>
+          <a:bodyPr/>
+          <a:lstStyle/>
+          <a:p>
+            <a:endParaRPr lang="en-US"/>
+          </a:p>
+        </p:txBody>
       </p:sp>
       <p:sp>
         <p:nvSpPr>
@@ -8444,9 +9488,9 @@
           <a:prstGeom prst="line">
             <a:avLst/>
           </a:prstGeom>
-          <a:ln cap="sq" w="25400">
+          <a:ln w="25400" cap="sq">
             <a:solidFill>
-              <a:srgbClr val="ffffff"/>
+              <a:srgbClr val="FFFFFF"/>
             </a:solidFill>
             <a:bevel/>
           </a:ln>
@@ -8463,6 +9507,13 @@
           </a:effectRef>
           <a:fontRef idx="minor"/>
         </p:style>
+        <p:txBody>
+          <a:bodyPr/>
+          <a:lstStyle/>
+          <a:p>
+            <a:endParaRPr lang="en-US"/>
+          </a:p>
+        </p:txBody>
       </p:sp>
       <p:sp>
         <p:nvSpPr>
@@ -8472,8 +9523,8 @@
         </p:nvSpPr>
         <p:spPr>
           <a:xfrm>
-            <a:off x="1736640" y="1026360"/>
-            <a:ext cx="8736840" cy="5027400"/>
+            <a:off x="1159560" y="1041907"/>
+            <a:ext cx="10141048" cy="5076859"/>
           </a:xfrm>
           <a:prstGeom prst="rect">
             <a:avLst/>
@@ -8484,15 +9535,22 @@
           </a:ln>
         </p:spPr>
         <p:style>
-          <a:lnRef idx="0"/>
-          <a:fillRef idx="0"/>
-          <a:effectRef idx="0"/>
+          <a:lnRef idx="0">
+            <a:scrgbClr r="0" g="0" b="0"/>
+          </a:lnRef>
+          <a:fillRef idx="0">
+            <a:scrgbClr r="0" g="0" b="0"/>
+          </a:fillRef>
+          <a:effectRef idx="0">
+            <a:scrgbClr r="0" g="0" b="0"/>
+          </a:effectRef>
           <a:fontRef idx="minor"/>
         </p:style>
         <p:txBody>
-          <a:bodyPr lIns="90000" rIns="90000" tIns="45000" bIns="45000" anchor="t">
+          <a:bodyPr wrap="square" lIns="90000" tIns="45000" rIns="90000" bIns="45000" anchor="t">
             <a:spAutoFit/>
           </a:bodyPr>
+          <a:lstStyle/>
           <a:p>
             <a:pPr marL="285840" indent="-285840">
               <a:lnSpc>
@@ -8505,7 +9563,7 @@
               <a:buChar char="•"/>
             </a:pPr>
             <a:r>
-              <a:rPr b="0" lang="en-US" sz="1800" spc="-1" strike="noStrike">
+              <a:rPr lang="en-US" sz="1800" b="0" strike="noStrike" spc="-1" dirty="0">
                 <a:solidFill>
                   <a:srgbClr val="000000"/>
                 </a:solidFill>
@@ -8513,7 +9571,7 @@
               </a:rPr>
               <a:t>The program is split into 3 phases: Show/Seasons/Episodes</a:t>
             </a:r>
-            <a:endParaRPr b="0" lang="en-CA" sz="1800" spc="-1" strike="noStrike">
+            <a:endParaRPr lang="en-CA" sz="1800" b="0" strike="noStrike" spc="-1" dirty="0">
               <a:latin typeface="Arial"/>
             </a:endParaRPr>
           </a:p>
@@ -8529,39 +9587,15 @@
               <a:buChar char="•"/>
             </a:pPr>
             <a:r>
-              <a:rPr b="0" lang="en-US" sz="1800" spc="-1" strike="noStrike">
+              <a:rPr lang="en-US" sz="1800" b="0" strike="noStrike" spc="-1" dirty="0">
                 <a:solidFill>
                   <a:srgbClr val="000000"/>
                 </a:solidFill>
                 <a:latin typeface="Univers"/>
               </a:rPr>
-              <a:t>Each phase has its own get function and format function.</a:t>
+              <a:t>The get function sends a request to a TVMAZE API and the format function cleans the data of Null values/spaces/empty strings and filters for the desired columns </a:t>
             </a:r>
-            <a:endParaRPr b="0" lang="en-CA" sz="1800" spc="-1" strike="noStrike">
-              <a:latin typeface="Arial"/>
-            </a:endParaRPr>
-          </a:p>
-          <a:p>
-            <a:pPr marL="285840" indent="-285840">
-              <a:lnSpc>
-                <a:spcPct val="100000"/>
-              </a:lnSpc>
-              <a:buClr>
-                <a:srgbClr val="000000"/>
-              </a:buClr>
-              <a:buFont typeface="Arial"/>
-              <a:buChar char="•"/>
-            </a:pPr>
-            <a:r>
-              <a:rPr b="0" lang="en-US" sz="1800" spc="-1" strike="noStrike">
-                <a:solidFill>
-                  <a:srgbClr val="000000"/>
-                </a:solidFill>
-                <a:latin typeface="Univers"/>
-              </a:rPr>
-              <a:t>The get function sends a request to a TVMAZE API and the format function cleans the data of missing information</a:t>
-            </a:r>
-            <a:endParaRPr b="0" lang="en-CA" sz="1800" spc="-1" strike="noStrike">
+            <a:endParaRPr lang="en-CA" sz="1800" b="0" strike="noStrike" spc="-1" dirty="0">
               <a:latin typeface="Arial"/>
             </a:endParaRPr>
           </a:p>
@@ -8572,7 +9606,7 @@
               </a:lnSpc>
               <a:buNone/>
             </a:pPr>
-            <a:endParaRPr b="0" lang="en-CA" sz="1800" spc="-1" strike="noStrike">
+            <a:endParaRPr lang="en-CA" sz="1800" b="0" strike="noStrike" spc="-1" dirty="0">
               <a:latin typeface="Arial"/>
             </a:endParaRPr>
           </a:p>
@@ -8582,48 +9616,48 @@
                 <a:spcPct val="100000"/>
               </a:lnSpc>
               <a:buClr>
-                <a:srgbClr val="dcdcaa"/>
+                <a:srgbClr val="DCDCAA"/>
               </a:buClr>
               <a:buFont typeface="Arial"/>
               <a:buChar char="•"/>
             </a:pPr>
             <a:r>
-              <a:rPr b="0" lang="en-CA" sz="1800" spc="-1" strike="noStrike">
+              <a:rPr lang="en-CA" sz="1800" b="0" strike="noStrike" spc="-1" dirty="0" err="1">
                 <a:solidFill>
-                  <a:srgbClr val="dcdcaa"/>
+                  <a:srgbClr val="DCDCAA"/>
                 </a:solidFill>
                 <a:latin typeface="Menlo"/>
               </a:rPr>
               <a:t>get_shows</a:t>
             </a:r>
             <a:r>
-              <a:rPr b="0" lang="en-CA" sz="1800" spc="-1" strike="noStrike">
+              <a:rPr lang="en-CA" sz="1800" b="0" strike="noStrike" spc="-1" dirty="0">
                 <a:solidFill>
-                  <a:srgbClr val="cccccc"/>
+                  <a:srgbClr val="CCCCCC"/>
                 </a:solidFill>
                 <a:latin typeface="Menlo"/>
               </a:rPr>
               <a:t>(</a:t>
             </a:r>
             <a:r>
-              <a:rPr b="0" lang="en-CA" sz="1800" spc="-1" strike="noStrike">
+              <a:rPr lang="en-CA" sz="1800" b="0" strike="noStrike" spc="-1" dirty="0">
                 <a:solidFill>
-                  <a:srgbClr val="9cdcfe"/>
+                  <a:srgbClr val="9CDCFE"/>
                 </a:solidFill>
                 <a:latin typeface="Menlo"/>
               </a:rPr>
               <a:t>query</a:t>
             </a:r>
             <a:r>
-              <a:rPr b="0" lang="en-CA" sz="1800" spc="-1" strike="noStrike">
+              <a:rPr lang="en-CA" sz="1800" b="0" strike="noStrike" spc="-1" dirty="0">
                 <a:solidFill>
-                  <a:srgbClr val="cccccc"/>
+                  <a:srgbClr val="CCCCCC"/>
                 </a:solidFill>
                 <a:latin typeface="Menlo"/>
               </a:rPr>
-              <a:t>)</a:t>
+              <a:t>) -&gt; Returns a data frame with shows and show ids in it</a:t>
             </a:r>
-            <a:endParaRPr b="0" lang="en-CA" sz="1800" spc="-1" strike="noStrike">
+            <a:endParaRPr lang="en-CA" sz="1800" b="0" strike="noStrike" spc="-1" dirty="0">
               <a:latin typeface="Arial"/>
             </a:endParaRPr>
           </a:p>
@@ -8633,48 +9667,48 @@
                 <a:spcPct val="100000"/>
               </a:lnSpc>
               <a:buClr>
-                <a:srgbClr val="dcdcaa"/>
+                <a:srgbClr val="DCDCAA"/>
               </a:buClr>
               <a:buFont typeface="Arial"/>
               <a:buChar char="•"/>
             </a:pPr>
             <a:r>
-              <a:rPr b="0" lang="en-CA" sz="1800" spc="-1" strike="noStrike">
+              <a:rPr lang="en-CA" sz="1800" b="0" strike="noStrike" spc="-1" dirty="0" err="1">
                 <a:solidFill>
-                  <a:srgbClr val="dcdcaa"/>
+                  <a:srgbClr val="DCDCAA"/>
                 </a:solidFill>
                 <a:latin typeface="Menlo"/>
               </a:rPr>
               <a:t>format_show_name</a:t>
             </a:r>
             <a:r>
-              <a:rPr b="0" lang="en-CA" sz="1800" spc="-1" strike="noStrike">
+              <a:rPr lang="en-CA" sz="1800" b="0" strike="noStrike" spc="-1" dirty="0">
                 <a:solidFill>
-                  <a:srgbClr val="cccccc"/>
+                  <a:srgbClr val="CCCCCC"/>
                 </a:solidFill>
                 <a:latin typeface="Menlo"/>
               </a:rPr>
               <a:t>(</a:t>
             </a:r>
             <a:r>
-              <a:rPr b="0" lang="en-CA" sz="1800" spc="-1" strike="noStrike">
+              <a:rPr lang="en-CA" sz="1800" b="0" strike="noStrike" spc="-1" dirty="0">
                 <a:solidFill>
-                  <a:srgbClr val="9cdcfe"/>
+                  <a:srgbClr val="9CDCFE"/>
                 </a:solidFill>
                 <a:latin typeface="Menlo"/>
               </a:rPr>
               <a:t>show</a:t>
             </a:r>
             <a:r>
-              <a:rPr b="0" lang="en-CA" sz="1800" spc="-1" strike="noStrike">
+              <a:rPr lang="en-CA" sz="1800" b="0" strike="noStrike" spc="-1" dirty="0">
                 <a:solidFill>
-                  <a:srgbClr val="cccccc"/>
+                  <a:srgbClr val="CCCCCC"/>
                 </a:solidFill>
                 <a:latin typeface="Menlo"/>
               </a:rPr>
-              <a:t>)</a:t>
+              <a:t>) -&gt; cleans the data frame</a:t>
             </a:r>
-            <a:endParaRPr b="0" lang="en-CA" sz="1800" spc="-1" strike="noStrike">
+            <a:endParaRPr lang="en-CA" sz="1800" b="0" strike="noStrike" spc="-1" dirty="0">
               <a:latin typeface="Arial"/>
             </a:endParaRPr>
           </a:p>
@@ -8685,7 +9719,7 @@
               </a:lnSpc>
               <a:buNone/>
             </a:pPr>
-            <a:endParaRPr b="0" lang="en-CA" sz="1800" spc="-1" strike="noStrike">
+            <a:endParaRPr lang="en-CA" sz="1800" b="0" strike="noStrike" spc="-1" dirty="0">
               <a:latin typeface="Arial"/>
             </a:endParaRPr>
           </a:p>
@@ -8695,48 +9729,48 @@
                 <a:spcPct val="100000"/>
               </a:lnSpc>
               <a:buClr>
-                <a:srgbClr val="dcdcaa"/>
+                <a:srgbClr val="DCDCAA"/>
               </a:buClr>
               <a:buFont typeface="Arial"/>
               <a:buChar char="•"/>
             </a:pPr>
             <a:r>
-              <a:rPr b="0" lang="en-CA" sz="1800" spc="-1" strike="noStrike">
+              <a:rPr lang="en-CA" sz="1800" b="0" strike="noStrike" spc="-1" dirty="0" err="1">
                 <a:solidFill>
-                  <a:srgbClr val="dcdcaa"/>
+                  <a:srgbClr val="DCDCAA"/>
                 </a:solidFill>
                 <a:latin typeface="Menlo"/>
               </a:rPr>
               <a:t>get_seasons</a:t>
             </a:r>
             <a:r>
-              <a:rPr b="0" lang="en-CA" sz="1800" spc="-1" strike="noStrike">
+              <a:rPr lang="en-CA" sz="1800" b="0" strike="noStrike" spc="-1" dirty="0">
                 <a:solidFill>
-                  <a:srgbClr val="cccccc"/>
+                  <a:srgbClr val="CCCCCC"/>
                 </a:solidFill>
                 <a:latin typeface="Menlo"/>
               </a:rPr>
               <a:t>(</a:t>
             </a:r>
             <a:r>
-              <a:rPr b="0" lang="en-CA" sz="1800" spc="-1" strike="noStrike">
+              <a:rPr lang="en-CA" sz="1800" b="0" strike="noStrike" spc="-1" dirty="0" err="1">
                 <a:solidFill>
-                  <a:srgbClr val="9cdcfe"/>
+                  <a:srgbClr val="9CDCFE"/>
                 </a:solidFill>
                 <a:latin typeface="Menlo"/>
               </a:rPr>
               <a:t>show_id</a:t>
             </a:r>
             <a:r>
-              <a:rPr b="0" lang="en-CA" sz="1800" spc="-1" strike="noStrike">
+              <a:rPr lang="en-CA" sz="1800" b="0" strike="noStrike" spc="-1" dirty="0">
                 <a:solidFill>
-                  <a:srgbClr val="cccccc"/>
+                  <a:srgbClr val="CCCCCC"/>
                 </a:solidFill>
                 <a:latin typeface="Menlo"/>
               </a:rPr>
-              <a:t>)</a:t>
+              <a:t>) -&gt; Uses the id to return a data frame of seasons</a:t>
             </a:r>
-            <a:endParaRPr b="0" lang="en-CA" sz="1800" spc="-1" strike="noStrike">
+            <a:endParaRPr lang="en-CA" sz="1800" b="0" strike="noStrike" spc="-1" dirty="0">
               <a:latin typeface="Arial"/>
             </a:endParaRPr>
           </a:p>
@@ -8746,48 +9780,48 @@
                 <a:spcPct val="100000"/>
               </a:lnSpc>
               <a:buClr>
-                <a:srgbClr val="dcdcaa"/>
+                <a:srgbClr val="DCDCAA"/>
               </a:buClr>
               <a:buFont typeface="Arial"/>
               <a:buChar char="•"/>
             </a:pPr>
             <a:r>
-              <a:rPr b="0" lang="en-CA" sz="1800" spc="-1" strike="noStrike">
+              <a:rPr lang="en-CA" sz="1800" b="0" strike="noStrike" spc="-1" dirty="0" err="1">
                 <a:solidFill>
-                  <a:srgbClr val="dcdcaa"/>
+                  <a:srgbClr val="DCDCAA"/>
                 </a:solidFill>
                 <a:latin typeface="Menlo"/>
               </a:rPr>
               <a:t>format_season_name</a:t>
             </a:r>
             <a:r>
-              <a:rPr b="0" lang="en-CA" sz="1800" spc="-1" strike="noStrike">
+              <a:rPr lang="en-CA" sz="1800" b="0" strike="noStrike" spc="-1" dirty="0">
                 <a:solidFill>
-                  <a:srgbClr val="cccccc"/>
+                  <a:srgbClr val="CCCCCC"/>
                 </a:solidFill>
                 <a:latin typeface="Menlo"/>
               </a:rPr>
               <a:t>(</a:t>
             </a:r>
             <a:r>
-              <a:rPr b="0" lang="en-CA" sz="1800" spc="-1" strike="noStrike">
+              <a:rPr lang="en-CA" sz="1800" b="0" strike="noStrike" spc="-1" dirty="0">
                 <a:solidFill>
-                  <a:srgbClr val="9cdcfe"/>
+                  <a:srgbClr val="9CDCFE"/>
                 </a:solidFill>
                 <a:latin typeface="Menlo"/>
               </a:rPr>
               <a:t>season</a:t>
             </a:r>
             <a:r>
-              <a:rPr b="0" lang="en-CA" sz="1800" spc="-1" strike="noStrike">
+              <a:rPr lang="en-CA" sz="1800" b="0" strike="noStrike" spc="-1" dirty="0">
                 <a:solidFill>
-                  <a:srgbClr val="cccccc"/>
+                  <a:srgbClr val="CCCCCC"/>
                 </a:solidFill>
                 <a:latin typeface="Menlo"/>
               </a:rPr>
-              <a:t>) </a:t>
+              <a:t>) -&gt; cleans the seasons data frame</a:t>
             </a:r>
-            <a:endParaRPr b="0" lang="en-CA" sz="1800" spc="-1" strike="noStrike">
+            <a:endParaRPr lang="en-CA" sz="1800" b="0" strike="noStrike" spc="-1" dirty="0">
               <a:latin typeface="Arial"/>
             </a:endParaRPr>
           </a:p>
@@ -8798,7 +9832,7 @@
               </a:lnSpc>
               <a:buNone/>
             </a:pPr>
-            <a:endParaRPr b="0" lang="en-CA" sz="1800" spc="-1" strike="noStrike">
+            <a:endParaRPr lang="en-CA" sz="1800" b="0" strike="noStrike" spc="-1" dirty="0">
               <a:latin typeface="Arial"/>
             </a:endParaRPr>
           </a:p>
@@ -8808,48 +9842,48 @@
                 <a:spcPct val="100000"/>
               </a:lnSpc>
               <a:buClr>
-                <a:srgbClr val="dcdcaa"/>
+                <a:srgbClr val="DCDCAA"/>
               </a:buClr>
               <a:buFont typeface="Arial"/>
               <a:buChar char="•"/>
             </a:pPr>
             <a:r>
-              <a:rPr b="0" lang="en-CA" sz="1800" spc="-1" strike="noStrike">
+              <a:rPr lang="en-CA" sz="1800" b="0" strike="noStrike" spc="-1" dirty="0" err="1">
                 <a:solidFill>
-                  <a:srgbClr val="dcdcaa"/>
+                  <a:srgbClr val="DCDCAA"/>
                 </a:solidFill>
                 <a:latin typeface="Menlo"/>
               </a:rPr>
               <a:t>get_episodes_of_season</a:t>
             </a:r>
             <a:r>
-              <a:rPr b="0" lang="en-CA" sz="1800" spc="-1" strike="noStrike">
+              <a:rPr lang="en-CA" sz="1800" b="0" strike="noStrike" spc="-1" dirty="0">
                 <a:solidFill>
-                  <a:srgbClr val="cccccc"/>
+                  <a:srgbClr val="CCCCCC"/>
                 </a:solidFill>
                 <a:latin typeface="Menlo"/>
               </a:rPr>
               <a:t>(</a:t>
             </a:r>
             <a:r>
-              <a:rPr b="0" lang="en-CA" sz="1800" spc="-1" strike="noStrike">
+              <a:rPr lang="en-CA" sz="1800" b="0" strike="noStrike" spc="-1" dirty="0" err="1">
                 <a:solidFill>
-                  <a:srgbClr val="9cdcfe"/>
+                  <a:srgbClr val="9CDCFE"/>
                 </a:solidFill>
                 <a:latin typeface="Menlo"/>
               </a:rPr>
               <a:t>season_id</a:t>
             </a:r>
             <a:r>
-              <a:rPr b="0" lang="en-CA" sz="1800" spc="-1" strike="noStrike">
+              <a:rPr lang="en-CA" sz="1800" b="0" strike="noStrike" spc="-1" dirty="0">
                 <a:solidFill>
-                  <a:srgbClr val="cccccc"/>
+                  <a:srgbClr val="CCCCCC"/>
                 </a:solidFill>
                 <a:latin typeface="Menlo"/>
               </a:rPr>
-              <a:t>)</a:t>
+              <a:t>) -&gt; Uses the season id to return a data frame of episodes</a:t>
             </a:r>
-            <a:endParaRPr b="0" lang="en-CA" sz="1800" spc="-1" strike="noStrike">
+            <a:endParaRPr lang="en-CA" sz="1800" b="0" strike="noStrike" spc="-1" dirty="0">
               <a:latin typeface="Arial"/>
             </a:endParaRPr>
           </a:p>
@@ -8859,48 +9893,48 @@
                 <a:spcPct val="100000"/>
               </a:lnSpc>
               <a:buClr>
-                <a:srgbClr val="dcdcaa"/>
+                <a:srgbClr val="DCDCAA"/>
               </a:buClr>
               <a:buFont typeface="Arial"/>
               <a:buChar char="•"/>
             </a:pPr>
             <a:r>
-              <a:rPr b="0" lang="en-CA" sz="1800" spc="-1" strike="noStrike">
+              <a:rPr lang="en-CA" sz="1800" b="0" strike="noStrike" spc="-1" dirty="0" err="1">
                 <a:solidFill>
-                  <a:srgbClr val="dcdcaa"/>
+                  <a:srgbClr val="DCDCAA"/>
                 </a:solidFill>
                 <a:latin typeface="Menlo"/>
               </a:rPr>
               <a:t>format_episode_name</a:t>
             </a:r>
             <a:r>
-              <a:rPr b="0" lang="en-CA" sz="1800" spc="-1" strike="noStrike">
+              <a:rPr lang="en-CA" sz="1800" b="0" strike="noStrike" spc="-1" dirty="0">
                 <a:solidFill>
-                  <a:srgbClr val="cccccc"/>
+                  <a:srgbClr val="CCCCCC"/>
                 </a:solidFill>
                 <a:latin typeface="Menlo"/>
               </a:rPr>
               <a:t>(</a:t>
             </a:r>
             <a:r>
-              <a:rPr b="0" lang="en-CA" sz="1800" spc="-1" strike="noStrike">
+              <a:rPr lang="en-CA" sz="1800" b="0" strike="noStrike" spc="-1" dirty="0">
                 <a:solidFill>
-                  <a:srgbClr val="9cdcfe"/>
+                  <a:srgbClr val="9CDCFE"/>
                 </a:solidFill>
                 <a:latin typeface="Menlo"/>
               </a:rPr>
               <a:t>episode</a:t>
             </a:r>
             <a:r>
-              <a:rPr b="0" lang="en-CA" sz="1800" spc="-1" strike="noStrike">
+              <a:rPr lang="en-CA" sz="1800" b="0" strike="noStrike" spc="-1" dirty="0">
                 <a:solidFill>
-                  <a:srgbClr val="cccccc"/>
+                  <a:srgbClr val="CCCCCC"/>
                 </a:solidFill>
                 <a:latin typeface="Menlo"/>
               </a:rPr>
-              <a:t>)</a:t>
+              <a:t>) -&gt; cleans the episodes data frame</a:t>
             </a:r>
-            <a:endParaRPr b="0" lang="en-CA" sz="1800" spc="-1" strike="noStrike">
+            <a:endParaRPr lang="en-CA" sz="1800" b="0" strike="noStrike" spc="-1" dirty="0">
               <a:latin typeface="Arial"/>
             </a:endParaRPr>
           </a:p>
@@ -8911,7 +9945,7 @@
               </a:lnSpc>
               <a:buNone/>
             </a:pPr>
-            <a:endParaRPr b="0" lang="en-CA" sz="1800" spc="-1" strike="noStrike">
+            <a:endParaRPr lang="en-CA" sz="1800" b="0" strike="noStrike" spc="-1" dirty="0">
               <a:latin typeface="Arial"/>
             </a:endParaRPr>
           </a:p>
@@ -8921,21 +9955,30 @@
                 <a:spcPct val="100000"/>
               </a:lnSpc>
               <a:buClr>
-                <a:srgbClr val="cccccc"/>
+                <a:srgbClr val="CCCCCC"/>
               </a:buClr>
               <a:buFont typeface="Arial"/>
               <a:buChar char="•"/>
             </a:pPr>
             <a:r>
-              <a:rPr b="1" lang="en-CA" sz="1800" spc="-1" strike="noStrike">
+              <a:rPr lang="en-CA" sz="1800" b="1" strike="noStrike" spc="-1" dirty="0" err="1">
                 <a:solidFill>
-                  <a:srgbClr val="cccccc"/>
+                  <a:srgbClr val="CCCCCC"/>
                 </a:solidFill>
                 <a:latin typeface="Menlo"/>
               </a:rPr>
-              <a:t>plot_season_ratings(episodes):</a:t>
+              <a:t>plot_season_ratings</a:t>
             </a:r>
-            <a:endParaRPr b="0" lang="en-CA" sz="1800" spc="-1" strike="noStrike">
+            <a:r>
+              <a:rPr lang="en-CA" sz="1800" b="1" strike="noStrike" spc="-1" dirty="0">
+                <a:solidFill>
+                  <a:srgbClr val="CCCCCC"/>
+                </a:solidFill>
+                <a:latin typeface="Menlo"/>
+              </a:rPr>
+              <a:t>(episodes):</a:t>
+            </a:r>
+            <a:endParaRPr lang="en-CA" sz="1800" b="0" strike="noStrike" spc="-1" dirty="0">
               <a:latin typeface="Arial"/>
             </a:endParaRPr>
           </a:p>
@@ -8945,21 +9988,21 @@
                 <a:spcPct val="100000"/>
               </a:lnSpc>
               <a:buClr>
-                <a:srgbClr val="cccccc"/>
+                <a:srgbClr val="CCCCCC"/>
               </a:buClr>
               <a:buFont typeface="Arial"/>
               <a:buChar char="•"/>
             </a:pPr>
             <a:r>
-              <a:rPr b="1" lang="en-CA" sz="1800" spc="-1" strike="noStrike">
+              <a:rPr lang="en-CA" sz="1800" b="1" strike="noStrike" spc="-1" dirty="0">
                 <a:solidFill>
-                  <a:srgbClr val="cccccc"/>
+                  <a:srgbClr val="CCCCCC"/>
                 </a:solidFill>
                 <a:latin typeface="Menlo"/>
               </a:rPr>
               <a:t>Plots the ratings of each episode of the season and calculates the average rating</a:t>
             </a:r>
-            <a:endParaRPr b="0" lang="en-CA" sz="1800" spc="-1" strike="noStrike">
+            <a:endParaRPr lang="en-CA" sz="1800" b="0" strike="noStrike" spc="-1" dirty="0">
               <a:latin typeface="Arial"/>
             </a:endParaRPr>
           </a:p>
@@ -8970,7 +10013,7 @@
               </a:lnSpc>
               <a:buNone/>
             </a:pPr>
-            <a:endParaRPr b="0" lang="en-CA" sz="1800" spc="-1" strike="noStrike">
+            <a:endParaRPr lang="en-CA" sz="1800" b="0" strike="noStrike" spc="-1" dirty="0">
               <a:latin typeface="Arial"/>
             </a:endParaRPr>
           </a:p>
@@ -8978,25 +10021,21 @@
       </p:sp>
     </p:spTree>
   </p:cSld>
-  <mc:AlternateContent>
-    <mc:Choice Requires="p14">
-      <p:transition spd="slow" p14:dur="2000"/>
-    </mc:Choice>
-    <mc:Fallback>
-      <p:transition spd="slow"/>
-    </mc:Fallback>
-  </mc:AlternateContent>
+  <p:clrMapOvr>
+    <a:masterClrMapping/>
+  </p:clrMapOvr>
 </p:sld>
 </file>
 
 <file path=ppt/slides/slide4.xml><?xml version="1.0" encoding="utf-8"?>
-<p:sld xmlns:a="http://schemas.openxmlformats.org/drawingml/2006/main" xmlns:p="http://schemas.openxmlformats.org/presentationml/2006/main" xmlns:r="http://schemas.openxmlformats.org/officeDocument/2006/relationships" xmlns:p14="http://schemas.microsoft.com/office/powerpoint/2010/main" xmlns:p15="http://schemas.microsoft.com/office/powerpoint/2012/main" xmlns:mc="http://schemas.openxmlformats.org/markup-compatibility/2006">
+<p:sld xmlns:a="http://schemas.openxmlformats.org/drawingml/2006/main" xmlns:r="http://schemas.openxmlformats.org/officeDocument/2006/relationships" xmlns:p="http://schemas.openxmlformats.org/presentationml/2006/main">
   <p:cSld>
     <p:bg>
       <p:bgPr>
         <a:solidFill>
-          <a:srgbClr val="ffffff"/>
+          <a:srgbClr val="FFFFFF"/>
         </a:solidFill>
+        <a:effectLst/>
       </p:bgPr>
     </p:bg>
     <p:spTree>
@@ -9048,6 +10087,13 @@
           </a:effectRef>
           <a:fontRef idx="minor"/>
         </p:style>
+        <p:txBody>
+          <a:bodyPr/>
+          <a:lstStyle/>
+          <a:p>
+            <a:endParaRPr lang="en-US"/>
+          </a:p>
+        </p:txBody>
       </p:sp>
       <p:sp>
         <p:nvSpPr>
@@ -9076,6 +10122,7 @@
           <a:bodyPr anchor="b">
             <a:normAutofit/>
           </a:bodyPr>
+          <a:lstStyle/>
           <a:p>
             <a:pPr>
               <a:lnSpc>
@@ -9084,7 +10131,7 @@
               <a:buNone/>
             </a:pPr>
             <a:r>
-              <a:rPr b="1" lang="en-US" sz="5400" spc="-1" strike="noStrike" cap="all">
+              <a:rPr lang="en-US" sz="5400" b="1" strike="noStrike" cap="all" spc="-1">
                 <a:solidFill>
                   <a:srgbClr val="000000"/>
                 </a:solidFill>
@@ -9092,7 +10139,7 @@
               </a:rPr>
               <a:t>Results</a:t>
             </a:r>
-            <a:endParaRPr b="0" lang="en-US" sz="5400" spc="-1" strike="noStrike">
+            <a:endParaRPr lang="en-US" sz="5400" b="0" strike="noStrike" spc="-1">
               <a:solidFill>
                 <a:srgbClr val="000000"/>
               </a:solidFill>
@@ -9118,10 +10165,10 @@
           <a:gradFill rotWithShape="0">
             <a:gsLst>
               <a:gs pos="0">
-                <a:srgbClr val="2683c6"/>
+                <a:srgbClr val="2683C6"/>
               </a:gs>
               <a:gs pos="100000">
-                <a:srgbClr val="42ba97"/>
+                <a:srgbClr val="42BA97"/>
               </a:gs>
             </a:gsLst>
             <a:lin ang="2700000"/>
@@ -9144,6 +10191,13 @@
           </a:effectRef>
           <a:fontRef idx="minor"/>
         </p:style>
+        <p:txBody>
+          <a:bodyPr/>
+          <a:lstStyle/>
+          <a:p>
+            <a:endParaRPr lang="en-US"/>
+          </a:p>
+        </p:txBody>
       </p:sp>
       <p:sp>
         <p:nvSpPr>
@@ -9165,15 +10219,22 @@
           </a:ln>
         </p:spPr>
         <p:style>
-          <a:lnRef idx="0"/>
-          <a:fillRef idx="0"/>
-          <a:effectRef idx="0"/>
+          <a:lnRef idx="0">
+            <a:scrgbClr r="0" g="0" b="0"/>
+          </a:lnRef>
+          <a:fillRef idx="0">
+            <a:scrgbClr r="0" g="0" b="0"/>
+          </a:fillRef>
+          <a:effectRef idx="0">
+            <a:scrgbClr r="0" g="0" b="0"/>
+          </a:effectRef>
           <a:fontRef idx="minor"/>
         </p:style>
         <p:txBody>
           <a:bodyPr anchor="t">
             <a:normAutofit/>
           </a:bodyPr>
+          <a:lstStyle/>
           <a:p>
             <a:pPr>
               <a:lnSpc>
@@ -9185,7 +10246,7 @@
               <a:buNone/>
             </a:pPr>
             <a:r>
-              <a:rPr b="0" lang="en-US" sz="1800" spc="-1" strike="noStrike">
+              <a:rPr lang="en-US" sz="1800" b="0" strike="noStrike" spc="-1">
                 <a:solidFill>
                   <a:srgbClr val="000000"/>
                 </a:solidFill>
@@ -9193,7 +10254,7 @@
               </a:rPr>
               <a:t>The wrapper package will allow the user to:</a:t>
             </a:r>
-            <a:endParaRPr b="0" lang="en-CA" sz="1800" spc="-1" strike="noStrike">
+            <a:endParaRPr lang="en-CA" sz="1800" b="0" strike="noStrike" spc="-1">
               <a:latin typeface="Arial"/>
             </a:endParaRPr>
           </a:p>
@@ -9212,7 +10273,7 @@
               <a:buChar char="•"/>
             </a:pPr>
             <a:r>
-              <a:rPr b="0" lang="en-US" sz="1800" spc="-1" strike="noStrike">
+              <a:rPr lang="en-US" sz="1800" b="0" strike="noStrike" spc="-1">
                 <a:solidFill>
                   <a:srgbClr val="000000"/>
                 </a:solidFill>
@@ -9220,7 +10281,7 @@
               </a:rPr>
               <a:t>View the show/season data retrieved from the API as a DataFrame.</a:t>
             </a:r>
-            <a:endParaRPr b="0" lang="en-CA" sz="1800" spc="-1" strike="noStrike">
+            <a:endParaRPr lang="en-CA" sz="1800" b="0" strike="noStrike" spc="-1">
               <a:latin typeface="Arial"/>
             </a:endParaRPr>
           </a:p>
@@ -9239,7 +10300,7 @@
               <a:buChar char="•"/>
             </a:pPr>
             <a:r>
-              <a:rPr b="0" lang="en-US" sz="1800" spc="-1" strike="noStrike">
+              <a:rPr lang="en-US" sz="1800" b="0" strike="noStrike" spc="-1">
                 <a:solidFill>
                   <a:srgbClr val="000000"/>
                 </a:solidFill>
@@ -9247,7 +10308,7 @@
               </a:rPr>
               <a:t>View a plot between ‘Ratings’ and ‘Episode Number’ for any given season.</a:t>
             </a:r>
-            <a:endParaRPr b="0" lang="en-CA" sz="1800" spc="-1" strike="noStrike">
+            <a:endParaRPr lang="en-CA" sz="1800" b="0" strike="noStrike" spc="-1">
               <a:latin typeface="Arial"/>
             </a:endParaRPr>
           </a:p>
@@ -9266,7 +10327,7 @@
               <a:buChar char="•"/>
             </a:pPr>
             <a:r>
-              <a:rPr b="0" lang="en-US" sz="1800" spc="-1" strike="noStrike">
+              <a:rPr lang="en-US" sz="1800" b="0" strike="noStrike" spc="-1">
                 <a:solidFill>
                   <a:srgbClr val="000000"/>
                 </a:solidFill>
@@ -9274,7 +10335,7 @@
               </a:rPr>
               <a:t>View the average rating for all the episodes from a given season</a:t>
             </a:r>
-            <a:endParaRPr b="0" lang="en-CA" sz="1800" spc="-1" strike="noStrike">
+            <a:endParaRPr lang="en-CA" sz="1800" b="0" strike="noStrike" spc="-1">
               <a:latin typeface="Arial"/>
             </a:endParaRPr>
           </a:p>
@@ -9294,9 +10355,9 @@
           <a:prstGeom prst="line">
             <a:avLst/>
           </a:prstGeom>
-          <a:ln cap="sq" w="25400">
+          <a:ln w="25400" cap="sq">
             <a:solidFill>
-              <a:srgbClr val="2683c6"/>
+              <a:srgbClr val="2683C6"/>
             </a:solidFill>
             <a:bevel/>
           </a:ln>
@@ -9313,6 +10374,13 @@
           </a:effectRef>
           <a:fontRef idx="minor"/>
         </p:style>
+        <p:txBody>
+          <a:bodyPr/>
+          <a:lstStyle/>
+          <a:p>
+            <a:endParaRPr lang="en-US"/>
+          </a:p>
+        </p:txBody>
       </p:sp>
       <p:sp>
         <p:nvSpPr>
@@ -9334,15 +10402,22 @@
           </a:ln>
         </p:spPr>
         <p:style>
-          <a:lnRef idx="0"/>
-          <a:fillRef idx="0"/>
-          <a:effectRef idx="0"/>
+          <a:lnRef idx="0">
+            <a:scrgbClr r="0" g="0" b="0"/>
+          </a:lnRef>
+          <a:fillRef idx="0">
+            <a:scrgbClr r="0" g="0" b="0"/>
+          </a:fillRef>
+          <a:effectRef idx="0">
+            <a:scrgbClr r="0" g="0" b="0"/>
+          </a:effectRef>
           <a:fontRef idx="minor"/>
         </p:style>
         <p:txBody>
-          <a:bodyPr lIns="90000" rIns="90000" tIns="45000" bIns="45000" anchor="t">
+          <a:bodyPr lIns="90000" tIns="45000" rIns="90000" bIns="45000" anchor="t">
             <a:spAutoFit/>
           </a:bodyPr>
+          <a:lstStyle/>
           <a:p>
             <a:pPr>
               <a:lnSpc>
@@ -9351,7 +10426,7 @@
               <a:buNone/>
             </a:pPr>
             <a:r>
-              <a:rPr b="0" lang="en-US" sz="1800" spc="-1" strike="noStrike">
+              <a:rPr lang="en-US" sz="1800" b="0" strike="noStrike" spc="-1">
                 <a:solidFill>
                   <a:srgbClr val="000000"/>
                 </a:solidFill>
@@ -9359,7 +10434,7 @@
               </a:rPr>
               <a:t>Sample Output :</a:t>
             </a:r>
-            <a:endParaRPr b="0" lang="en-CA" sz="1800" spc="-1" strike="noStrike">
+            <a:endParaRPr lang="en-CA" sz="1800" b="0" strike="noStrike" spc="-1">
               <a:latin typeface="Arial"/>
             </a:endParaRPr>
           </a:p>
@@ -9372,7 +10447,7 @@
           <p:nvPr/>
         </p:nvPicPr>
         <p:blipFill>
-          <a:blip r:embed="rId1"/>
+          <a:blip r:embed="rId2"/>
           <a:stretch/>
         </p:blipFill>
         <p:spPr>
@@ -9390,25 +10465,21 @@
       </p:pic>
     </p:spTree>
   </p:cSld>
-  <mc:AlternateContent>
-    <mc:Choice Requires="p14">
-      <p:transition spd="slow" p14:dur="2000"/>
-    </mc:Choice>
-    <mc:Fallback>
-      <p:transition spd="slow"/>
-    </mc:Fallback>
-  </mc:AlternateContent>
+  <p:clrMapOvr>
+    <a:masterClrMapping/>
+  </p:clrMapOvr>
 </p:sld>
 </file>
 
 <file path=ppt/slides/slide5.xml><?xml version="1.0" encoding="utf-8"?>
-<p:sld xmlns:a="http://schemas.openxmlformats.org/drawingml/2006/main" xmlns:p="http://schemas.openxmlformats.org/presentationml/2006/main" xmlns:r="http://schemas.openxmlformats.org/officeDocument/2006/relationships" xmlns:p14="http://schemas.microsoft.com/office/powerpoint/2010/main" xmlns:p15="http://schemas.microsoft.com/office/powerpoint/2012/main" xmlns:mc="http://schemas.openxmlformats.org/markup-compatibility/2006">
+<p:sld xmlns:a="http://schemas.openxmlformats.org/drawingml/2006/main" xmlns:r="http://schemas.openxmlformats.org/officeDocument/2006/relationships" xmlns:p="http://schemas.openxmlformats.org/presentationml/2006/main">
   <p:cSld>
     <p:bg>
       <p:bgPr>
         <a:solidFill>
-          <a:srgbClr val="ffffff"/>
+          <a:srgbClr val="FFFFFF"/>
         </a:solidFill>
+        <a:effectLst/>
       </p:bgPr>
     </p:bg>
     <p:spTree>
@@ -9439,9 +10510,9 @@
           <a:prstGeom prst="line">
             <a:avLst/>
           </a:prstGeom>
-          <a:ln cap="sq" w="25400">
+          <a:ln w="25400" cap="sq">
             <a:solidFill>
-              <a:srgbClr val="2683c6"/>
+              <a:srgbClr val="2683C6"/>
             </a:solidFill>
             <a:bevel/>
           </a:ln>
@@ -9458,6 +10529,13 @@
           </a:effectRef>
           <a:fontRef idx="minor"/>
         </p:style>
+        <p:txBody>
+          <a:bodyPr/>
+          <a:lstStyle/>
+          <a:p>
+            <a:endParaRPr lang="en-US"/>
+          </a:p>
+        </p:txBody>
       </p:sp>
       <p:sp>
         <p:nvSpPr>
@@ -9476,10 +10554,10 @@
           <a:gradFill rotWithShape="0">
             <a:gsLst>
               <a:gs pos="0">
-                <a:srgbClr val="2683c6"/>
+                <a:srgbClr val="2683C6"/>
               </a:gs>
               <a:gs pos="100000">
-                <a:srgbClr val="42ba97"/>
+                <a:srgbClr val="42BA97"/>
               </a:gs>
             </a:gsLst>
             <a:lin ang="2700000"/>
@@ -9502,6 +10580,13 @@
           </a:effectRef>
           <a:fontRef idx="minor"/>
         </p:style>
+        <p:txBody>
+          <a:bodyPr/>
+          <a:lstStyle/>
+          <a:p>
+            <a:endParaRPr lang="en-US"/>
+          </a:p>
+        </p:txBody>
       </p:sp>
       <p:sp>
         <p:nvSpPr>
@@ -9530,6 +10615,7 @@
           <a:bodyPr anchor="b">
             <a:normAutofit/>
           </a:bodyPr>
+          <a:lstStyle/>
           <a:p>
             <a:pPr algn="ctr">
               <a:lnSpc>
@@ -9538,15 +10624,15 @@
               <a:buNone/>
             </a:pPr>
             <a:r>
-              <a:rPr b="1" lang="en-US" sz="6000" spc="-1" strike="noStrike" cap="all">
+              <a:rPr lang="en-US" sz="6000" b="1" strike="noStrike" cap="all" spc="-1">
                 <a:solidFill>
-                  <a:srgbClr val="ffffff"/>
+                  <a:srgbClr val="FFFFFF"/>
                 </a:solidFill>
                 <a:latin typeface="Univers"/>
               </a:rPr>
               <a:t>Thank you</a:t>
             </a:r>
-            <a:endParaRPr b="0" lang="en-US" sz="6000" spc="-1" strike="noStrike">
+            <a:endParaRPr lang="en-US" sz="6000" b="0" strike="noStrike" spc="-1">
               <a:solidFill>
                 <a:srgbClr val="000000"/>
               </a:solidFill>
@@ -9570,6 +10656,7 @@
             <a:avLst/>
             <a:gdLst/>
             <a:ahLst/>
+            <a:cxnLst/>
             <a:rect l="l" t="t" r="r" b="b"/>
             <a:pathLst>
               <a:path w="151536" h="151536">
@@ -9652,11 +10739,24 @@
           </a:ln>
         </p:spPr>
         <p:style>
-          <a:lnRef idx="0"/>
-          <a:fillRef idx="0"/>
-          <a:effectRef idx="0"/>
+          <a:lnRef idx="0">
+            <a:scrgbClr r="0" g="0" b="0"/>
+          </a:lnRef>
+          <a:fillRef idx="0">
+            <a:scrgbClr r="0" g="0" b="0"/>
+          </a:fillRef>
+          <a:effectRef idx="0">
+            <a:scrgbClr r="0" g="0" b="0"/>
+          </a:effectRef>
           <a:fontRef idx="minor"/>
         </p:style>
+        <p:txBody>
+          <a:bodyPr/>
+          <a:lstStyle/>
+          <a:p>
+            <a:endParaRPr lang="en-US"/>
+          </a:p>
+        </p:txBody>
       </p:sp>
       <p:sp>
         <p:nvSpPr>
@@ -9673,6 +10773,7 @@
             <a:avLst/>
             <a:gdLst/>
             <a:ahLst/>
+            <a:cxnLst/>
             <a:rect l="l" t="t" r="r" b="b"/>
             <a:pathLst>
               <a:path w="139039" h="139039">
@@ -9755,11 +10856,24 @@
           </a:ln>
         </p:spPr>
         <p:style>
-          <a:lnRef idx="0"/>
-          <a:fillRef idx="0"/>
-          <a:effectRef idx="0"/>
+          <a:lnRef idx="0">
+            <a:scrgbClr r="0" g="0" b="0"/>
+          </a:lnRef>
+          <a:fillRef idx="0">
+            <a:scrgbClr r="0" g="0" b="0"/>
+          </a:fillRef>
+          <a:effectRef idx="0">
+            <a:scrgbClr r="0" g="0" b="0"/>
+          </a:effectRef>
           <a:fontRef idx="minor"/>
         </p:style>
+        <p:txBody>
+          <a:bodyPr/>
+          <a:lstStyle/>
+          <a:p>
+            <a:endParaRPr lang="en-US"/>
+          </a:p>
+        </p:txBody>
       </p:sp>
       <p:sp>
         <p:nvSpPr>
@@ -9776,6 +10890,7 @@
             <a:avLst/>
             <a:gdLst/>
             <a:ahLst/>
+            <a:cxnLst/>
             <a:rect l="l" t="t" r="r" b="b"/>
             <a:pathLst>
               <a:path w="127714" h="127714">
@@ -9837,11 +10952,24 @@
           </a:ln>
         </p:spPr>
         <p:style>
-          <a:lnRef idx="0"/>
-          <a:fillRef idx="0"/>
-          <a:effectRef idx="0"/>
+          <a:lnRef idx="0">
+            <a:scrgbClr r="0" g="0" b="0"/>
+          </a:lnRef>
+          <a:fillRef idx="0">
+            <a:scrgbClr r="0" g="0" b="0"/>
+          </a:fillRef>
+          <a:effectRef idx="0">
+            <a:scrgbClr r="0" g="0" b="0"/>
+          </a:effectRef>
           <a:fontRef idx="minor"/>
         </p:style>
+        <p:txBody>
+          <a:bodyPr/>
+          <a:lstStyle/>
+          <a:p>
+            <a:endParaRPr lang="en-US"/>
+          </a:p>
+        </p:txBody>
       </p:sp>
       <p:sp>
         <p:nvSpPr>
@@ -9858,6 +10986,7 @@
             <a:avLst/>
             <a:gdLst/>
             <a:ahLst/>
+            <a:cxnLst/>
             <a:rect l="l" t="t" r="r" b="b"/>
             <a:pathLst>
               <a:path w="95759" h="95759">
@@ -9896,11 +11025,24 @@
           </a:ln>
         </p:spPr>
         <p:style>
-          <a:lnRef idx="0"/>
-          <a:fillRef idx="0"/>
-          <a:effectRef idx="0"/>
+          <a:lnRef idx="0">
+            <a:scrgbClr r="0" g="0" b="0"/>
+          </a:lnRef>
+          <a:fillRef idx="0">
+            <a:scrgbClr r="0" g="0" b="0"/>
+          </a:fillRef>
+          <a:effectRef idx="0">
+            <a:scrgbClr r="0" g="0" b="0"/>
+          </a:effectRef>
           <a:fontRef idx="minor"/>
         </p:style>
+        <p:txBody>
+          <a:bodyPr/>
+          <a:lstStyle/>
+          <a:p>
+            <a:endParaRPr lang="en-US"/>
+          </a:p>
+        </p:txBody>
       </p:sp>
       <p:sp>
         <p:nvSpPr>
@@ -9917,6 +11059,7 @@
             <a:avLst/>
             <a:gdLst/>
             <a:ahLst/>
+            <a:cxnLst/>
             <a:rect l="l" t="t" r="r" b="b"/>
             <a:pathLst>
               <a:path w="91138" h="91138">
@@ -9955,11 +11098,24 @@
           </a:ln>
         </p:spPr>
         <p:style>
-          <a:lnRef idx="0"/>
-          <a:fillRef idx="0"/>
-          <a:effectRef idx="0"/>
+          <a:lnRef idx="0">
+            <a:scrgbClr r="0" g="0" b="0"/>
+          </a:lnRef>
+          <a:fillRef idx="0">
+            <a:scrgbClr r="0" g="0" b="0"/>
+          </a:fillRef>
+          <a:effectRef idx="0">
+            <a:scrgbClr r="0" g="0" b="0"/>
+          </a:effectRef>
           <a:fontRef idx="minor"/>
         </p:style>
+        <p:txBody>
+          <a:bodyPr/>
+          <a:lstStyle/>
+          <a:p>
+            <a:endParaRPr lang="en-US"/>
+          </a:p>
+        </p:txBody>
       </p:sp>
       <p:sp>
         <p:nvSpPr>
@@ -9976,6 +11132,7 @@
             <a:avLst/>
             <a:gdLst/>
             <a:ahLst/>
+            <a:cxnLst/>
             <a:rect l="l" t="t" r="r" b="b"/>
             <a:pathLst>
               <a:path w="108625" h="108625">
@@ -10037,11 +11194,24 @@
           </a:ln>
         </p:spPr>
         <p:style>
-          <a:lnRef idx="0"/>
-          <a:fillRef idx="0"/>
-          <a:effectRef idx="0"/>
+          <a:lnRef idx="0">
+            <a:scrgbClr r="0" g="0" b="0"/>
+          </a:lnRef>
+          <a:fillRef idx="0">
+            <a:scrgbClr r="0" g="0" b="0"/>
+          </a:fillRef>
+          <a:effectRef idx="0">
+            <a:scrgbClr r="0" g="0" b="0"/>
+          </a:effectRef>
           <a:fontRef idx="minor"/>
         </p:style>
+        <p:txBody>
+          <a:bodyPr/>
+          <a:lstStyle/>
+          <a:p>
+            <a:endParaRPr lang="en-US"/>
+          </a:p>
+        </p:txBody>
       </p:sp>
       <p:sp>
         <p:nvSpPr>
@@ -10057,9 +11227,9 @@
           <a:prstGeom prst="line">
             <a:avLst/>
           </a:prstGeom>
-          <a:ln cap="sq" w="25400">
+          <a:ln w="25400" cap="sq">
             <a:solidFill>
-              <a:srgbClr val="ffffff"/>
+              <a:srgbClr val="FFFFFF"/>
             </a:solidFill>
             <a:bevel/>
           </a:ln>
@@ -10076,17 +11246,19 @@
           </a:effectRef>
           <a:fontRef idx="minor"/>
         </p:style>
+        <p:txBody>
+          <a:bodyPr/>
+          <a:lstStyle/>
+          <a:p>
+            <a:endParaRPr lang="en-US"/>
+          </a:p>
+        </p:txBody>
       </p:sp>
     </p:spTree>
   </p:cSld>
-  <mc:AlternateContent>
-    <mc:Choice Requires="p14">
-      <p:transition spd="slow" p14:dur="2000"/>
-    </mc:Choice>
-    <mc:Fallback>
-      <p:transition spd="slow"/>
-    </mc:Fallback>
-  </mc:AlternateContent>
+  <p:clrMapOvr>
+    <a:masterClrMapping/>
+  </p:clrMapOvr>
 </p:sld>
 </file>
 
@@ -10101,34 +11273,34 @@
         <a:sysClr val="window" lastClr="FFFFFF"/>
       </a:lt1>
       <a:dk2>
-        <a:srgbClr val="335b74"/>
+        <a:srgbClr val="335B74"/>
       </a:dk2>
       <a:lt2>
-        <a:srgbClr val="dfe3e5"/>
+        <a:srgbClr val="DFE3E5"/>
       </a:lt2>
       <a:accent1>
-        <a:srgbClr val="1cade4"/>
+        <a:srgbClr val="1CADE4"/>
       </a:accent1>
       <a:accent2>
-        <a:srgbClr val="2683c6"/>
+        <a:srgbClr val="2683C6"/>
       </a:accent2>
       <a:accent3>
-        <a:srgbClr val="27ced7"/>
+        <a:srgbClr val="27CED7"/>
       </a:accent3>
       <a:accent4>
-        <a:srgbClr val="42ba97"/>
+        <a:srgbClr val="42BA97"/>
       </a:accent4>
       <a:accent5>
-        <a:srgbClr val="3e8853"/>
+        <a:srgbClr val="3E8853"/>
       </a:accent5>
       <a:accent6>
-        <a:srgbClr val="62a39f"/>
+        <a:srgbClr val="62A39F"/>
       </a:accent6>
       <a:hlink>
-        <a:srgbClr val="6eac1c"/>
+        <a:srgbClr val="6EAC1C"/>
       </a:hlink>
       <a:folHlink>
-        <a:srgbClr val="b26b02"/>
+        <a:srgbClr val="B26B02"/>
       </a:folHlink>
     </a:clrScheme>
     <a:fontScheme name="Office">
@@ -10313,6 +11485,8 @@
       </a:bgFillStyleLst>
     </a:fmtScheme>
   </a:themeElements>
+  <a:objectDefaults/>
+  <a:extraClrSchemeLst/>
 </a:theme>
 </file>
 
@@ -10327,34 +11501,34 @@
         <a:sysClr val="window" lastClr="FFFFFF"/>
       </a:lt1>
       <a:dk2>
-        <a:srgbClr val="335b74"/>
+        <a:srgbClr val="335B74"/>
       </a:dk2>
       <a:lt2>
-        <a:srgbClr val="dfe3e5"/>
+        <a:srgbClr val="DFE3E5"/>
       </a:lt2>
       <a:accent1>
-        <a:srgbClr val="1cade4"/>
+        <a:srgbClr val="1CADE4"/>
       </a:accent1>
       <a:accent2>
-        <a:srgbClr val="2683c6"/>
+        <a:srgbClr val="2683C6"/>
       </a:accent2>
       <a:accent3>
-        <a:srgbClr val="27ced7"/>
+        <a:srgbClr val="27CED7"/>
       </a:accent3>
       <a:accent4>
-        <a:srgbClr val="42ba97"/>
+        <a:srgbClr val="42BA97"/>
       </a:accent4>
       <a:accent5>
-        <a:srgbClr val="3e8853"/>
+        <a:srgbClr val="3E8853"/>
       </a:accent5>
       <a:accent6>
-        <a:srgbClr val="62a39f"/>
+        <a:srgbClr val="62A39F"/>
       </a:accent6>
       <a:hlink>
-        <a:srgbClr val="6eac1c"/>
+        <a:srgbClr val="6EAC1C"/>
       </a:hlink>
       <a:folHlink>
-        <a:srgbClr val="b26b02"/>
+        <a:srgbClr val="B26B02"/>
       </a:folHlink>
     </a:clrScheme>
     <a:fontScheme name="Office">
@@ -10539,5 +11713,7 @@
       </a:bgFillStyleLst>
     </a:fmtScheme>
   </a:themeElements>
+  <a:objectDefaults/>
+  <a:extraClrSchemeLst/>
 </a:theme>
 </file>
--- a/534-Slides.pptx
+++ b/534-Slides.pptx
@@ -6,6 +6,9 @@
     <p:sldMasterId id="2147483661" r:id="rId2"/>
     <p:sldMasterId id="2147483674" r:id="rId3"/>
   </p:sldMasterIdLst>
+  <p:notesMasterIdLst>
+    <p:notesMasterId r:id="rId15"/>
+  </p:notesMasterIdLst>
   <p:sldIdLst>
     <p:sldId id="256" r:id="rId4"/>
     <p:sldId id="257" r:id="rId5"/>
@@ -15,7 +18,9 @@
     <p:sldId id="264" r:id="rId9"/>
     <p:sldId id="260" r:id="rId10"/>
     <p:sldId id="261" r:id="rId11"/>
-    <p:sldId id="262" r:id="rId12"/>
+    <p:sldId id="266" r:id="rId12"/>
+    <p:sldId id="262" r:id="rId13"/>
+    <p:sldId id="267" r:id="rId14"/>
   </p:sldIdLst>
   <p:sldSz cx="12192000" cy="6858000"/>
   <p:notesSz cx="7772400" cy="10058400"/>
@@ -114,7 +119,445 @@
       </a:defRPr>
     </a:lvl9pPr>
   </p:defaultTextStyle>
+  <p:extLst>
+    <p:ext uri="{EFAFB233-063F-42B5-8137-9DF3F51BA10A}">
+      <p15:sldGuideLst xmlns:p15="http://schemas.microsoft.com/office/powerpoint/2012/main"/>
+    </p:ext>
+  </p:extLst>
 </p:presentation>
+</file>
+
+<file path=ppt/notesMasters/notesMaster1.xml><?xml version="1.0" encoding="utf-8"?>
+<p:notesMaster xmlns:a="http://schemas.openxmlformats.org/drawingml/2006/main" xmlns:r="http://schemas.openxmlformats.org/officeDocument/2006/relationships" xmlns:p="http://schemas.openxmlformats.org/presentationml/2006/main">
+  <p:cSld>
+    <p:bg>
+      <p:bgRef idx="1001">
+        <a:schemeClr val="bg1"/>
+      </p:bgRef>
+    </p:bg>
+    <p:spTree>
+      <p:nvGrpSpPr>
+        <p:cNvPr id="1" name=""/>
+        <p:cNvGrpSpPr/>
+        <p:nvPr/>
+      </p:nvGrpSpPr>
+      <p:grpSpPr>
+        <a:xfrm>
+          <a:off x="0" y="0"/>
+          <a:ext cx="0" cy="0"/>
+          <a:chOff x="0" y="0"/>
+          <a:chExt cx="0" cy="0"/>
+        </a:xfrm>
+      </p:grpSpPr>
+      <p:sp>
+        <p:nvSpPr>
+          <p:cNvPr id="2" name="Header Placeholder 1"/>
+          <p:cNvSpPr>
+            <a:spLocks noGrp="1"/>
+          </p:cNvSpPr>
+          <p:nvPr>
+            <p:ph type="hdr" sz="quarter"/>
+          </p:nvPr>
+        </p:nvSpPr>
+        <p:spPr>
+          <a:xfrm>
+            <a:off x="0" y="0"/>
+            <a:ext cx="3368675" cy="504825"/>
+          </a:xfrm>
+          <a:prstGeom prst="rect">
+            <a:avLst/>
+          </a:prstGeom>
+        </p:spPr>
+        <p:txBody>
+          <a:bodyPr vert="horz" lIns="91440" tIns="45720" rIns="91440" bIns="45720" rtlCol="0"/>
+          <a:lstStyle>
+            <a:lvl1pPr algn="l">
+              <a:defRPr sz="1200"/>
+            </a:lvl1pPr>
+          </a:lstStyle>
+          <a:p>
+            <a:endParaRPr lang="en-US"/>
+          </a:p>
+        </p:txBody>
+      </p:sp>
+      <p:sp>
+        <p:nvSpPr>
+          <p:cNvPr id="3" name="Date Placeholder 2"/>
+          <p:cNvSpPr>
+            <a:spLocks noGrp="1"/>
+          </p:cNvSpPr>
+          <p:nvPr>
+            <p:ph type="dt" idx="1"/>
+          </p:nvPr>
+        </p:nvSpPr>
+        <p:spPr>
+          <a:xfrm>
+            <a:off x="4402138" y="0"/>
+            <a:ext cx="3368675" cy="504825"/>
+          </a:xfrm>
+          <a:prstGeom prst="rect">
+            <a:avLst/>
+          </a:prstGeom>
+        </p:spPr>
+        <p:txBody>
+          <a:bodyPr vert="horz" lIns="91440" tIns="45720" rIns="91440" bIns="45720" rtlCol="0"/>
+          <a:lstStyle>
+            <a:lvl1pPr algn="r">
+              <a:defRPr sz="1200"/>
+            </a:lvl1pPr>
+          </a:lstStyle>
+          <a:p>
+            <a:fld id="{0C2BAF95-7A3D-C840-BE3F-FF4874FB19FD}" type="datetimeFigureOut">
+              <a:rPr lang="en-US" smtClean="0"/>
+              <a:t>2/5/24</a:t>
+            </a:fld>
+            <a:endParaRPr lang="en-US"/>
+          </a:p>
+        </p:txBody>
+      </p:sp>
+      <p:sp>
+        <p:nvSpPr>
+          <p:cNvPr id="4" name="Slide Image Placeholder 3"/>
+          <p:cNvSpPr>
+            <a:spLocks noGrp="1" noRot="1" noChangeAspect="1"/>
+          </p:cNvSpPr>
+          <p:nvPr>
+            <p:ph type="sldImg" idx="2"/>
+          </p:nvPr>
+        </p:nvSpPr>
+        <p:spPr>
+          <a:xfrm>
+            <a:off x="869950" y="1257300"/>
+            <a:ext cx="6032500" cy="3394075"/>
+          </a:xfrm>
+          <a:prstGeom prst="rect">
+            <a:avLst/>
+          </a:prstGeom>
+          <a:noFill/>
+          <a:ln w="12700">
+            <a:solidFill>
+              <a:prstClr val="black"/>
+            </a:solidFill>
+          </a:ln>
+        </p:spPr>
+        <p:txBody>
+          <a:bodyPr vert="horz" lIns="91440" tIns="45720" rIns="91440" bIns="45720" rtlCol="0" anchor="ctr"/>
+          <a:lstStyle/>
+          <a:p>
+            <a:endParaRPr lang="en-US"/>
+          </a:p>
+        </p:txBody>
+      </p:sp>
+      <p:sp>
+        <p:nvSpPr>
+          <p:cNvPr id="5" name="Notes Placeholder 4"/>
+          <p:cNvSpPr>
+            <a:spLocks noGrp="1"/>
+          </p:cNvSpPr>
+          <p:nvPr>
+            <p:ph type="body" sz="quarter" idx="3"/>
+          </p:nvPr>
+        </p:nvSpPr>
+        <p:spPr>
+          <a:xfrm>
+            <a:off x="777875" y="4840288"/>
+            <a:ext cx="6216650" cy="3960812"/>
+          </a:xfrm>
+          <a:prstGeom prst="rect">
+            <a:avLst/>
+          </a:prstGeom>
+        </p:spPr>
+        <p:txBody>
+          <a:bodyPr vert="horz" lIns="91440" tIns="45720" rIns="91440" bIns="45720" rtlCol="0"/>
+          <a:lstStyle/>
+          <a:p>
+            <a:pPr lvl="0"/>
+            <a:r>
+              <a:rPr lang="en-US"/>
+              <a:t>Click to edit Master text styles</a:t>
+            </a:r>
+          </a:p>
+          <a:p>
+            <a:pPr lvl="1"/>
+            <a:r>
+              <a:rPr lang="en-US"/>
+              <a:t>Second level</a:t>
+            </a:r>
+          </a:p>
+          <a:p>
+            <a:pPr lvl="2"/>
+            <a:r>
+              <a:rPr lang="en-US"/>
+              <a:t>Third level</a:t>
+            </a:r>
+          </a:p>
+          <a:p>
+            <a:pPr lvl="3"/>
+            <a:r>
+              <a:rPr lang="en-US"/>
+              <a:t>Fourth level</a:t>
+            </a:r>
+          </a:p>
+          <a:p>
+            <a:pPr lvl="4"/>
+            <a:r>
+              <a:rPr lang="en-US"/>
+              <a:t>Fifth level</a:t>
+            </a:r>
+          </a:p>
+        </p:txBody>
+      </p:sp>
+      <p:sp>
+        <p:nvSpPr>
+          <p:cNvPr id="6" name="Footer Placeholder 5"/>
+          <p:cNvSpPr>
+            <a:spLocks noGrp="1"/>
+          </p:cNvSpPr>
+          <p:nvPr>
+            <p:ph type="ftr" sz="quarter" idx="4"/>
+          </p:nvPr>
+        </p:nvSpPr>
+        <p:spPr>
+          <a:xfrm>
+            <a:off x="0" y="9553575"/>
+            <a:ext cx="3368675" cy="504825"/>
+          </a:xfrm>
+          <a:prstGeom prst="rect">
+            <a:avLst/>
+          </a:prstGeom>
+        </p:spPr>
+        <p:txBody>
+          <a:bodyPr vert="horz" lIns="91440" tIns="45720" rIns="91440" bIns="45720" rtlCol="0" anchor="b"/>
+          <a:lstStyle>
+            <a:lvl1pPr algn="l">
+              <a:defRPr sz="1200"/>
+            </a:lvl1pPr>
+          </a:lstStyle>
+          <a:p>
+            <a:endParaRPr lang="en-US"/>
+          </a:p>
+        </p:txBody>
+      </p:sp>
+      <p:sp>
+        <p:nvSpPr>
+          <p:cNvPr id="7" name="Slide Number Placeholder 6"/>
+          <p:cNvSpPr>
+            <a:spLocks noGrp="1"/>
+          </p:cNvSpPr>
+          <p:nvPr>
+            <p:ph type="sldNum" sz="quarter" idx="5"/>
+          </p:nvPr>
+        </p:nvSpPr>
+        <p:spPr>
+          <a:xfrm>
+            <a:off x="4402138" y="9553575"/>
+            <a:ext cx="3368675" cy="504825"/>
+          </a:xfrm>
+          <a:prstGeom prst="rect">
+            <a:avLst/>
+          </a:prstGeom>
+        </p:spPr>
+        <p:txBody>
+          <a:bodyPr vert="horz" lIns="91440" tIns="45720" rIns="91440" bIns="45720" rtlCol="0" anchor="b"/>
+          <a:lstStyle>
+            <a:lvl1pPr algn="r">
+              <a:defRPr sz="1200"/>
+            </a:lvl1pPr>
+          </a:lstStyle>
+          <a:p>
+            <a:fld id="{1646B5C1-B17B-DC40-840F-0A0326C58183}" type="slidenum">
+              <a:rPr lang="en-US" smtClean="0"/>
+              <a:t>‹#›</a:t>
+            </a:fld>
+            <a:endParaRPr lang="en-US"/>
+          </a:p>
+        </p:txBody>
+      </p:sp>
+    </p:spTree>
+    <p:extLst>
+      <p:ext uri="{BB962C8B-B14F-4D97-AF65-F5344CB8AC3E}">
+        <p14:creationId xmlns:p14="http://schemas.microsoft.com/office/powerpoint/2010/main" val="262757359"/>
+      </p:ext>
+    </p:extLst>
+  </p:cSld>
+  <p:clrMap bg1="lt1" tx1="dk1" bg2="lt2" tx2="dk2" accent1="accent1" accent2="accent2" accent3="accent3" accent4="accent4" accent5="accent5" accent6="accent6" hlink="hlink" folHlink="folHlink"/>
+  <p:notesStyle>
+    <a:lvl1pPr marL="0" algn="l" defTabSz="914400" rtl="0" eaLnBrk="1" latinLnBrk="0" hangingPunct="1">
+      <a:defRPr sz="1200" kern="1200">
+        <a:solidFill>
+          <a:schemeClr val="tx1"/>
+        </a:solidFill>
+        <a:latin typeface="+mn-lt"/>
+        <a:ea typeface="+mn-ea"/>
+        <a:cs typeface="+mn-cs"/>
+      </a:defRPr>
+    </a:lvl1pPr>
+    <a:lvl2pPr marL="457200" algn="l" defTabSz="914400" rtl="0" eaLnBrk="1" latinLnBrk="0" hangingPunct="1">
+      <a:defRPr sz="1200" kern="1200">
+        <a:solidFill>
+          <a:schemeClr val="tx1"/>
+        </a:solidFill>
+        <a:latin typeface="+mn-lt"/>
+        <a:ea typeface="+mn-ea"/>
+        <a:cs typeface="+mn-cs"/>
+      </a:defRPr>
+    </a:lvl2pPr>
+    <a:lvl3pPr marL="914400" algn="l" defTabSz="914400" rtl="0" eaLnBrk="1" latinLnBrk="0" hangingPunct="1">
+      <a:defRPr sz="1200" kern="1200">
+        <a:solidFill>
+          <a:schemeClr val="tx1"/>
+        </a:solidFill>
+        <a:latin typeface="+mn-lt"/>
+        <a:ea typeface="+mn-ea"/>
+        <a:cs typeface="+mn-cs"/>
+      </a:defRPr>
+    </a:lvl3pPr>
+    <a:lvl4pPr marL="1371600" algn="l" defTabSz="914400" rtl="0" eaLnBrk="1" latinLnBrk="0" hangingPunct="1">
+      <a:defRPr sz="1200" kern="1200">
+        <a:solidFill>
+          <a:schemeClr val="tx1"/>
+        </a:solidFill>
+        <a:latin typeface="+mn-lt"/>
+        <a:ea typeface="+mn-ea"/>
+        <a:cs typeface="+mn-cs"/>
+      </a:defRPr>
+    </a:lvl4pPr>
+    <a:lvl5pPr marL="1828800" algn="l" defTabSz="914400" rtl="0" eaLnBrk="1" latinLnBrk="0" hangingPunct="1">
+      <a:defRPr sz="1200" kern="1200">
+        <a:solidFill>
+          <a:schemeClr val="tx1"/>
+        </a:solidFill>
+        <a:latin typeface="+mn-lt"/>
+        <a:ea typeface="+mn-ea"/>
+        <a:cs typeface="+mn-cs"/>
+      </a:defRPr>
+    </a:lvl5pPr>
+    <a:lvl6pPr marL="2286000" algn="l" defTabSz="914400" rtl="0" eaLnBrk="1" latinLnBrk="0" hangingPunct="1">
+      <a:defRPr sz="1200" kern="1200">
+        <a:solidFill>
+          <a:schemeClr val="tx1"/>
+        </a:solidFill>
+        <a:latin typeface="+mn-lt"/>
+        <a:ea typeface="+mn-ea"/>
+        <a:cs typeface="+mn-cs"/>
+      </a:defRPr>
+    </a:lvl6pPr>
+    <a:lvl7pPr marL="2743200" algn="l" defTabSz="914400" rtl="0" eaLnBrk="1" latinLnBrk="0" hangingPunct="1">
+      <a:defRPr sz="1200" kern="1200">
+        <a:solidFill>
+          <a:schemeClr val="tx1"/>
+        </a:solidFill>
+        <a:latin typeface="+mn-lt"/>
+        <a:ea typeface="+mn-ea"/>
+        <a:cs typeface="+mn-cs"/>
+      </a:defRPr>
+    </a:lvl7pPr>
+    <a:lvl8pPr marL="3200400" algn="l" defTabSz="914400" rtl="0" eaLnBrk="1" latinLnBrk="0" hangingPunct="1">
+      <a:defRPr sz="1200" kern="1200">
+        <a:solidFill>
+          <a:schemeClr val="tx1"/>
+        </a:solidFill>
+        <a:latin typeface="+mn-lt"/>
+        <a:ea typeface="+mn-ea"/>
+        <a:cs typeface="+mn-cs"/>
+      </a:defRPr>
+    </a:lvl8pPr>
+    <a:lvl9pPr marL="3657600" algn="l" defTabSz="914400" rtl="0" eaLnBrk="1" latinLnBrk="0" hangingPunct="1">
+      <a:defRPr sz="1200" kern="1200">
+        <a:solidFill>
+          <a:schemeClr val="tx1"/>
+        </a:solidFill>
+        <a:latin typeface="+mn-lt"/>
+        <a:ea typeface="+mn-ea"/>
+        <a:cs typeface="+mn-cs"/>
+      </a:defRPr>
+    </a:lvl9pPr>
+  </p:notesStyle>
+</p:notesMaster>
+</file>
+
+<file path=ppt/notesSlides/notesSlide1.xml><?xml version="1.0" encoding="utf-8"?>
+<p:notes xmlns:a="http://schemas.openxmlformats.org/drawingml/2006/main" xmlns:r="http://schemas.openxmlformats.org/officeDocument/2006/relationships" xmlns:p="http://schemas.openxmlformats.org/presentationml/2006/main">
+  <p:cSld>
+    <p:spTree>
+      <p:nvGrpSpPr>
+        <p:cNvPr id="1" name=""/>
+        <p:cNvGrpSpPr/>
+        <p:nvPr/>
+      </p:nvGrpSpPr>
+      <p:grpSpPr>
+        <a:xfrm>
+          <a:off x="0" y="0"/>
+          <a:ext cx="0" cy="0"/>
+          <a:chOff x="0" y="0"/>
+          <a:chExt cx="0" cy="0"/>
+        </a:xfrm>
+      </p:grpSpPr>
+      <p:sp>
+        <p:nvSpPr>
+          <p:cNvPr id="2" name="Slide Image Placeholder 1"/>
+          <p:cNvSpPr>
+            <a:spLocks noGrp="1" noRot="1" noChangeAspect="1"/>
+          </p:cNvSpPr>
+          <p:nvPr>
+            <p:ph type="sldImg"/>
+          </p:nvPr>
+        </p:nvSpPr>
+        <p:spPr/>
+      </p:sp>
+      <p:sp>
+        <p:nvSpPr>
+          <p:cNvPr id="3" name="Notes Placeholder 2"/>
+          <p:cNvSpPr>
+            <a:spLocks noGrp="1"/>
+          </p:cNvSpPr>
+          <p:nvPr>
+            <p:ph type="body" idx="1"/>
+          </p:nvPr>
+        </p:nvSpPr>
+        <p:spPr/>
+        <p:txBody>
+          <a:bodyPr/>
+          <a:lstStyle/>
+          <a:p>
+            <a:endParaRPr lang="en-US" dirty="0"/>
+          </a:p>
+        </p:txBody>
+      </p:sp>
+      <p:sp>
+        <p:nvSpPr>
+          <p:cNvPr id="4" name="Slide Number Placeholder 3"/>
+          <p:cNvSpPr>
+            <a:spLocks noGrp="1"/>
+          </p:cNvSpPr>
+          <p:nvPr>
+            <p:ph type="sldNum" sz="quarter" idx="5"/>
+          </p:nvPr>
+        </p:nvSpPr>
+        <p:spPr/>
+        <p:txBody>
+          <a:bodyPr/>
+          <a:lstStyle/>
+          <a:p>
+            <a:fld id="{1646B5C1-B17B-DC40-840F-0A0326C58183}" type="slidenum">
+              <a:rPr lang="en-US" smtClean="0"/>
+              <a:t>9</a:t>
+            </a:fld>
+            <a:endParaRPr lang="en-US"/>
+          </a:p>
+        </p:txBody>
+      </p:sp>
+    </p:spTree>
+    <p:extLst>
+      <p:ext uri="{BB962C8B-B14F-4D97-AF65-F5344CB8AC3E}">
+        <p14:creationId xmlns:p14="http://schemas.microsoft.com/office/powerpoint/2010/main" val="1174735373"/>
+      </p:ext>
+    </p:extLst>
+  </p:cSld>
+  <p:clrMapOvr>
+    <a:masterClrMapping/>
+  </p:clrMapOvr>
+</p:notes>
 </file>
 
 <file path=ppt/slideLayouts/slideLayout1.xml><?xml version="1.0" encoding="utf-8"?>
@@ -11015,6 +11458,1661 @@
 </p:sld>
 </file>
 
+<file path=ppt/slides/slide10.xml><?xml version="1.0" encoding="utf-8"?>
+<p:sld xmlns:a="http://schemas.openxmlformats.org/drawingml/2006/main" xmlns:r="http://schemas.openxmlformats.org/officeDocument/2006/relationships" xmlns:p="http://schemas.openxmlformats.org/presentationml/2006/main">
+  <p:cSld>
+    <p:bg>
+      <p:bgPr>
+        <a:solidFill>
+          <a:srgbClr val="FFFFFF"/>
+        </a:solidFill>
+        <a:effectLst/>
+      </p:bgPr>
+    </p:bg>
+    <p:spTree>
+      <p:nvGrpSpPr>
+        <p:cNvPr id="1" name=""/>
+        <p:cNvGrpSpPr/>
+        <p:nvPr/>
+      </p:nvGrpSpPr>
+      <p:grpSpPr>
+        <a:xfrm>
+          <a:off x="0" y="0"/>
+          <a:ext cx="0" cy="0"/>
+          <a:chOff x="0" y="0"/>
+          <a:chExt cx="0" cy="0"/>
+        </a:xfrm>
+      </p:grpSpPr>
+      <p:sp>
+        <p:nvSpPr>
+          <p:cNvPr id="186" name="Straight Connector 7"/>
+          <p:cNvSpPr/>
+          <p:nvPr/>
+        </p:nvSpPr>
+        <p:spPr>
+          <a:xfrm>
+            <a:off x="715680" y="1113840"/>
+            <a:ext cx="360" cy="5735520"/>
+          </a:xfrm>
+          <a:prstGeom prst="line">
+            <a:avLst/>
+          </a:prstGeom>
+          <a:ln w="25400" cap="sq">
+            <a:solidFill>
+              <a:srgbClr val="2683C6"/>
+            </a:solidFill>
+            <a:bevel/>
+          </a:ln>
+        </p:spPr>
+        <p:style>
+          <a:lnRef idx="1">
+            <a:schemeClr val="accent1"/>
+          </a:lnRef>
+          <a:fillRef idx="0">
+            <a:schemeClr val="accent1"/>
+          </a:fillRef>
+          <a:effectRef idx="0">
+            <a:schemeClr val="accent1"/>
+          </a:effectRef>
+          <a:fontRef idx="minor"/>
+        </p:style>
+        <p:txBody>
+          <a:bodyPr/>
+          <a:lstStyle/>
+          <a:p>
+            <a:endParaRPr lang="en-US"/>
+          </a:p>
+        </p:txBody>
+      </p:sp>
+      <p:sp>
+        <p:nvSpPr>
+          <p:cNvPr id="187" name="Rectangle 9"/>
+          <p:cNvSpPr/>
+          <p:nvPr/>
+        </p:nvSpPr>
+        <p:spPr>
+          <a:xfrm>
+            <a:off x="0" y="0"/>
+            <a:ext cx="12191400" cy="6857280"/>
+          </a:xfrm>
+          <a:prstGeom prst="rect">
+            <a:avLst/>
+          </a:prstGeom>
+          <a:gradFill rotWithShape="0">
+            <a:gsLst>
+              <a:gs pos="0">
+                <a:srgbClr val="2683C6"/>
+              </a:gs>
+              <a:gs pos="100000">
+                <a:srgbClr val="42BA97"/>
+              </a:gs>
+            </a:gsLst>
+            <a:lin ang="2700000"/>
+          </a:gradFill>
+          <a:ln>
+            <a:noFill/>
+          </a:ln>
+        </p:spPr>
+        <p:style>
+          <a:lnRef idx="2">
+            <a:schemeClr val="accent1">
+              <a:shade val="50000"/>
+            </a:schemeClr>
+          </a:lnRef>
+          <a:fillRef idx="1">
+            <a:schemeClr val="accent1"/>
+          </a:fillRef>
+          <a:effectRef idx="0">
+            <a:schemeClr val="accent1"/>
+          </a:effectRef>
+          <a:fontRef idx="minor"/>
+        </p:style>
+        <p:txBody>
+          <a:bodyPr/>
+          <a:lstStyle/>
+          <a:p>
+            <a:endParaRPr lang="en-US"/>
+          </a:p>
+        </p:txBody>
+      </p:sp>
+      <p:sp>
+        <p:nvSpPr>
+          <p:cNvPr id="188" name="PlaceHolder 1"/>
+          <p:cNvSpPr>
+            <a:spLocks noGrp="1"/>
+          </p:cNvSpPr>
+          <p:nvPr>
+            <p:ph type="title"/>
+          </p:nvPr>
+        </p:nvSpPr>
+        <p:spPr>
+          <a:xfrm>
+            <a:off x="1522080" y="1209240"/>
+            <a:ext cx="9147240" cy="2336400"/>
+          </a:xfrm>
+          <a:prstGeom prst="rect">
+            <a:avLst/>
+          </a:prstGeom>
+          <a:noFill/>
+          <a:ln w="0">
+            <a:noFill/>
+          </a:ln>
+        </p:spPr>
+        <p:txBody>
+          <a:bodyPr lIns="90000" tIns="45000" rIns="90000" bIns="45000" anchor="b">
+            <a:normAutofit/>
+          </a:bodyPr>
+          <a:lstStyle/>
+          <a:p>
+            <a:pPr algn="ctr">
+              <a:lnSpc>
+                <a:spcPct val="90000"/>
+              </a:lnSpc>
+              <a:buNone/>
+            </a:pPr>
+            <a:r>
+              <a:rPr lang="en-US" sz="6000" b="1" strike="noStrike" cap="all" spc="-1" dirty="0">
+                <a:solidFill>
+                  <a:srgbClr val="FFFFFF"/>
+                </a:solidFill>
+                <a:latin typeface="Univers"/>
+                <a:ea typeface="DejaVu Sans"/>
+              </a:rPr>
+              <a:t>Demonstration</a:t>
+            </a:r>
+            <a:endParaRPr lang="en-US" sz="6000" b="0" strike="noStrike" spc="-1" dirty="0">
+              <a:solidFill>
+                <a:srgbClr val="000000"/>
+              </a:solidFill>
+              <a:latin typeface="Arial"/>
+            </a:endParaRPr>
+          </a:p>
+        </p:txBody>
+      </p:sp>
+      <p:sp>
+        <p:nvSpPr>
+          <p:cNvPr id="189" name="Graphic 22"/>
+          <p:cNvSpPr/>
+          <p:nvPr/>
+        </p:nvSpPr>
+        <p:spPr>
+          <a:xfrm>
+            <a:off x="1261800" y="2383200"/>
+            <a:ext cx="150840" cy="150840"/>
+          </a:xfrm>
+          <a:custGeom>
+            <a:avLst/>
+            <a:gdLst/>
+            <a:ahLst/>
+            <a:cxnLst/>
+            <a:rect l="l" t="t" r="r" b="b"/>
+            <a:pathLst>
+              <a:path w="151536" h="151536">
+                <a:moveTo>
+                  <a:pt x="141251" y="65483"/>
+                </a:moveTo>
+                <a:lnTo>
+                  <a:pt x="86053" y="65483"/>
+                </a:lnTo>
+                <a:lnTo>
+                  <a:pt x="86053" y="10285"/>
+                </a:lnTo>
+                <a:cubicBezTo>
+                  <a:pt x="86053" y="4605"/>
+                  <a:pt x="81448" y="0"/>
+                  <a:pt x="75768" y="0"/>
+                </a:cubicBezTo>
+                <a:cubicBezTo>
+                  <a:pt x="70088" y="0"/>
+                  <a:pt x="65483" y="4605"/>
+                  <a:pt x="65483" y="10285"/>
+                </a:cubicBezTo>
+                <a:lnTo>
+                  <a:pt x="65483" y="65483"/>
+                </a:lnTo>
+                <a:lnTo>
+                  <a:pt x="10285" y="65483"/>
+                </a:lnTo>
+                <a:cubicBezTo>
+                  <a:pt x="4605" y="65483"/>
+                  <a:pt x="0" y="70088"/>
+                  <a:pt x="0" y="75768"/>
+                </a:cubicBezTo>
+                <a:cubicBezTo>
+                  <a:pt x="0" y="81448"/>
+                  <a:pt x="4605" y="86053"/>
+                  <a:pt x="10285" y="86053"/>
+                </a:cubicBezTo>
+                <a:lnTo>
+                  <a:pt x="65483" y="86053"/>
+                </a:lnTo>
+                <a:lnTo>
+                  <a:pt x="65483" y="141251"/>
+                </a:lnTo>
+                <a:cubicBezTo>
+                  <a:pt x="65483" y="146931"/>
+                  <a:pt x="70088" y="151536"/>
+                  <a:pt x="75768" y="151536"/>
+                </a:cubicBezTo>
+                <a:cubicBezTo>
+                  <a:pt x="81448" y="151536"/>
+                  <a:pt x="86053" y="146931"/>
+                  <a:pt x="86053" y="141251"/>
+                </a:cubicBezTo>
+                <a:lnTo>
+                  <a:pt x="86053" y="86053"/>
+                </a:lnTo>
+                <a:lnTo>
+                  <a:pt x="141251" y="86053"/>
+                </a:lnTo>
+                <a:cubicBezTo>
+                  <a:pt x="146931" y="86053"/>
+                  <a:pt x="151536" y="81448"/>
+                  <a:pt x="151536" y="75768"/>
+                </a:cubicBezTo>
+                <a:cubicBezTo>
+                  <a:pt x="151536" y="70088"/>
+                  <a:pt x="146931" y="65483"/>
+                  <a:pt x="141251" y="65483"/>
+                </a:cubicBezTo>
+                <a:close/>
+              </a:path>
+            </a:pathLst>
+          </a:custGeom>
+          <a:solidFill>
+            <a:schemeClr val="bg1"/>
+          </a:solidFill>
+          <a:ln w="646">
+            <a:noFill/>
+          </a:ln>
+        </p:spPr>
+        <p:style>
+          <a:lnRef idx="0">
+            <a:scrgbClr r="0" g="0" b="0"/>
+          </a:lnRef>
+          <a:fillRef idx="0">
+            <a:scrgbClr r="0" g="0" b="0"/>
+          </a:fillRef>
+          <a:effectRef idx="0">
+            <a:scrgbClr r="0" g="0" b="0"/>
+          </a:effectRef>
+          <a:fontRef idx="minor"/>
+        </p:style>
+        <p:txBody>
+          <a:bodyPr/>
+          <a:lstStyle/>
+          <a:p>
+            <a:endParaRPr lang="en-US"/>
+          </a:p>
+        </p:txBody>
+      </p:sp>
+      <p:sp>
+        <p:nvSpPr>
+          <p:cNvPr id="190" name="Graphic 13"/>
+          <p:cNvSpPr/>
+          <p:nvPr/>
+        </p:nvSpPr>
+        <p:spPr>
+          <a:xfrm>
+            <a:off x="10724400" y="2265480"/>
+            <a:ext cx="138240" cy="138240"/>
+          </a:xfrm>
+          <a:custGeom>
+            <a:avLst/>
+            <a:gdLst/>
+            <a:ahLst/>
+            <a:cxnLst/>
+            <a:rect l="l" t="t" r="r" b="b"/>
+            <a:pathLst>
+              <a:path w="139039" h="139039">
+                <a:moveTo>
+                  <a:pt x="129602" y="60082"/>
+                </a:moveTo>
+                <a:lnTo>
+                  <a:pt x="78957" y="60082"/>
+                </a:lnTo>
+                <a:lnTo>
+                  <a:pt x="78957" y="9437"/>
+                </a:lnTo>
+                <a:cubicBezTo>
+                  <a:pt x="78957" y="4225"/>
+                  <a:pt x="74731" y="0"/>
+                  <a:pt x="69520" y="0"/>
+                </a:cubicBezTo>
+                <a:cubicBezTo>
+                  <a:pt x="64308" y="0"/>
+                  <a:pt x="60082" y="4225"/>
+                  <a:pt x="60082" y="9437"/>
+                </a:cubicBezTo>
+                <a:lnTo>
+                  <a:pt x="60082" y="60082"/>
+                </a:lnTo>
+                <a:lnTo>
+                  <a:pt x="9437" y="60082"/>
+                </a:lnTo>
+                <a:cubicBezTo>
+                  <a:pt x="4225" y="60082"/>
+                  <a:pt x="0" y="64308"/>
+                  <a:pt x="0" y="69520"/>
+                </a:cubicBezTo>
+                <a:cubicBezTo>
+                  <a:pt x="0" y="74731"/>
+                  <a:pt x="4225" y="78957"/>
+                  <a:pt x="9437" y="78957"/>
+                </a:cubicBezTo>
+                <a:lnTo>
+                  <a:pt x="60082" y="78957"/>
+                </a:lnTo>
+                <a:lnTo>
+                  <a:pt x="60082" y="129602"/>
+                </a:lnTo>
+                <a:cubicBezTo>
+                  <a:pt x="60082" y="134814"/>
+                  <a:pt x="64308" y="139039"/>
+                  <a:pt x="69520" y="139039"/>
+                </a:cubicBezTo>
+                <a:cubicBezTo>
+                  <a:pt x="74731" y="139039"/>
+                  <a:pt x="78957" y="134814"/>
+                  <a:pt x="78957" y="129602"/>
+                </a:cubicBezTo>
+                <a:lnTo>
+                  <a:pt x="78957" y="78957"/>
+                </a:lnTo>
+                <a:lnTo>
+                  <a:pt x="129602" y="78957"/>
+                </a:lnTo>
+                <a:cubicBezTo>
+                  <a:pt x="134814" y="78957"/>
+                  <a:pt x="139039" y="74731"/>
+                  <a:pt x="139039" y="69520"/>
+                </a:cubicBezTo>
+                <a:cubicBezTo>
+                  <a:pt x="139039" y="64308"/>
+                  <a:pt x="134814" y="60082"/>
+                  <a:pt x="129602" y="60082"/>
+                </a:cubicBezTo>
+                <a:close/>
+              </a:path>
+            </a:pathLst>
+          </a:custGeom>
+          <a:solidFill>
+            <a:schemeClr val="bg1"/>
+          </a:solidFill>
+          <a:ln w="603">
+            <a:noFill/>
+          </a:ln>
+        </p:spPr>
+        <p:style>
+          <a:lnRef idx="0">
+            <a:scrgbClr r="0" g="0" b="0"/>
+          </a:lnRef>
+          <a:fillRef idx="0">
+            <a:scrgbClr r="0" g="0" b="0"/>
+          </a:fillRef>
+          <a:effectRef idx="0">
+            <a:scrgbClr r="0" g="0" b="0"/>
+          </a:effectRef>
+          <a:fontRef idx="minor"/>
+        </p:style>
+        <p:txBody>
+          <a:bodyPr/>
+          <a:lstStyle/>
+          <a:p>
+            <a:endParaRPr lang="en-US"/>
+          </a:p>
+        </p:txBody>
+      </p:sp>
+      <p:sp>
+        <p:nvSpPr>
+          <p:cNvPr id="191" name="Graphic 15"/>
+          <p:cNvSpPr/>
+          <p:nvPr/>
+        </p:nvSpPr>
+        <p:spPr>
+          <a:xfrm>
+            <a:off x="11025000" y="2537280"/>
+            <a:ext cx="127080" cy="127080"/>
+          </a:xfrm>
+          <a:custGeom>
+            <a:avLst/>
+            <a:gdLst/>
+            <a:ahLst/>
+            <a:cxnLst/>
+            <a:rect l="l" t="t" r="r" b="b"/>
+            <a:pathLst>
+              <a:path w="127714" h="127714">
+                <a:moveTo>
+                  <a:pt x="63857" y="18874"/>
+                </a:moveTo>
+                <a:cubicBezTo>
+                  <a:pt x="88700" y="18874"/>
+                  <a:pt x="108840" y="39014"/>
+                  <a:pt x="108840" y="63857"/>
+                </a:cubicBezTo>
+                <a:cubicBezTo>
+                  <a:pt x="108840" y="88700"/>
+                  <a:pt x="88700" y="108840"/>
+                  <a:pt x="63857" y="108840"/>
+                </a:cubicBezTo>
+                <a:cubicBezTo>
+                  <a:pt x="39014" y="108840"/>
+                  <a:pt x="18874" y="88700"/>
+                  <a:pt x="18874" y="63857"/>
+                </a:cubicBezTo>
+                <a:cubicBezTo>
+                  <a:pt x="18898" y="39024"/>
+                  <a:pt x="39024" y="18898"/>
+                  <a:pt x="63857" y="18874"/>
+                </a:cubicBezTo>
+                <a:moveTo>
+                  <a:pt x="63857" y="0"/>
+                </a:moveTo>
+                <a:cubicBezTo>
+                  <a:pt x="28590" y="0"/>
+                  <a:pt x="0" y="28590"/>
+                  <a:pt x="0" y="63857"/>
+                </a:cubicBezTo>
+                <a:cubicBezTo>
+                  <a:pt x="0" y="99124"/>
+                  <a:pt x="28590" y="127714"/>
+                  <a:pt x="63857" y="127714"/>
+                </a:cubicBezTo>
+                <a:cubicBezTo>
+                  <a:pt x="99124" y="127714"/>
+                  <a:pt x="127714" y="99124"/>
+                  <a:pt x="127714" y="63857"/>
+                </a:cubicBezTo>
+                <a:cubicBezTo>
+                  <a:pt x="127714" y="28590"/>
+                  <a:pt x="99124" y="0"/>
+                  <a:pt x="63857" y="0"/>
+                </a:cubicBezTo>
+                <a:close/>
+              </a:path>
+            </a:pathLst>
+          </a:custGeom>
+          <a:solidFill>
+            <a:schemeClr val="bg1"/>
+          </a:solidFill>
+          <a:ln w="610">
+            <a:noFill/>
+          </a:ln>
+        </p:spPr>
+        <p:style>
+          <a:lnRef idx="0">
+            <a:scrgbClr r="0" g="0" b="0"/>
+          </a:lnRef>
+          <a:fillRef idx="0">
+            <a:scrgbClr r="0" g="0" b="0"/>
+          </a:fillRef>
+          <a:effectRef idx="0">
+            <a:scrgbClr r="0" g="0" b="0"/>
+          </a:effectRef>
+          <a:fontRef idx="minor"/>
+        </p:style>
+        <p:txBody>
+          <a:bodyPr/>
+          <a:lstStyle/>
+          <a:p>
+            <a:endParaRPr lang="en-US"/>
+          </a:p>
+        </p:txBody>
+      </p:sp>
+      <p:sp>
+        <p:nvSpPr>
+          <p:cNvPr id="192" name="Graphic 21"/>
+          <p:cNvSpPr/>
+          <p:nvPr/>
+        </p:nvSpPr>
+        <p:spPr>
+          <a:xfrm>
+            <a:off x="1064160" y="2832840"/>
+            <a:ext cx="95040" cy="95040"/>
+          </a:xfrm>
+          <a:custGeom>
+            <a:avLst/>
+            <a:gdLst/>
+            <a:ahLst/>
+            <a:cxnLst/>
+            <a:rect l="l" t="t" r="r" b="b"/>
+            <a:pathLst>
+              <a:path w="95759" h="95759">
+                <a:moveTo>
+                  <a:pt x="95759" y="47880"/>
+                </a:moveTo>
+                <a:cubicBezTo>
+                  <a:pt x="95759" y="74323"/>
+                  <a:pt x="74323" y="95759"/>
+                  <a:pt x="47880" y="95759"/>
+                </a:cubicBezTo>
+                <a:cubicBezTo>
+                  <a:pt x="21436" y="95759"/>
+                  <a:pt x="0" y="74323"/>
+                  <a:pt x="0" y="47880"/>
+                </a:cubicBezTo>
+                <a:cubicBezTo>
+                  <a:pt x="0" y="21436"/>
+                  <a:pt x="21436" y="0"/>
+                  <a:pt x="47880" y="0"/>
+                </a:cubicBezTo>
+                <a:cubicBezTo>
+                  <a:pt x="74323" y="0"/>
+                  <a:pt x="95759" y="21436"/>
+                  <a:pt x="95759" y="47880"/>
+                </a:cubicBezTo>
+                <a:close/>
+              </a:path>
+            </a:pathLst>
+          </a:custGeom>
+          <a:solidFill>
+            <a:schemeClr val="bg1"/>
+          </a:solidFill>
+          <a:ln w="0">
+            <a:noFill/>
+          </a:ln>
+        </p:spPr>
+        <p:style>
+          <a:lnRef idx="0">
+            <a:scrgbClr r="0" g="0" b="0"/>
+          </a:lnRef>
+          <a:fillRef idx="0">
+            <a:scrgbClr r="0" g="0" b="0"/>
+          </a:fillRef>
+          <a:effectRef idx="0">
+            <a:scrgbClr r="0" g="0" b="0"/>
+          </a:effectRef>
+          <a:fontRef idx="minor"/>
+        </p:style>
+        <p:txBody>
+          <a:bodyPr/>
+          <a:lstStyle/>
+          <a:p>
+            <a:endParaRPr lang="en-US"/>
+          </a:p>
+        </p:txBody>
+      </p:sp>
+      <p:sp>
+        <p:nvSpPr>
+          <p:cNvPr id="193" name="Graphic 12"/>
+          <p:cNvSpPr/>
+          <p:nvPr/>
+        </p:nvSpPr>
+        <p:spPr>
+          <a:xfrm>
+            <a:off x="10772280" y="2804040"/>
+            <a:ext cx="90360" cy="90360"/>
+          </a:xfrm>
+          <a:custGeom>
+            <a:avLst/>
+            <a:gdLst/>
+            <a:ahLst/>
+            <a:cxnLst/>
+            <a:rect l="l" t="t" r="r" b="b"/>
+            <a:pathLst>
+              <a:path w="91138" h="91138">
+                <a:moveTo>
+                  <a:pt x="91138" y="45569"/>
+                </a:moveTo>
+                <a:cubicBezTo>
+                  <a:pt x="91138" y="70736"/>
+                  <a:pt x="70736" y="91138"/>
+                  <a:pt x="45569" y="91138"/>
+                </a:cubicBezTo>
+                <a:cubicBezTo>
+                  <a:pt x="20402" y="91138"/>
+                  <a:pt x="0" y="70736"/>
+                  <a:pt x="0" y="45569"/>
+                </a:cubicBezTo>
+                <a:cubicBezTo>
+                  <a:pt x="0" y="20402"/>
+                  <a:pt x="20402" y="0"/>
+                  <a:pt x="45569" y="0"/>
+                </a:cubicBezTo>
+                <a:cubicBezTo>
+                  <a:pt x="70736" y="0"/>
+                  <a:pt x="91138" y="20402"/>
+                  <a:pt x="91138" y="45569"/>
+                </a:cubicBezTo>
+                <a:close/>
+              </a:path>
+            </a:pathLst>
+          </a:custGeom>
+          <a:solidFill>
+            <a:schemeClr val="bg1"/>
+          </a:solidFill>
+          <a:ln w="0">
+            <a:noFill/>
+          </a:ln>
+        </p:spPr>
+        <p:style>
+          <a:lnRef idx="0">
+            <a:scrgbClr r="0" g="0" b="0"/>
+          </a:lnRef>
+          <a:fillRef idx="0">
+            <a:scrgbClr r="0" g="0" b="0"/>
+          </a:fillRef>
+          <a:effectRef idx="0">
+            <a:scrgbClr r="0" g="0" b="0"/>
+          </a:effectRef>
+          <a:fontRef idx="minor"/>
+        </p:style>
+        <p:txBody>
+          <a:bodyPr/>
+          <a:lstStyle/>
+          <a:p>
+            <a:endParaRPr lang="en-US"/>
+          </a:p>
+        </p:txBody>
+      </p:sp>
+      <p:sp>
+        <p:nvSpPr>
+          <p:cNvPr id="194" name="Graphic 23"/>
+          <p:cNvSpPr/>
+          <p:nvPr/>
+        </p:nvSpPr>
+        <p:spPr>
+          <a:xfrm>
+            <a:off x="1413360" y="3242520"/>
+            <a:ext cx="108000" cy="108000"/>
+          </a:xfrm>
+          <a:custGeom>
+            <a:avLst/>
+            <a:gdLst/>
+            <a:ahLst/>
+            <a:cxnLst/>
+            <a:rect l="l" t="t" r="r" b="b"/>
+            <a:pathLst>
+              <a:path w="108625" h="108625">
+                <a:moveTo>
+                  <a:pt x="54313" y="16053"/>
+                </a:moveTo>
+                <a:cubicBezTo>
+                  <a:pt x="75442" y="16053"/>
+                  <a:pt x="92572" y="33182"/>
+                  <a:pt x="92572" y="54313"/>
+                </a:cubicBezTo>
+                <a:cubicBezTo>
+                  <a:pt x="92572" y="75442"/>
+                  <a:pt x="75442" y="92572"/>
+                  <a:pt x="54313" y="92572"/>
+                </a:cubicBezTo>
+                <a:cubicBezTo>
+                  <a:pt x="33182" y="92572"/>
+                  <a:pt x="16053" y="75442"/>
+                  <a:pt x="16053" y="54313"/>
+                </a:cubicBezTo>
+                <a:cubicBezTo>
+                  <a:pt x="16074" y="33191"/>
+                  <a:pt x="33191" y="16074"/>
+                  <a:pt x="54313" y="16053"/>
+                </a:cubicBezTo>
+                <a:moveTo>
+                  <a:pt x="54313" y="0"/>
+                </a:moveTo>
+                <a:cubicBezTo>
+                  <a:pt x="24317" y="0"/>
+                  <a:pt x="0" y="24317"/>
+                  <a:pt x="0" y="54313"/>
+                </a:cubicBezTo>
+                <a:cubicBezTo>
+                  <a:pt x="0" y="84309"/>
+                  <a:pt x="24317" y="108625"/>
+                  <a:pt x="54313" y="108625"/>
+                </a:cubicBezTo>
+                <a:cubicBezTo>
+                  <a:pt x="84309" y="108625"/>
+                  <a:pt x="108625" y="84309"/>
+                  <a:pt x="108625" y="54313"/>
+                </a:cubicBezTo>
+                <a:cubicBezTo>
+                  <a:pt x="108625" y="24317"/>
+                  <a:pt x="84309" y="0"/>
+                  <a:pt x="54313" y="0"/>
+                </a:cubicBezTo>
+                <a:close/>
+              </a:path>
+            </a:pathLst>
+          </a:custGeom>
+          <a:solidFill>
+            <a:schemeClr val="bg1"/>
+          </a:solidFill>
+          <a:ln w="0">
+            <a:noFill/>
+          </a:ln>
+        </p:spPr>
+        <p:style>
+          <a:lnRef idx="0">
+            <a:scrgbClr r="0" g="0" b="0"/>
+          </a:lnRef>
+          <a:fillRef idx="0">
+            <a:scrgbClr r="0" g="0" b="0"/>
+          </a:fillRef>
+          <a:effectRef idx="0">
+            <a:scrgbClr r="0" g="0" b="0"/>
+          </a:effectRef>
+          <a:fontRef idx="minor"/>
+        </p:style>
+        <p:txBody>
+          <a:bodyPr/>
+          <a:lstStyle/>
+          <a:p>
+            <a:endParaRPr lang="en-US"/>
+          </a:p>
+        </p:txBody>
+      </p:sp>
+      <p:sp>
+        <p:nvSpPr>
+          <p:cNvPr id="195" name="Straight Connector 23"/>
+          <p:cNvSpPr/>
+          <p:nvPr/>
+        </p:nvSpPr>
+        <p:spPr>
+          <a:xfrm>
+            <a:off x="0" y="5831640"/>
+            <a:ext cx="12188880" cy="360"/>
+          </a:xfrm>
+          <a:prstGeom prst="line">
+            <a:avLst/>
+          </a:prstGeom>
+          <a:ln w="25400" cap="sq">
+            <a:solidFill>
+              <a:srgbClr val="FFFFFF"/>
+            </a:solidFill>
+            <a:bevel/>
+          </a:ln>
+        </p:spPr>
+        <p:style>
+          <a:lnRef idx="1">
+            <a:schemeClr val="accent1"/>
+          </a:lnRef>
+          <a:fillRef idx="0">
+            <a:schemeClr val="accent1"/>
+          </a:fillRef>
+          <a:effectRef idx="0">
+            <a:schemeClr val="accent1"/>
+          </a:effectRef>
+          <a:fontRef idx="minor"/>
+        </p:style>
+        <p:txBody>
+          <a:bodyPr/>
+          <a:lstStyle/>
+          <a:p>
+            <a:endParaRPr lang="en-US"/>
+          </a:p>
+        </p:txBody>
+      </p:sp>
+    </p:spTree>
+  </p:cSld>
+  <p:clrMapOvr>
+    <a:masterClrMapping/>
+  </p:clrMapOvr>
+</p:sld>
+</file>
+
+<file path=ppt/slides/slide11.xml><?xml version="1.0" encoding="utf-8"?>
+<p:sld xmlns:a="http://schemas.openxmlformats.org/drawingml/2006/main" xmlns:r="http://schemas.openxmlformats.org/officeDocument/2006/relationships" xmlns:p="http://schemas.openxmlformats.org/presentationml/2006/main">
+  <p:cSld>
+    <p:bg>
+      <p:bgPr>
+        <a:solidFill>
+          <a:srgbClr val="FFFFFF"/>
+        </a:solidFill>
+        <a:effectLst/>
+      </p:bgPr>
+    </p:bg>
+    <p:spTree>
+      <p:nvGrpSpPr>
+        <p:cNvPr id="1" name="">
+          <a:extLst>
+            <a:ext uri="{FF2B5EF4-FFF2-40B4-BE49-F238E27FC236}">
+              <a16:creationId xmlns:a16="http://schemas.microsoft.com/office/drawing/2014/main" id="{686C7057-0292-976A-D21E-61F3E72BA543}"/>
+            </a:ext>
+          </a:extLst>
+        </p:cNvPr>
+        <p:cNvGrpSpPr/>
+        <p:nvPr/>
+      </p:nvGrpSpPr>
+      <p:grpSpPr>
+        <a:xfrm>
+          <a:off x="0" y="0"/>
+          <a:ext cx="0" cy="0"/>
+          <a:chOff x="0" y="0"/>
+          <a:chExt cx="0" cy="0"/>
+        </a:xfrm>
+      </p:grpSpPr>
+      <p:sp>
+        <p:nvSpPr>
+          <p:cNvPr id="186" name="Straight Connector 7">
+            <a:extLst>
+              <a:ext uri="{FF2B5EF4-FFF2-40B4-BE49-F238E27FC236}">
+                <a16:creationId xmlns:a16="http://schemas.microsoft.com/office/drawing/2014/main" id="{1472A262-C147-9CB3-01DC-B78D47E22D74}"/>
+              </a:ext>
+            </a:extLst>
+          </p:cNvPr>
+          <p:cNvSpPr/>
+          <p:nvPr/>
+        </p:nvSpPr>
+        <p:spPr>
+          <a:xfrm>
+            <a:off x="715680" y="1113840"/>
+            <a:ext cx="360" cy="5735520"/>
+          </a:xfrm>
+          <a:prstGeom prst="line">
+            <a:avLst/>
+          </a:prstGeom>
+          <a:ln w="25400" cap="sq">
+            <a:solidFill>
+              <a:srgbClr val="2683C6"/>
+            </a:solidFill>
+            <a:bevel/>
+          </a:ln>
+        </p:spPr>
+        <p:style>
+          <a:lnRef idx="1">
+            <a:schemeClr val="accent1"/>
+          </a:lnRef>
+          <a:fillRef idx="0">
+            <a:schemeClr val="accent1"/>
+          </a:fillRef>
+          <a:effectRef idx="0">
+            <a:schemeClr val="accent1"/>
+          </a:effectRef>
+          <a:fontRef idx="minor"/>
+        </p:style>
+        <p:txBody>
+          <a:bodyPr/>
+          <a:lstStyle/>
+          <a:p>
+            <a:endParaRPr lang="en-US"/>
+          </a:p>
+        </p:txBody>
+      </p:sp>
+      <p:sp>
+        <p:nvSpPr>
+          <p:cNvPr id="187" name="Rectangle 9">
+            <a:extLst>
+              <a:ext uri="{FF2B5EF4-FFF2-40B4-BE49-F238E27FC236}">
+                <a16:creationId xmlns:a16="http://schemas.microsoft.com/office/drawing/2014/main" id="{17A54829-D622-3E12-0C55-0098B358EDCD}"/>
+              </a:ext>
+            </a:extLst>
+          </p:cNvPr>
+          <p:cNvSpPr/>
+          <p:nvPr/>
+        </p:nvSpPr>
+        <p:spPr>
+          <a:xfrm>
+            <a:off x="0" y="0"/>
+            <a:ext cx="12191400" cy="6857280"/>
+          </a:xfrm>
+          <a:prstGeom prst="rect">
+            <a:avLst/>
+          </a:prstGeom>
+          <a:gradFill rotWithShape="0">
+            <a:gsLst>
+              <a:gs pos="0">
+                <a:srgbClr val="2683C6"/>
+              </a:gs>
+              <a:gs pos="100000">
+                <a:srgbClr val="42BA97"/>
+              </a:gs>
+            </a:gsLst>
+            <a:lin ang="2700000"/>
+          </a:gradFill>
+          <a:ln>
+            <a:noFill/>
+          </a:ln>
+        </p:spPr>
+        <p:style>
+          <a:lnRef idx="2">
+            <a:schemeClr val="accent1">
+              <a:shade val="50000"/>
+            </a:schemeClr>
+          </a:lnRef>
+          <a:fillRef idx="1">
+            <a:schemeClr val="accent1"/>
+          </a:fillRef>
+          <a:effectRef idx="0">
+            <a:schemeClr val="accent1"/>
+          </a:effectRef>
+          <a:fontRef idx="minor"/>
+        </p:style>
+        <p:txBody>
+          <a:bodyPr/>
+          <a:lstStyle/>
+          <a:p>
+            <a:endParaRPr lang="en-US"/>
+          </a:p>
+        </p:txBody>
+      </p:sp>
+      <p:sp>
+        <p:nvSpPr>
+          <p:cNvPr id="188" name="PlaceHolder 1">
+            <a:extLst>
+              <a:ext uri="{FF2B5EF4-FFF2-40B4-BE49-F238E27FC236}">
+                <a16:creationId xmlns:a16="http://schemas.microsoft.com/office/drawing/2014/main" id="{905AD674-CB7E-318F-D476-58D77A41E859}"/>
+              </a:ext>
+            </a:extLst>
+          </p:cNvPr>
+          <p:cNvSpPr>
+            <a:spLocks noGrp="1"/>
+          </p:cNvSpPr>
+          <p:nvPr>
+            <p:ph type="title"/>
+          </p:nvPr>
+        </p:nvSpPr>
+        <p:spPr>
+          <a:xfrm>
+            <a:off x="1522080" y="1209240"/>
+            <a:ext cx="9147240" cy="2336400"/>
+          </a:xfrm>
+          <a:prstGeom prst="rect">
+            <a:avLst/>
+          </a:prstGeom>
+          <a:noFill/>
+          <a:ln w="0">
+            <a:noFill/>
+          </a:ln>
+        </p:spPr>
+        <p:txBody>
+          <a:bodyPr lIns="90000" tIns="45000" rIns="90000" bIns="45000" anchor="b">
+            <a:normAutofit/>
+          </a:bodyPr>
+          <a:lstStyle/>
+          <a:p>
+            <a:pPr algn="ctr">
+              <a:lnSpc>
+                <a:spcPct val="90000"/>
+              </a:lnSpc>
+              <a:buNone/>
+            </a:pPr>
+            <a:r>
+              <a:rPr lang="en-US" sz="6000" b="1" strike="noStrike" cap="all" spc="-1">
+                <a:solidFill>
+                  <a:srgbClr val="FFFFFF"/>
+                </a:solidFill>
+                <a:latin typeface="Univers"/>
+                <a:ea typeface="DejaVu Sans"/>
+              </a:rPr>
+              <a:t>Thank you</a:t>
+            </a:r>
+            <a:endParaRPr lang="en-US" sz="6000" b="0" strike="noStrike" spc="-1">
+              <a:solidFill>
+                <a:srgbClr val="000000"/>
+              </a:solidFill>
+              <a:latin typeface="Arial"/>
+            </a:endParaRPr>
+          </a:p>
+        </p:txBody>
+      </p:sp>
+      <p:sp>
+        <p:nvSpPr>
+          <p:cNvPr id="189" name="Graphic 22">
+            <a:extLst>
+              <a:ext uri="{FF2B5EF4-FFF2-40B4-BE49-F238E27FC236}">
+                <a16:creationId xmlns:a16="http://schemas.microsoft.com/office/drawing/2014/main" id="{57A53040-ED64-7929-9134-05D77CB783EB}"/>
+              </a:ext>
+            </a:extLst>
+          </p:cNvPr>
+          <p:cNvSpPr/>
+          <p:nvPr/>
+        </p:nvSpPr>
+        <p:spPr>
+          <a:xfrm>
+            <a:off x="1261800" y="2383200"/>
+            <a:ext cx="150840" cy="150840"/>
+          </a:xfrm>
+          <a:custGeom>
+            <a:avLst/>
+            <a:gdLst/>
+            <a:ahLst/>
+            <a:cxnLst/>
+            <a:rect l="l" t="t" r="r" b="b"/>
+            <a:pathLst>
+              <a:path w="151536" h="151536">
+                <a:moveTo>
+                  <a:pt x="141251" y="65483"/>
+                </a:moveTo>
+                <a:lnTo>
+                  <a:pt x="86053" y="65483"/>
+                </a:lnTo>
+                <a:lnTo>
+                  <a:pt x="86053" y="10285"/>
+                </a:lnTo>
+                <a:cubicBezTo>
+                  <a:pt x="86053" y="4605"/>
+                  <a:pt x="81448" y="0"/>
+                  <a:pt x="75768" y="0"/>
+                </a:cubicBezTo>
+                <a:cubicBezTo>
+                  <a:pt x="70088" y="0"/>
+                  <a:pt x="65483" y="4605"/>
+                  <a:pt x="65483" y="10285"/>
+                </a:cubicBezTo>
+                <a:lnTo>
+                  <a:pt x="65483" y="65483"/>
+                </a:lnTo>
+                <a:lnTo>
+                  <a:pt x="10285" y="65483"/>
+                </a:lnTo>
+                <a:cubicBezTo>
+                  <a:pt x="4605" y="65483"/>
+                  <a:pt x="0" y="70088"/>
+                  <a:pt x="0" y="75768"/>
+                </a:cubicBezTo>
+                <a:cubicBezTo>
+                  <a:pt x="0" y="81448"/>
+                  <a:pt x="4605" y="86053"/>
+                  <a:pt x="10285" y="86053"/>
+                </a:cubicBezTo>
+                <a:lnTo>
+                  <a:pt x="65483" y="86053"/>
+                </a:lnTo>
+                <a:lnTo>
+                  <a:pt x="65483" y="141251"/>
+                </a:lnTo>
+                <a:cubicBezTo>
+                  <a:pt x="65483" y="146931"/>
+                  <a:pt x="70088" y="151536"/>
+                  <a:pt x="75768" y="151536"/>
+                </a:cubicBezTo>
+                <a:cubicBezTo>
+                  <a:pt x="81448" y="151536"/>
+                  <a:pt x="86053" y="146931"/>
+                  <a:pt x="86053" y="141251"/>
+                </a:cubicBezTo>
+                <a:lnTo>
+                  <a:pt x="86053" y="86053"/>
+                </a:lnTo>
+                <a:lnTo>
+                  <a:pt x="141251" y="86053"/>
+                </a:lnTo>
+                <a:cubicBezTo>
+                  <a:pt x="146931" y="86053"/>
+                  <a:pt x="151536" y="81448"/>
+                  <a:pt x="151536" y="75768"/>
+                </a:cubicBezTo>
+                <a:cubicBezTo>
+                  <a:pt x="151536" y="70088"/>
+                  <a:pt x="146931" y="65483"/>
+                  <a:pt x="141251" y="65483"/>
+                </a:cubicBezTo>
+                <a:close/>
+              </a:path>
+            </a:pathLst>
+          </a:custGeom>
+          <a:solidFill>
+            <a:schemeClr val="bg1"/>
+          </a:solidFill>
+          <a:ln w="646">
+            <a:noFill/>
+          </a:ln>
+        </p:spPr>
+        <p:style>
+          <a:lnRef idx="0">
+            <a:scrgbClr r="0" g="0" b="0"/>
+          </a:lnRef>
+          <a:fillRef idx="0">
+            <a:scrgbClr r="0" g="0" b="0"/>
+          </a:fillRef>
+          <a:effectRef idx="0">
+            <a:scrgbClr r="0" g="0" b="0"/>
+          </a:effectRef>
+          <a:fontRef idx="minor"/>
+        </p:style>
+        <p:txBody>
+          <a:bodyPr/>
+          <a:lstStyle/>
+          <a:p>
+            <a:endParaRPr lang="en-US"/>
+          </a:p>
+        </p:txBody>
+      </p:sp>
+      <p:sp>
+        <p:nvSpPr>
+          <p:cNvPr id="190" name="Graphic 13">
+            <a:extLst>
+              <a:ext uri="{FF2B5EF4-FFF2-40B4-BE49-F238E27FC236}">
+                <a16:creationId xmlns:a16="http://schemas.microsoft.com/office/drawing/2014/main" id="{3412786B-0B79-020C-3A9F-38D1A46208DD}"/>
+              </a:ext>
+            </a:extLst>
+          </p:cNvPr>
+          <p:cNvSpPr/>
+          <p:nvPr/>
+        </p:nvSpPr>
+        <p:spPr>
+          <a:xfrm>
+            <a:off x="10724400" y="2265480"/>
+            <a:ext cx="138240" cy="138240"/>
+          </a:xfrm>
+          <a:custGeom>
+            <a:avLst/>
+            <a:gdLst/>
+            <a:ahLst/>
+            <a:cxnLst/>
+            <a:rect l="l" t="t" r="r" b="b"/>
+            <a:pathLst>
+              <a:path w="139039" h="139039">
+                <a:moveTo>
+                  <a:pt x="129602" y="60082"/>
+                </a:moveTo>
+                <a:lnTo>
+                  <a:pt x="78957" y="60082"/>
+                </a:lnTo>
+                <a:lnTo>
+                  <a:pt x="78957" y="9437"/>
+                </a:lnTo>
+                <a:cubicBezTo>
+                  <a:pt x="78957" y="4225"/>
+                  <a:pt x="74731" y="0"/>
+                  <a:pt x="69520" y="0"/>
+                </a:cubicBezTo>
+                <a:cubicBezTo>
+                  <a:pt x="64308" y="0"/>
+                  <a:pt x="60082" y="4225"/>
+                  <a:pt x="60082" y="9437"/>
+                </a:cubicBezTo>
+                <a:lnTo>
+                  <a:pt x="60082" y="60082"/>
+                </a:lnTo>
+                <a:lnTo>
+                  <a:pt x="9437" y="60082"/>
+                </a:lnTo>
+                <a:cubicBezTo>
+                  <a:pt x="4225" y="60082"/>
+                  <a:pt x="0" y="64308"/>
+                  <a:pt x="0" y="69520"/>
+                </a:cubicBezTo>
+                <a:cubicBezTo>
+                  <a:pt x="0" y="74731"/>
+                  <a:pt x="4225" y="78957"/>
+                  <a:pt x="9437" y="78957"/>
+                </a:cubicBezTo>
+                <a:lnTo>
+                  <a:pt x="60082" y="78957"/>
+                </a:lnTo>
+                <a:lnTo>
+                  <a:pt x="60082" y="129602"/>
+                </a:lnTo>
+                <a:cubicBezTo>
+                  <a:pt x="60082" y="134814"/>
+                  <a:pt x="64308" y="139039"/>
+                  <a:pt x="69520" y="139039"/>
+                </a:cubicBezTo>
+                <a:cubicBezTo>
+                  <a:pt x="74731" y="139039"/>
+                  <a:pt x="78957" y="134814"/>
+                  <a:pt x="78957" y="129602"/>
+                </a:cubicBezTo>
+                <a:lnTo>
+                  <a:pt x="78957" y="78957"/>
+                </a:lnTo>
+                <a:lnTo>
+                  <a:pt x="129602" y="78957"/>
+                </a:lnTo>
+                <a:cubicBezTo>
+                  <a:pt x="134814" y="78957"/>
+                  <a:pt x="139039" y="74731"/>
+                  <a:pt x="139039" y="69520"/>
+                </a:cubicBezTo>
+                <a:cubicBezTo>
+                  <a:pt x="139039" y="64308"/>
+                  <a:pt x="134814" y="60082"/>
+                  <a:pt x="129602" y="60082"/>
+                </a:cubicBezTo>
+                <a:close/>
+              </a:path>
+            </a:pathLst>
+          </a:custGeom>
+          <a:solidFill>
+            <a:schemeClr val="bg1"/>
+          </a:solidFill>
+          <a:ln w="603">
+            <a:noFill/>
+          </a:ln>
+        </p:spPr>
+        <p:style>
+          <a:lnRef idx="0">
+            <a:scrgbClr r="0" g="0" b="0"/>
+          </a:lnRef>
+          <a:fillRef idx="0">
+            <a:scrgbClr r="0" g="0" b="0"/>
+          </a:fillRef>
+          <a:effectRef idx="0">
+            <a:scrgbClr r="0" g="0" b="0"/>
+          </a:effectRef>
+          <a:fontRef idx="minor"/>
+        </p:style>
+        <p:txBody>
+          <a:bodyPr/>
+          <a:lstStyle/>
+          <a:p>
+            <a:endParaRPr lang="en-US"/>
+          </a:p>
+        </p:txBody>
+      </p:sp>
+      <p:sp>
+        <p:nvSpPr>
+          <p:cNvPr id="191" name="Graphic 15">
+            <a:extLst>
+              <a:ext uri="{FF2B5EF4-FFF2-40B4-BE49-F238E27FC236}">
+                <a16:creationId xmlns:a16="http://schemas.microsoft.com/office/drawing/2014/main" id="{ECFA1449-7B47-77FF-4BF0-9BF3B58453C1}"/>
+              </a:ext>
+            </a:extLst>
+          </p:cNvPr>
+          <p:cNvSpPr/>
+          <p:nvPr/>
+        </p:nvSpPr>
+        <p:spPr>
+          <a:xfrm>
+            <a:off x="11025000" y="2537280"/>
+            <a:ext cx="127080" cy="127080"/>
+          </a:xfrm>
+          <a:custGeom>
+            <a:avLst/>
+            <a:gdLst/>
+            <a:ahLst/>
+            <a:cxnLst/>
+            <a:rect l="l" t="t" r="r" b="b"/>
+            <a:pathLst>
+              <a:path w="127714" h="127714">
+                <a:moveTo>
+                  <a:pt x="63857" y="18874"/>
+                </a:moveTo>
+                <a:cubicBezTo>
+                  <a:pt x="88700" y="18874"/>
+                  <a:pt x="108840" y="39014"/>
+                  <a:pt x="108840" y="63857"/>
+                </a:cubicBezTo>
+                <a:cubicBezTo>
+                  <a:pt x="108840" y="88700"/>
+                  <a:pt x="88700" y="108840"/>
+                  <a:pt x="63857" y="108840"/>
+                </a:cubicBezTo>
+                <a:cubicBezTo>
+                  <a:pt x="39014" y="108840"/>
+                  <a:pt x="18874" y="88700"/>
+                  <a:pt x="18874" y="63857"/>
+                </a:cubicBezTo>
+                <a:cubicBezTo>
+                  <a:pt x="18898" y="39024"/>
+                  <a:pt x="39024" y="18898"/>
+                  <a:pt x="63857" y="18874"/>
+                </a:cubicBezTo>
+                <a:moveTo>
+                  <a:pt x="63857" y="0"/>
+                </a:moveTo>
+                <a:cubicBezTo>
+                  <a:pt x="28590" y="0"/>
+                  <a:pt x="0" y="28590"/>
+                  <a:pt x="0" y="63857"/>
+                </a:cubicBezTo>
+                <a:cubicBezTo>
+                  <a:pt x="0" y="99124"/>
+                  <a:pt x="28590" y="127714"/>
+                  <a:pt x="63857" y="127714"/>
+                </a:cubicBezTo>
+                <a:cubicBezTo>
+                  <a:pt x="99124" y="127714"/>
+                  <a:pt x="127714" y="99124"/>
+                  <a:pt x="127714" y="63857"/>
+                </a:cubicBezTo>
+                <a:cubicBezTo>
+                  <a:pt x="127714" y="28590"/>
+                  <a:pt x="99124" y="0"/>
+                  <a:pt x="63857" y="0"/>
+                </a:cubicBezTo>
+                <a:close/>
+              </a:path>
+            </a:pathLst>
+          </a:custGeom>
+          <a:solidFill>
+            <a:schemeClr val="bg1"/>
+          </a:solidFill>
+          <a:ln w="610">
+            <a:noFill/>
+          </a:ln>
+        </p:spPr>
+        <p:style>
+          <a:lnRef idx="0">
+            <a:scrgbClr r="0" g="0" b="0"/>
+          </a:lnRef>
+          <a:fillRef idx="0">
+            <a:scrgbClr r="0" g="0" b="0"/>
+          </a:fillRef>
+          <a:effectRef idx="0">
+            <a:scrgbClr r="0" g="0" b="0"/>
+          </a:effectRef>
+          <a:fontRef idx="minor"/>
+        </p:style>
+        <p:txBody>
+          <a:bodyPr/>
+          <a:lstStyle/>
+          <a:p>
+            <a:endParaRPr lang="en-US"/>
+          </a:p>
+        </p:txBody>
+      </p:sp>
+      <p:sp>
+        <p:nvSpPr>
+          <p:cNvPr id="192" name="Graphic 21">
+            <a:extLst>
+              <a:ext uri="{FF2B5EF4-FFF2-40B4-BE49-F238E27FC236}">
+                <a16:creationId xmlns:a16="http://schemas.microsoft.com/office/drawing/2014/main" id="{9B5D91DF-4E65-7B79-D4AB-2C312A5CF5C1}"/>
+              </a:ext>
+            </a:extLst>
+          </p:cNvPr>
+          <p:cNvSpPr/>
+          <p:nvPr/>
+        </p:nvSpPr>
+        <p:spPr>
+          <a:xfrm>
+            <a:off x="1064160" y="2832840"/>
+            <a:ext cx="95040" cy="95040"/>
+          </a:xfrm>
+          <a:custGeom>
+            <a:avLst/>
+            <a:gdLst/>
+            <a:ahLst/>
+            <a:cxnLst/>
+            <a:rect l="l" t="t" r="r" b="b"/>
+            <a:pathLst>
+              <a:path w="95759" h="95759">
+                <a:moveTo>
+                  <a:pt x="95759" y="47880"/>
+                </a:moveTo>
+                <a:cubicBezTo>
+                  <a:pt x="95759" y="74323"/>
+                  <a:pt x="74323" y="95759"/>
+                  <a:pt x="47880" y="95759"/>
+                </a:cubicBezTo>
+                <a:cubicBezTo>
+                  <a:pt x="21436" y="95759"/>
+                  <a:pt x="0" y="74323"/>
+                  <a:pt x="0" y="47880"/>
+                </a:cubicBezTo>
+                <a:cubicBezTo>
+                  <a:pt x="0" y="21436"/>
+                  <a:pt x="21436" y="0"/>
+                  <a:pt x="47880" y="0"/>
+                </a:cubicBezTo>
+                <a:cubicBezTo>
+                  <a:pt x="74323" y="0"/>
+                  <a:pt x="95759" y="21436"/>
+                  <a:pt x="95759" y="47880"/>
+                </a:cubicBezTo>
+                <a:close/>
+              </a:path>
+            </a:pathLst>
+          </a:custGeom>
+          <a:solidFill>
+            <a:schemeClr val="bg1"/>
+          </a:solidFill>
+          <a:ln w="0">
+            <a:noFill/>
+          </a:ln>
+        </p:spPr>
+        <p:style>
+          <a:lnRef idx="0">
+            <a:scrgbClr r="0" g="0" b="0"/>
+          </a:lnRef>
+          <a:fillRef idx="0">
+            <a:scrgbClr r="0" g="0" b="0"/>
+          </a:fillRef>
+          <a:effectRef idx="0">
+            <a:scrgbClr r="0" g="0" b="0"/>
+          </a:effectRef>
+          <a:fontRef idx="minor"/>
+        </p:style>
+        <p:txBody>
+          <a:bodyPr/>
+          <a:lstStyle/>
+          <a:p>
+            <a:endParaRPr lang="en-US"/>
+          </a:p>
+        </p:txBody>
+      </p:sp>
+      <p:sp>
+        <p:nvSpPr>
+          <p:cNvPr id="193" name="Graphic 12">
+            <a:extLst>
+              <a:ext uri="{FF2B5EF4-FFF2-40B4-BE49-F238E27FC236}">
+                <a16:creationId xmlns:a16="http://schemas.microsoft.com/office/drawing/2014/main" id="{D99D5EA6-099B-F986-ED4B-788F93980965}"/>
+              </a:ext>
+            </a:extLst>
+          </p:cNvPr>
+          <p:cNvSpPr/>
+          <p:nvPr/>
+        </p:nvSpPr>
+        <p:spPr>
+          <a:xfrm>
+            <a:off x="10772280" y="2804040"/>
+            <a:ext cx="90360" cy="90360"/>
+          </a:xfrm>
+          <a:custGeom>
+            <a:avLst/>
+            <a:gdLst/>
+            <a:ahLst/>
+            <a:cxnLst/>
+            <a:rect l="l" t="t" r="r" b="b"/>
+            <a:pathLst>
+              <a:path w="91138" h="91138">
+                <a:moveTo>
+                  <a:pt x="91138" y="45569"/>
+                </a:moveTo>
+                <a:cubicBezTo>
+                  <a:pt x="91138" y="70736"/>
+                  <a:pt x="70736" y="91138"/>
+                  <a:pt x="45569" y="91138"/>
+                </a:cubicBezTo>
+                <a:cubicBezTo>
+                  <a:pt x="20402" y="91138"/>
+                  <a:pt x="0" y="70736"/>
+                  <a:pt x="0" y="45569"/>
+                </a:cubicBezTo>
+                <a:cubicBezTo>
+                  <a:pt x="0" y="20402"/>
+                  <a:pt x="20402" y="0"/>
+                  <a:pt x="45569" y="0"/>
+                </a:cubicBezTo>
+                <a:cubicBezTo>
+                  <a:pt x="70736" y="0"/>
+                  <a:pt x="91138" y="20402"/>
+                  <a:pt x="91138" y="45569"/>
+                </a:cubicBezTo>
+                <a:close/>
+              </a:path>
+            </a:pathLst>
+          </a:custGeom>
+          <a:solidFill>
+            <a:schemeClr val="bg1"/>
+          </a:solidFill>
+          <a:ln w="0">
+            <a:noFill/>
+          </a:ln>
+        </p:spPr>
+        <p:style>
+          <a:lnRef idx="0">
+            <a:scrgbClr r="0" g="0" b="0"/>
+          </a:lnRef>
+          <a:fillRef idx="0">
+            <a:scrgbClr r="0" g="0" b="0"/>
+          </a:fillRef>
+          <a:effectRef idx="0">
+            <a:scrgbClr r="0" g="0" b="0"/>
+          </a:effectRef>
+          <a:fontRef idx="minor"/>
+        </p:style>
+        <p:txBody>
+          <a:bodyPr/>
+          <a:lstStyle/>
+          <a:p>
+            <a:endParaRPr lang="en-US"/>
+          </a:p>
+        </p:txBody>
+      </p:sp>
+      <p:sp>
+        <p:nvSpPr>
+          <p:cNvPr id="194" name="Graphic 23">
+            <a:extLst>
+              <a:ext uri="{FF2B5EF4-FFF2-40B4-BE49-F238E27FC236}">
+                <a16:creationId xmlns:a16="http://schemas.microsoft.com/office/drawing/2014/main" id="{202456AF-830D-93F4-F6EA-9A292587A4B6}"/>
+              </a:ext>
+            </a:extLst>
+          </p:cNvPr>
+          <p:cNvSpPr/>
+          <p:nvPr/>
+        </p:nvSpPr>
+        <p:spPr>
+          <a:xfrm>
+            <a:off x="1413360" y="3242520"/>
+            <a:ext cx="108000" cy="108000"/>
+          </a:xfrm>
+          <a:custGeom>
+            <a:avLst/>
+            <a:gdLst/>
+            <a:ahLst/>
+            <a:cxnLst/>
+            <a:rect l="l" t="t" r="r" b="b"/>
+            <a:pathLst>
+              <a:path w="108625" h="108625">
+                <a:moveTo>
+                  <a:pt x="54313" y="16053"/>
+                </a:moveTo>
+                <a:cubicBezTo>
+                  <a:pt x="75442" y="16053"/>
+                  <a:pt x="92572" y="33182"/>
+                  <a:pt x="92572" y="54313"/>
+                </a:cubicBezTo>
+                <a:cubicBezTo>
+                  <a:pt x="92572" y="75442"/>
+                  <a:pt x="75442" y="92572"/>
+                  <a:pt x="54313" y="92572"/>
+                </a:cubicBezTo>
+                <a:cubicBezTo>
+                  <a:pt x="33182" y="92572"/>
+                  <a:pt x="16053" y="75442"/>
+                  <a:pt x="16053" y="54313"/>
+                </a:cubicBezTo>
+                <a:cubicBezTo>
+                  <a:pt x="16074" y="33191"/>
+                  <a:pt x="33191" y="16074"/>
+                  <a:pt x="54313" y="16053"/>
+                </a:cubicBezTo>
+                <a:moveTo>
+                  <a:pt x="54313" y="0"/>
+                </a:moveTo>
+                <a:cubicBezTo>
+                  <a:pt x="24317" y="0"/>
+                  <a:pt x="0" y="24317"/>
+                  <a:pt x="0" y="54313"/>
+                </a:cubicBezTo>
+                <a:cubicBezTo>
+                  <a:pt x="0" y="84309"/>
+                  <a:pt x="24317" y="108625"/>
+                  <a:pt x="54313" y="108625"/>
+                </a:cubicBezTo>
+                <a:cubicBezTo>
+                  <a:pt x="84309" y="108625"/>
+                  <a:pt x="108625" y="84309"/>
+                  <a:pt x="108625" y="54313"/>
+                </a:cubicBezTo>
+                <a:cubicBezTo>
+                  <a:pt x="108625" y="24317"/>
+                  <a:pt x="84309" y="0"/>
+                  <a:pt x="54313" y="0"/>
+                </a:cubicBezTo>
+                <a:close/>
+              </a:path>
+            </a:pathLst>
+          </a:custGeom>
+          <a:solidFill>
+            <a:schemeClr val="bg1"/>
+          </a:solidFill>
+          <a:ln w="0">
+            <a:noFill/>
+          </a:ln>
+        </p:spPr>
+        <p:style>
+          <a:lnRef idx="0">
+            <a:scrgbClr r="0" g="0" b="0"/>
+          </a:lnRef>
+          <a:fillRef idx="0">
+            <a:scrgbClr r="0" g="0" b="0"/>
+          </a:fillRef>
+          <a:effectRef idx="0">
+            <a:scrgbClr r="0" g="0" b="0"/>
+          </a:effectRef>
+          <a:fontRef idx="minor"/>
+        </p:style>
+        <p:txBody>
+          <a:bodyPr/>
+          <a:lstStyle/>
+          <a:p>
+            <a:endParaRPr lang="en-US"/>
+          </a:p>
+        </p:txBody>
+      </p:sp>
+      <p:sp>
+        <p:nvSpPr>
+          <p:cNvPr id="195" name="Straight Connector 23">
+            <a:extLst>
+              <a:ext uri="{FF2B5EF4-FFF2-40B4-BE49-F238E27FC236}">
+                <a16:creationId xmlns:a16="http://schemas.microsoft.com/office/drawing/2014/main" id="{83043BB3-6A2E-0308-AAE4-C7A57C298E61}"/>
+              </a:ext>
+            </a:extLst>
+          </p:cNvPr>
+          <p:cNvSpPr/>
+          <p:nvPr/>
+        </p:nvSpPr>
+        <p:spPr>
+          <a:xfrm>
+            <a:off x="0" y="5831640"/>
+            <a:ext cx="12188880" cy="360"/>
+          </a:xfrm>
+          <a:prstGeom prst="line">
+            <a:avLst/>
+          </a:prstGeom>
+          <a:ln w="25400" cap="sq">
+            <a:solidFill>
+              <a:srgbClr val="FFFFFF"/>
+            </a:solidFill>
+            <a:bevel/>
+          </a:ln>
+        </p:spPr>
+        <p:style>
+          <a:lnRef idx="1">
+            <a:schemeClr val="accent1"/>
+          </a:lnRef>
+          <a:fillRef idx="0">
+            <a:schemeClr val="accent1"/>
+          </a:fillRef>
+          <a:effectRef idx="0">
+            <a:schemeClr val="accent1"/>
+          </a:effectRef>
+          <a:fontRef idx="minor"/>
+        </p:style>
+        <p:txBody>
+          <a:bodyPr/>
+          <a:lstStyle/>
+          <a:p>
+            <a:endParaRPr lang="en-US"/>
+          </a:p>
+        </p:txBody>
+      </p:sp>
+    </p:spTree>
+    <p:extLst>
+      <p:ext uri="{BB962C8B-B14F-4D97-AF65-F5344CB8AC3E}">
+        <p14:creationId xmlns:p14="http://schemas.microsoft.com/office/powerpoint/2010/main" val="947832791"/>
+      </p:ext>
+    </p:extLst>
+  </p:cSld>
+  <p:clrMapOvr>
+    <a:masterClrMapping/>
+  </p:clrMapOvr>
+</p:sld>
+</file>
+
 <file path=ppt/slides/slide2.xml><?xml version="1.0" encoding="utf-8"?>
 <p:sld xmlns:a="http://schemas.openxmlformats.org/drawingml/2006/main" xmlns:r="http://schemas.openxmlformats.org/officeDocument/2006/relationships" xmlns:p="http://schemas.openxmlformats.org/presentationml/2006/main">
   <p:cSld>
@@ -14174,7 +16272,7 @@
         </p:spPr>
         <p:txBody>
           <a:bodyPr lIns="0" tIns="0" rIns="0" bIns="0" anchor="t">
-            <a:normAutofit fontScale="93000"/>
+            <a:normAutofit fontScale="93000" lnSpcReduction="10000"/>
           </a:bodyPr>
           <a:lstStyle/>
           <a:p>
@@ -18627,60 +20725,6 @@
       </p:sp>
       <p:sp>
         <p:nvSpPr>
-          <p:cNvPr id="180" name="PlaceHolder 1"/>
-          <p:cNvSpPr>
-            <a:spLocks noGrp="1"/>
-          </p:cNvSpPr>
-          <p:nvPr>
-            <p:ph type="title"/>
-          </p:nvPr>
-        </p:nvSpPr>
-        <p:spPr>
-          <a:xfrm>
-            <a:off x="6411960" y="501480"/>
-            <a:ext cx="4394520" cy="1715400"/>
-          </a:xfrm>
-          <a:prstGeom prst="rect">
-            <a:avLst/>
-          </a:prstGeom>
-          <a:noFill/>
-          <a:ln w="0">
-            <a:noFill/>
-          </a:ln>
-        </p:spPr>
-        <p:txBody>
-          <a:bodyPr lIns="90000" tIns="45000" rIns="90000" bIns="45000" anchor="b">
-            <a:normAutofit/>
-          </a:bodyPr>
-          <a:lstStyle/>
-          <a:p>
-            <a:pPr>
-              <a:lnSpc>
-                <a:spcPct val="90000"/>
-              </a:lnSpc>
-              <a:buNone/>
-            </a:pPr>
-            <a:r>
-              <a:rPr lang="en-US" sz="5400" b="1" strike="noStrike" cap="all" spc="-1">
-                <a:solidFill>
-                  <a:srgbClr val="000000"/>
-                </a:solidFill>
-                <a:latin typeface="Univers"/>
-                <a:ea typeface="DejaVu Sans"/>
-              </a:rPr>
-              <a:t>Results</a:t>
-            </a:r>
-            <a:endParaRPr lang="en-US" sz="5400" b="0" strike="noStrike" spc="-1">
-              <a:solidFill>
-                <a:srgbClr val="000000"/>
-              </a:solidFill>
-              <a:latin typeface="Arial"/>
-            </a:endParaRPr>
-          </a:p>
-        </p:txBody>
-      </p:sp>
-      <p:sp>
-        <p:nvSpPr>
           <p:cNvPr id="181" name="Rectangle 34"/>
           <p:cNvSpPr/>
           <p:nvPr/>
@@ -18776,144 +20820,9 @@
               </a:spcAft>
               <a:buNone/>
             </a:pPr>
-            <a:r>
-              <a:rPr lang="en-US" sz="1800" b="0" strike="noStrike" spc="-1">
-                <a:solidFill>
-                  <a:srgbClr val="000000"/>
-                </a:solidFill>
-                <a:latin typeface="Univers"/>
-                <a:ea typeface="DejaVu Sans"/>
-              </a:rPr>
-              <a:t>The wrapper package will allow the user to:</a:t>
-            </a:r>
-            <a:endParaRPr lang="en-CA" sz="1800" b="0" strike="noStrike" spc="-1">
+            <a:endParaRPr lang="en-CA" sz="1800" b="0" strike="noStrike" spc="-1" dirty="0">
               <a:latin typeface="Arial"/>
             </a:endParaRPr>
-          </a:p>
-          <a:p>
-            <a:pPr marL="343080" indent="-228600">
-              <a:lnSpc>
-                <a:spcPct val="90000"/>
-              </a:lnSpc>
-              <a:spcAft>
-                <a:spcPts val="601"/>
-              </a:spcAft>
-              <a:buClr>
-                <a:srgbClr val="000000"/>
-              </a:buClr>
-              <a:buFont typeface="Arial"/>
-              <a:buChar char="•"/>
-            </a:pPr>
-            <a:r>
-              <a:rPr lang="en-US" sz="1800" b="0" strike="noStrike" spc="-1">
-                <a:solidFill>
-                  <a:srgbClr val="000000"/>
-                </a:solidFill>
-                <a:latin typeface="Univers"/>
-                <a:ea typeface="DejaVu Sans"/>
-              </a:rPr>
-              <a:t>View the show/season data retrieved from the API as a DataFrame.</a:t>
-            </a:r>
-            <a:endParaRPr lang="en-CA" sz="1800" b="0" strike="noStrike" spc="-1">
-              <a:latin typeface="Arial"/>
-            </a:endParaRPr>
-          </a:p>
-          <a:p>
-            <a:pPr marL="343080" indent="-228600">
-              <a:lnSpc>
-                <a:spcPct val="90000"/>
-              </a:lnSpc>
-              <a:spcAft>
-                <a:spcPts val="601"/>
-              </a:spcAft>
-              <a:buClr>
-                <a:srgbClr val="000000"/>
-              </a:buClr>
-              <a:buFont typeface="Arial"/>
-              <a:buChar char="•"/>
-            </a:pPr>
-            <a:r>
-              <a:rPr lang="en-US" sz="1800" b="0" strike="noStrike" spc="-1">
-                <a:solidFill>
-                  <a:srgbClr val="000000"/>
-                </a:solidFill>
-                <a:latin typeface="Univers"/>
-                <a:ea typeface="DejaVu Sans"/>
-              </a:rPr>
-              <a:t>View a plot between ‘Ratings’ and ‘Episode Number’ for any given season.</a:t>
-            </a:r>
-            <a:endParaRPr lang="en-CA" sz="1800" b="0" strike="noStrike" spc="-1">
-              <a:latin typeface="Arial"/>
-            </a:endParaRPr>
-          </a:p>
-          <a:p>
-            <a:pPr marL="343080" indent="-228600">
-              <a:lnSpc>
-                <a:spcPct val="90000"/>
-              </a:lnSpc>
-              <a:spcAft>
-                <a:spcPts val="601"/>
-              </a:spcAft>
-              <a:buClr>
-                <a:srgbClr val="000000"/>
-              </a:buClr>
-              <a:buFont typeface="Arial"/>
-              <a:buChar char="•"/>
-            </a:pPr>
-            <a:r>
-              <a:rPr lang="en-US" sz="1800" b="0" strike="noStrike" spc="-1">
-                <a:solidFill>
-                  <a:srgbClr val="000000"/>
-                </a:solidFill>
-                <a:latin typeface="Univers"/>
-                <a:ea typeface="DejaVu Sans"/>
-              </a:rPr>
-              <a:t>View the average rating for all the episodes from a given season</a:t>
-            </a:r>
-            <a:endParaRPr lang="en-CA" sz="1800" b="0" strike="noStrike" spc="-1">
-              <a:latin typeface="Arial"/>
-            </a:endParaRPr>
-          </a:p>
-        </p:txBody>
-      </p:sp>
-      <p:sp>
-        <p:nvSpPr>
-          <p:cNvPr id="183" name="Straight Connector 36"/>
-          <p:cNvSpPr/>
-          <p:nvPr/>
-        </p:nvSpPr>
-        <p:spPr>
-          <a:xfrm>
-            <a:off x="11585880" y="3610080"/>
-            <a:ext cx="360" cy="3238920"/>
-          </a:xfrm>
-          <a:prstGeom prst="line">
-            <a:avLst/>
-          </a:prstGeom>
-          <a:ln w="25400" cap="sq">
-            <a:solidFill>
-              <a:srgbClr val="2683C6"/>
-            </a:solidFill>
-            <a:bevel/>
-          </a:ln>
-        </p:spPr>
-        <p:style>
-          <a:lnRef idx="1">
-            <a:schemeClr val="accent1"/>
-          </a:lnRef>
-          <a:fillRef idx="0">
-            <a:schemeClr val="accent1"/>
-          </a:fillRef>
-          <a:effectRef idx="0">
-            <a:schemeClr val="accent1"/>
-          </a:effectRef>
-          <a:fontRef idx="minor"/>
-        </p:style>
-        <p:txBody>
-          <a:bodyPr/>
-          <a:lstStyle/>
-          <a:p>
-            <a:endParaRPr lang="en-US"/>
           </a:p>
         </p:txBody>
       </p:sp>
@@ -18925,8 +20834,8 @@
         </p:nvSpPr>
         <p:spPr>
           <a:xfrm>
-            <a:off x="0" y="132480"/>
-            <a:ext cx="2017800" cy="638280"/>
+            <a:off x="1077685" y="81444"/>
+            <a:ext cx="4310743" cy="921876"/>
           </a:xfrm>
           <a:prstGeom prst="rect">
             <a:avLst/>
@@ -18949,7 +20858,7 @@
           <a:fontRef idx="minor"/>
         </p:style>
         <p:txBody>
-          <a:bodyPr lIns="90000" tIns="45000" rIns="90000" bIns="45000" anchor="t">
+          <a:bodyPr wrap="square" lIns="90000" tIns="45000" rIns="90000" bIns="45000" anchor="t">
             <a:spAutoFit/>
           </a:bodyPr>
           <a:lstStyle/>
@@ -18961,18 +20870,11 @@
               <a:buNone/>
             </a:pPr>
             <a:r>
-              <a:rPr lang="en-US" sz="1800" b="0" strike="noStrike" spc="-1">
-                <a:solidFill>
-                  <a:srgbClr val="000000"/>
-                </a:solidFill>
-                <a:latin typeface="Univers"/>
-                <a:ea typeface="DejaVu Sans"/>
+              <a:rPr lang="en-CA" sz="5400" b="1" strike="noStrike" spc="-1" dirty="0">
+                <a:latin typeface="Arial"/>
               </a:rPr>
-              <a:t>Sample Output :</a:t>
+              <a:t>RESULTS</a:t>
             </a:r>
-            <a:endParaRPr lang="en-CA" sz="1800" b="0" strike="noStrike" spc="-1">
-              <a:latin typeface="Arial"/>
-            </a:endParaRPr>
           </a:p>
         </p:txBody>
       </p:sp>
@@ -18997,6 +20899,42 @@
           <a:ln w="0">
             <a:noFill/>
           </a:ln>
+        </p:spPr>
+      </p:pic>
+      <p:pic>
+        <p:nvPicPr>
+          <p:cNvPr id="3" name="Picture 2" descr="A screenshot of a computer game&#10;&#10;Description automatically generated">
+            <a:extLst>
+              <a:ext uri="{FF2B5EF4-FFF2-40B4-BE49-F238E27FC236}">
+                <a16:creationId xmlns:a16="http://schemas.microsoft.com/office/drawing/2014/main" id="{12F91DD7-947C-97A2-3984-5FD62B854103}"/>
+              </a:ext>
+            </a:extLst>
+          </p:cNvPr>
+          <p:cNvPicPr>
+            <a:picLocks noChangeAspect="1"/>
+          </p:cNvPicPr>
+          <p:nvPr/>
+        </p:nvPicPr>
+        <p:blipFill>
+          <a:blip r:embed="rId3">
+            <a:extLst>
+              <a:ext uri="{28A0092B-C50C-407E-A947-70E740481C1C}">
+                <a14:useLocalDpi xmlns:a14="http://schemas.microsoft.com/office/drawing/2010/main" val="0"/>
+              </a:ext>
+            </a:extLst>
+          </a:blip>
+          <a:stretch>
+            <a:fillRect/>
+          </a:stretch>
+        </p:blipFill>
+        <p:spPr>
+          <a:xfrm>
+            <a:off x="5779080" y="604758"/>
+            <a:ext cx="6375590" cy="5751042"/>
+          </a:xfrm>
+          <a:prstGeom prst="rect">
+            <a:avLst/>
+          </a:prstGeom>
         </p:spPr>
       </p:pic>
     </p:spTree>
@@ -19020,7 +20958,13 @@
     </p:bg>
     <p:spTree>
       <p:nvGrpSpPr>
-        <p:cNvPr id="1" name=""/>
+        <p:cNvPr id="1" name="">
+          <a:extLst>
+            <a:ext uri="{FF2B5EF4-FFF2-40B4-BE49-F238E27FC236}">
+              <a16:creationId xmlns:a16="http://schemas.microsoft.com/office/drawing/2014/main" id="{875350CD-0742-7DFB-4129-0D00340735CA}"/>
+            </a:ext>
+          </a:extLst>
+        </p:cNvPr>
         <p:cNvGrpSpPr/>
         <p:nvPr/>
       </p:nvGrpSpPr>
@@ -19034,7 +20978,13 @@
       </p:grpSpPr>
       <p:sp>
         <p:nvSpPr>
-          <p:cNvPr id="186" name="Straight Connector 7"/>
+          <p:cNvPr id="168" name="Straight Connector 22">
+            <a:extLst>
+              <a:ext uri="{FF2B5EF4-FFF2-40B4-BE49-F238E27FC236}">
+                <a16:creationId xmlns:a16="http://schemas.microsoft.com/office/drawing/2014/main" id="{4450458F-EBAC-06CC-80FF-0BC54688BB38}"/>
+              </a:ext>
+            </a:extLst>
+          </p:cNvPr>
           <p:cNvSpPr/>
           <p:nvPr/>
         </p:nvSpPr>
@@ -19075,13 +21025,19 @@
       </p:sp>
       <p:sp>
         <p:nvSpPr>
-          <p:cNvPr id="187" name="Rectangle 9"/>
+          <p:cNvPr id="169" name="Rectangle 24">
+            <a:extLst>
+              <a:ext uri="{FF2B5EF4-FFF2-40B4-BE49-F238E27FC236}">
+                <a16:creationId xmlns:a16="http://schemas.microsoft.com/office/drawing/2014/main" id="{39A5CFAE-3DB3-25E4-4001-7D332DEEBBD3}"/>
+              </a:ext>
+            </a:extLst>
+          </p:cNvPr>
           <p:cNvSpPr/>
           <p:nvPr/>
         </p:nvSpPr>
         <p:spPr>
           <a:xfrm>
-            <a:off x="0" y="0"/>
+            <a:off x="-4699" y="-21839"/>
             <a:ext cx="12191400" cy="6857280"/>
           </a:xfrm>
           <a:prstGeom prst="rect">
@@ -19120,13 +21076,19 @@
           <a:bodyPr/>
           <a:lstStyle/>
           <a:p>
-            <a:endParaRPr lang="en-US"/>
-          </a:p>
-        </p:txBody>
-      </p:sp>
-      <p:sp>
-        <p:nvSpPr>
-          <p:cNvPr id="188" name="PlaceHolder 1"/>
+            <a:endParaRPr lang="en-US" dirty="0"/>
+          </a:p>
+        </p:txBody>
+      </p:sp>
+      <p:sp>
+        <p:nvSpPr>
+          <p:cNvPr id="170" name="PlaceHolder 1">
+            <a:extLst>
+              <a:ext uri="{FF2B5EF4-FFF2-40B4-BE49-F238E27FC236}">
+                <a16:creationId xmlns:a16="http://schemas.microsoft.com/office/drawing/2014/main" id="{D2368B55-84B4-7CC3-B902-97DCA633F07E}"/>
+              </a:ext>
+            </a:extLst>
+          </p:cNvPr>
           <p:cNvSpPr>
             <a:spLocks noGrp="1"/>
           </p:cNvSpPr>
@@ -19136,8 +21098,8 @@
         </p:nvSpPr>
         <p:spPr>
           <a:xfrm>
-            <a:off x="1522080" y="1209240"/>
-            <a:ext cx="9147240" cy="2336400"/>
+            <a:off x="-688585" y="591898"/>
+            <a:ext cx="7258253" cy="1043883"/>
           </a:xfrm>
           <a:prstGeom prst="rect">
             <a:avLst/>
@@ -19149,7 +21111,7 @@
         </p:spPr>
         <p:txBody>
           <a:bodyPr lIns="90000" tIns="45000" rIns="90000" bIns="45000" anchor="b">
-            <a:normAutofit/>
+            <a:normAutofit fontScale="90000"/>
           </a:bodyPr>
           <a:lstStyle/>
           <a:p>
@@ -19160,27 +21122,43 @@
               <a:buNone/>
             </a:pPr>
             <a:r>
-              <a:rPr lang="en-US" sz="6000" b="1" strike="noStrike" cap="all" spc="-1">
+              <a:rPr lang="en-US" sz="3600" b="1" strike="noStrike" spc="-1" dirty="0">
                 <a:solidFill>
-                  <a:srgbClr val="FFFFFF"/>
+                  <a:srgbClr val="000000"/>
                 </a:solidFill>
-                <a:latin typeface="Univers"/>
-                <a:ea typeface="DejaVu Sans"/>
+                <a:latin typeface="Arial"/>
               </a:rPr>
-              <a:t>Thank you</a:t>
+              <a:t>Rating of Episodes</a:t>
             </a:r>
-            <a:endParaRPr lang="en-US" sz="6000" b="0" strike="noStrike" spc="-1">
-              <a:solidFill>
-                <a:srgbClr val="000000"/>
-              </a:solidFill>
-              <a:latin typeface="Arial"/>
-            </a:endParaRPr>
-          </a:p>
-        </p:txBody>
-      </p:sp>
-      <p:sp>
-        <p:nvSpPr>
-          <p:cNvPr id="189" name="Graphic 22"/>
+            <a:br>
+              <a:rPr lang="en-US" sz="3600" b="1" strike="noStrike" spc="-1" dirty="0">
+                <a:solidFill>
+                  <a:srgbClr val="000000"/>
+                </a:solidFill>
+                <a:latin typeface="Arial"/>
+              </a:rPr>
+            </a:br>
+            <a:r>
+              <a:rPr lang="en-US" sz="3600" b="1" strike="noStrike" spc="-1" dirty="0">
+                <a:solidFill>
+                  <a:srgbClr val="000000"/>
+                </a:solidFill>
+                <a:latin typeface="Arial"/>
+              </a:rPr>
+              <a:t>Within a Season</a:t>
+            </a:r>
+          </a:p>
+        </p:txBody>
+      </p:sp>
+      <p:sp>
+        <p:nvSpPr>
+          <p:cNvPr id="171" name="Graphic 22">
+            <a:extLst>
+              <a:ext uri="{FF2B5EF4-FFF2-40B4-BE49-F238E27FC236}">
+                <a16:creationId xmlns:a16="http://schemas.microsoft.com/office/drawing/2014/main" id="{8A8B38AB-6DC5-A1F7-339A-1DB5DA0259C5}"/>
+              </a:ext>
+            </a:extLst>
+          </p:cNvPr>
           <p:cNvSpPr/>
           <p:nvPr/>
         </p:nvSpPr>
@@ -19297,7 +21275,13 @@
       </p:sp>
       <p:sp>
         <p:nvSpPr>
-          <p:cNvPr id="190" name="Graphic 13"/>
+          <p:cNvPr id="172" name="Graphic 13">
+            <a:extLst>
+              <a:ext uri="{FF2B5EF4-FFF2-40B4-BE49-F238E27FC236}">
+                <a16:creationId xmlns:a16="http://schemas.microsoft.com/office/drawing/2014/main" id="{7AFA3DE7-9F07-EB68-282D-AABA6D5C1AEF}"/>
+              </a:ext>
+            </a:extLst>
+          </p:cNvPr>
           <p:cNvSpPr/>
           <p:nvPr/>
         </p:nvSpPr>
@@ -19414,7 +21398,13 @@
       </p:sp>
       <p:sp>
         <p:nvSpPr>
-          <p:cNvPr id="191" name="Graphic 15"/>
+          <p:cNvPr id="173" name="Graphic 15">
+            <a:extLst>
+              <a:ext uri="{FF2B5EF4-FFF2-40B4-BE49-F238E27FC236}">
+                <a16:creationId xmlns:a16="http://schemas.microsoft.com/office/drawing/2014/main" id="{9CF66832-D36C-3846-AD76-A8142E26975A}"/>
+              </a:ext>
+            </a:extLst>
+          </p:cNvPr>
           <p:cNvSpPr/>
           <p:nvPr/>
         </p:nvSpPr>
@@ -19510,7 +21500,13 @@
       </p:sp>
       <p:sp>
         <p:nvSpPr>
-          <p:cNvPr id="192" name="Graphic 21"/>
+          <p:cNvPr id="174" name="Graphic 21">
+            <a:extLst>
+              <a:ext uri="{FF2B5EF4-FFF2-40B4-BE49-F238E27FC236}">
+                <a16:creationId xmlns:a16="http://schemas.microsoft.com/office/drawing/2014/main" id="{4A4B809B-D4FB-12DC-DA12-F6BC2C4AB06B}"/>
+              </a:ext>
+            </a:extLst>
+          </p:cNvPr>
           <p:cNvSpPr/>
           <p:nvPr/>
         </p:nvSpPr>
@@ -19583,7 +21579,13 @@
       </p:sp>
       <p:sp>
         <p:nvSpPr>
-          <p:cNvPr id="193" name="Graphic 12"/>
+          <p:cNvPr id="175" name="Graphic 12">
+            <a:extLst>
+              <a:ext uri="{FF2B5EF4-FFF2-40B4-BE49-F238E27FC236}">
+                <a16:creationId xmlns:a16="http://schemas.microsoft.com/office/drawing/2014/main" id="{30BD4606-5079-5009-88B3-1B44E5C8113E}"/>
+              </a:ext>
+            </a:extLst>
+          </p:cNvPr>
           <p:cNvSpPr/>
           <p:nvPr/>
         </p:nvSpPr>
@@ -19656,7 +21658,13 @@
       </p:sp>
       <p:sp>
         <p:nvSpPr>
-          <p:cNvPr id="194" name="Graphic 23"/>
+          <p:cNvPr id="176" name="Graphic 23">
+            <a:extLst>
+              <a:ext uri="{FF2B5EF4-FFF2-40B4-BE49-F238E27FC236}">
+                <a16:creationId xmlns:a16="http://schemas.microsoft.com/office/drawing/2014/main" id="{1B0A178F-DC6C-4F9C-E84F-85AEF18C631F}"/>
+              </a:ext>
+            </a:extLst>
+          </p:cNvPr>
           <p:cNvSpPr/>
           <p:nvPr/>
         </p:nvSpPr>
@@ -19752,7 +21760,13 @@
       </p:sp>
       <p:sp>
         <p:nvSpPr>
-          <p:cNvPr id="195" name="Straight Connector 23"/>
+          <p:cNvPr id="177" name="Straight Connector 38">
+            <a:extLst>
+              <a:ext uri="{FF2B5EF4-FFF2-40B4-BE49-F238E27FC236}">
+                <a16:creationId xmlns:a16="http://schemas.microsoft.com/office/drawing/2014/main" id="{79DF2017-2444-B507-F9C2-B22CE4324215}"/>
+              </a:ext>
+            </a:extLst>
+          </p:cNvPr>
           <p:cNvSpPr/>
           <p:nvPr/>
         </p:nvSpPr>
@@ -19791,7 +21805,127 @@
           </a:p>
         </p:txBody>
       </p:sp>
+      <p:pic>
+        <p:nvPicPr>
+          <p:cNvPr id="2" name="Picture 1" descr="A graph showing the results of a season episode&#10;&#10;Description automatically generated">
+            <a:extLst>
+              <a:ext uri="{FF2B5EF4-FFF2-40B4-BE49-F238E27FC236}">
+                <a16:creationId xmlns:a16="http://schemas.microsoft.com/office/drawing/2014/main" id="{77BC5410-F77D-6206-DA13-D9D71E21EF6D}"/>
+              </a:ext>
+            </a:extLst>
+          </p:cNvPr>
+          <p:cNvPicPr>
+            <a:picLocks noChangeAspect="1"/>
+          </p:cNvPicPr>
+          <p:nvPr/>
+        </p:nvPicPr>
+        <p:blipFill>
+          <a:blip r:embed="rId3">
+            <a:extLst>
+              <a:ext uri="{28A0092B-C50C-407E-A947-70E740481C1C}">
+                <a14:useLocalDpi xmlns:a14="http://schemas.microsoft.com/office/drawing/2010/main" val="0"/>
+              </a:ext>
+            </a:extLst>
+          </a:blip>
+          <a:stretch>
+            <a:fillRect/>
+          </a:stretch>
+        </p:blipFill>
+        <p:spPr>
+          <a:xfrm>
+            <a:off x="0" y="1963709"/>
+            <a:ext cx="5923031" cy="3285891"/>
+          </a:xfrm>
+          <a:prstGeom prst="rect">
+            <a:avLst/>
+          </a:prstGeom>
+        </p:spPr>
+      </p:pic>
+      <p:pic>
+        <p:nvPicPr>
+          <p:cNvPr id="3" name="Picture 2" descr="A graph with blue lines&#10;&#10;Description automatically generated">
+            <a:extLst>
+              <a:ext uri="{FF2B5EF4-FFF2-40B4-BE49-F238E27FC236}">
+                <a16:creationId xmlns:a16="http://schemas.microsoft.com/office/drawing/2014/main" id="{50C468BD-D3AC-E1BD-8145-F6BE8FBC09CA}"/>
+              </a:ext>
+            </a:extLst>
+          </p:cNvPr>
+          <p:cNvPicPr>
+            <a:picLocks noChangeAspect="1"/>
+          </p:cNvPicPr>
+          <p:nvPr/>
+        </p:nvPicPr>
+        <p:blipFill>
+          <a:blip r:embed="rId4">
+            <a:extLst>
+              <a:ext uri="{28A0092B-C50C-407E-A947-70E740481C1C}">
+                <a14:useLocalDpi xmlns:a14="http://schemas.microsoft.com/office/drawing/2010/main" val="0"/>
+              </a:ext>
+            </a:extLst>
+          </a:blip>
+          <a:stretch>
+            <a:fillRect/>
+          </a:stretch>
+        </p:blipFill>
+        <p:spPr>
+          <a:xfrm>
+            <a:off x="6243755" y="1949760"/>
+            <a:ext cx="5923031" cy="3276570"/>
+          </a:xfrm>
+          <a:prstGeom prst="rect">
+            <a:avLst/>
+          </a:prstGeom>
+        </p:spPr>
+      </p:pic>
+      <p:sp>
+        <p:nvSpPr>
+          <p:cNvPr id="5" name="TextBox 4">
+            <a:extLst>
+              <a:ext uri="{FF2B5EF4-FFF2-40B4-BE49-F238E27FC236}">
+                <a16:creationId xmlns:a16="http://schemas.microsoft.com/office/drawing/2014/main" id="{FEC54FC9-EBD3-B966-736E-39EF14979FCB}"/>
+              </a:ext>
+            </a:extLst>
+          </p:cNvPr>
+          <p:cNvSpPr txBox="1"/>
+          <p:nvPr/>
+        </p:nvSpPr>
+        <p:spPr>
+          <a:xfrm>
+            <a:off x="6667380" y="672382"/>
+            <a:ext cx="5075779" cy="1077218"/>
+          </a:xfrm>
+          <a:prstGeom prst="rect">
+            <a:avLst/>
+          </a:prstGeom>
+          <a:noFill/>
+        </p:spPr>
+        <p:txBody>
+          <a:bodyPr wrap="square" rtlCol="0">
+            <a:spAutoFit/>
+          </a:bodyPr>
+          <a:lstStyle/>
+          <a:p>
+            <a:pPr algn="ctr"/>
+            <a:r>
+              <a:rPr lang="en-US" sz="3200" b="1" dirty="0"/>
+              <a:t>Mean Rating of Seasons </a:t>
+            </a:r>
+          </a:p>
+          <a:p>
+            <a:pPr algn="ctr"/>
+            <a:r>
+              <a:rPr lang="en-US" sz="3200" b="1" dirty="0"/>
+              <a:t>Within a Show</a:t>
+            </a:r>
+          </a:p>
+        </p:txBody>
+      </p:sp>
     </p:spTree>
+    <p:extLst>
+      <p:ext uri="{BB962C8B-B14F-4D97-AF65-F5344CB8AC3E}">
+        <p14:creationId xmlns:p14="http://schemas.microsoft.com/office/powerpoint/2010/main" val="2794827852"/>
+      </p:ext>
+    </p:extLst>
   </p:cSld>
   <p:clrMapOvr>
     <a:masterClrMapping/>
@@ -20481,4 +22615,299 @@
   <a:objectDefaults/>
   <a:extraClrSchemeLst/>
 </a:theme>
+</file>
+
+<file path=ppt/theme/theme4.xml><?xml version="1.0" encoding="utf-8"?>
+<a:theme xmlns:a="http://schemas.openxmlformats.org/drawingml/2006/main" name="Office Theme">
+  <a:themeElements>
+    <a:clrScheme name="Office">
+      <a:dk1>
+        <a:sysClr val="windowText" lastClr="000000"/>
+      </a:dk1>
+      <a:lt1>
+        <a:sysClr val="window" lastClr="FFFFFF"/>
+      </a:lt1>
+      <a:dk2>
+        <a:srgbClr val="44546A"/>
+      </a:dk2>
+      <a:lt2>
+        <a:srgbClr val="E7E6E6"/>
+      </a:lt2>
+      <a:accent1>
+        <a:srgbClr val="4472C4"/>
+      </a:accent1>
+      <a:accent2>
+        <a:srgbClr val="ED7D31"/>
+      </a:accent2>
+      <a:accent3>
+        <a:srgbClr val="A5A5A5"/>
+      </a:accent3>
+      <a:accent4>
+        <a:srgbClr val="FFC000"/>
+      </a:accent4>
+      <a:accent5>
+        <a:srgbClr val="5B9BD5"/>
+      </a:accent5>
+      <a:accent6>
+        <a:srgbClr val="70AD47"/>
+      </a:accent6>
+      <a:hlink>
+        <a:srgbClr val="0563C1"/>
+      </a:hlink>
+      <a:folHlink>
+        <a:srgbClr val="954F72"/>
+      </a:folHlink>
+    </a:clrScheme>
+    <a:fontScheme name="Office">
+      <a:majorFont>
+        <a:latin typeface="Calibri Light" panose="020F0302020204030204"/>
+        <a:ea typeface=""/>
+        <a:cs typeface=""/>
+        <a:font script="Jpan" typeface="游ゴシック Light"/>
+        <a:font script="Hang" typeface="맑은 고딕"/>
+        <a:font script="Hans" typeface="等线 Light"/>
+        <a:font script="Hant" typeface="新細明體"/>
+        <a:font script="Arab" typeface="Times New Roman"/>
+        <a:font script="Hebr" typeface="Times New Roman"/>
+        <a:font script="Thai" typeface="Angsana New"/>
+        <a:font script="Ethi" typeface="Nyala"/>
+        <a:font script="Beng" typeface="Vrinda"/>
+        <a:font script="Gujr" typeface="Shruti"/>
+        <a:font script="Khmr" typeface="MoolBoran"/>
+        <a:font script="Knda" typeface="Tunga"/>
+        <a:font script="Guru" typeface="Raavi"/>
+        <a:font script="Cans" typeface="Euphemia"/>
+        <a:font script="Cher" typeface="Plantagenet Cherokee"/>
+        <a:font script="Yiii" typeface="Microsoft Yi Baiti"/>
+        <a:font script="Tibt" typeface="Microsoft Himalaya"/>
+        <a:font script="Thaa" typeface="MV Boli"/>
+        <a:font script="Deva" typeface="Mangal"/>
+        <a:font script="Telu" typeface="Gautami"/>
+        <a:font script="Taml" typeface="Latha"/>
+        <a:font script="Syrc" typeface="Estrangelo Edessa"/>
+        <a:font script="Orya" typeface="Kalinga"/>
+        <a:font script="Mlym" typeface="Kartika"/>
+        <a:font script="Laoo" typeface="DokChampa"/>
+        <a:font script="Sinh" typeface="Iskoola Pota"/>
+        <a:font script="Mong" typeface="Mongolian Baiti"/>
+        <a:font script="Viet" typeface="Times New Roman"/>
+        <a:font script="Uigh" typeface="Microsoft Uighur"/>
+        <a:font script="Geor" typeface="Sylfaen"/>
+        <a:font script="Armn" typeface="Arial"/>
+        <a:font script="Bugi" typeface="Leelawadee UI"/>
+        <a:font script="Bopo" typeface="Microsoft JhengHei"/>
+        <a:font script="Java" typeface="Javanese Text"/>
+        <a:font script="Lisu" typeface="Segoe UI"/>
+        <a:font script="Mymr" typeface="Myanmar Text"/>
+        <a:font script="Nkoo" typeface="Ebrima"/>
+        <a:font script="Olck" typeface="Nirmala UI"/>
+        <a:font script="Osma" typeface="Ebrima"/>
+        <a:font script="Phag" typeface="Phagspa"/>
+        <a:font script="Syrn" typeface="Estrangelo Edessa"/>
+        <a:font script="Syrj" typeface="Estrangelo Edessa"/>
+        <a:font script="Syre" typeface="Estrangelo Edessa"/>
+        <a:font script="Sora" typeface="Nirmala UI"/>
+        <a:font script="Tale" typeface="Microsoft Tai Le"/>
+        <a:font script="Talu" typeface="Microsoft New Tai Lue"/>
+        <a:font script="Tfng" typeface="Ebrima"/>
+      </a:majorFont>
+      <a:minorFont>
+        <a:latin typeface="Calibri" panose="020F0502020204030204"/>
+        <a:ea typeface=""/>
+        <a:cs typeface=""/>
+        <a:font script="Jpan" typeface="游ゴシック"/>
+        <a:font script="Hang" typeface="맑은 고딕"/>
+        <a:font script="Hans" typeface="等线"/>
+        <a:font script="Hant" typeface="新細明體"/>
+        <a:font script="Arab" typeface="Arial"/>
+        <a:font script="Hebr" typeface="Arial"/>
+        <a:font script="Thai" typeface="Cordia New"/>
+        <a:font script="Ethi" typeface="Nyala"/>
+        <a:font script="Beng" typeface="Vrinda"/>
+        <a:font script="Gujr" typeface="Shruti"/>
+        <a:font script="Khmr" typeface="DaunPenh"/>
+        <a:font script="Knda" typeface="Tunga"/>
+        <a:font script="Guru" typeface="Raavi"/>
+        <a:font script="Cans" typeface="Euphemia"/>
+        <a:font script="Cher" typeface="Plantagenet Cherokee"/>
+        <a:font script="Yiii" typeface="Microsoft Yi Baiti"/>
+        <a:font script="Tibt" typeface="Microsoft Himalaya"/>
+        <a:font script="Thaa" typeface="MV Boli"/>
+        <a:font script="Deva" typeface="Mangal"/>
+        <a:font script="Telu" typeface="Gautami"/>
+        <a:font script="Taml" typeface="Latha"/>
+        <a:font script="Syrc" typeface="Estrangelo Edessa"/>
+        <a:font script="Orya" typeface="Kalinga"/>
+        <a:font script="Mlym" typeface="Kartika"/>
+        <a:font script="Laoo" typeface="DokChampa"/>
+        <a:font script="Sinh" typeface="Iskoola Pota"/>
+        <a:font script="Mong" typeface="Mongolian Baiti"/>
+        <a:font script="Viet" typeface="Arial"/>
+        <a:font script="Uigh" typeface="Microsoft Uighur"/>
+        <a:font script="Geor" typeface="Sylfaen"/>
+        <a:font script="Armn" typeface="Arial"/>
+        <a:font script="Bugi" typeface="Leelawadee UI"/>
+        <a:font script="Bopo" typeface="Microsoft JhengHei"/>
+        <a:font script="Java" typeface="Javanese Text"/>
+        <a:font script="Lisu" typeface="Segoe UI"/>
+        <a:font script="Mymr" typeface="Myanmar Text"/>
+        <a:font script="Nkoo" typeface="Ebrima"/>
+        <a:font script="Olck" typeface="Nirmala UI"/>
+        <a:font script="Osma" typeface="Ebrima"/>
+        <a:font script="Phag" typeface="Phagspa"/>
+        <a:font script="Syrn" typeface="Estrangelo Edessa"/>
+        <a:font script="Syrj" typeface="Estrangelo Edessa"/>
+        <a:font script="Syre" typeface="Estrangelo Edessa"/>
+        <a:font script="Sora" typeface="Nirmala UI"/>
+        <a:font script="Tale" typeface="Microsoft Tai Le"/>
+        <a:font script="Talu" typeface="Microsoft New Tai Lue"/>
+        <a:font script="Tfng" typeface="Ebrima"/>
+      </a:minorFont>
+    </a:fontScheme>
+    <a:fmtScheme name="Office">
+      <a:fillStyleLst>
+        <a:solidFill>
+          <a:schemeClr val="phClr"/>
+        </a:solidFill>
+        <a:gradFill rotWithShape="1">
+          <a:gsLst>
+            <a:gs pos="0">
+              <a:schemeClr val="phClr">
+                <a:lumMod val="110000"/>
+                <a:satMod val="105000"/>
+                <a:tint val="67000"/>
+              </a:schemeClr>
+            </a:gs>
+            <a:gs pos="50000">
+              <a:schemeClr val="phClr">
+                <a:lumMod val="105000"/>
+                <a:satMod val="103000"/>
+                <a:tint val="73000"/>
+              </a:schemeClr>
+            </a:gs>
+            <a:gs pos="100000">
+              <a:schemeClr val="phClr">
+                <a:lumMod val="105000"/>
+                <a:satMod val="109000"/>
+                <a:tint val="81000"/>
+              </a:schemeClr>
+            </a:gs>
+          </a:gsLst>
+          <a:lin ang="5400000" scaled="0"/>
+        </a:gradFill>
+        <a:gradFill rotWithShape="1">
+          <a:gsLst>
+            <a:gs pos="0">
+              <a:schemeClr val="phClr">
+                <a:satMod val="103000"/>
+                <a:lumMod val="102000"/>
+                <a:tint val="94000"/>
+              </a:schemeClr>
+            </a:gs>
+            <a:gs pos="50000">
+              <a:schemeClr val="phClr">
+                <a:satMod val="110000"/>
+                <a:lumMod val="100000"/>
+                <a:shade val="100000"/>
+              </a:schemeClr>
+            </a:gs>
+            <a:gs pos="100000">
+              <a:schemeClr val="phClr">
+                <a:lumMod val="99000"/>
+                <a:satMod val="120000"/>
+                <a:shade val="78000"/>
+              </a:schemeClr>
+            </a:gs>
+          </a:gsLst>
+          <a:lin ang="5400000" scaled="0"/>
+        </a:gradFill>
+      </a:fillStyleLst>
+      <a:lnStyleLst>
+        <a:ln w="6350" cap="flat" cmpd="sng" algn="ctr">
+          <a:solidFill>
+            <a:schemeClr val="phClr"/>
+          </a:solidFill>
+          <a:prstDash val="solid"/>
+          <a:miter lim="800000"/>
+        </a:ln>
+        <a:ln w="12700" cap="flat" cmpd="sng" algn="ctr">
+          <a:solidFill>
+            <a:schemeClr val="phClr"/>
+          </a:solidFill>
+          <a:prstDash val="solid"/>
+          <a:miter lim="800000"/>
+        </a:ln>
+        <a:ln w="19050" cap="flat" cmpd="sng" algn="ctr">
+          <a:solidFill>
+            <a:schemeClr val="phClr"/>
+          </a:solidFill>
+          <a:prstDash val="solid"/>
+          <a:miter lim="800000"/>
+        </a:ln>
+      </a:lnStyleLst>
+      <a:effectStyleLst>
+        <a:effectStyle>
+          <a:effectLst/>
+        </a:effectStyle>
+        <a:effectStyle>
+          <a:effectLst/>
+        </a:effectStyle>
+        <a:effectStyle>
+          <a:effectLst>
+            <a:outerShdw blurRad="57150" dist="19050" dir="5400000" algn="ctr" rotWithShape="0">
+              <a:srgbClr val="000000">
+                <a:alpha val="63000"/>
+              </a:srgbClr>
+            </a:outerShdw>
+          </a:effectLst>
+        </a:effectStyle>
+      </a:effectStyleLst>
+      <a:bgFillStyleLst>
+        <a:solidFill>
+          <a:schemeClr val="phClr"/>
+        </a:solidFill>
+        <a:solidFill>
+          <a:schemeClr val="phClr">
+            <a:tint val="95000"/>
+            <a:satMod val="170000"/>
+          </a:schemeClr>
+        </a:solidFill>
+        <a:gradFill rotWithShape="1">
+          <a:gsLst>
+            <a:gs pos="0">
+              <a:schemeClr val="phClr">
+                <a:tint val="93000"/>
+                <a:satMod val="150000"/>
+                <a:shade val="98000"/>
+                <a:lumMod val="102000"/>
+              </a:schemeClr>
+            </a:gs>
+            <a:gs pos="50000">
+              <a:schemeClr val="phClr">
+                <a:tint val="98000"/>
+                <a:satMod val="130000"/>
+                <a:shade val="90000"/>
+                <a:lumMod val="103000"/>
+              </a:schemeClr>
+            </a:gs>
+            <a:gs pos="100000">
+              <a:schemeClr val="phClr">
+                <a:shade val="63000"/>
+                <a:satMod val="120000"/>
+              </a:schemeClr>
+            </a:gs>
+          </a:gsLst>
+          <a:lin ang="5400000" scaled="0"/>
+        </a:gradFill>
+      </a:bgFillStyleLst>
+    </a:fmtScheme>
+  </a:themeElements>
+  <a:objectDefaults/>
+  <a:extraClrSchemeLst/>
+  <a:extLst>
+    <a:ext uri="{05A4C25C-085E-4340-85A3-A5531E510DB2}">
+      <thm15:themeFamily xmlns:thm15="http://schemas.microsoft.com/office/thememl/2012/main" name="Office Theme" id="{62F939B6-93AF-4DB8-9C6B-D6C7DFDC589F}" vid="{4A3C46E8-61CC-4603-A589-7422A47A8E4A}"/>
+    </a:ext>
+  </a:extLst>
+</a:theme>
 </file>
--- a/534-Slides.pptx
+++ b/534-Slides.pptx
@@ -7,7 +7,7 @@
     <p:sldMasterId id="2147483674" r:id="rId3"/>
   </p:sldMasterIdLst>
   <p:notesMasterIdLst>
-    <p:notesMasterId r:id="rId15"/>
+    <p:notesMasterId r:id="rId14"/>
   </p:notesMasterIdLst>
   <p:sldIdLst>
     <p:sldId id="256" r:id="rId4"/>
@@ -16,11 +16,10 @@
     <p:sldId id="259" r:id="rId7"/>
     <p:sldId id="263" r:id="rId8"/>
     <p:sldId id="264" r:id="rId9"/>
-    <p:sldId id="260" r:id="rId10"/>
-    <p:sldId id="261" r:id="rId11"/>
-    <p:sldId id="266" r:id="rId12"/>
-    <p:sldId id="262" r:id="rId13"/>
-    <p:sldId id="267" r:id="rId14"/>
+    <p:sldId id="261" r:id="rId10"/>
+    <p:sldId id="266" r:id="rId11"/>
+    <p:sldId id="262" r:id="rId12"/>
+    <p:sldId id="267" r:id="rId13"/>
   </p:sldIdLst>
   <p:sldSz cx="12192000" cy="6858000"/>
   <p:notesSz cx="7772400" cy="10058400"/>
@@ -541,7 +540,7 @@
           <a:p>
             <a:fld id="{1646B5C1-B17B-DC40-840F-0A0326C58183}" type="slidenum">
               <a:rPr lang="en-US" smtClean="0"/>
-              <a:t>9</a:t>
+              <a:t>8</a:t>
             </a:fld>
             <a:endParaRPr lang="en-US"/>
           </a:p>
@@ -11471,798 +11470,6 @@
     </p:bg>
     <p:spTree>
       <p:nvGrpSpPr>
-        <p:cNvPr id="1" name=""/>
-        <p:cNvGrpSpPr/>
-        <p:nvPr/>
-      </p:nvGrpSpPr>
-      <p:grpSpPr>
-        <a:xfrm>
-          <a:off x="0" y="0"/>
-          <a:ext cx="0" cy="0"/>
-          <a:chOff x="0" y="0"/>
-          <a:chExt cx="0" cy="0"/>
-        </a:xfrm>
-      </p:grpSpPr>
-      <p:sp>
-        <p:nvSpPr>
-          <p:cNvPr id="186" name="Straight Connector 7"/>
-          <p:cNvSpPr/>
-          <p:nvPr/>
-        </p:nvSpPr>
-        <p:spPr>
-          <a:xfrm>
-            <a:off x="715680" y="1113840"/>
-            <a:ext cx="360" cy="5735520"/>
-          </a:xfrm>
-          <a:prstGeom prst="line">
-            <a:avLst/>
-          </a:prstGeom>
-          <a:ln w="25400" cap="sq">
-            <a:solidFill>
-              <a:srgbClr val="2683C6"/>
-            </a:solidFill>
-            <a:bevel/>
-          </a:ln>
-        </p:spPr>
-        <p:style>
-          <a:lnRef idx="1">
-            <a:schemeClr val="accent1"/>
-          </a:lnRef>
-          <a:fillRef idx="0">
-            <a:schemeClr val="accent1"/>
-          </a:fillRef>
-          <a:effectRef idx="0">
-            <a:schemeClr val="accent1"/>
-          </a:effectRef>
-          <a:fontRef idx="minor"/>
-        </p:style>
-        <p:txBody>
-          <a:bodyPr/>
-          <a:lstStyle/>
-          <a:p>
-            <a:endParaRPr lang="en-US"/>
-          </a:p>
-        </p:txBody>
-      </p:sp>
-      <p:sp>
-        <p:nvSpPr>
-          <p:cNvPr id="187" name="Rectangle 9"/>
-          <p:cNvSpPr/>
-          <p:nvPr/>
-        </p:nvSpPr>
-        <p:spPr>
-          <a:xfrm>
-            <a:off x="0" y="0"/>
-            <a:ext cx="12191400" cy="6857280"/>
-          </a:xfrm>
-          <a:prstGeom prst="rect">
-            <a:avLst/>
-          </a:prstGeom>
-          <a:gradFill rotWithShape="0">
-            <a:gsLst>
-              <a:gs pos="0">
-                <a:srgbClr val="2683C6"/>
-              </a:gs>
-              <a:gs pos="100000">
-                <a:srgbClr val="42BA97"/>
-              </a:gs>
-            </a:gsLst>
-            <a:lin ang="2700000"/>
-          </a:gradFill>
-          <a:ln>
-            <a:noFill/>
-          </a:ln>
-        </p:spPr>
-        <p:style>
-          <a:lnRef idx="2">
-            <a:schemeClr val="accent1">
-              <a:shade val="50000"/>
-            </a:schemeClr>
-          </a:lnRef>
-          <a:fillRef idx="1">
-            <a:schemeClr val="accent1"/>
-          </a:fillRef>
-          <a:effectRef idx="0">
-            <a:schemeClr val="accent1"/>
-          </a:effectRef>
-          <a:fontRef idx="minor"/>
-        </p:style>
-        <p:txBody>
-          <a:bodyPr/>
-          <a:lstStyle/>
-          <a:p>
-            <a:endParaRPr lang="en-US"/>
-          </a:p>
-        </p:txBody>
-      </p:sp>
-      <p:sp>
-        <p:nvSpPr>
-          <p:cNvPr id="188" name="PlaceHolder 1"/>
-          <p:cNvSpPr>
-            <a:spLocks noGrp="1"/>
-          </p:cNvSpPr>
-          <p:nvPr>
-            <p:ph type="title"/>
-          </p:nvPr>
-        </p:nvSpPr>
-        <p:spPr>
-          <a:xfrm>
-            <a:off x="1522080" y="1209240"/>
-            <a:ext cx="9147240" cy="2336400"/>
-          </a:xfrm>
-          <a:prstGeom prst="rect">
-            <a:avLst/>
-          </a:prstGeom>
-          <a:noFill/>
-          <a:ln w="0">
-            <a:noFill/>
-          </a:ln>
-        </p:spPr>
-        <p:txBody>
-          <a:bodyPr lIns="90000" tIns="45000" rIns="90000" bIns="45000" anchor="b">
-            <a:normAutofit/>
-          </a:bodyPr>
-          <a:lstStyle/>
-          <a:p>
-            <a:pPr algn="ctr">
-              <a:lnSpc>
-                <a:spcPct val="90000"/>
-              </a:lnSpc>
-              <a:buNone/>
-            </a:pPr>
-            <a:r>
-              <a:rPr lang="en-US" sz="6000" b="1" strike="noStrike" cap="all" spc="-1" dirty="0">
-                <a:solidFill>
-                  <a:srgbClr val="FFFFFF"/>
-                </a:solidFill>
-                <a:latin typeface="Univers"/>
-                <a:ea typeface="DejaVu Sans"/>
-              </a:rPr>
-              <a:t>Demonstration</a:t>
-            </a:r>
-            <a:endParaRPr lang="en-US" sz="6000" b="0" strike="noStrike" spc="-1" dirty="0">
-              <a:solidFill>
-                <a:srgbClr val="000000"/>
-              </a:solidFill>
-              <a:latin typeface="Arial"/>
-            </a:endParaRPr>
-          </a:p>
-        </p:txBody>
-      </p:sp>
-      <p:sp>
-        <p:nvSpPr>
-          <p:cNvPr id="189" name="Graphic 22"/>
-          <p:cNvSpPr/>
-          <p:nvPr/>
-        </p:nvSpPr>
-        <p:spPr>
-          <a:xfrm>
-            <a:off x="1261800" y="2383200"/>
-            <a:ext cx="150840" cy="150840"/>
-          </a:xfrm>
-          <a:custGeom>
-            <a:avLst/>
-            <a:gdLst/>
-            <a:ahLst/>
-            <a:cxnLst/>
-            <a:rect l="l" t="t" r="r" b="b"/>
-            <a:pathLst>
-              <a:path w="151536" h="151536">
-                <a:moveTo>
-                  <a:pt x="141251" y="65483"/>
-                </a:moveTo>
-                <a:lnTo>
-                  <a:pt x="86053" y="65483"/>
-                </a:lnTo>
-                <a:lnTo>
-                  <a:pt x="86053" y="10285"/>
-                </a:lnTo>
-                <a:cubicBezTo>
-                  <a:pt x="86053" y="4605"/>
-                  <a:pt x="81448" y="0"/>
-                  <a:pt x="75768" y="0"/>
-                </a:cubicBezTo>
-                <a:cubicBezTo>
-                  <a:pt x="70088" y="0"/>
-                  <a:pt x="65483" y="4605"/>
-                  <a:pt x="65483" y="10285"/>
-                </a:cubicBezTo>
-                <a:lnTo>
-                  <a:pt x="65483" y="65483"/>
-                </a:lnTo>
-                <a:lnTo>
-                  <a:pt x="10285" y="65483"/>
-                </a:lnTo>
-                <a:cubicBezTo>
-                  <a:pt x="4605" y="65483"/>
-                  <a:pt x="0" y="70088"/>
-                  <a:pt x="0" y="75768"/>
-                </a:cubicBezTo>
-                <a:cubicBezTo>
-                  <a:pt x="0" y="81448"/>
-                  <a:pt x="4605" y="86053"/>
-                  <a:pt x="10285" y="86053"/>
-                </a:cubicBezTo>
-                <a:lnTo>
-                  <a:pt x="65483" y="86053"/>
-                </a:lnTo>
-                <a:lnTo>
-                  <a:pt x="65483" y="141251"/>
-                </a:lnTo>
-                <a:cubicBezTo>
-                  <a:pt x="65483" y="146931"/>
-                  <a:pt x="70088" y="151536"/>
-                  <a:pt x="75768" y="151536"/>
-                </a:cubicBezTo>
-                <a:cubicBezTo>
-                  <a:pt x="81448" y="151536"/>
-                  <a:pt x="86053" y="146931"/>
-                  <a:pt x="86053" y="141251"/>
-                </a:cubicBezTo>
-                <a:lnTo>
-                  <a:pt x="86053" y="86053"/>
-                </a:lnTo>
-                <a:lnTo>
-                  <a:pt x="141251" y="86053"/>
-                </a:lnTo>
-                <a:cubicBezTo>
-                  <a:pt x="146931" y="86053"/>
-                  <a:pt x="151536" y="81448"/>
-                  <a:pt x="151536" y="75768"/>
-                </a:cubicBezTo>
-                <a:cubicBezTo>
-                  <a:pt x="151536" y="70088"/>
-                  <a:pt x="146931" y="65483"/>
-                  <a:pt x="141251" y="65483"/>
-                </a:cubicBezTo>
-                <a:close/>
-              </a:path>
-            </a:pathLst>
-          </a:custGeom>
-          <a:solidFill>
-            <a:schemeClr val="bg1"/>
-          </a:solidFill>
-          <a:ln w="646">
-            <a:noFill/>
-          </a:ln>
-        </p:spPr>
-        <p:style>
-          <a:lnRef idx="0">
-            <a:scrgbClr r="0" g="0" b="0"/>
-          </a:lnRef>
-          <a:fillRef idx="0">
-            <a:scrgbClr r="0" g="0" b="0"/>
-          </a:fillRef>
-          <a:effectRef idx="0">
-            <a:scrgbClr r="0" g="0" b="0"/>
-          </a:effectRef>
-          <a:fontRef idx="minor"/>
-        </p:style>
-        <p:txBody>
-          <a:bodyPr/>
-          <a:lstStyle/>
-          <a:p>
-            <a:endParaRPr lang="en-US"/>
-          </a:p>
-        </p:txBody>
-      </p:sp>
-      <p:sp>
-        <p:nvSpPr>
-          <p:cNvPr id="190" name="Graphic 13"/>
-          <p:cNvSpPr/>
-          <p:nvPr/>
-        </p:nvSpPr>
-        <p:spPr>
-          <a:xfrm>
-            <a:off x="10724400" y="2265480"/>
-            <a:ext cx="138240" cy="138240"/>
-          </a:xfrm>
-          <a:custGeom>
-            <a:avLst/>
-            <a:gdLst/>
-            <a:ahLst/>
-            <a:cxnLst/>
-            <a:rect l="l" t="t" r="r" b="b"/>
-            <a:pathLst>
-              <a:path w="139039" h="139039">
-                <a:moveTo>
-                  <a:pt x="129602" y="60082"/>
-                </a:moveTo>
-                <a:lnTo>
-                  <a:pt x="78957" y="60082"/>
-                </a:lnTo>
-                <a:lnTo>
-                  <a:pt x="78957" y="9437"/>
-                </a:lnTo>
-                <a:cubicBezTo>
-                  <a:pt x="78957" y="4225"/>
-                  <a:pt x="74731" y="0"/>
-                  <a:pt x="69520" y="0"/>
-                </a:cubicBezTo>
-                <a:cubicBezTo>
-                  <a:pt x="64308" y="0"/>
-                  <a:pt x="60082" y="4225"/>
-                  <a:pt x="60082" y="9437"/>
-                </a:cubicBezTo>
-                <a:lnTo>
-                  <a:pt x="60082" y="60082"/>
-                </a:lnTo>
-                <a:lnTo>
-                  <a:pt x="9437" y="60082"/>
-                </a:lnTo>
-                <a:cubicBezTo>
-                  <a:pt x="4225" y="60082"/>
-                  <a:pt x="0" y="64308"/>
-                  <a:pt x="0" y="69520"/>
-                </a:cubicBezTo>
-                <a:cubicBezTo>
-                  <a:pt x="0" y="74731"/>
-                  <a:pt x="4225" y="78957"/>
-                  <a:pt x="9437" y="78957"/>
-                </a:cubicBezTo>
-                <a:lnTo>
-                  <a:pt x="60082" y="78957"/>
-                </a:lnTo>
-                <a:lnTo>
-                  <a:pt x="60082" y="129602"/>
-                </a:lnTo>
-                <a:cubicBezTo>
-                  <a:pt x="60082" y="134814"/>
-                  <a:pt x="64308" y="139039"/>
-                  <a:pt x="69520" y="139039"/>
-                </a:cubicBezTo>
-                <a:cubicBezTo>
-                  <a:pt x="74731" y="139039"/>
-                  <a:pt x="78957" y="134814"/>
-                  <a:pt x="78957" y="129602"/>
-                </a:cubicBezTo>
-                <a:lnTo>
-                  <a:pt x="78957" y="78957"/>
-                </a:lnTo>
-                <a:lnTo>
-                  <a:pt x="129602" y="78957"/>
-                </a:lnTo>
-                <a:cubicBezTo>
-                  <a:pt x="134814" y="78957"/>
-                  <a:pt x="139039" y="74731"/>
-                  <a:pt x="139039" y="69520"/>
-                </a:cubicBezTo>
-                <a:cubicBezTo>
-                  <a:pt x="139039" y="64308"/>
-                  <a:pt x="134814" y="60082"/>
-                  <a:pt x="129602" y="60082"/>
-                </a:cubicBezTo>
-                <a:close/>
-              </a:path>
-            </a:pathLst>
-          </a:custGeom>
-          <a:solidFill>
-            <a:schemeClr val="bg1"/>
-          </a:solidFill>
-          <a:ln w="603">
-            <a:noFill/>
-          </a:ln>
-        </p:spPr>
-        <p:style>
-          <a:lnRef idx="0">
-            <a:scrgbClr r="0" g="0" b="0"/>
-          </a:lnRef>
-          <a:fillRef idx="0">
-            <a:scrgbClr r="0" g="0" b="0"/>
-          </a:fillRef>
-          <a:effectRef idx="0">
-            <a:scrgbClr r="0" g="0" b="0"/>
-          </a:effectRef>
-          <a:fontRef idx="minor"/>
-        </p:style>
-        <p:txBody>
-          <a:bodyPr/>
-          <a:lstStyle/>
-          <a:p>
-            <a:endParaRPr lang="en-US"/>
-          </a:p>
-        </p:txBody>
-      </p:sp>
-      <p:sp>
-        <p:nvSpPr>
-          <p:cNvPr id="191" name="Graphic 15"/>
-          <p:cNvSpPr/>
-          <p:nvPr/>
-        </p:nvSpPr>
-        <p:spPr>
-          <a:xfrm>
-            <a:off x="11025000" y="2537280"/>
-            <a:ext cx="127080" cy="127080"/>
-          </a:xfrm>
-          <a:custGeom>
-            <a:avLst/>
-            <a:gdLst/>
-            <a:ahLst/>
-            <a:cxnLst/>
-            <a:rect l="l" t="t" r="r" b="b"/>
-            <a:pathLst>
-              <a:path w="127714" h="127714">
-                <a:moveTo>
-                  <a:pt x="63857" y="18874"/>
-                </a:moveTo>
-                <a:cubicBezTo>
-                  <a:pt x="88700" y="18874"/>
-                  <a:pt x="108840" y="39014"/>
-                  <a:pt x="108840" y="63857"/>
-                </a:cubicBezTo>
-                <a:cubicBezTo>
-                  <a:pt x="108840" y="88700"/>
-                  <a:pt x="88700" y="108840"/>
-                  <a:pt x="63857" y="108840"/>
-                </a:cubicBezTo>
-                <a:cubicBezTo>
-                  <a:pt x="39014" y="108840"/>
-                  <a:pt x="18874" y="88700"/>
-                  <a:pt x="18874" y="63857"/>
-                </a:cubicBezTo>
-                <a:cubicBezTo>
-                  <a:pt x="18898" y="39024"/>
-                  <a:pt x="39024" y="18898"/>
-                  <a:pt x="63857" y="18874"/>
-                </a:cubicBezTo>
-                <a:moveTo>
-                  <a:pt x="63857" y="0"/>
-                </a:moveTo>
-                <a:cubicBezTo>
-                  <a:pt x="28590" y="0"/>
-                  <a:pt x="0" y="28590"/>
-                  <a:pt x="0" y="63857"/>
-                </a:cubicBezTo>
-                <a:cubicBezTo>
-                  <a:pt x="0" y="99124"/>
-                  <a:pt x="28590" y="127714"/>
-                  <a:pt x="63857" y="127714"/>
-                </a:cubicBezTo>
-                <a:cubicBezTo>
-                  <a:pt x="99124" y="127714"/>
-                  <a:pt x="127714" y="99124"/>
-                  <a:pt x="127714" y="63857"/>
-                </a:cubicBezTo>
-                <a:cubicBezTo>
-                  <a:pt x="127714" y="28590"/>
-                  <a:pt x="99124" y="0"/>
-                  <a:pt x="63857" y="0"/>
-                </a:cubicBezTo>
-                <a:close/>
-              </a:path>
-            </a:pathLst>
-          </a:custGeom>
-          <a:solidFill>
-            <a:schemeClr val="bg1"/>
-          </a:solidFill>
-          <a:ln w="610">
-            <a:noFill/>
-          </a:ln>
-        </p:spPr>
-        <p:style>
-          <a:lnRef idx="0">
-            <a:scrgbClr r="0" g="0" b="0"/>
-          </a:lnRef>
-          <a:fillRef idx="0">
-            <a:scrgbClr r="0" g="0" b="0"/>
-          </a:fillRef>
-          <a:effectRef idx="0">
-            <a:scrgbClr r="0" g="0" b="0"/>
-          </a:effectRef>
-          <a:fontRef idx="minor"/>
-        </p:style>
-        <p:txBody>
-          <a:bodyPr/>
-          <a:lstStyle/>
-          <a:p>
-            <a:endParaRPr lang="en-US"/>
-          </a:p>
-        </p:txBody>
-      </p:sp>
-      <p:sp>
-        <p:nvSpPr>
-          <p:cNvPr id="192" name="Graphic 21"/>
-          <p:cNvSpPr/>
-          <p:nvPr/>
-        </p:nvSpPr>
-        <p:spPr>
-          <a:xfrm>
-            <a:off x="1064160" y="2832840"/>
-            <a:ext cx="95040" cy="95040"/>
-          </a:xfrm>
-          <a:custGeom>
-            <a:avLst/>
-            <a:gdLst/>
-            <a:ahLst/>
-            <a:cxnLst/>
-            <a:rect l="l" t="t" r="r" b="b"/>
-            <a:pathLst>
-              <a:path w="95759" h="95759">
-                <a:moveTo>
-                  <a:pt x="95759" y="47880"/>
-                </a:moveTo>
-                <a:cubicBezTo>
-                  <a:pt x="95759" y="74323"/>
-                  <a:pt x="74323" y="95759"/>
-                  <a:pt x="47880" y="95759"/>
-                </a:cubicBezTo>
-                <a:cubicBezTo>
-                  <a:pt x="21436" y="95759"/>
-                  <a:pt x="0" y="74323"/>
-                  <a:pt x="0" y="47880"/>
-                </a:cubicBezTo>
-                <a:cubicBezTo>
-                  <a:pt x="0" y="21436"/>
-                  <a:pt x="21436" y="0"/>
-                  <a:pt x="47880" y="0"/>
-                </a:cubicBezTo>
-                <a:cubicBezTo>
-                  <a:pt x="74323" y="0"/>
-                  <a:pt x="95759" y="21436"/>
-                  <a:pt x="95759" y="47880"/>
-                </a:cubicBezTo>
-                <a:close/>
-              </a:path>
-            </a:pathLst>
-          </a:custGeom>
-          <a:solidFill>
-            <a:schemeClr val="bg1"/>
-          </a:solidFill>
-          <a:ln w="0">
-            <a:noFill/>
-          </a:ln>
-        </p:spPr>
-        <p:style>
-          <a:lnRef idx="0">
-            <a:scrgbClr r="0" g="0" b="0"/>
-          </a:lnRef>
-          <a:fillRef idx="0">
-            <a:scrgbClr r="0" g="0" b="0"/>
-          </a:fillRef>
-          <a:effectRef idx="0">
-            <a:scrgbClr r="0" g="0" b="0"/>
-          </a:effectRef>
-          <a:fontRef idx="minor"/>
-        </p:style>
-        <p:txBody>
-          <a:bodyPr/>
-          <a:lstStyle/>
-          <a:p>
-            <a:endParaRPr lang="en-US"/>
-          </a:p>
-        </p:txBody>
-      </p:sp>
-      <p:sp>
-        <p:nvSpPr>
-          <p:cNvPr id="193" name="Graphic 12"/>
-          <p:cNvSpPr/>
-          <p:nvPr/>
-        </p:nvSpPr>
-        <p:spPr>
-          <a:xfrm>
-            <a:off x="10772280" y="2804040"/>
-            <a:ext cx="90360" cy="90360"/>
-          </a:xfrm>
-          <a:custGeom>
-            <a:avLst/>
-            <a:gdLst/>
-            <a:ahLst/>
-            <a:cxnLst/>
-            <a:rect l="l" t="t" r="r" b="b"/>
-            <a:pathLst>
-              <a:path w="91138" h="91138">
-                <a:moveTo>
-                  <a:pt x="91138" y="45569"/>
-                </a:moveTo>
-                <a:cubicBezTo>
-                  <a:pt x="91138" y="70736"/>
-                  <a:pt x="70736" y="91138"/>
-                  <a:pt x="45569" y="91138"/>
-                </a:cubicBezTo>
-                <a:cubicBezTo>
-                  <a:pt x="20402" y="91138"/>
-                  <a:pt x="0" y="70736"/>
-                  <a:pt x="0" y="45569"/>
-                </a:cubicBezTo>
-                <a:cubicBezTo>
-                  <a:pt x="0" y="20402"/>
-                  <a:pt x="20402" y="0"/>
-                  <a:pt x="45569" y="0"/>
-                </a:cubicBezTo>
-                <a:cubicBezTo>
-                  <a:pt x="70736" y="0"/>
-                  <a:pt x="91138" y="20402"/>
-                  <a:pt x="91138" y="45569"/>
-                </a:cubicBezTo>
-                <a:close/>
-              </a:path>
-            </a:pathLst>
-          </a:custGeom>
-          <a:solidFill>
-            <a:schemeClr val="bg1"/>
-          </a:solidFill>
-          <a:ln w="0">
-            <a:noFill/>
-          </a:ln>
-        </p:spPr>
-        <p:style>
-          <a:lnRef idx="0">
-            <a:scrgbClr r="0" g="0" b="0"/>
-          </a:lnRef>
-          <a:fillRef idx="0">
-            <a:scrgbClr r="0" g="0" b="0"/>
-          </a:fillRef>
-          <a:effectRef idx="0">
-            <a:scrgbClr r="0" g="0" b="0"/>
-          </a:effectRef>
-          <a:fontRef idx="minor"/>
-        </p:style>
-        <p:txBody>
-          <a:bodyPr/>
-          <a:lstStyle/>
-          <a:p>
-            <a:endParaRPr lang="en-US"/>
-          </a:p>
-        </p:txBody>
-      </p:sp>
-      <p:sp>
-        <p:nvSpPr>
-          <p:cNvPr id="194" name="Graphic 23"/>
-          <p:cNvSpPr/>
-          <p:nvPr/>
-        </p:nvSpPr>
-        <p:spPr>
-          <a:xfrm>
-            <a:off x="1413360" y="3242520"/>
-            <a:ext cx="108000" cy="108000"/>
-          </a:xfrm>
-          <a:custGeom>
-            <a:avLst/>
-            <a:gdLst/>
-            <a:ahLst/>
-            <a:cxnLst/>
-            <a:rect l="l" t="t" r="r" b="b"/>
-            <a:pathLst>
-              <a:path w="108625" h="108625">
-                <a:moveTo>
-                  <a:pt x="54313" y="16053"/>
-                </a:moveTo>
-                <a:cubicBezTo>
-                  <a:pt x="75442" y="16053"/>
-                  <a:pt x="92572" y="33182"/>
-                  <a:pt x="92572" y="54313"/>
-                </a:cubicBezTo>
-                <a:cubicBezTo>
-                  <a:pt x="92572" y="75442"/>
-                  <a:pt x="75442" y="92572"/>
-                  <a:pt x="54313" y="92572"/>
-                </a:cubicBezTo>
-                <a:cubicBezTo>
-                  <a:pt x="33182" y="92572"/>
-                  <a:pt x="16053" y="75442"/>
-                  <a:pt x="16053" y="54313"/>
-                </a:cubicBezTo>
-                <a:cubicBezTo>
-                  <a:pt x="16074" y="33191"/>
-                  <a:pt x="33191" y="16074"/>
-                  <a:pt x="54313" y="16053"/>
-                </a:cubicBezTo>
-                <a:moveTo>
-                  <a:pt x="54313" y="0"/>
-                </a:moveTo>
-                <a:cubicBezTo>
-                  <a:pt x="24317" y="0"/>
-                  <a:pt x="0" y="24317"/>
-                  <a:pt x="0" y="54313"/>
-                </a:cubicBezTo>
-                <a:cubicBezTo>
-                  <a:pt x="0" y="84309"/>
-                  <a:pt x="24317" y="108625"/>
-                  <a:pt x="54313" y="108625"/>
-                </a:cubicBezTo>
-                <a:cubicBezTo>
-                  <a:pt x="84309" y="108625"/>
-                  <a:pt x="108625" y="84309"/>
-                  <a:pt x="108625" y="54313"/>
-                </a:cubicBezTo>
-                <a:cubicBezTo>
-                  <a:pt x="108625" y="24317"/>
-                  <a:pt x="84309" y="0"/>
-                  <a:pt x="54313" y="0"/>
-                </a:cubicBezTo>
-                <a:close/>
-              </a:path>
-            </a:pathLst>
-          </a:custGeom>
-          <a:solidFill>
-            <a:schemeClr val="bg1"/>
-          </a:solidFill>
-          <a:ln w="0">
-            <a:noFill/>
-          </a:ln>
-        </p:spPr>
-        <p:style>
-          <a:lnRef idx="0">
-            <a:scrgbClr r="0" g="0" b="0"/>
-          </a:lnRef>
-          <a:fillRef idx="0">
-            <a:scrgbClr r="0" g="0" b="0"/>
-          </a:fillRef>
-          <a:effectRef idx="0">
-            <a:scrgbClr r="0" g="0" b="0"/>
-          </a:effectRef>
-          <a:fontRef idx="minor"/>
-        </p:style>
-        <p:txBody>
-          <a:bodyPr/>
-          <a:lstStyle/>
-          <a:p>
-            <a:endParaRPr lang="en-US"/>
-          </a:p>
-        </p:txBody>
-      </p:sp>
-      <p:sp>
-        <p:nvSpPr>
-          <p:cNvPr id="195" name="Straight Connector 23"/>
-          <p:cNvSpPr/>
-          <p:nvPr/>
-        </p:nvSpPr>
-        <p:spPr>
-          <a:xfrm>
-            <a:off x="0" y="5831640"/>
-            <a:ext cx="12188880" cy="360"/>
-          </a:xfrm>
-          <a:prstGeom prst="line">
-            <a:avLst/>
-          </a:prstGeom>
-          <a:ln w="25400" cap="sq">
-            <a:solidFill>
-              <a:srgbClr val="FFFFFF"/>
-            </a:solidFill>
-            <a:bevel/>
-          </a:ln>
-        </p:spPr>
-        <p:style>
-          <a:lnRef idx="1">
-            <a:schemeClr val="accent1"/>
-          </a:lnRef>
-          <a:fillRef idx="0">
-            <a:schemeClr val="accent1"/>
-          </a:fillRef>
-          <a:effectRef idx="0">
-            <a:schemeClr val="accent1"/>
-          </a:effectRef>
-          <a:fontRef idx="minor"/>
-        </p:style>
-        <p:txBody>
-          <a:bodyPr/>
-          <a:lstStyle/>
-          <a:p>
-            <a:endParaRPr lang="en-US"/>
-          </a:p>
-        </p:txBody>
-      </p:sp>
-    </p:spTree>
-  </p:cSld>
-  <p:clrMapOvr>
-    <a:masterClrMapping/>
-  </p:clrMapOvr>
-</p:sld>
-</file>
-
-<file path=ppt/slides/slide11.xml><?xml version="1.0" encoding="utf-8"?>
-<p:sld xmlns:a="http://schemas.openxmlformats.org/drawingml/2006/main" xmlns:r="http://schemas.openxmlformats.org/officeDocument/2006/relationships" xmlns:p="http://schemas.openxmlformats.org/presentationml/2006/main">
-  <p:cSld>
-    <p:bg>
-      <p:bgPr>
-        <a:solidFill>
-          <a:srgbClr val="FFFFFF"/>
-        </a:solidFill>
-        <a:effectLst/>
-      </p:bgPr>
-    </p:bg>
-    <p:spTree>
-      <p:nvGrpSpPr>
         <p:cNvPr id="1" name="">
           <a:extLst>
             <a:ext uri="{FF2B5EF4-FFF2-40B4-BE49-F238E27FC236}">
@@ -19367,1321 +18574,6 @@
       </p:grpSpPr>
       <p:sp>
         <p:nvSpPr>
-          <p:cNvPr id="168" name="Straight Connector 22"/>
-          <p:cNvSpPr/>
-          <p:nvPr/>
-        </p:nvSpPr>
-        <p:spPr>
-          <a:xfrm>
-            <a:off x="715680" y="1113840"/>
-            <a:ext cx="360" cy="5735520"/>
-          </a:xfrm>
-          <a:prstGeom prst="line">
-            <a:avLst/>
-          </a:prstGeom>
-          <a:ln w="25400" cap="sq">
-            <a:solidFill>
-              <a:srgbClr val="2683C6"/>
-            </a:solidFill>
-            <a:bevel/>
-          </a:ln>
-        </p:spPr>
-        <p:style>
-          <a:lnRef idx="1">
-            <a:schemeClr val="accent1"/>
-          </a:lnRef>
-          <a:fillRef idx="0">
-            <a:schemeClr val="accent1"/>
-          </a:fillRef>
-          <a:effectRef idx="0">
-            <a:schemeClr val="accent1"/>
-          </a:effectRef>
-          <a:fontRef idx="minor"/>
-        </p:style>
-        <p:txBody>
-          <a:bodyPr/>
-          <a:lstStyle/>
-          <a:p>
-            <a:endParaRPr lang="en-US"/>
-          </a:p>
-        </p:txBody>
-      </p:sp>
-      <p:sp>
-        <p:nvSpPr>
-          <p:cNvPr id="169" name="Rectangle 24"/>
-          <p:cNvSpPr/>
-          <p:nvPr/>
-        </p:nvSpPr>
-        <p:spPr>
-          <a:xfrm>
-            <a:off x="0" y="0"/>
-            <a:ext cx="12191400" cy="6857280"/>
-          </a:xfrm>
-          <a:prstGeom prst="rect">
-            <a:avLst/>
-          </a:prstGeom>
-          <a:gradFill rotWithShape="0">
-            <a:gsLst>
-              <a:gs pos="0">
-                <a:srgbClr val="2683C6"/>
-              </a:gs>
-              <a:gs pos="100000">
-                <a:srgbClr val="42BA97"/>
-              </a:gs>
-            </a:gsLst>
-            <a:lin ang="2700000"/>
-          </a:gradFill>
-          <a:ln>
-            <a:noFill/>
-          </a:ln>
-        </p:spPr>
-        <p:style>
-          <a:lnRef idx="2">
-            <a:schemeClr val="accent1">
-              <a:shade val="50000"/>
-            </a:schemeClr>
-          </a:lnRef>
-          <a:fillRef idx="1">
-            <a:schemeClr val="accent1"/>
-          </a:fillRef>
-          <a:effectRef idx="0">
-            <a:schemeClr val="accent1"/>
-          </a:effectRef>
-          <a:fontRef idx="minor"/>
-        </p:style>
-        <p:txBody>
-          <a:bodyPr/>
-          <a:lstStyle/>
-          <a:p>
-            <a:endParaRPr lang="en-US"/>
-          </a:p>
-        </p:txBody>
-      </p:sp>
-      <p:sp>
-        <p:nvSpPr>
-          <p:cNvPr id="170" name="PlaceHolder 1"/>
-          <p:cNvSpPr>
-            <a:spLocks noGrp="1"/>
-          </p:cNvSpPr>
-          <p:nvPr>
-            <p:ph type="title"/>
-          </p:nvPr>
-        </p:nvSpPr>
-        <p:spPr>
-          <a:xfrm>
-            <a:off x="1522080" y="121680"/>
-            <a:ext cx="9147240" cy="903960"/>
-          </a:xfrm>
-          <a:prstGeom prst="rect">
-            <a:avLst/>
-          </a:prstGeom>
-          <a:noFill/>
-          <a:ln w="0">
-            <a:noFill/>
-          </a:ln>
-        </p:spPr>
-        <p:txBody>
-          <a:bodyPr lIns="90000" tIns="45000" rIns="90000" bIns="45000" anchor="b">
-            <a:normAutofit fontScale="99000"/>
-          </a:bodyPr>
-          <a:lstStyle/>
-          <a:p>
-            <a:pPr algn="ctr">
-              <a:lnSpc>
-                <a:spcPct val="90000"/>
-              </a:lnSpc>
-              <a:buNone/>
-            </a:pPr>
-            <a:r>
-              <a:rPr lang="en-US" sz="6000" b="1" strike="noStrike" cap="all" spc="-1">
-                <a:solidFill>
-                  <a:srgbClr val="FFFFFF"/>
-                </a:solidFill>
-                <a:latin typeface="Univers"/>
-                <a:ea typeface="DejaVu Sans"/>
-              </a:rPr>
-              <a:t>Functionality</a:t>
-            </a:r>
-            <a:endParaRPr lang="en-US" sz="6000" b="0" strike="noStrike" spc="-1">
-              <a:solidFill>
-                <a:srgbClr val="000000"/>
-              </a:solidFill>
-              <a:latin typeface="Arial"/>
-            </a:endParaRPr>
-          </a:p>
-        </p:txBody>
-      </p:sp>
-      <p:sp>
-        <p:nvSpPr>
-          <p:cNvPr id="171" name="Graphic 22"/>
-          <p:cNvSpPr/>
-          <p:nvPr/>
-        </p:nvSpPr>
-        <p:spPr>
-          <a:xfrm>
-            <a:off x="1261800" y="2383200"/>
-            <a:ext cx="150840" cy="150840"/>
-          </a:xfrm>
-          <a:custGeom>
-            <a:avLst/>
-            <a:gdLst/>
-            <a:ahLst/>
-            <a:cxnLst/>
-            <a:rect l="l" t="t" r="r" b="b"/>
-            <a:pathLst>
-              <a:path w="151536" h="151536">
-                <a:moveTo>
-                  <a:pt x="141251" y="65483"/>
-                </a:moveTo>
-                <a:lnTo>
-                  <a:pt x="86053" y="65483"/>
-                </a:lnTo>
-                <a:lnTo>
-                  <a:pt x="86053" y="10285"/>
-                </a:lnTo>
-                <a:cubicBezTo>
-                  <a:pt x="86053" y="4605"/>
-                  <a:pt x="81448" y="0"/>
-                  <a:pt x="75768" y="0"/>
-                </a:cubicBezTo>
-                <a:cubicBezTo>
-                  <a:pt x="70088" y="0"/>
-                  <a:pt x="65483" y="4605"/>
-                  <a:pt x="65483" y="10285"/>
-                </a:cubicBezTo>
-                <a:lnTo>
-                  <a:pt x="65483" y="65483"/>
-                </a:lnTo>
-                <a:lnTo>
-                  <a:pt x="10285" y="65483"/>
-                </a:lnTo>
-                <a:cubicBezTo>
-                  <a:pt x="4605" y="65483"/>
-                  <a:pt x="0" y="70088"/>
-                  <a:pt x="0" y="75768"/>
-                </a:cubicBezTo>
-                <a:cubicBezTo>
-                  <a:pt x="0" y="81448"/>
-                  <a:pt x="4605" y="86053"/>
-                  <a:pt x="10285" y="86053"/>
-                </a:cubicBezTo>
-                <a:lnTo>
-                  <a:pt x="65483" y="86053"/>
-                </a:lnTo>
-                <a:lnTo>
-                  <a:pt x="65483" y="141251"/>
-                </a:lnTo>
-                <a:cubicBezTo>
-                  <a:pt x="65483" y="146931"/>
-                  <a:pt x="70088" y="151536"/>
-                  <a:pt x="75768" y="151536"/>
-                </a:cubicBezTo>
-                <a:cubicBezTo>
-                  <a:pt x="81448" y="151536"/>
-                  <a:pt x="86053" y="146931"/>
-                  <a:pt x="86053" y="141251"/>
-                </a:cubicBezTo>
-                <a:lnTo>
-                  <a:pt x="86053" y="86053"/>
-                </a:lnTo>
-                <a:lnTo>
-                  <a:pt x="141251" y="86053"/>
-                </a:lnTo>
-                <a:cubicBezTo>
-                  <a:pt x="146931" y="86053"/>
-                  <a:pt x="151536" y="81448"/>
-                  <a:pt x="151536" y="75768"/>
-                </a:cubicBezTo>
-                <a:cubicBezTo>
-                  <a:pt x="151536" y="70088"/>
-                  <a:pt x="146931" y="65483"/>
-                  <a:pt x="141251" y="65483"/>
-                </a:cubicBezTo>
-                <a:close/>
-              </a:path>
-            </a:pathLst>
-          </a:custGeom>
-          <a:solidFill>
-            <a:schemeClr val="bg1"/>
-          </a:solidFill>
-          <a:ln w="646">
-            <a:noFill/>
-          </a:ln>
-        </p:spPr>
-        <p:style>
-          <a:lnRef idx="0">
-            <a:scrgbClr r="0" g="0" b="0"/>
-          </a:lnRef>
-          <a:fillRef idx="0">
-            <a:scrgbClr r="0" g="0" b="0"/>
-          </a:fillRef>
-          <a:effectRef idx="0">
-            <a:scrgbClr r="0" g="0" b="0"/>
-          </a:effectRef>
-          <a:fontRef idx="minor"/>
-        </p:style>
-        <p:txBody>
-          <a:bodyPr/>
-          <a:lstStyle/>
-          <a:p>
-            <a:endParaRPr lang="en-US"/>
-          </a:p>
-        </p:txBody>
-      </p:sp>
-      <p:sp>
-        <p:nvSpPr>
-          <p:cNvPr id="172" name="Graphic 13"/>
-          <p:cNvSpPr/>
-          <p:nvPr/>
-        </p:nvSpPr>
-        <p:spPr>
-          <a:xfrm>
-            <a:off x="10724400" y="2265480"/>
-            <a:ext cx="138240" cy="138240"/>
-          </a:xfrm>
-          <a:custGeom>
-            <a:avLst/>
-            <a:gdLst/>
-            <a:ahLst/>
-            <a:cxnLst/>
-            <a:rect l="l" t="t" r="r" b="b"/>
-            <a:pathLst>
-              <a:path w="139039" h="139039">
-                <a:moveTo>
-                  <a:pt x="129602" y="60082"/>
-                </a:moveTo>
-                <a:lnTo>
-                  <a:pt x="78957" y="60082"/>
-                </a:lnTo>
-                <a:lnTo>
-                  <a:pt x="78957" y="9437"/>
-                </a:lnTo>
-                <a:cubicBezTo>
-                  <a:pt x="78957" y="4225"/>
-                  <a:pt x="74731" y="0"/>
-                  <a:pt x="69520" y="0"/>
-                </a:cubicBezTo>
-                <a:cubicBezTo>
-                  <a:pt x="64308" y="0"/>
-                  <a:pt x="60082" y="4225"/>
-                  <a:pt x="60082" y="9437"/>
-                </a:cubicBezTo>
-                <a:lnTo>
-                  <a:pt x="60082" y="60082"/>
-                </a:lnTo>
-                <a:lnTo>
-                  <a:pt x="9437" y="60082"/>
-                </a:lnTo>
-                <a:cubicBezTo>
-                  <a:pt x="4225" y="60082"/>
-                  <a:pt x="0" y="64308"/>
-                  <a:pt x="0" y="69520"/>
-                </a:cubicBezTo>
-                <a:cubicBezTo>
-                  <a:pt x="0" y="74731"/>
-                  <a:pt x="4225" y="78957"/>
-                  <a:pt x="9437" y="78957"/>
-                </a:cubicBezTo>
-                <a:lnTo>
-                  <a:pt x="60082" y="78957"/>
-                </a:lnTo>
-                <a:lnTo>
-                  <a:pt x="60082" y="129602"/>
-                </a:lnTo>
-                <a:cubicBezTo>
-                  <a:pt x="60082" y="134814"/>
-                  <a:pt x="64308" y="139039"/>
-                  <a:pt x="69520" y="139039"/>
-                </a:cubicBezTo>
-                <a:cubicBezTo>
-                  <a:pt x="74731" y="139039"/>
-                  <a:pt x="78957" y="134814"/>
-                  <a:pt x="78957" y="129602"/>
-                </a:cubicBezTo>
-                <a:lnTo>
-                  <a:pt x="78957" y="78957"/>
-                </a:lnTo>
-                <a:lnTo>
-                  <a:pt x="129602" y="78957"/>
-                </a:lnTo>
-                <a:cubicBezTo>
-                  <a:pt x="134814" y="78957"/>
-                  <a:pt x="139039" y="74731"/>
-                  <a:pt x="139039" y="69520"/>
-                </a:cubicBezTo>
-                <a:cubicBezTo>
-                  <a:pt x="139039" y="64308"/>
-                  <a:pt x="134814" y="60082"/>
-                  <a:pt x="129602" y="60082"/>
-                </a:cubicBezTo>
-                <a:close/>
-              </a:path>
-            </a:pathLst>
-          </a:custGeom>
-          <a:solidFill>
-            <a:schemeClr val="bg1"/>
-          </a:solidFill>
-          <a:ln w="603">
-            <a:noFill/>
-          </a:ln>
-        </p:spPr>
-        <p:style>
-          <a:lnRef idx="0">
-            <a:scrgbClr r="0" g="0" b="0"/>
-          </a:lnRef>
-          <a:fillRef idx="0">
-            <a:scrgbClr r="0" g="0" b="0"/>
-          </a:fillRef>
-          <a:effectRef idx="0">
-            <a:scrgbClr r="0" g="0" b="0"/>
-          </a:effectRef>
-          <a:fontRef idx="minor"/>
-        </p:style>
-        <p:txBody>
-          <a:bodyPr/>
-          <a:lstStyle/>
-          <a:p>
-            <a:endParaRPr lang="en-US"/>
-          </a:p>
-        </p:txBody>
-      </p:sp>
-      <p:sp>
-        <p:nvSpPr>
-          <p:cNvPr id="173" name="Graphic 15"/>
-          <p:cNvSpPr/>
-          <p:nvPr/>
-        </p:nvSpPr>
-        <p:spPr>
-          <a:xfrm>
-            <a:off x="11025000" y="2537280"/>
-            <a:ext cx="127080" cy="127080"/>
-          </a:xfrm>
-          <a:custGeom>
-            <a:avLst/>
-            <a:gdLst/>
-            <a:ahLst/>
-            <a:cxnLst/>
-            <a:rect l="l" t="t" r="r" b="b"/>
-            <a:pathLst>
-              <a:path w="127714" h="127714">
-                <a:moveTo>
-                  <a:pt x="63857" y="18874"/>
-                </a:moveTo>
-                <a:cubicBezTo>
-                  <a:pt x="88700" y="18874"/>
-                  <a:pt x="108840" y="39014"/>
-                  <a:pt x="108840" y="63857"/>
-                </a:cubicBezTo>
-                <a:cubicBezTo>
-                  <a:pt x="108840" y="88700"/>
-                  <a:pt x="88700" y="108840"/>
-                  <a:pt x="63857" y="108840"/>
-                </a:cubicBezTo>
-                <a:cubicBezTo>
-                  <a:pt x="39014" y="108840"/>
-                  <a:pt x="18874" y="88700"/>
-                  <a:pt x="18874" y="63857"/>
-                </a:cubicBezTo>
-                <a:cubicBezTo>
-                  <a:pt x="18898" y="39024"/>
-                  <a:pt x="39024" y="18898"/>
-                  <a:pt x="63857" y="18874"/>
-                </a:cubicBezTo>
-                <a:moveTo>
-                  <a:pt x="63857" y="0"/>
-                </a:moveTo>
-                <a:cubicBezTo>
-                  <a:pt x="28590" y="0"/>
-                  <a:pt x="0" y="28590"/>
-                  <a:pt x="0" y="63857"/>
-                </a:cubicBezTo>
-                <a:cubicBezTo>
-                  <a:pt x="0" y="99124"/>
-                  <a:pt x="28590" y="127714"/>
-                  <a:pt x="63857" y="127714"/>
-                </a:cubicBezTo>
-                <a:cubicBezTo>
-                  <a:pt x="99124" y="127714"/>
-                  <a:pt x="127714" y="99124"/>
-                  <a:pt x="127714" y="63857"/>
-                </a:cubicBezTo>
-                <a:cubicBezTo>
-                  <a:pt x="127714" y="28590"/>
-                  <a:pt x="99124" y="0"/>
-                  <a:pt x="63857" y="0"/>
-                </a:cubicBezTo>
-                <a:close/>
-              </a:path>
-            </a:pathLst>
-          </a:custGeom>
-          <a:solidFill>
-            <a:schemeClr val="bg1"/>
-          </a:solidFill>
-          <a:ln w="610">
-            <a:noFill/>
-          </a:ln>
-        </p:spPr>
-        <p:style>
-          <a:lnRef idx="0">
-            <a:scrgbClr r="0" g="0" b="0"/>
-          </a:lnRef>
-          <a:fillRef idx="0">
-            <a:scrgbClr r="0" g="0" b="0"/>
-          </a:fillRef>
-          <a:effectRef idx="0">
-            <a:scrgbClr r="0" g="0" b="0"/>
-          </a:effectRef>
-          <a:fontRef idx="minor"/>
-        </p:style>
-        <p:txBody>
-          <a:bodyPr/>
-          <a:lstStyle/>
-          <a:p>
-            <a:endParaRPr lang="en-US"/>
-          </a:p>
-        </p:txBody>
-      </p:sp>
-      <p:sp>
-        <p:nvSpPr>
-          <p:cNvPr id="174" name="Graphic 21"/>
-          <p:cNvSpPr/>
-          <p:nvPr/>
-        </p:nvSpPr>
-        <p:spPr>
-          <a:xfrm>
-            <a:off x="1064160" y="2832840"/>
-            <a:ext cx="95040" cy="95040"/>
-          </a:xfrm>
-          <a:custGeom>
-            <a:avLst/>
-            <a:gdLst/>
-            <a:ahLst/>
-            <a:cxnLst/>
-            <a:rect l="l" t="t" r="r" b="b"/>
-            <a:pathLst>
-              <a:path w="95759" h="95759">
-                <a:moveTo>
-                  <a:pt x="95759" y="47880"/>
-                </a:moveTo>
-                <a:cubicBezTo>
-                  <a:pt x="95759" y="74323"/>
-                  <a:pt x="74323" y="95759"/>
-                  <a:pt x="47880" y="95759"/>
-                </a:cubicBezTo>
-                <a:cubicBezTo>
-                  <a:pt x="21436" y="95759"/>
-                  <a:pt x="0" y="74323"/>
-                  <a:pt x="0" y="47880"/>
-                </a:cubicBezTo>
-                <a:cubicBezTo>
-                  <a:pt x="0" y="21436"/>
-                  <a:pt x="21436" y="0"/>
-                  <a:pt x="47880" y="0"/>
-                </a:cubicBezTo>
-                <a:cubicBezTo>
-                  <a:pt x="74323" y="0"/>
-                  <a:pt x="95759" y="21436"/>
-                  <a:pt x="95759" y="47880"/>
-                </a:cubicBezTo>
-                <a:close/>
-              </a:path>
-            </a:pathLst>
-          </a:custGeom>
-          <a:solidFill>
-            <a:schemeClr val="bg1"/>
-          </a:solidFill>
-          <a:ln w="0">
-            <a:noFill/>
-          </a:ln>
-        </p:spPr>
-        <p:style>
-          <a:lnRef idx="0">
-            <a:scrgbClr r="0" g="0" b="0"/>
-          </a:lnRef>
-          <a:fillRef idx="0">
-            <a:scrgbClr r="0" g="0" b="0"/>
-          </a:fillRef>
-          <a:effectRef idx="0">
-            <a:scrgbClr r="0" g="0" b="0"/>
-          </a:effectRef>
-          <a:fontRef idx="minor"/>
-        </p:style>
-        <p:txBody>
-          <a:bodyPr/>
-          <a:lstStyle/>
-          <a:p>
-            <a:endParaRPr lang="en-US"/>
-          </a:p>
-        </p:txBody>
-      </p:sp>
-      <p:sp>
-        <p:nvSpPr>
-          <p:cNvPr id="175" name="Graphic 12"/>
-          <p:cNvSpPr/>
-          <p:nvPr/>
-        </p:nvSpPr>
-        <p:spPr>
-          <a:xfrm>
-            <a:off x="10772280" y="2804040"/>
-            <a:ext cx="90360" cy="90360"/>
-          </a:xfrm>
-          <a:custGeom>
-            <a:avLst/>
-            <a:gdLst/>
-            <a:ahLst/>
-            <a:cxnLst/>
-            <a:rect l="l" t="t" r="r" b="b"/>
-            <a:pathLst>
-              <a:path w="91138" h="91138">
-                <a:moveTo>
-                  <a:pt x="91138" y="45569"/>
-                </a:moveTo>
-                <a:cubicBezTo>
-                  <a:pt x="91138" y="70736"/>
-                  <a:pt x="70736" y="91138"/>
-                  <a:pt x="45569" y="91138"/>
-                </a:cubicBezTo>
-                <a:cubicBezTo>
-                  <a:pt x="20402" y="91138"/>
-                  <a:pt x="0" y="70736"/>
-                  <a:pt x="0" y="45569"/>
-                </a:cubicBezTo>
-                <a:cubicBezTo>
-                  <a:pt x="0" y="20402"/>
-                  <a:pt x="20402" y="0"/>
-                  <a:pt x="45569" y="0"/>
-                </a:cubicBezTo>
-                <a:cubicBezTo>
-                  <a:pt x="70736" y="0"/>
-                  <a:pt x="91138" y="20402"/>
-                  <a:pt x="91138" y="45569"/>
-                </a:cubicBezTo>
-                <a:close/>
-              </a:path>
-            </a:pathLst>
-          </a:custGeom>
-          <a:solidFill>
-            <a:schemeClr val="bg1"/>
-          </a:solidFill>
-          <a:ln w="0">
-            <a:noFill/>
-          </a:ln>
-        </p:spPr>
-        <p:style>
-          <a:lnRef idx="0">
-            <a:scrgbClr r="0" g="0" b="0"/>
-          </a:lnRef>
-          <a:fillRef idx="0">
-            <a:scrgbClr r="0" g="0" b="0"/>
-          </a:fillRef>
-          <a:effectRef idx="0">
-            <a:scrgbClr r="0" g="0" b="0"/>
-          </a:effectRef>
-          <a:fontRef idx="minor"/>
-        </p:style>
-        <p:txBody>
-          <a:bodyPr/>
-          <a:lstStyle/>
-          <a:p>
-            <a:endParaRPr lang="en-US"/>
-          </a:p>
-        </p:txBody>
-      </p:sp>
-      <p:sp>
-        <p:nvSpPr>
-          <p:cNvPr id="176" name="Graphic 23"/>
-          <p:cNvSpPr/>
-          <p:nvPr/>
-        </p:nvSpPr>
-        <p:spPr>
-          <a:xfrm>
-            <a:off x="1413360" y="3242520"/>
-            <a:ext cx="108000" cy="108000"/>
-          </a:xfrm>
-          <a:custGeom>
-            <a:avLst/>
-            <a:gdLst/>
-            <a:ahLst/>
-            <a:cxnLst/>
-            <a:rect l="l" t="t" r="r" b="b"/>
-            <a:pathLst>
-              <a:path w="108625" h="108625">
-                <a:moveTo>
-                  <a:pt x="54313" y="16053"/>
-                </a:moveTo>
-                <a:cubicBezTo>
-                  <a:pt x="75442" y="16053"/>
-                  <a:pt x="92572" y="33182"/>
-                  <a:pt x="92572" y="54313"/>
-                </a:cubicBezTo>
-                <a:cubicBezTo>
-                  <a:pt x="92572" y="75442"/>
-                  <a:pt x="75442" y="92572"/>
-                  <a:pt x="54313" y="92572"/>
-                </a:cubicBezTo>
-                <a:cubicBezTo>
-                  <a:pt x="33182" y="92572"/>
-                  <a:pt x="16053" y="75442"/>
-                  <a:pt x="16053" y="54313"/>
-                </a:cubicBezTo>
-                <a:cubicBezTo>
-                  <a:pt x="16074" y="33191"/>
-                  <a:pt x="33191" y="16074"/>
-                  <a:pt x="54313" y="16053"/>
-                </a:cubicBezTo>
-                <a:moveTo>
-                  <a:pt x="54313" y="0"/>
-                </a:moveTo>
-                <a:cubicBezTo>
-                  <a:pt x="24317" y="0"/>
-                  <a:pt x="0" y="24317"/>
-                  <a:pt x="0" y="54313"/>
-                </a:cubicBezTo>
-                <a:cubicBezTo>
-                  <a:pt x="0" y="84309"/>
-                  <a:pt x="24317" y="108625"/>
-                  <a:pt x="54313" y="108625"/>
-                </a:cubicBezTo>
-                <a:cubicBezTo>
-                  <a:pt x="84309" y="108625"/>
-                  <a:pt x="108625" y="84309"/>
-                  <a:pt x="108625" y="54313"/>
-                </a:cubicBezTo>
-                <a:cubicBezTo>
-                  <a:pt x="108625" y="24317"/>
-                  <a:pt x="84309" y="0"/>
-                  <a:pt x="54313" y="0"/>
-                </a:cubicBezTo>
-                <a:close/>
-              </a:path>
-            </a:pathLst>
-          </a:custGeom>
-          <a:solidFill>
-            <a:schemeClr val="bg1"/>
-          </a:solidFill>
-          <a:ln w="0">
-            <a:noFill/>
-          </a:ln>
-        </p:spPr>
-        <p:style>
-          <a:lnRef idx="0">
-            <a:scrgbClr r="0" g="0" b="0"/>
-          </a:lnRef>
-          <a:fillRef idx="0">
-            <a:scrgbClr r="0" g="0" b="0"/>
-          </a:fillRef>
-          <a:effectRef idx="0">
-            <a:scrgbClr r="0" g="0" b="0"/>
-          </a:effectRef>
-          <a:fontRef idx="minor"/>
-        </p:style>
-        <p:txBody>
-          <a:bodyPr/>
-          <a:lstStyle/>
-          <a:p>
-            <a:endParaRPr lang="en-US"/>
-          </a:p>
-        </p:txBody>
-      </p:sp>
-      <p:sp>
-        <p:nvSpPr>
-          <p:cNvPr id="177" name="Straight Connector 38"/>
-          <p:cNvSpPr/>
-          <p:nvPr/>
-        </p:nvSpPr>
-        <p:spPr>
-          <a:xfrm>
-            <a:off x="0" y="5831640"/>
-            <a:ext cx="12188880" cy="360"/>
-          </a:xfrm>
-          <a:prstGeom prst="line">
-            <a:avLst/>
-          </a:prstGeom>
-          <a:ln w="25400" cap="sq">
-            <a:solidFill>
-              <a:srgbClr val="FFFFFF"/>
-            </a:solidFill>
-            <a:bevel/>
-          </a:ln>
-        </p:spPr>
-        <p:style>
-          <a:lnRef idx="1">
-            <a:schemeClr val="accent1"/>
-          </a:lnRef>
-          <a:fillRef idx="0">
-            <a:schemeClr val="accent1"/>
-          </a:fillRef>
-          <a:effectRef idx="0">
-            <a:schemeClr val="accent1"/>
-          </a:effectRef>
-          <a:fontRef idx="minor"/>
-        </p:style>
-        <p:txBody>
-          <a:bodyPr/>
-          <a:lstStyle/>
-          <a:p>
-            <a:endParaRPr lang="en-US"/>
-          </a:p>
-        </p:txBody>
-      </p:sp>
-      <p:sp>
-        <p:nvSpPr>
-          <p:cNvPr id="178" name="TextBox 2"/>
-          <p:cNvSpPr/>
-          <p:nvPr/>
-        </p:nvSpPr>
-        <p:spPr>
-          <a:xfrm>
-            <a:off x="1159560" y="1041840"/>
-            <a:ext cx="10140840" cy="5027400"/>
-          </a:xfrm>
-          <a:prstGeom prst="rect">
-            <a:avLst/>
-          </a:prstGeom>
-          <a:noFill/>
-          <a:ln w="0">
-            <a:noFill/>
-          </a:ln>
-        </p:spPr>
-        <p:style>
-          <a:lnRef idx="0">
-            <a:scrgbClr r="0" g="0" b="0"/>
-          </a:lnRef>
-          <a:fillRef idx="0">
-            <a:scrgbClr r="0" g="0" b="0"/>
-          </a:fillRef>
-          <a:effectRef idx="0">
-            <a:scrgbClr r="0" g="0" b="0"/>
-          </a:effectRef>
-          <a:fontRef idx="minor"/>
-        </p:style>
-        <p:txBody>
-          <a:bodyPr lIns="90000" tIns="45000" rIns="90000" bIns="45000" anchor="t">
-            <a:spAutoFit/>
-          </a:bodyPr>
-          <a:lstStyle/>
-          <a:p>
-            <a:pPr marL="285840" indent="-285840">
-              <a:lnSpc>
-                <a:spcPct val="100000"/>
-              </a:lnSpc>
-              <a:buClr>
-                <a:srgbClr val="000000"/>
-              </a:buClr>
-              <a:buFont typeface="Arial"/>
-              <a:buChar char="•"/>
-            </a:pPr>
-            <a:r>
-              <a:rPr lang="en-US" sz="1800" b="0" strike="noStrike" spc="-1">
-                <a:solidFill>
-                  <a:srgbClr val="000000"/>
-                </a:solidFill>
-                <a:latin typeface="Univers"/>
-                <a:ea typeface="DejaVu Sans"/>
-              </a:rPr>
-              <a:t>The program is split into 3 phases: Show/Seasons/Episodes</a:t>
-            </a:r>
-            <a:endParaRPr lang="en-CA" sz="1800" b="0" strike="noStrike" spc="-1">
-              <a:latin typeface="Arial"/>
-            </a:endParaRPr>
-          </a:p>
-          <a:p>
-            <a:pPr marL="285840" indent="-285840">
-              <a:lnSpc>
-                <a:spcPct val="100000"/>
-              </a:lnSpc>
-              <a:buClr>
-                <a:srgbClr val="000000"/>
-              </a:buClr>
-              <a:buFont typeface="Arial"/>
-              <a:buChar char="•"/>
-            </a:pPr>
-            <a:r>
-              <a:rPr lang="en-US" sz="1800" b="0" strike="noStrike" spc="-1">
-                <a:solidFill>
-                  <a:srgbClr val="000000"/>
-                </a:solidFill>
-                <a:latin typeface="Univers"/>
-                <a:ea typeface="DejaVu Sans"/>
-              </a:rPr>
-              <a:t>The get function sends a request to a TVMAZE API and the format function cleans the data of Null values/spaces/empty strings and filters for the desired columns </a:t>
-            </a:r>
-            <a:endParaRPr lang="en-CA" sz="1800" b="0" strike="noStrike" spc="-1">
-              <a:latin typeface="Arial"/>
-            </a:endParaRPr>
-          </a:p>
-          <a:p>
-            <a:pPr>
-              <a:lnSpc>
-                <a:spcPct val="100000"/>
-              </a:lnSpc>
-              <a:buNone/>
-            </a:pPr>
-            <a:endParaRPr lang="en-CA" sz="1800" b="0" strike="noStrike" spc="-1">
-              <a:latin typeface="Arial"/>
-            </a:endParaRPr>
-          </a:p>
-          <a:p>
-            <a:pPr marL="285840" indent="-285840">
-              <a:lnSpc>
-                <a:spcPct val="100000"/>
-              </a:lnSpc>
-              <a:buClr>
-                <a:srgbClr val="DCDCAA"/>
-              </a:buClr>
-              <a:buFont typeface="Arial"/>
-              <a:buChar char="•"/>
-            </a:pPr>
-            <a:r>
-              <a:rPr lang="en-CA" sz="1800" b="0" strike="noStrike" spc="-1">
-                <a:solidFill>
-                  <a:srgbClr val="DCDCAA"/>
-                </a:solidFill>
-                <a:latin typeface="Menlo"/>
-                <a:ea typeface="DejaVu Sans"/>
-              </a:rPr>
-              <a:t>get_shows</a:t>
-            </a:r>
-            <a:r>
-              <a:rPr lang="en-CA" sz="1800" b="0" strike="noStrike" spc="-1">
-                <a:solidFill>
-                  <a:srgbClr val="CCCCCC"/>
-                </a:solidFill>
-                <a:latin typeface="Menlo"/>
-                <a:ea typeface="DejaVu Sans"/>
-              </a:rPr>
-              <a:t>(</a:t>
-            </a:r>
-            <a:r>
-              <a:rPr lang="en-CA" sz="1800" b="0" strike="noStrike" spc="-1">
-                <a:solidFill>
-                  <a:srgbClr val="9CDCFE"/>
-                </a:solidFill>
-                <a:latin typeface="Menlo"/>
-                <a:ea typeface="DejaVu Sans"/>
-              </a:rPr>
-              <a:t>query</a:t>
-            </a:r>
-            <a:r>
-              <a:rPr lang="en-CA" sz="1800" b="0" strike="noStrike" spc="-1">
-                <a:solidFill>
-                  <a:srgbClr val="CCCCCC"/>
-                </a:solidFill>
-                <a:latin typeface="Menlo"/>
-                <a:ea typeface="DejaVu Sans"/>
-              </a:rPr>
-              <a:t>) -&gt; Returns a data frame with shows and show ids in it</a:t>
-            </a:r>
-            <a:endParaRPr lang="en-CA" sz="1800" b="0" strike="noStrike" spc="-1">
-              <a:latin typeface="Arial"/>
-            </a:endParaRPr>
-          </a:p>
-          <a:p>
-            <a:pPr marL="285840" indent="-285840">
-              <a:lnSpc>
-                <a:spcPct val="100000"/>
-              </a:lnSpc>
-              <a:buClr>
-                <a:srgbClr val="DCDCAA"/>
-              </a:buClr>
-              <a:buFont typeface="Arial"/>
-              <a:buChar char="•"/>
-            </a:pPr>
-            <a:r>
-              <a:rPr lang="en-CA" sz="1800" b="0" strike="noStrike" spc="-1">
-                <a:solidFill>
-                  <a:srgbClr val="DCDCAA"/>
-                </a:solidFill>
-                <a:latin typeface="Menlo"/>
-                <a:ea typeface="DejaVu Sans"/>
-              </a:rPr>
-              <a:t>format_show_name</a:t>
-            </a:r>
-            <a:r>
-              <a:rPr lang="en-CA" sz="1800" b="0" strike="noStrike" spc="-1">
-                <a:solidFill>
-                  <a:srgbClr val="CCCCCC"/>
-                </a:solidFill>
-                <a:latin typeface="Menlo"/>
-                <a:ea typeface="DejaVu Sans"/>
-              </a:rPr>
-              <a:t>(</a:t>
-            </a:r>
-            <a:r>
-              <a:rPr lang="en-CA" sz="1800" b="0" strike="noStrike" spc="-1">
-                <a:solidFill>
-                  <a:srgbClr val="9CDCFE"/>
-                </a:solidFill>
-                <a:latin typeface="Menlo"/>
-                <a:ea typeface="DejaVu Sans"/>
-              </a:rPr>
-              <a:t>show</a:t>
-            </a:r>
-            <a:r>
-              <a:rPr lang="en-CA" sz="1800" b="0" strike="noStrike" spc="-1">
-                <a:solidFill>
-                  <a:srgbClr val="CCCCCC"/>
-                </a:solidFill>
-                <a:latin typeface="Menlo"/>
-                <a:ea typeface="DejaVu Sans"/>
-              </a:rPr>
-              <a:t>) -&gt; cleans the data frame</a:t>
-            </a:r>
-            <a:endParaRPr lang="en-CA" sz="1800" b="0" strike="noStrike" spc="-1">
-              <a:latin typeface="Arial"/>
-            </a:endParaRPr>
-          </a:p>
-          <a:p>
-            <a:pPr>
-              <a:lnSpc>
-                <a:spcPct val="100000"/>
-              </a:lnSpc>
-              <a:buNone/>
-            </a:pPr>
-            <a:endParaRPr lang="en-CA" sz="1800" b="0" strike="noStrike" spc="-1">
-              <a:latin typeface="Arial"/>
-            </a:endParaRPr>
-          </a:p>
-          <a:p>
-            <a:pPr marL="285840" indent="-285840">
-              <a:lnSpc>
-                <a:spcPct val="100000"/>
-              </a:lnSpc>
-              <a:buClr>
-                <a:srgbClr val="DCDCAA"/>
-              </a:buClr>
-              <a:buFont typeface="Arial"/>
-              <a:buChar char="•"/>
-            </a:pPr>
-            <a:r>
-              <a:rPr lang="en-CA" sz="1800" b="0" strike="noStrike" spc="-1">
-                <a:solidFill>
-                  <a:srgbClr val="DCDCAA"/>
-                </a:solidFill>
-                <a:latin typeface="Menlo"/>
-                <a:ea typeface="DejaVu Sans"/>
-              </a:rPr>
-              <a:t>get_seasons</a:t>
-            </a:r>
-            <a:r>
-              <a:rPr lang="en-CA" sz="1800" b="0" strike="noStrike" spc="-1">
-                <a:solidFill>
-                  <a:srgbClr val="CCCCCC"/>
-                </a:solidFill>
-                <a:latin typeface="Menlo"/>
-                <a:ea typeface="DejaVu Sans"/>
-              </a:rPr>
-              <a:t>(</a:t>
-            </a:r>
-            <a:r>
-              <a:rPr lang="en-CA" sz="1800" b="0" strike="noStrike" spc="-1">
-                <a:solidFill>
-                  <a:srgbClr val="9CDCFE"/>
-                </a:solidFill>
-                <a:latin typeface="Menlo"/>
-                <a:ea typeface="DejaVu Sans"/>
-              </a:rPr>
-              <a:t>show_id</a:t>
-            </a:r>
-            <a:r>
-              <a:rPr lang="en-CA" sz="1800" b="0" strike="noStrike" spc="-1">
-                <a:solidFill>
-                  <a:srgbClr val="CCCCCC"/>
-                </a:solidFill>
-                <a:latin typeface="Menlo"/>
-                <a:ea typeface="DejaVu Sans"/>
-              </a:rPr>
-              <a:t>) -&gt; Uses the id to return a data frame of seasons</a:t>
-            </a:r>
-            <a:endParaRPr lang="en-CA" sz="1800" b="0" strike="noStrike" spc="-1">
-              <a:latin typeface="Arial"/>
-            </a:endParaRPr>
-          </a:p>
-          <a:p>
-            <a:pPr marL="285840" indent="-285840">
-              <a:lnSpc>
-                <a:spcPct val="100000"/>
-              </a:lnSpc>
-              <a:buClr>
-                <a:srgbClr val="DCDCAA"/>
-              </a:buClr>
-              <a:buFont typeface="Arial"/>
-              <a:buChar char="•"/>
-            </a:pPr>
-            <a:r>
-              <a:rPr lang="en-CA" sz="1800" b="0" strike="noStrike" spc="-1">
-                <a:solidFill>
-                  <a:srgbClr val="DCDCAA"/>
-                </a:solidFill>
-                <a:latin typeface="Menlo"/>
-                <a:ea typeface="DejaVu Sans"/>
-              </a:rPr>
-              <a:t>format_season_name</a:t>
-            </a:r>
-            <a:r>
-              <a:rPr lang="en-CA" sz="1800" b="0" strike="noStrike" spc="-1">
-                <a:solidFill>
-                  <a:srgbClr val="CCCCCC"/>
-                </a:solidFill>
-                <a:latin typeface="Menlo"/>
-                <a:ea typeface="DejaVu Sans"/>
-              </a:rPr>
-              <a:t>(</a:t>
-            </a:r>
-            <a:r>
-              <a:rPr lang="en-CA" sz="1800" b="0" strike="noStrike" spc="-1">
-                <a:solidFill>
-                  <a:srgbClr val="9CDCFE"/>
-                </a:solidFill>
-                <a:latin typeface="Menlo"/>
-                <a:ea typeface="DejaVu Sans"/>
-              </a:rPr>
-              <a:t>season</a:t>
-            </a:r>
-            <a:r>
-              <a:rPr lang="en-CA" sz="1800" b="0" strike="noStrike" spc="-1">
-                <a:solidFill>
-                  <a:srgbClr val="CCCCCC"/>
-                </a:solidFill>
-                <a:latin typeface="Menlo"/>
-                <a:ea typeface="DejaVu Sans"/>
-              </a:rPr>
-              <a:t>) -&gt; cleans the seasons data frame</a:t>
-            </a:r>
-            <a:endParaRPr lang="en-CA" sz="1800" b="0" strike="noStrike" spc="-1">
-              <a:latin typeface="Arial"/>
-            </a:endParaRPr>
-          </a:p>
-          <a:p>
-            <a:pPr>
-              <a:lnSpc>
-                <a:spcPct val="100000"/>
-              </a:lnSpc>
-              <a:buNone/>
-            </a:pPr>
-            <a:endParaRPr lang="en-CA" sz="1800" b="0" strike="noStrike" spc="-1">
-              <a:latin typeface="Arial"/>
-            </a:endParaRPr>
-          </a:p>
-          <a:p>
-            <a:pPr marL="285840" indent="-285840">
-              <a:lnSpc>
-                <a:spcPct val="100000"/>
-              </a:lnSpc>
-              <a:buClr>
-                <a:srgbClr val="DCDCAA"/>
-              </a:buClr>
-              <a:buFont typeface="Arial"/>
-              <a:buChar char="•"/>
-            </a:pPr>
-            <a:r>
-              <a:rPr lang="en-CA" sz="1800" b="0" strike="noStrike" spc="-1">
-                <a:solidFill>
-                  <a:srgbClr val="DCDCAA"/>
-                </a:solidFill>
-                <a:latin typeface="Menlo"/>
-                <a:ea typeface="DejaVu Sans"/>
-              </a:rPr>
-              <a:t>get_episodes_of_season</a:t>
-            </a:r>
-            <a:r>
-              <a:rPr lang="en-CA" sz="1800" b="0" strike="noStrike" spc="-1">
-                <a:solidFill>
-                  <a:srgbClr val="CCCCCC"/>
-                </a:solidFill>
-                <a:latin typeface="Menlo"/>
-                <a:ea typeface="DejaVu Sans"/>
-              </a:rPr>
-              <a:t>(</a:t>
-            </a:r>
-            <a:r>
-              <a:rPr lang="en-CA" sz="1800" b="0" strike="noStrike" spc="-1">
-                <a:solidFill>
-                  <a:srgbClr val="9CDCFE"/>
-                </a:solidFill>
-                <a:latin typeface="Menlo"/>
-                <a:ea typeface="DejaVu Sans"/>
-              </a:rPr>
-              <a:t>season_id</a:t>
-            </a:r>
-            <a:r>
-              <a:rPr lang="en-CA" sz="1800" b="0" strike="noStrike" spc="-1">
-                <a:solidFill>
-                  <a:srgbClr val="CCCCCC"/>
-                </a:solidFill>
-                <a:latin typeface="Menlo"/>
-                <a:ea typeface="DejaVu Sans"/>
-              </a:rPr>
-              <a:t>) -&gt; Uses the season id to return a data frame of episodes</a:t>
-            </a:r>
-            <a:endParaRPr lang="en-CA" sz="1800" b="0" strike="noStrike" spc="-1">
-              <a:latin typeface="Arial"/>
-            </a:endParaRPr>
-          </a:p>
-          <a:p>
-            <a:pPr marL="285840" indent="-285840">
-              <a:lnSpc>
-                <a:spcPct val="100000"/>
-              </a:lnSpc>
-              <a:buClr>
-                <a:srgbClr val="DCDCAA"/>
-              </a:buClr>
-              <a:buFont typeface="Arial"/>
-              <a:buChar char="•"/>
-            </a:pPr>
-            <a:r>
-              <a:rPr lang="en-CA" sz="1800" b="0" strike="noStrike" spc="-1">
-                <a:solidFill>
-                  <a:srgbClr val="DCDCAA"/>
-                </a:solidFill>
-                <a:latin typeface="Menlo"/>
-                <a:ea typeface="DejaVu Sans"/>
-              </a:rPr>
-              <a:t>format_episode_name</a:t>
-            </a:r>
-            <a:r>
-              <a:rPr lang="en-CA" sz="1800" b="0" strike="noStrike" spc="-1">
-                <a:solidFill>
-                  <a:srgbClr val="CCCCCC"/>
-                </a:solidFill>
-                <a:latin typeface="Menlo"/>
-                <a:ea typeface="DejaVu Sans"/>
-              </a:rPr>
-              <a:t>(</a:t>
-            </a:r>
-            <a:r>
-              <a:rPr lang="en-CA" sz="1800" b="0" strike="noStrike" spc="-1">
-                <a:solidFill>
-                  <a:srgbClr val="9CDCFE"/>
-                </a:solidFill>
-                <a:latin typeface="Menlo"/>
-                <a:ea typeface="DejaVu Sans"/>
-              </a:rPr>
-              <a:t>episode</a:t>
-            </a:r>
-            <a:r>
-              <a:rPr lang="en-CA" sz="1800" b="0" strike="noStrike" spc="-1">
-                <a:solidFill>
-                  <a:srgbClr val="CCCCCC"/>
-                </a:solidFill>
-                <a:latin typeface="Menlo"/>
-                <a:ea typeface="DejaVu Sans"/>
-              </a:rPr>
-              <a:t>) -&gt; cleans the episodes data frame</a:t>
-            </a:r>
-            <a:endParaRPr lang="en-CA" sz="1800" b="0" strike="noStrike" spc="-1">
-              <a:latin typeface="Arial"/>
-            </a:endParaRPr>
-          </a:p>
-          <a:p>
-            <a:pPr>
-              <a:lnSpc>
-                <a:spcPct val="100000"/>
-              </a:lnSpc>
-              <a:buNone/>
-            </a:pPr>
-            <a:endParaRPr lang="en-CA" sz="1800" b="0" strike="noStrike" spc="-1">
-              <a:latin typeface="Arial"/>
-            </a:endParaRPr>
-          </a:p>
-          <a:p>
-            <a:pPr marL="285840" indent="-285840">
-              <a:lnSpc>
-                <a:spcPct val="100000"/>
-              </a:lnSpc>
-              <a:buClr>
-                <a:srgbClr val="CCCCCC"/>
-              </a:buClr>
-              <a:buFont typeface="Arial"/>
-              <a:buChar char="•"/>
-            </a:pPr>
-            <a:r>
-              <a:rPr lang="en-CA" sz="1800" b="1" strike="noStrike" spc="-1">
-                <a:solidFill>
-                  <a:srgbClr val="CCCCCC"/>
-                </a:solidFill>
-                <a:latin typeface="Menlo"/>
-                <a:ea typeface="DejaVu Sans"/>
-              </a:rPr>
-              <a:t>plot_season_ratings(episodes):</a:t>
-            </a:r>
-            <a:endParaRPr lang="en-CA" sz="1800" b="0" strike="noStrike" spc="-1">
-              <a:latin typeface="Arial"/>
-            </a:endParaRPr>
-          </a:p>
-          <a:p>
-            <a:pPr marL="285840" indent="-285840">
-              <a:lnSpc>
-                <a:spcPct val="100000"/>
-              </a:lnSpc>
-              <a:buClr>
-                <a:srgbClr val="CCCCCC"/>
-              </a:buClr>
-              <a:buFont typeface="Arial"/>
-              <a:buChar char="•"/>
-            </a:pPr>
-            <a:r>
-              <a:rPr lang="en-CA" sz="1800" b="1" strike="noStrike" spc="-1">
-                <a:solidFill>
-                  <a:srgbClr val="CCCCCC"/>
-                </a:solidFill>
-                <a:latin typeface="Menlo"/>
-                <a:ea typeface="DejaVu Sans"/>
-              </a:rPr>
-              <a:t>Plots the ratings of each episode of the season and calculates the average rating</a:t>
-            </a:r>
-            <a:endParaRPr lang="en-CA" sz="1800" b="0" strike="noStrike" spc="-1">
-              <a:latin typeface="Arial"/>
-            </a:endParaRPr>
-          </a:p>
-          <a:p>
-            <a:pPr>
-              <a:lnSpc>
-                <a:spcPct val="100000"/>
-              </a:lnSpc>
-              <a:buNone/>
-            </a:pPr>
-            <a:endParaRPr lang="en-CA" sz="1800" b="0" strike="noStrike" spc="-1">
-              <a:latin typeface="Arial"/>
-            </a:endParaRPr>
-          </a:p>
-        </p:txBody>
-      </p:sp>
-    </p:spTree>
-  </p:cSld>
-  <p:clrMapOvr>
-    <a:masterClrMapping/>
-  </p:clrMapOvr>
-</p:sld>
-</file>
-
-<file path=ppt/slides/slide8.xml><?xml version="1.0" encoding="utf-8"?>
-<p:sld xmlns:a="http://schemas.openxmlformats.org/drawingml/2006/main" xmlns:r="http://schemas.openxmlformats.org/officeDocument/2006/relationships" xmlns:p="http://schemas.openxmlformats.org/presentationml/2006/main">
-  <p:cSld>
-    <p:bg>
-      <p:bgPr>
-        <a:solidFill>
-          <a:srgbClr val="FFFFFF"/>
-        </a:solidFill>
-        <a:effectLst/>
-      </p:bgPr>
-    </p:bg>
-    <p:spTree>
-      <p:nvGrpSpPr>
-        <p:cNvPr id="1" name=""/>
-        <p:cNvGrpSpPr/>
-        <p:nvPr/>
-      </p:nvGrpSpPr>
-      <p:grpSpPr>
-        <a:xfrm>
-          <a:off x="0" y="0"/>
-          <a:ext cx="0" cy="0"/>
-          <a:chOff x="0" y="0"/>
-          <a:chExt cx="0" cy="0"/>
-        </a:xfrm>
-      </p:grpSpPr>
-      <p:sp>
-        <p:nvSpPr>
           <p:cNvPr id="179" name="Rectangle 32"/>
           <p:cNvSpPr/>
           <p:nvPr/>
@@ -20945,7 +18837,7 @@
 </p:sld>
 </file>
 
-<file path=ppt/slides/slide9.xml><?xml version="1.0" encoding="utf-8"?>
+<file path=ppt/slides/slide8.xml><?xml version="1.0" encoding="utf-8"?>
 <p:sld xmlns:a="http://schemas.openxmlformats.org/drawingml/2006/main" xmlns:r="http://schemas.openxmlformats.org/officeDocument/2006/relationships" xmlns:p="http://schemas.openxmlformats.org/presentationml/2006/main">
   <p:cSld>
     <p:bg>
@@ -21926,6 +19818,798 @@
         <p14:creationId xmlns:p14="http://schemas.microsoft.com/office/powerpoint/2010/main" val="2794827852"/>
       </p:ext>
     </p:extLst>
+  </p:cSld>
+  <p:clrMapOvr>
+    <a:masterClrMapping/>
+  </p:clrMapOvr>
+</p:sld>
+</file>
+
+<file path=ppt/slides/slide9.xml><?xml version="1.0" encoding="utf-8"?>
+<p:sld xmlns:a="http://schemas.openxmlformats.org/drawingml/2006/main" xmlns:r="http://schemas.openxmlformats.org/officeDocument/2006/relationships" xmlns:p="http://schemas.openxmlformats.org/presentationml/2006/main">
+  <p:cSld>
+    <p:bg>
+      <p:bgPr>
+        <a:solidFill>
+          <a:srgbClr val="FFFFFF"/>
+        </a:solidFill>
+        <a:effectLst/>
+      </p:bgPr>
+    </p:bg>
+    <p:spTree>
+      <p:nvGrpSpPr>
+        <p:cNvPr id="1" name=""/>
+        <p:cNvGrpSpPr/>
+        <p:nvPr/>
+      </p:nvGrpSpPr>
+      <p:grpSpPr>
+        <a:xfrm>
+          <a:off x="0" y="0"/>
+          <a:ext cx="0" cy="0"/>
+          <a:chOff x="0" y="0"/>
+          <a:chExt cx="0" cy="0"/>
+        </a:xfrm>
+      </p:grpSpPr>
+      <p:sp>
+        <p:nvSpPr>
+          <p:cNvPr id="186" name="Straight Connector 7"/>
+          <p:cNvSpPr/>
+          <p:nvPr/>
+        </p:nvSpPr>
+        <p:spPr>
+          <a:xfrm>
+            <a:off x="715680" y="1113840"/>
+            <a:ext cx="360" cy="5735520"/>
+          </a:xfrm>
+          <a:prstGeom prst="line">
+            <a:avLst/>
+          </a:prstGeom>
+          <a:ln w="25400" cap="sq">
+            <a:solidFill>
+              <a:srgbClr val="2683C6"/>
+            </a:solidFill>
+            <a:bevel/>
+          </a:ln>
+        </p:spPr>
+        <p:style>
+          <a:lnRef idx="1">
+            <a:schemeClr val="accent1"/>
+          </a:lnRef>
+          <a:fillRef idx="0">
+            <a:schemeClr val="accent1"/>
+          </a:fillRef>
+          <a:effectRef idx="0">
+            <a:schemeClr val="accent1"/>
+          </a:effectRef>
+          <a:fontRef idx="minor"/>
+        </p:style>
+        <p:txBody>
+          <a:bodyPr/>
+          <a:lstStyle/>
+          <a:p>
+            <a:endParaRPr lang="en-US"/>
+          </a:p>
+        </p:txBody>
+      </p:sp>
+      <p:sp>
+        <p:nvSpPr>
+          <p:cNvPr id="187" name="Rectangle 9"/>
+          <p:cNvSpPr/>
+          <p:nvPr/>
+        </p:nvSpPr>
+        <p:spPr>
+          <a:xfrm>
+            <a:off x="0" y="0"/>
+            <a:ext cx="12191400" cy="6857280"/>
+          </a:xfrm>
+          <a:prstGeom prst="rect">
+            <a:avLst/>
+          </a:prstGeom>
+          <a:gradFill rotWithShape="0">
+            <a:gsLst>
+              <a:gs pos="0">
+                <a:srgbClr val="2683C6"/>
+              </a:gs>
+              <a:gs pos="100000">
+                <a:srgbClr val="42BA97"/>
+              </a:gs>
+            </a:gsLst>
+            <a:lin ang="2700000"/>
+          </a:gradFill>
+          <a:ln>
+            <a:noFill/>
+          </a:ln>
+        </p:spPr>
+        <p:style>
+          <a:lnRef idx="2">
+            <a:schemeClr val="accent1">
+              <a:shade val="50000"/>
+            </a:schemeClr>
+          </a:lnRef>
+          <a:fillRef idx="1">
+            <a:schemeClr val="accent1"/>
+          </a:fillRef>
+          <a:effectRef idx="0">
+            <a:schemeClr val="accent1"/>
+          </a:effectRef>
+          <a:fontRef idx="minor"/>
+        </p:style>
+        <p:txBody>
+          <a:bodyPr/>
+          <a:lstStyle/>
+          <a:p>
+            <a:endParaRPr lang="en-US"/>
+          </a:p>
+        </p:txBody>
+      </p:sp>
+      <p:sp>
+        <p:nvSpPr>
+          <p:cNvPr id="188" name="PlaceHolder 1"/>
+          <p:cNvSpPr>
+            <a:spLocks noGrp="1"/>
+          </p:cNvSpPr>
+          <p:nvPr>
+            <p:ph type="title"/>
+          </p:nvPr>
+        </p:nvSpPr>
+        <p:spPr>
+          <a:xfrm>
+            <a:off x="1522080" y="1209240"/>
+            <a:ext cx="9147240" cy="2336400"/>
+          </a:xfrm>
+          <a:prstGeom prst="rect">
+            <a:avLst/>
+          </a:prstGeom>
+          <a:noFill/>
+          <a:ln w="0">
+            <a:noFill/>
+          </a:ln>
+        </p:spPr>
+        <p:txBody>
+          <a:bodyPr lIns="90000" tIns="45000" rIns="90000" bIns="45000" anchor="b">
+            <a:normAutofit/>
+          </a:bodyPr>
+          <a:lstStyle/>
+          <a:p>
+            <a:pPr algn="ctr">
+              <a:lnSpc>
+                <a:spcPct val="90000"/>
+              </a:lnSpc>
+              <a:buNone/>
+            </a:pPr>
+            <a:r>
+              <a:rPr lang="en-US" sz="6000" b="1" strike="noStrike" cap="all" spc="-1" dirty="0">
+                <a:solidFill>
+                  <a:srgbClr val="FFFFFF"/>
+                </a:solidFill>
+                <a:latin typeface="Univers"/>
+                <a:ea typeface="DejaVu Sans"/>
+              </a:rPr>
+              <a:t>Demonstration</a:t>
+            </a:r>
+            <a:endParaRPr lang="en-US" sz="6000" b="0" strike="noStrike" spc="-1" dirty="0">
+              <a:solidFill>
+                <a:srgbClr val="000000"/>
+              </a:solidFill>
+              <a:latin typeface="Arial"/>
+            </a:endParaRPr>
+          </a:p>
+        </p:txBody>
+      </p:sp>
+      <p:sp>
+        <p:nvSpPr>
+          <p:cNvPr id="189" name="Graphic 22"/>
+          <p:cNvSpPr/>
+          <p:nvPr/>
+        </p:nvSpPr>
+        <p:spPr>
+          <a:xfrm>
+            <a:off x="1261800" y="2383200"/>
+            <a:ext cx="150840" cy="150840"/>
+          </a:xfrm>
+          <a:custGeom>
+            <a:avLst/>
+            <a:gdLst/>
+            <a:ahLst/>
+            <a:cxnLst/>
+            <a:rect l="l" t="t" r="r" b="b"/>
+            <a:pathLst>
+              <a:path w="151536" h="151536">
+                <a:moveTo>
+                  <a:pt x="141251" y="65483"/>
+                </a:moveTo>
+                <a:lnTo>
+                  <a:pt x="86053" y="65483"/>
+                </a:lnTo>
+                <a:lnTo>
+                  <a:pt x="86053" y="10285"/>
+                </a:lnTo>
+                <a:cubicBezTo>
+                  <a:pt x="86053" y="4605"/>
+                  <a:pt x="81448" y="0"/>
+                  <a:pt x="75768" y="0"/>
+                </a:cubicBezTo>
+                <a:cubicBezTo>
+                  <a:pt x="70088" y="0"/>
+                  <a:pt x="65483" y="4605"/>
+                  <a:pt x="65483" y="10285"/>
+                </a:cubicBezTo>
+                <a:lnTo>
+                  <a:pt x="65483" y="65483"/>
+                </a:lnTo>
+                <a:lnTo>
+                  <a:pt x="10285" y="65483"/>
+                </a:lnTo>
+                <a:cubicBezTo>
+                  <a:pt x="4605" y="65483"/>
+                  <a:pt x="0" y="70088"/>
+                  <a:pt x="0" y="75768"/>
+                </a:cubicBezTo>
+                <a:cubicBezTo>
+                  <a:pt x="0" y="81448"/>
+                  <a:pt x="4605" y="86053"/>
+                  <a:pt x="10285" y="86053"/>
+                </a:cubicBezTo>
+                <a:lnTo>
+                  <a:pt x="65483" y="86053"/>
+                </a:lnTo>
+                <a:lnTo>
+                  <a:pt x="65483" y="141251"/>
+                </a:lnTo>
+                <a:cubicBezTo>
+                  <a:pt x="65483" y="146931"/>
+                  <a:pt x="70088" y="151536"/>
+                  <a:pt x="75768" y="151536"/>
+                </a:cubicBezTo>
+                <a:cubicBezTo>
+                  <a:pt x="81448" y="151536"/>
+                  <a:pt x="86053" y="146931"/>
+                  <a:pt x="86053" y="141251"/>
+                </a:cubicBezTo>
+                <a:lnTo>
+                  <a:pt x="86053" y="86053"/>
+                </a:lnTo>
+                <a:lnTo>
+                  <a:pt x="141251" y="86053"/>
+                </a:lnTo>
+                <a:cubicBezTo>
+                  <a:pt x="146931" y="86053"/>
+                  <a:pt x="151536" y="81448"/>
+                  <a:pt x="151536" y="75768"/>
+                </a:cubicBezTo>
+                <a:cubicBezTo>
+                  <a:pt x="151536" y="70088"/>
+                  <a:pt x="146931" y="65483"/>
+                  <a:pt x="141251" y="65483"/>
+                </a:cubicBezTo>
+                <a:close/>
+              </a:path>
+            </a:pathLst>
+          </a:custGeom>
+          <a:solidFill>
+            <a:schemeClr val="bg1"/>
+          </a:solidFill>
+          <a:ln w="646">
+            <a:noFill/>
+          </a:ln>
+        </p:spPr>
+        <p:style>
+          <a:lnRef idx="0">
+            <a:scrgbClr r="0" g="0" b="0"/>
+          </a:lnRef>
+          <a:fillRef idx="0">
+            <a:scrgbClr r="0" g="0" b="0"/>
+          </a:fillRef>
+          <a:effectRef idx="0">
+            <a:scrgbClr r="0" g="0" b="0"/>
+          </a:effectRef>
+          <a:fontRef idx="minor"/>
+        </p:style>
+        <p:txBody>
+          <a:bodyPr/>
+          <a:lstStyle/>
+          <a:p>
+            <a:endParaRPr lang="en-US"/>
+          </a:p>
+        </p:txBody>
+      </p:sp>
+      <p:sp>
+        <p:nvSpPr>
+          <p:cNvPr id="190" name="Graphic 13"/>
+          <p:cNvSpPr/>
+          <p:nvPr/>
+        </p:nvSpPr>
+        <p:spPr>
+          <a:xfrm>
+            <a:off x="10724400" y="2265480"/>
+            <a:ext cx="138240" cy="138240"/>
+          </a:xfrm>
+          <a:custGeom>
+            <a:avLst/>
+            <a:gdLst/>
+            <a:ahLst/>
+            <a:cxnLst/>
+            <a:rect l="l" t="t" r="r" b="b"/>
+            <a:pathLst>
+              <a:path w="139039" h="139039">
+                <a:moveTo>
+                  <a:pt x="129602" y="60082"/>
+                </a:moveTo>
+                <a:lnTo>
+                  <a:pt x="78957" y="60082"/>
+                </a:lnTo>
+                <a:lnTo>
+                  <a:pt x="78957" y="9437"/>
+                </a:lnTo>
+                <a:cubicBezTo>
+                  <a:pt x="78957" y="4225"/>
+                  <a:pt x="74731" y="0"/>
+                  <a:pt x="69520" y="0"/>
+                </a:cubicBezTo>
+                <a:cubicBezTo>
+                  <a:pt x="64308" y="0"/>
+                  <a:pt x="60082" y="4225"/>
+                  <a:pt x="60082" y="9437"/>
+                </a:cubicBezTo>
+                <a:lnTo>
+                  <a:pt x="60082" y="60082"/>
+                </a:lnTo>
+                <a:lnTo>
+                  <a:pt x="9437" y="60082"/>
+                </a:lnTo>
+                <a:cubicBezTo>
+                  <a:pt x="4225" y="60082"/>
+                  <a:pt x="0" y="64308"/>
+                  <a:pt x="0" y="69520"/>
+                </a:cubicBezTo>
+                <a:cubicBezTo>
+                  <a:pt x="0" y="74731"/>
+                  <a:pt x="4225" y="78957"/>
+                  <a:pt x="9437" y="78957"/>
+                </a:cubicBezTo>
+                <a:lnTo>
+                  <a:pt x="60082" y="78957"/>
+                </a:lnTo>
+                <a:lnTo>
+                  <a:pt x="60082" y="129602"/>
+                </a:lnTo>
+                <a:cubicBezTo>
+                  <a:pt x="60082" y="134814"/>
+                  <a:pt x="64308" y="139039"/>
+                  <a:pt x="69520" y="139039"/>
+                </a:cubicBezTo>
+                <a:cubicBezTo>
+                  <a:pt x="74731" y="139039"/>
+                  <a:pt x="78957" y="134814"/>
+                  <a:pt x="78957" y="129602"/>
+                </a:cubicBezTo>
+                <a:lnTo>
+                  <a:pt x="78957" y="78957"/>
+                </a:lnTo>
+                <a:lnTo>
+                  <a:pt x="129602" y="78957"/>
+                </a:lnTo>
+                <a:cubicBezTo>
+                  <a:pt x="134814" y="78957"/>
+                  <a:pt x="139039" y="74731"/>
+                  <a:pt x="139039" y="69520"/>
+                </a:cubicBezTo>
+                <a:cubicBezTo>
+                  <a:pt x="139039" y="64308"/>
+                  <a:pt x="134814" y="60082"/>
+                  <a:pt x="129602" y="60082"/>
+                </a:cubicBezTo>
+                <a:close/>
+              </a:path>
+            </a:pathLst>
+          </a:custGeom>
+          <a:solidFill>
+            <a:schemeClr val="bg1"/>
+          </a:solidFill>
+          <a:ln w="603">
+            <a:noFill/>
+          </a:ln>
+        </p:spPr>
+        <p:style>
+          <a:lnRef idx="0">
+            <a:scrgbClr r="0" g="0" b="0"/>
+          </a:lnRef>
+          <a:fillRef idx="0">
+            <a:scrgbClr r="0" g="0" b="0"/>
+          </a:fillRef>
+          <a:effectRef idx="0">
+            <a:scrgbClr r="0" g="0" b="0"/>
+          </a:effectRef>
+          <a:fontRef idx="minor"/>
+        </p:style>
+        <p:txBody>
+          <a:bodyPr/>
+          <a:lstStyle/>
+          <a:p>
+            <a:endParaRPr lang="en-US"/>
+          </a:p>
+        </p:txBody>
+      </p:sp>
+      <p:sp>
+        <p:nvSpPr>
+          <p:cNvPr id="191" name="Graphic 15"/>
+          <p:cNvSpPr/>
+          <p:nvPr/>
+        </p:nvSpPr>
+        <p:spPr>
+          <a:xfrm>
+            <a:off x="11025000" y="2537280"/>
+            <a:ext cx="127080" cy="127080"/>
+          </a:xfrm>
+          <a:custGeom>
+            <a:avLst/>
+            <a:gdLst/>
+            <a:ahLst/>
+            <a:cxnLst/>
+            <a:rect l="l" t="t" r="r" b="b"/>
+            <a:pathLst>
+              <a:path w="127714" h="127714">
+                <a:moveTo>
+                  <a:pt x="63857" y="18874"/>
+                </a:moveTo>
+                <a:cubicBezTo>
+                  <a:pt x="88700" y="18874"/>
+                  <a:pt x="108840" y="39014"/>
+                  <a:pt x="108840" y="63857"/>
+                </a:cubicBezTo>
+                <a:cubicBezTo>
+                  <a:pt x="108840" y="88700"/>
+                  <a:pt x="88700" y="108840"/>
+                  <a:pt x="63857" y="108840"/>
+                </a:cubicBezTo>
+                <a:cubicBezTo>
+                  <a:pt x="39014" y="108840"/>
+                  <a:pt x="18874" y="88700"/>
+                  <a:pt x="18874" y="63857"/>
+                </a:cubicBezTo>
+                <a:cubicBezTo>
+                  <a:pt x="18898" y="39024"/>
+                  <a:pt x="39024" y="18898"/>
+                  <a:pt x="63857" y="18874"/>
+                </a:cubicBezTo>
+                <a:moveTo>
+                  <a:pt x="63857" y="0"/>
+                </a:moveTo>
+                <a:cubicBezTo>
+                  <a:pt x="28590" y="0"/>
+                  <a:pt x="0" y="28590"/>
+                  <a:pt x="0" y="63857"/>
+                </a:cubicBezTo>
+                <a:cubicBezTo>
+                  <a:pt x="0" y="99124"/>
+                  <a:pt x="28590" y="127714"/>
+                  <a:pt x="63857" y="127714"/>
+                </a:cubicBezTo>
+                <a:cubicBezTo>
+                  <a:pt x="99124" y="127714"/>
+                  <a:pt x="127714" y="99124"/>
+                  <a:pt x="127714" y="63857"/>
+                </a:cubicBezTo>
+                <a:cubicBezTo>
+                  <a:pt x="127714" y="28590"/>
+                  <a:pt x="99124" y="0"/>
+                  <a:pt x="63857" y="0"/>
+                </a:cubicBezTo>
+                <a:close/>
+              </a:path>
+            </a:pathLst>
+          </a:custGeom>
+          <a:solidFill>
+            <a:schemeClr val="bg1"/>
+          </a:solidFill>
+          <a:ln w="610">
+            <a:noFill/>
+          </a:ln>
+        </p:spPr>
+        <p:style>
+          <a:lnRef idx="0">
+            <a:scrgbClr r="0" g="0" b="0"/>
+          </a:lnRef>
+          <a:fillRef idx="0">
+            <a:scrgbClr r="0" g="0" b="0"/>
+          </a:fillRef>
+          <a:effectRef idx="0">
+            <a:scrgbClr r="0" g="0" b="0"/>
+          </a:effectRef>
+          <a:fontRef idx="minor"/>
+        </p:style>
+        <p:txBody>
+          <a:bodyPr/>
+          <a:lstStyle/>
+          <a:p>
+            <a:endParaRPr lang="en-US"/>
+          </a:p>
+        </p:txBody>
+      </p:sp>
+      <p:sp>
+        <p:nvSpPr>
+          <p:cNvPr id="192" name="Graphic 21"/>
+          <p:cNvSpPr/>
+          <p:nvPr/>
+        </p:nvSpPr>
+        <p:spPr>
+          <a:xfrm>
+            <a:off x="1064160" y="2832840"/>
+            <a:ext cx="95040" cy="95040"/>
+          </a:xfrm>
+          <a:custGeom>
+            <a:avLst/>
+            <a:gdLst/>
+            <a:ahLst/>
+            <a:cxnLst/>
+            <a:rect l="l" t="t" r="r" b="b"/>
+            <a:pathLst>
+              <a:path w="95759" h="95759">
+                <a:moveTo>
+                  <a:pt x="95759" y="47880"/>
+                </a:moveTo>
+                <a:cubicBezTo>
+                  <a:pt x="95759" y="74323"/>
+                  <a:pt x="74323" y="95759"/>
+                  <a:pt x="47880" y="95759"/>
+                </a:cubicBezTo>
+                <a:cubicBezTo>
+                  <a:pt x="21436" y="95759"/>
+                  <a:pt x="0" y="74323"/>
+                  <a:pt x="0" y="47880"/>
+                </a:cubicBezTo>
+                <a:cubicBezTo>
+                  <a:pt x="0" y="21436"/>
+                  <a:pt x="21436" y="0"/>
+                  <a:pt x="47880" y="0"/>
+                </a:cubicBezTo>
+                <a:cubicBezTo>
+                  <a:pt x="74323" y="0"/>
+                  <a:pt x="95759" y="21436"/>
+                  <a:pt x="95759" y="47880"/>
+                </a:cubicBezTo>
+                <a:close/>
+              </a:path>
+            </a:pathLst>
+          </a:custGeom>
+          <a:solidFill>
+            <a:schemeClr val="bg1"/>
+          </a:solidFill>
+          <a:ln w="0">
+            <a:noFill/>
+          </a:ln>
+        </p:spPr>
+        <p:style>
+          <a:lnRef idx="0">
+            <a:scrgbClr r="0" g="0" b="0"/>
+          </a:lnRef>
+          <a:fillRef idx="0">
+            <a:scrgbClr r="0" g="0" b="0"/>
+          </a:fillRef>
+          <a:effectRef idx="0">
+            <a:scrgbClr r="0" g="0" b="0"/>
+          </a:effectRef>
+          <a:fontRef idx="minor"/>
+        </p:style>
+        <p:txBody>
+          <a:bodyPr/>
+          <a:lstStyle/>
+          <a:p>
+            <a:endParaRPr lang="en-US"/>
+          </a:p>
+        </p:txBody>
+      </p:sp>
+      <p:sp>
+        <p:nvSpPr>
+          <p:cNvPr id="193" name="Graphic 12"/>
+          <p:cNvSpPr/>
+          <p:nvPr/>
+        </p:nvSpPr>
+        <p:spPr>
+          <a:xfrm>
+            <a:off x="10772280" y="2804040"/>
+            <a:ext cx="90360" cy="90360"/>
+          </a:xfrm>
+          <a:custGeom>
+            <a:avLst/>
+            <a:gdLst/>
+            <a:ahLst/>
+            <a:cxnLst/>
+            <a:rect l="l" t="t" r="r" b="b"/>
+            <a:pathLst>
+              <a:path w="91138" h="91138">
+                <a:moveTo>
+                  <a:pt x="91138" y="45569"/>
+                </a:moveTo>
+                <a:cubicBezTo>
+                  <a:pt x="91138" y="70736"/>
+                  <a:pt x="70736" y="91138"/>
+                  <a:pt x="45569" y="91138"/>
+                </a:cubicBezTo>
+                <a:cubicBezTo>
+                  <a:pt x="20402" y="91138"/>
+                  <a:pt x="0" y="70736"/>
+                  <a:pt x="0" y="45569"/>
+                </a:cubicBezTo>
+                <a:cubicBezTo>
+                  <a:pt x="0" y="20402"/>
+                  <a:pt x="20402" y="0"/>
+                  <a:pt x="45569" y="0"/>
+                </a:cubicBezTo>
+                <a:cubicBezTo>
+                  <a:pt x="70736" y="0"/>
+                  <a:pt x="91138" y="20402"/>
+                  <a:pt x="91138" y="45569"/>
+                </a:cubicBezTo>
+                <a:close/>
+              </a:path>
+            </a:pathLst>
+          </a:custGeom>
+          <a:solidFill>
+            <a:schemeClr val="bg1"/>
+          </a:solidFill>
+          <a:ln w="0">
+            <a:noFill/>
+          </a:ln>
+        </p:spPr>
+        <p:style>
+          <a:lnRef idx="0">
+            <a:scrgbClr r="0" g="0" b="0"/>
+          </a:lnRef>
+          <a:fillRef idx="0">
+            <a:scrgbClr r="0" g="0" b="0"/>
+          </a:fillRef>
+          <a:effectRef idx="0">
+            <a:scrgbClr r="0" g="0" b="0"/>
+          </a:effectRef>
+          <a:fontRef idx="minor"/>
+        </p:style>
+        <p:txBody>
+          <a:bodyPr/>
+          <a:lstStyle/>
+          <a:p>
+            <a:endParaRPr lang="en-US"/>
+          </a:p>
+        </p:txBody>
+      </p:sp>
+      <p:sp>
+        <p:nvSpPr>
+          <p:cNvPr id="194" name="Graphic 23"/>
+          <p:cNvSpPr/>
+          <p:nvPr/>
+        </p:nvSpPr>
+        <p:spPr>
+          <a:xfrm>
+            <a:off x="1413360" y="3242520"/>
+            <a:ext cx="108000" cy="108000"/>
+          </a:xfrm>
+          <a:custGeom>
+            <a:avLst/>
+            <a:gdLst/>
+            <a:ahLst/>
+            <a:cxnLst/>
+            <a:rect l="l" t="t" r="r" b="b"/>
+            <a:pathLst>
+              <a:path w="108625" h="108625">
+                <a:moveTo>
+                  <a:pt x="54313" y="16053"/>
+                </a:moveTo>
+                <a:cubicBezTo>
+                  <a:pt x="75442" y="16053"/>
+                  <a:pt x="92572" y="33182"/>
+                  <a:pt x="92572" y="54313"/>
+                </a:cubicBezTo>
+                <a:cubicBezTo>
+                  <a:pt x="92572" y="75442"/>
+                  <a:pt x="75442" y="92572"/>
+                  <a:pt x="54313" y="92572"/>
+                </a:cubicBezTo>
+                <a:cubicBezTo>
+                  <a:pt x="33182" y="92572"/>
+                  <a:pt x="16053" y="75442"/>
+                  <a:pt x="16053" y="54313"/>
+                </a:cubicBezTo>
+                <a:cubicBezTo>
+                  <a:pt x="16074" y="33191"/>
+                  <a:pt x="33191" y="16074"/>
+                  <a:pt x="54313" y="16053"/>
+                </a:cubicBezTo>
+                <a:moveTo>
+                  <a:pt x="54313" y="0"/>
+                </a:moveTo>
+                <a:cubicBezTo>
+                  <a:pt x="24317" y="0"/>
+                  <a:pt x="0" y="24317"/>
+                  <a:pt x="0" y="54313"/>
+                </a:cubicBezTo>
+                <a:cubicBezTo>
+                  <a:pt x="0" y="84309"/>
+                  <a:pt x="24317" y="108625"/>
+                  <a:pt x="54313" y="108625"/>
+                </a:cubicBezTo>
+                <a:cubicBezTo>
+                  <a:pt x="84309" y="108625"/>
+                  <a:pt x="108625" y="84309"/>
+                  <a:pt x="108625" y="54313"/>
+                </a:cubicBezTo>
+                <a:cubicBezTo>
+                  <a:pt x="108625" y="24317"/>
+                  <a:pt x="84309" y="0"/>
+                  <a:pt x="54313" y="0"/>
+                </a:cubicBezTo>
+                <a:close/>
+              </a:path>
+            </a:pathLst>
+          </a:custGeom>
+          <a:solidFill>
+            <a:schemeClr val="bg1"/>
+          </a:solidFill>
+          <a:ln w="0">
+            <a:noFill/>
+          </a:ln>
+        </p:spPr>
+        <p:style>
+          <a:lnRef idx="0">
+            <a:scrgbClr r="0" g="0" b="0"/>
+          </a:lnRef>
+          <a:fillRef idx="0">
+            <a:scrgbClr r="0" g="0" b="0"/>
+          </a:fillRef>
+          <a:effectRef idx="0">
+            <a:scrgbClr r="0" g="0" b="0"/>
+          </a:effectRef>
+          <a:fontRef idx="minor"/>
+        </p:style>
+        <p:txBody>
+          <a:bodyPr/>
+          <a:lstStyle/>
+          <a:p>
+            <a:endParaRPr lang="en-US"/>
+          </a:p>
+        </p:txBody>
+      </p:sp>
+      <p:sp>
+        <p:nvSpPr>
+          <p:cNvPr id="195" name="Straight Connector 23"/>
+          <p:cNvSpPr/>
+          <p:nvPr/>
+        </p:nvSpPr>
+        <p:spPr>
+          <a:xfrm>
+            <a:off x="0" y="5831640"/>
+            <a:ext cx="12188880" cy="360"/>
+          </a:xfrm>
+          <a:prstGeom prst="line">
+            <a:avLst/>
+          </a:prstGeom>
+          <a:ln w="25400" cap="sq">
+            <a:solidFill>
+              <a:srgbClr val="FFFFFF"/>
+            </a:solidFill>
+            <a:bevel/>
+          </a:ln>
+        </p:spPr>
+        <p:style>
+          <a:lnRef idx="1">
+            <a:schemeClr val="accent1"/>
+          </a:lnRef>
+          <a:fillRef idx="0">
+            <a:schemeClr val="accent1"/>
+          </a:fillRef>
+          <a:effectRef idx="0">
+            <a:schemeClr val="accent1"/>
+          </a:effectRef>
+          <a:fontRef idx="minor"/>
+        </p:style>
+        <p:txBody>
+          <a:bodyPr/>
+          <a:lstStyle/>
+          <a:p>
+            <a:endParaRPr lang="en-US"/>
+          </a:p>
+        </p:txBody>
+      </p:sp>
+    </p:spTree>
   </p:cSld>
   <p:clrMapOvr>
     <a:masterClrMapping/>
